--- a/meshes [Autoguardado].pptx
+++ b/meshes [Autoguardado].pptx
@@ -13,7 +13,8 @@
     <p:sldId id="262" r:id="rId7"/>
     <p:sldId id="263" r:id="rId8"/>
     <p:sldId id="264" r:id="rId9"/>
-    <p:sldId id="259" r:id="rId10"/>
+    <p:sldId id="265" r:id="rId10"/>
+    <p:sldId id="259" r:id="rId11"/>
   </p:sldIdLst>
   <p:sldSz cx="32032575" cy="18018125"/>
   <p:notesSz cx="6858000" cy="9144000"/>
@@ -3898,7 +3899,7 @@
           <a:p>
             <a:fld id="{56E17E0E-BED0-40DA-882A-A57045C57D8C}" type="datetimeFigureOut">
               <a:rPr lang="es-ES" smtClean="0"/>
-              <a:t>02/06/2019</a:t>
+              <a:t>19/06/2019</a:t>
             </a:fld>
             <a:endParaRPr lang="es-ES"/>
           </a:p>
@@ -4068,7 +4069,7 @@
           <a:p>
             <a:fld id="{56E17E0E-BED0-40DA-882A-A57045C57D8C}" type="datetimeFigureOut">
               <a:rPr lang="es-ES" smtClean="0"/>
-              <a:t>02/06/2019</a:t>
+              <a:t>19/06/2019</a:t>
             </a:fld>
             <a:endParaRPr lang="es-ES"/>
           </a:p>
@@ -4248,7 +4249,7 @@
           <a:p>
             <a:fld id="{56E17E0E-BED0-40DA-882A-A57045C57D8C}" type="datetimeFigureOut">
               <a:rPr lang="es-ES" smtClean="0"/>
-              <a:t>02/06/2019</a:t>
+              <a:t>19/06/2019</a:t>
             </a:fld>
             <a:endParaRPr lang="es-ES"/>
           </a:p>
@@ -4418,7 +4419,7 @@
           <a:p>
             <a:fld id="{56E17E0E-BED0-40DA-882A-A57045C57D8C}" type="datetimeFigureOut">
               <a:rPr lang="es-ES" smtClean="0"/>
-              <a:t>02/06/2019</a:t>
+              <a:t>19/06/2019</a:t>
             </a:fld>
             <a:endParaRPr lang="es-ES"/>
           </a:p>
@@ -4664,7 +4665,7 @@
           <a:p>
             <a:fld id="{56E17E0E-BED0-40DA-882A-A57045C57D8C}" type="datetimeFigureOut">
               <a:rPr lang="es-ES" smtClean="0"/>
-              <a:t>02/06/2019</a:t>
+              <a:t>19/06/2019</a:t>
             </a:fld>
             <a:endParaRPr lang="es-ES"/>
           </a:p>
@@ -4896,7 +4897,7 @@
           <a:p>
             <a:fld id="{56E17E0E-BED0-40DA-882A-A57045C57D8C}" type="datetimeFigureOut">
               <a:rPr lang="es-ES" smtClean="0"/>
-              <a:t>02/06/2019</a:t>
+              <a:t>19/06/2019</a:t>
             </a:fld>
             <a:endParaRPr lang="es-ES"/>
           </a:p>
@@ -5263,7 +5264,7 @@
           <a:p>
             <a:fld id="{56E17E0E-BED0-40DA-882A-A57045C57D8C}" type="datetimeFigureOut">
               <a:rPr lang="es-ES" smtClean="0"/>
-              <a:t>02/06/2019</a:t>
+              <a:t>19/06/2019</a:t>
             </a:fld>
             <a:endParaRPr lang="es-ES"/>
           </a:p>
@@ -5381,7 +5382,7 @@
           <a:p>
             <a:fld id="{56E17E0E-BED0-40DA-882A-A57045C57D8C}" type="datetimeFigureOut">
               <a:rPr lang="es-ES" smtClean="0"/>
-              <a:t>02/06/2019</a:t>
+              <a:t>19/06/2019</a:t>
             </a:fld>
             <a:endParaRPr lang="es-ES"/>
           </a:p>
@@ -5476,7 +5477,7 @@
           <a:p>
             <a:fld id="{56E17E0E-BED0-40DA-882A-A57045C57D8C}" type="datetimeFigureOut">
               <a:rPr lang="es-ES" smtClean="0"/>
-              <a:t>02/06/2019</a:t>
+              <a:t>19/06/2019</a:t>
             </a:fld>
             <a:endParaRPr lang="es-ES"/>
           </a:p>
@@ -5753,7 +5754,7 @@
           <a:p>
             <a:fld id="{56E17E0E-BED0-40DA-882A-A57045C57D8C}" type="datetimeFigureOut">
               <a:rPr lang="es-ES" smtClean="0"/>
-              <a:t>02/06/2019</a:t>
+              <a:t>19/06/2019</a:t>
             </a:fld>
             <a:endParaRPr lang="es-ES"/>
           </a:p>
@@ -6010,7 +6011,7 @@
           <a:p>
             <a:fld id="{56E17E0E-BED0-40DA-882A-A57045C57D8C}" type="datetimeFigureOut">
               <a:rPr lang="es-ES" smtClean="0"/>
-              <a:t>02/06/2019</a:t>
+              <a:t>19/06/2019</a:t>
             </a:fld>
             <a:endParaRPr lang="es-ES"/>
           </a:p>
@@ -6223,7 +6224,7 @@
           <a:p>
             <a:fld id="{56E17E0E-BED0-40DA-882A-A57045C57D8C}" type="datetimeFigureOut">
               <a:rPr lang="es-ES" smtClean="0"/>
-              <a:t>02/06/2019</a:t>
+              <a:t>19/06/2019</a:t>
             </a:fld>
             <a:endParaRPr lang="es-ES"/>
           </a:p>
@@ -7926,2028 +7927,7 @@
 </p:sld>
 </file>
 
-<file path=ppt/slides/slide2.xml><?xml version="1.0" encoding="utf-8"?>
-<p:sld xmlns:a="http://schemas.openxmlformats.org/drawingml/2006/main" xmlns:r="http://schemas.openxmlformats.org/officeDocument/2006/relationships" xmlns:p="http://schemas.openxmlformats.org/presentationml/2006/main">
-  <p:cSld>
-    <p:spTree>
-      <p:nvGrpSpPr>
-        <p:cNvPr id="1" name=""/>
-        <p:cNvGrpSpPr/>
-        <p:nvPr/>
-      </p:nvGrpSpPr>
-      <p:grpSpPr>
-        <a:xfrm>
-          <a:off x="0" y="0"/>
-          <a:ext cx="0" cy="0"/>
-          <a:chOff x="0" y="0"/>
-          <a:chExt cx="0" cy="0"/>
-        </a:xfrm>
-      </p:grpSpPr>
-      <p:pic>
-        <p:nvPicPr>
-          <p:cNvPr id="4" name="Imagen 3">
-            <a:extLst>
-              <a:ext uri="{FF2B5EF4-FFF2-40B4-BE49-F238E27FC236}">
-                <a16:creationId xmlns:a16="http://schemas.microsoft.com/office/drawing/2014/main" id="{46205E3F-66B3-49B0-A68A-4216BD7E3F13}"/>
-              </a:ext>
-            </a:extLst>
-          </p:cNvPr>
-          <p:cNvPicPr>
-            <a:picLocks noChangeAspect="1"/>
-          </p:cNvPicPr>
-          <p:nvPr/>
-        </p:nvPicPr>
-        <p:blipFill>
-          <a:blip r:embed="rId2"/>
-          <a:stretch>
-            <a:fillRect/>
-          </a:stretch>
-        </p:blipFill>
-        <p:spPr>
-          <a:xfrm>
-            <a:off x="14003272" y="4409697"/>
-            <a:ext cx="4026033" cy="2667088"/>
-          </a:xfrm>
-          <a:prstGeom prst="rect">
-            <a:avLst/>
-          </a:prstGeom>
-        </p:spPr>
-      </p:pic>
-      <p:sp>
-        <p:nvSpPr>
-          <p:cNvPr id="6" name="Globo: línea doblada 5">
-            <a:extLst>
-              <a:ext uri="{FF2B5EF4-FFF2-40B4-BE49-F238E27FC236}">
-                <a16:creationId xmlns:a16="http://schemas.microsoft.com/office/drawing/2014/main" id="{8B7CA878-EAA4-435E-BF13-F50BEBED1DFF}"/>
-              </a:ext>
-            </a:extLst>
-          </p:cNvPr>
-          <p:cNvSpPr/>
-          <p:nvPr/>
-        </p:nvSpPr>
-        <p:spPr>
-          <a:xfrm>
-            <a:off x="18079506" y="4307922"/>
-            <a:ext cx="1018351" cy="203552"/>
-          </a:xfrm>
-          <a:prstGeom prst="borderCallout2">
-            <a:avLst>
-              <a:gd name="adj1" fmla="val 18750"/>
-              <a:gd name="adj2" fmla="val -8333"/>
-              <a:gd name="adj3" fmla="val 22273"/>
-              <a:gd name="adj4" fmla="val -39204"/>
-              <a:gd name="adj5" fmla="val 108976"/>
-              <a:gd name="adj6" fmla="val -43850"/>
-            </a:avLst>
-          </a:prstGeom>
-          <a:solidFill>
-            <a:schemeClr val="bg2"/>
-          </a:solidFill>
-          <a:ln>
-            <a:solidFill>
-              <a:srgbClr val="FF0000"/>
-            </a:solidFill>
-          </a:ln>
-        </p:spPr>
-        <p:style>
-          <a:lnRef idx="2">
-            <a:schemeClr val="accent1">
-              <a:shade val="50000"/>
-            </a:schemeClr>
-          </a:lnRef>
-          <a:fillRef idx="1">
-            <a:schemeClr val="accent1"/>
-          </a:fillRef>
-          <a:effectRef idx="0">
-            <a:schemeClr val="accent1"/>
-          </a:effectRef>
-          <a:fontRef idx="minor">
-            <a:schemeClr val="lt1"/>
-          </a:fontRef>
-        </p:style>
-        <p:txBody>
-          <a:bodyPr rot="0" spcFirstLastPara="0" vertOverflow="overflow" horzOverflow="overflow" vert="horz" wrap="square" lIns="121924" tIns="60962" rIns="121924" bIns="60962" numCol="1" spcCol="0" rtlCol="0" fromWordArt="0" anchor="ctr" anchorCtr="0" forceAA="0" compatLnSpc="1">
-            <a:prstTxWarp prst="textNoShape">
-              <a:avLst/>
-            </a:prstTxWarp>
-            <a:noAutofit/>
-          </a:bodyPr>
-          <a:lstStyle/>
-          <a:p>
-            <a:pPr algn="ctr"/>
-            <a:r>
-              <a:rPr lang="en-US" sz="800" b="1" dirty="0">
-                <a:solidFill>
-                  <a:schemeClr val="tx1"/>
-                </a:solidFill>
-              </a:rPr>
-              <a:t>Version de  Catkin</a:t>
-            </a:r>
-            <a:endParaRPr lang="es-ES" sz="800" b="1" dirty="0">
-              <a:solidFill>
-                <a:schemeClr val="tx1"/>
-              </a:solidFill>
-            </a:endParaRPr>
-          </a:p>
-        </p:txBody>
-      </p:sp>
-      <p:sp>
-        <p:nvSpPr>
-          <p:cNvPr id="7" name="Globo: línea doblada 6">
-            <a:extLst>
-              <a:ext uri="{FF2B5EF4-FFF2-40B4-BE49-F238E27FC236}">
-                <a16:creationId xmlns:a16="http://schemas.microsoft.com/office/drawing/2014/main" id="{65A870BF-F4ED-40FF-9290-99631289DE4E}"/>
-              </a:ext>
-            </a:extLst>
-          </p:cNvPr>
-          <p:cNvSpPr/>
-          <p:nvPr/>
-        </p:nvSpPr>
-        <p:spPr>
-          <a:xfrm>
-            <a:off x="18079506" y="4568503"/>
-            <a:ext cx="1018351" cy="274249"/>
-          </a:xfrm>
-          <a:prstGeom prst="borderCallout2">
-            <a:avLst>
-              <a:gd name="adj1" fmla="val 18750"/>
-              <a:gd name="adj2" fmla="val -8333"/>
-              <a:gd name="adj3" fmla="val 22273"/>
-              <a:gd name="adj4" fmla="val -91320"/>
-              <a:gd name="adj5" fmla="val 49297"/>
-              <a:gd name="adj6" fmla="val -109347"/>
-            </a:avLst>
-          </a:prstGeom>
-          <a:solidFill>
-            <a:schemeClr val="bg2"/>
-          </a:solidFill>
-          <a:ln>
-            <a:solidFill>
-              <a:srgbClr val="FF0000"/>
-            </a:solidFill>
-          </a:ln>
-        </p:spPr>
-        <p:style>
-          <a:lnRef idx="2">
-            <a:schemeClr val="accent1">
-              <a:shade val="50000"/>
-            </a:schemeClr>
-          </a:lnRef>
-          <a:fillRef idx="1">
-            <a:schemeClr val="accent1"/>
-          </a:fillRef>
-          <a:effectRef idx="0">
-            <a:schemeClr val="accent1"/>
-          </a:effectRef>
-          <a:fontRef idx="minor">
-            <a:schemeClr val="lt1"/>
-          </a:fontRef>
-        </p:style>
-        <p:txBody>
-          <a:bodyPr rot="0" spcFirstLastPara="0" vertOverflow="overflow" horzOverflow="overflow" vert="horz" wrap="square" lIns="121924" tIns="60962" rIns="121924" bIns="60962" numCol="1" spcCol="0" rtlCol="0" fromWordArt="0" anchor="ctr" anchorCtr="0" forceAA="0" compatLnSpc="1">
-            <a:prstTxWarp prst="textNoShape">
-              <a:avLst/>
-            </a:prstTxWarp>
-            <a:noAutofit/>
-          </a:bodyPr>
-          <a:lstStyle/>
-          <a:p>
-            <a:pPr algn="ctr"/>
-            <a:r>
-              <a:rPr lang="es-ES" sz="800" b="1" dirty="0">
-                <a:solidFill>
-                  <a:schemeClr val="tx1"/>
-                </a:solidFill>
-              </a:rPr>
-              <a:t>Nombre del paquete</a:t>
-            </a:r>
-          </a:p>
-        </p:txBody>
-      </p:sp>
-      <p:sp>
-        <p:nvSpPr>
-          <p:cNvPr id="8" name="Globo: línea doblada 7">
-            <a:extLst>
-              <a:ext uri="{FF2B5EF4-FFF2-40B4-BE49-F238E27FC236}">
-                <a16:creationId xmlns:a16="http://schemas.microsoft.com/office/drawing/2014/main" id="{9BAF6CC7-1A1E-4C40-AC59-0FDC35E75EFD}"/>
-              </a:ext>
-            </a:extLst>
-          </p:cNvPr>
-          <p:cNvSpPr/>
-          <p:nvPr/>
-        </p:nvSpPr>
-        <p:spPr>
-          <a:xfrm>
-            <a:off x="18079506" y="5108793"/>
-            <a:ext cx="1018351" cy="274249"/>
-          </a:xfrm>
-          <a:prstGeom prst="borderCallout2">
-            <a:avLst>
-              <a:gd name="adj1" fmla="val 18750"/>
-              <a:gd name="adj2" fmla="val -8333"/>
-              <a:gd name="adj3" fmla="val 19658"/>
-              <a:gd name="adj4" fmla="val -261755"/>
-              <a:gd name="adj5" fmla="val 67603"/>
-              <a:gd name="adj6" fmla="val -279078"/>
-            </a:avLst>
-          </a:prstGeom>
-          <a:solidFill>
-            <a:schemeClr val="bg2"/>
-          </a:solidFill>
-          <a:ln>
-            <a:solidFill>
-              <a:srgbClr val="FF0000"/>
-            </a:solidFill>
-          </a:ln>
-        </p:spPr>
-        <p:style>
-          <a:lnRef idx="2">
-            <a:schemeClr val="accent1">
-              <a:shade val="50000"/>
-            </a:schemeClr>
-          </a:lnRef>
-          <a:fillRef idx="1">
-            <a:schemeClr val="accent1"/>
-          </a:fillRef>
-          <a:effectRef idx="0">
-            <a:schemeClr val="accent1"/>
-          </a:effectRef>
-          <a:fontRef idx="minor">
-            <a:schemeClr val="lt1"/>
-          </a:fontRef>
-        </p:style>
-        <p:txBody>
-          <a:bodyPr rot="0" spcFirstLastPara="0" vertOverflow="overflow" horzOverflow="overflow" vert="horz" wrap="square" lIns="121924" tIns="60962" rIns="121924" bIns="60962" numCol="1" spcCol="0" rtlCol="0" fromWordArt="0" anchor="ctr" anchorCtr="0" forceAA="0" compatLnSpc="1">
-            <a:prstTxWarp prst="textNoShape">
-              <a:avLst/>
-            </a:prstTxWarp>
-            <a:noAutofit/>
-          </a:bodyPr>
-          <a:lstStyle/>
-          <a:p>
-            <a:pPr algn="ctr"/>
-            <a:r>
-              <a:rPr lang="es-ES" sz="800" b="1" dirty="0">
-                <a:solidFill>
-                  <a:schemeClr val="tx1"/>
-                </a:solidFill>
-              </a:rPr>
-              <a:t>Dependencia del paquete o </a:t>
-            </a:r>
-            <a:r>
-              <a:rPr lang="es-ES" sz="800" b="1" i="1" dirty="0">
-                <a:solidFill>
-                  <a:schemeClr val="tx1"/>
-                </a:solidFill>
-              </a:rPr>
-              <a:t>project</a:t>
-            </a:r>
-          </a:p>
-        </p:txBody>
-      </p:sp>
-      <p:sp>
-        <p:nvSpPr>
-          <p:cNvPr id="9" name="Rectángulo: esquinas redondeadas 8">
-            <a:extLst>
-              <a:ext uri="{FF2B5EF4-FFF2-40B4-BE49-F238E27FC236}">
-                <a16:creationId xmlns:a16="http://schemas.microsoft.com/office/drawing/2014/main" id="{0409B9D7-7703-4636-AE1F-E1ABF13D6A50}"/>
-              </a:ext>
-            </a:extLst>
-          </p:cNvPr>
-          <p:cNvSpPr/>
-          <p:nvPr/>
-        </p:nvSpPr>
-        <p:spPr>
-          <a:xfrm>
-            <a:off x="19097857" y="4986193"/>
-            <a:ext cx="867813" cy="530727"/>
-          </a:xfrm>
-          <a:prstGeom prst="roundRect">
-            <a:avLst/>
-          </a:prstGeom>
-          <a:solidFill>
-            <a:schemeClr val="bg2"/>
-          </a:solidFill>
-          <a:ln>
-            <a:solidFill>
-              <a:srgbClr val="FF0000"/>
-            </a:solidFill>
-          </a:ln>
-        </p:spPr>
-        <p:style>
-          <a:lnRef idx="2">
-            <a:schemeClr val="accent1">
-              <a:shade val="50000"/>
-            </a:schemeClr>
-          </a:lnRef>
-          <a:fillRef idx="1">
-            <a:schemeClr val="accent1"/>
-          </a:fillRef>
-          <a:effectRef idx="0">
-            <a:schemeClr val="accent1"/>
-          </a:effectRef>
-          <a:fontRef idx="minor">
-            <a:schemeClr val="lt1"/>
-          </a:fontRef>
-        </p:style>
-        <p:txBody>
-          <a:bodyPr rot="0" spcFirstLastPara="0" vertOverflow="overflow" horzOverflow="overflow" vert="horz" wrap="square" lIns="121924" tIns="60962" rIns="121924" bIns="60962" numCol="1" spcCol="0" rtlCol="0" fromWordArt="0" anchor="ctr" anchorCtr="0" forceAA="0" compatLnSpc="1">
-            <a:prstTxWarp prst="textNoShape">
-              <a:avLst/>
-            </a:prstTxWarp>
-            <a:noAutofit/>
-          </a:bodyPr>
-          <a:lstStyle/>
-          <a:p>
-            <a:pPr algn="ctr"/>
-            <a:r>
-              <a:rPr lang="es-ES" sz="800">
-                <a:solidFill>
-                  <a:schemeClr val="tx1"/>
-                </a:solidFill>
-              </a:rPr>
-              <a:t>roscpp dependencia para creacion de nodos </a:t>
-            </a:r>
-          </a:p>
-        </p:txBody>
-      </p:sp>
-      <p:sp>
-        <p:nvSpPr>
-          <p:cNvPr id="10" name="Globo: línea doblada 9">
-            <a:extLst>
-              <a:ext uri="{FF2B5EF4-FFF2-40B4-BE49-F238E27FC236}">
-                <a16:creationId xmlns:a16="http://schemas.microsoft.com/office/drawing/2014/main" id="{342B0205-60BB-46EE-998D-97407EAD0B7B}"/>
-              </a:ext>
-            </a:extLst>
-          </p:cNvPr>
-          <p:cNvSpPr/>
-          <p:nvPr/>
-        </p:nvSpPr>
-        <p:spPr>
-          <a:xfrm>
-            <a:off x="18079506" y="6466693"/>
-            <a:ext cx="1018351" cy="274249"/>
-          </a:xfrm>
-          <a:prstGeom prst="borderCallout2">
-            <a:avLst>
-              <a:gd name="adj1" fmla="val 18750"/>
-              <a:gd name="adj2" fmla="val -8333"/>
-              <a:gd name="adj3" fmla="val 22273"/>
-              <a:gd name="adj4" fmla="val -254008"/>
-              <a:gd name="adj5" fmla="val 62373"/>
-              <a:gd name="adj6" fmla="val -271331"/>
-            </a:avLst>
-          </a:prstGeom>
-          <a:solidFill>
-            <a:schemeClr val="bg2"/>
-          </a:solidFill>
-          <a:ln>
-            <a:solidFill>
-              <a:srgbClr val="FF0000"/>
-            </a:solidFill>
-          </a:ln>
-        </p:spPr>
-        <p:style>
-          <a:lnRef idx="2">
-            <a:schemeClr val="accent1">
-              <a:shade val="50000"/>
-            </a:schemeClr>
-          </a:lnRef>
-          <a:fillRef idx="1">
-            <a:schemeClr val="accent1"/>
-          </a:fillRef>
-          <a:effectRef idx="0">
-            <a:schemeClr val="accent1"/>
-          </a:effectRef>
-          <a:fontRef idx="minor">
-            <a:schemeClr val="lt1"/>
-          </a:fontRef>
-        </p:style>
-        <p:txBody>
-          <a:bodyPr rot="0" spcFirstLastPara="0" vertOverflow="overflow" horzOverflow="overflow" vert="horz" wrap="square" lIns="121924" tIns="60962" rIns="121924" bIns="60962" numCol="1" spcCol="0" rtlCol="0" fromWordArt="0" anchor="ctr" anchorCtr="0" forceAA="0" compatLnSpc="1">
-            <a:prstTxWarp prst="textNoShape">
-              <a:avLst/>
-            </a:prstTxWarp>
-            <a:noAutofit/>
-          </a:bodyPr>
-          <a:lstStyle/>
-          <a:p>
-            <a:pPr algn="ctr"/>
-            <a:r>
-              <a:rPr lang="es-ES" sz="800" b="1" dirty="0">
-                <a:solidFill>
-                  <a:schemeClr val="tx1"/>
-                </a:solidFill>
-              </a:rPr>
-              <a:t>Dependencia del paquete o </a:t>
-            </a:r>
-            <a:r>
-              <a:rPr lang="es-ES" sz="800" b="1" i="1" dirty="0">
-                <a:solidFill>
-                  <a:schemeClr val="tx1"/>
-                </a:solidFill>
-              </a:rPr>
-              <a:t>project</a:t>
-            </a:r>
-          </a:p>
-        </p:txBody>
-      </p:sp>
-    </p:spTree>
-    <p:extLst>
-      <p:ext uri="{BB962C8B-B14F-4D97-AF65-F5344CB8AC3E}">
-        <p14:creationId xmlns:p14="http://schemas.microsoft.com/office/powerpoint/2010/main" val="2518437411"/>
-      </p:ext>
-    </p:extLst>
-  </p:cSld>
-  <p:clrMapOvr>
-    <a:masterClrMapping/>
-  </p:clrMapOvr>
-</p:sld>
-</file>
-
-<file path=ppt/slides/slide3.xml><?xml version="1.0" encoding="utf-8"?>
-<p:sld xmlns:a="http://schemas.openxmlformats.org/drawingml/2006/main" xmlns:r="http://schemas.openxmlformats.org/officeDocument/2006/relationships" xmlns:p="http://schemas.openxmlformats.org/presentationml/2006/main">
-  <p:cSld>
-    <p:spTree>
-      <p:nvGrpSpPr>
-        <p:cNvPr id="1" name=""/>
-        <p:cNvGrpSpPr/>
-        <p:nvPr/>
-      </p:nvGrpSpPr>
-      <p:grpSpPr>
-        <a:xfrm>
-          <a:off x="0" y="0"/>
-          <a:ext cx="0" cy="0"/>
-          <a:chOff x="0" y="0"/>
-          <a:chExt cx="0" cy="0"/>
-        </a:xfrm>
-      </p:grpSpPr>
-      <p:pic>
-        <p:nvPicPr>
-          <p:cNvPr id="2" name="Imagen 1">
-            <a:extLst>
-              <a:ext uri="{FF2B5EF4-FFF2-40B4-BE49-F238E27FC236}">
-                <a16:creationId xmlns:a16="http://schemas.microsoft.com/office/drawing/2014/main" id="{5DF67740-B042-40DD-87CE-2634780E0298}"/>
-              </a:ext>
-            </a:extLst>
-          </p:cNvPr>
-          <p:cNvPicPr>
-            <a:picLocks noChangeAspect="1"/>
-          </p:cNvPicPr>
-          <p:nvPr/>
-        </p:nvPicPr>
-        <p:blipFill>
-          <a:blip r:embed="rId2"/>
-          <a:stretch>
-            <a:fillRect/>
-          </a:stretch>
-        </p:blipFill>
-        <p:spPr>
-          <a:xfrm>
-            <a:off x="12769525" y="4235807"/>
-            <a:ext cx="5105400" cy="2562225"/>
-          </a:xfrm>
-          <a:prstGeom prst="rect">
-            <a:avLst/>
-          </a:prstGeom>
-        </p:spPr>
-      </p:pic>
-      <p:sp>
-        <p:nvSpPr>
-          <p:cNvPr id="6" name="Globo: línea doblada 5">
-            <a:extLst>
-              <a:ext uri="{FF2B5EF4-FFF2-40B4-BE49-F238E27FC236}">
-                <a16:creationId xmlns:a16="http://schemas.microsoft.com/office/drawing/2014/main" id="{8B7CA878-EAA4-435E-BF13-F50BEBED1DFF}"/>
-              </a:ext>
-            </a:extLst>
-          </p:cNvPr>
-          <p:cNvSpPr/>
-          <p:nvPr/>
-        </p:nvSpPr>
-        <p:spPr>
-          <a:xfrm>
-            <a:off x="18079506" y="4098910"/>
-            <a:ext cx="1018351" cy="203552"/>
-          </a:xfrm>
-          <a:prstGeom prst="borderCallout2">
-            <a:avLst>
-              <a:gd name="adj1" fmla="val 18750"/>
-              <a:gd name="adj2" fmla="val -8333"/>
-              <a:gd name="adj3" fmla="val 22273"/>
-              <a:gd name="adj4" fmla="val -319785"/>
-              <a:gd name="adj5" fmla="val 92739"/>
-              <a:gd name="adj6" fmla="val -345682"/>
-            </a:avLst>
-          </a:prstGeom>
-          <a:solidFill>
-            <a:schemeClr val="bg2"/>
-          </a:solidFill>
-          <a:ln w="19050">
-            <a:solidFill>
-              <a:srgbClr val="FF0000"/>
-            </a:solidFill>
-          </a:ln>
-        </p:spPr>
-        <p:style>
-          <a:lnRef idx="2">
-            <a:schemeClr val="accent1">
-              <a:shade val="50000"/>
-            </a:schemeClr>
-          </a:lnRef>
-          <a:fillRef idx="1">
-            <a:schemeClr val="accent1"/>
-          </a:fillRef>
-          <a:effectRef idx="0">
-            <a:schemeClr val="accent1"/>
-          </a:effectRef>
-          <a:fontRef idx="minor">
-            <a:schemeClr val="lt1"/>
-          </a:fontRef>
-        </p:style>
-        <p:txBody>
-          <a:bodyPr rot="0" spcFirstLastPara="0" vertOverflow="overflow" horzOverflow="overflow" vert="horz" wrap="square" lIns="121924" tIns="60962" rIns="121924" bIns="60962" numCol="1" spcCol="0" rtlCol="0" fromWordArt="0" anchor="ctr" anchorCtr="0" forceAA="0" compatLnSpc="1">
-            <a:prstTxWarp prst="textNoShape">
-              <a:avLst/>
-            </a:prstTxWarp>
-            <a:noAutofit/>
-          </a:bodyPr>
-          <a:lstStyle/>
-          <a:p>
-            <a:pPr algn="ctr"/>
-            <a:r>
-              <a:rPr lang="en-US" sz="800" b="1" dirty="0">
-                <a:solidFill>
-                  <a:schemeClr val="tx1"/>
-                </a:solidFill>
-              </a:rPr>
-              <a:t>Version de .XML</a:t>
-            </a:r>
-            <a:endParaRPr lang="es-ES" sz="800" b="1" dirty="0">
-              <a:solidFill>
-                <a:schemeClr val="tx1"/>
-              </a:solidFill>
-            </a:endParaRPr>
-          </a:p>
-        </p:txBody>
-      </p:sp>
-      <p:sp>
-        <p:nvSpPr>
-          <p:cNvPr id="7" name="Globo: línea doblada 6">
-            <a:extLst>
-              <a:ext uri="{FF2B5EF4-FFF2-40B4-BE49-F238E27FC236}">
-                <a16:creationId xmlns:a16="http://schemas.microsoft.com/office/drawing/2014/main" id="{65A870BF-F4ED-40FF-9290-99631289DE4E}"/>
-              </a:ext>
-            </a:extLst>
-          </p:cNvPr>
-          <p:cNvSpPr/>
-          <p:nvPr/>
-        </p:nvSpPr>
-        <p:spPr>
-          <a:xfrm>
-            <a:off x="18079506" y="4374182"/>
-            <a:ext cx="1018351" cy="274249"/>
-          </a:xfrm>
-          <a:prstGeom prst="borderCallout2">
-            <a:avLst>
-              <a:gd name="adj1" fmla="val 18750"/>
-              <a:gd name="adj2" fmla="val -8333"/>
-              <a:gd name="adj3" fmla="val 15670"/>
-              <a:gd name="adj4" fmla="val -244233"/>
-              <a:gd name="adj5" fmla="val 82309"/>
-              <a:gd name="adj6" fmla="val -258704"/>
-            </a:avLst>
-          </a:prstGeom>
-          <a:solidFill>
-            <a:schemeClr val="bg2"/>
-          </a:solidFill>
-          <a:ln w="19050">
-            <a:solidFill>
-              <a:srgbClr val="FF0000"/>
-            </a:solidFill>
-          </a:ln>
-        </p:spPr>
-        <p:style>
-          <a:lnRef idx="2">
-            <a:schemeClr val="accent1">
-              <a:shade val="50000"/>
-            </a:schemeClr>
-          </a:lnRef>
-          <a:fillRef idx="1">
-            <a:schemeClr val="accent1"/>
-          </a:fillRef>
-          <a:effectRef idx="0">
-            <a:schemeClr val="accent1"/>
-          </a:effectRef>
-          <a:fontRef idx="minor">
-            <a:schemeClr val="lt1"/>
-          </a:fontRef>
-        </p:style>
-        <p:txBody>
-          <a:bodyPr rot="0" spcFirstLastPara="0" vertOverflow="overflow" horzOverflow="overflow" vert="horz" wrap="square" lIns="121924" tIns="60962" rIns="121924" bIns="60962" numCol="1" spcCol="0" rtlCol="0" fromWordArt="0" anchor="ctr" anchorCtr="0" forceAA="0" compatLnSpc="1">
-            <a:prstTxWarp prst="textNoShape">
-              <a:avLst/>
-            </a:prstTxWarp>
-            <a:noAutofit/>
-          </a:bodyPr>
-          <a:lstStyle/>
-          <a:p>
-            <a:pPr algn="ctr"/>
-            <a:r>
-              <a:rPr lang="es-ES" sz="800" b="1" dirty="0">
-                <a:solidFill>
-                  <a:schemeClr val="tx1"/>
-                </a:solidFill>
-              </a:rPr>
-              <a:t>Nombre del paquete</a:t>
-            </a:r>
-          </a:p>
-        </p:txBody>
-      </p:sp>
-      <p:sp>
-        <p:nvSpPr>
-          <p:cNvPr id="8" name="Globo: línea doblada 7">
-            <a:extLst>
-              <a:ext uri="{FF2B5EF4-FFF2-40B4-BE49-F238E27FC236}">
-                <a16:creationId xmlns:a16="http://schemas.microsoft.com/office/drawing/2014/main" id="{9BAF6CC7-1A1E-4C40-AC59-0FDC35E75EFD}"/>
-              </a:ext>
-            </a:extLst>
-          </p:cNvPr>
-          <p:cNvSpPr/>
-          <p:nvPr/>
-        </p:nvSpPr>
-        <p:spPr>
-          <a:xfrm>
-            <a:off x="18054262" y="5124973"/>
-            <a:ext cx="1018351" cy="274249"/>
-          </a:xfrm>
-          <a:prstGeom prst="borderCallout2">
-            <a:avLst>
-              <a:gd name="adj1" fmla="val 18750"/>
-              <a:gd name="adj2" fmla="val -8333"/>
-              <a:gd name="adj3" fmla="val 19658"/>
-              <a:gd name="adj4" fmla="val -306207"/>
-              <a:gd name="adj5" fmla="val 110519"/>
-              <a:gd name="adj6" fmla="val -320863"/>
-            </a:avLst>
-          </a:prstGeom>
-          <a:solidFill>
-            <a:schemeClr val="bg2"/>
-          </a:solidFill>
-          <a:ln w="19050">
-            <a:solidFill>
-              <a:srgbClr val="FF0000"/>
-            </a:solidFill>
-          </a:ln>
-        </p:spPr>
-        <p:style>
-          <a:lnRef idx="2">
-            <a:schemeClr val="accent1">
-              <a:shade val="50000"/>
-            </a:schemeClr>
-          </a:lnRef>
-          <a:fillRef idx="1">
-            <a:schemeClr val="accent1"/>
-          </a:fillRef>
-          <a:effectRef idx="0">
-            <a:schemeClr val="accent1"/>
-          </a:effectRef>
-          <a:fontRef idx="minor">
-            <a:schemeClr val="lt1"/>
-          </a:fontRef>
-        </p:style>
-        <p:txBody>
-          <a:bodyPr rot="0" spcFirstLastPara="0" vertOverflow="overflow" horzOverflow="overflow" vert="horz" wrap="square" lIns="121924" tIns="60962" rIns="121924" bIns="60962" numCol="1" spcCol="0" rtlCol="0" fromWordArt="0" anchor="ctr" anchorCtr="0" forceAA="0" compatLnSpc="1">
-            <a:prstTxWarp prst="textNoShape">
-              <a:avLst/>
-            </a:prstTxWarp>
-            <a:noAutofit/>
-          </a:bodyPr>
-          <a:lstStyle/>
-          <a:p>
-            <a:pPr algn="ctr"/>
-            <a:r>
-              <a:rPr lang="es-ES" sz="800" b="1" dirty="0">
-                <a:solidFill>
-                  <a:schemeClr val="tx1"/>
-                </a:solidFill>
-              </a:rPr>
-              <a:t>Compilador del paquete</a:t>
-            </a:r>
-            <a:endParaRPr lang="es-ES" sz="800" b="1" i="1" dirty="0">
-              <a:solidFill>
-                <a:schemeClr val="tx1"/>
-              </a:solidFill>
-            </a:endParaRPr>
-          </a:p>
-        </p:txBody>
-      </p:sp>
-      <p:sp>
-        <p:nvSpPr>
-          <p:cNvPr id="11" name="Globo: línea doblada 10">
-            <a:extLst>
-              <a:ext uri="{FF2B5EF4-FFF2-40B4-BE49-F238E27FC236}">
-                <a16:creationId xmlns:a16="http://schemas.microsoft.com/office/drawing/2014/main" id="{A53DD2AF-D484-40E6-B961-1480B3FD31AE}"/>
-              </a:ext>
-            </a:extLst>
-          </p:cNvPr>
-          <p:cNvSpPr/>
-          <p:nvPr/>
-        </p:nvSpPr>
-        <p:spPr>
-          <a:xfrm>
-            <a:off x="18079506" y="4648431"/>
-            <a:ext cx="1340177" cy="274249"/>
-          </a:xfrm>
-          <a:prstGeom prst="borderCallout2">
-            <a:avLst>
-              <a:gd name="adj1" fmla="val 18750"/>
-              <a:gd name="adj2" fmla="val -8333"/>
-              <a:gd name="adj3" fmla="val 18971"/>
-              <a:gd name="adj4" fmla="val -241566"/>
-              <a:gd name="adj5" fmla="val 82309"/>
-              <a:gd name="adj6" fmla="val -258704"/>
-            </a:avLst>
-          </a:prstGeom>
-          <a:solidFill>
-            <a:schemeClr val="bg2"/>
-          </a:solidFill>
-          <a:ln w="19050">
-            <a:solidFill>
-              <a:srgbClr val="FF0000"/>
-            </a:solidFill>
-          </a:ln>
-        </p:spPr>
-        <p:style>
-          <a:lnRef idx="2">
-            <a:schemeClr val="accent1">
-              <a:shade val="50000"/>
-            </a:schemeClr>
-          </a:lnRef>
-          <a:fillRef idx="1">
-            <a:schemeClr val="accent1"/>
-          </a:fillRef>
-          <a:effectRef idx="0">
-            <a:schemeClr val="accent1"/>
-          </a:effectRef>
-          <a:fontRef idx="minor">
-            <a:schemeClr val="lt1"/>
-          </a:fontRef>
-        </p:style>
-        <p:txBody>
-          <a:bodyPr rot="0" spcFirstLastPara="0" vertOverflow="overflow" horzOverflow="overflow" vert="horz" wrap="square" lIns="121924" tIns="60962" rIns="121924" bIns="60962" numCol="1" spcCol="0" rtlCol="0" fromWordArt="0" anchor="ctr" anchorCtr="0" forceAA="0" compatLnSpc="1">
-            <a:prstTxWarp prst="textNoShape">
-              <a:avLst/>
-            </a:prstTxWarp>
-            <a:noAutofit/>
-          </a:bodyPr>
-          <a:lstStyle/>
-          <a:p>
-            <a:pPr algn="ctr"/>
-            <a:r>
-              <a:rPr lang="es-ES" sz="800" b="1" dirty="0">
-                <a:solidFill>
-                  <a:schemeClr val="tx1"/>
-                </a:solidFill>
-              </a:rPr>
-              <a:t>Información del paquete (Autor) (Licencia)</a:t>
-            </a:r>
-          </a:p>
-        </p:txBody>
-      </p:sp>
-      <p:sp>
-        <p:nvSpPr>
-          <p:cNvPr id="12" name="Globo: línea doblada 11">
-            <a:extLst>
-              <a:ext uri="{FF2B5EF4-FFF2-40B4-BE49-F238E27FC236}">
-                <a16:creationId xmlns:a16="http://schemas.microsoft.com/office/drawing/2014/main" id="{A6ED597B-5D22-45F5-9229-1D3413AA2191}"/>
-              </a:ext>
-            </a:extLst>
-          </p:cNvPr>
-          <p:cNvSpPr/>
-          <p:nvPr/>
-        </p:nvSpPr>
-        <p:spPr>
-          <a:xfrm>
-            <a:off x="18054261" y="5420963"/>
-            <a:ext cx="1120979" cy="274249"/>
-          </a:xfrm>
-          <a:prstGeom prst="borderCallout2">
-            <a:avLst>
-              <a:gd name="adj1" fmla="val 35256"/>
-              <a:gd name="adj2" fmla="val -7444"/>
-              <a:gd name="adj3" fmla="val 26260"/>
-              <a:gd name="adj4" fmla="val -292245"/>
-              <a:gd name="adj5" fmla="val 54399"/>
-              <a:gd name="adj6" fmla="val -307796"/>
-            </a:avLst>
-          </a:prstGeom>
-          <a:solidFill>
-            <a:schemeClr val="bg2"/>
-          </a:solidFill>
-          <a:ln w="19050">
-            <a:solidFill>
-              <a:srgbClr val="FF0000"/>
-            </a:solidFill>
-          </a:ln>
-        </p:spPr>
-        <p:style>
-          <a:lnRef idx="2">
-            <a:schemeClr val="accent1">
-              <a:shade val="50000"/>
-            </a:schemeClr>
-          </a:lnRef>
-          <a:fillRef idx="1">
-            <a:schemeClr val="accent1"/>
-          </a:fillRef>
-          <a:effectRef idx="0">
-            <a:schemeClr val="accent1"/>
-          </a:effectRef>
-          <a:fontRef idx="minor">
-            <a:schemeClr val="lt1"/>
-          </a:fontRef>
-        </p:style>
-        <p:txBody>
-          <a:bodyPr rot="0" spcFirstLastPara="0" vertOverflow="overflow" horzOverflow="overflow" vert="horz" wrap="square" lIns="121924" tIns="60962" rIns="121924" bIns="60962" numCol="1" spcCol="0" rtlCol="0" fromWordArt="0" anchor="ctr" anchorCtr="0" forceAA="0" compatLnSpc="1">
-            <a:prstTxWarp prst="textNoShape">
-              <a:avLst/>
-            </a:prstTxWarp>
-            <a:noAutofit/>
-          </a:bodyPr>
-          <a:lstStyle/>
-          <a:p>
-            <a:pPr algn="ctr"/>
-            <a:r>
-              <a:rPr lang="es-ES" sz="800" b="1" dirty="0">
-                <a:solidFill>
-                  <a:schemeClr val="tx1"/>
-                </a:solidFill>
-              </a:rPr>
-              <a:t>Dependencia del paquete a compilar</a:t>
-            </a:r>
-            <a:endParaRPr lang="es-ES" sz="800" b="1" i="1" dirty="0">
-              <a:solidFill>
-                <a:schemeClr val="tx1"/>
-              </a:solidFill>
-            </a:endParaRPr>
-          </a:p>
-        </p:txBody>
-      </p:sp>
-      <p:sp>
-        <p:nvSpPr>
-          <p:cNvPr id="13" name="Globo: línea doblada 12">
-            <a:extLst>
-              <a:ext uri="{FF2B5EF4-FFF2-40B4-BE49-F238E27FC236}">
-                <a16:creationId xmlns:a16="http://schemas.microsoft.com/office/drawing/2014/main" id="{4BBCCBAD-4548-4575-B19D-EE237F5AC4E2}"/>
-              </a:ext>
-            </a:extLst>
-          </p:cNvPr>
-          <p:cNvSpPr/>
-          <p:nvPr/>
-        </p:nvSpPr>
-        <p:spPr>
-          <a:xfrm>
-            <a:off x="18054260" y="5694161"/>
-            <a:ext cx="1120979" cy="274249"/>
-          </a:xfrm>
-          <a:prstGeom prst="borderCallout2">
-            <a:avLst>
-              <a:gd name="adj1" fmla="val 84774"/>
-              <a:gd name="adj2" fmla="val -7444"/>
-              <a:gd name="adj3" fmla="val 82380"/>
-              <a:gd name="adj4" fmla="val -290630"/>
-              <a:gd name="adj5" fmla="val 34592"/>
-              <a:gd name="adj6" fmla="val -319103"/>
-            </a:avLst>
-          </a:prstGeom>
-          <a:solidFill>
-            <a:schemeClr val="bg2"/>
-          </a:solidFill>
-          <a:ln w="19050">
-            <a:solidFill>
-              <a:srgbClr val="FF0000"/>
-            </a:solidFill>
-          </a:ln>
-        </p:spPr>
-        <p:style>
-          <a:lnRef idx="2">
-            <a:schemeClr val="accent1">
-              <a:shade val="50000"/>
-            </a:schemeClr>
-          </a:lnRef>
-          <a:fillRef idx="1">
-            <a:schemeClr val="accent1"/>
-          </a:fillRef>
-          <a:effectRef idx="0">
-            <a:schemeClr val="accent1"/>
-          </a:effectRef>
-          <a:fontRef idx="minor">
-            <a:schemeClr val="lt1"/>
-          </a:fontRef>
-        </p:style>
-        <p:txBody>
-          <a:bodyPr rot="0" spcFirstLastPara="0" vertOverflow="overflow" horzOverflow="overflow" vert="horz" wrap="square" lIns="121924" tIns="60962" rIns="121924" bIns="60962" numCol="1" spcCol="0" rtlCol="0" fromWordArt="0" anchor="ctr" anchorCtr="0" forceAA="0" compatLnSpc="1">
-            <a:prstTxWarp prst="textNoShape">
-              <a:avLst/>
-            </a:prstTxWarp>
-            <a:noAutofit/>
-          </a:bodyPr>
-          <a:lstStyle/>
-          <a:p>
-            <a:pPr algn="ctr"/>
-            <a:r>
-              <a:rPr lang="es-ES" sz="800" b="1" dirty="0">
-                <a:solidFill>
-                  <a:schemeClr val="tx1"/>
-                </a:solidFill>
-              </a:rPr>
-              <a:t>Dependencia del paquete a Ejecutar</a:t>
-            </a:r>
-            <a:endParaRPr lang="es-ES" sz="800" b="1" i="1" dirty="0">
-              <a:solidFill>
-                <a:schemeClr val="tx1"/>
-              </a:solidFill>
-            </a:endParaRPr>
-          </a:p>
-        </p:txBody>
-      </p:sp>
-    </p:spTree>
-    <p:extLst>
-      <p:ext uri="{BB962C8B-B14F-4D97-AF65-F5344CB8AC3E}">
-        <p14:creationId xmlns:p14="http://schemas.microsoft.com/office/powerpoint/2010/main" val="1055705862"/>
-      </p:ext>
-    </p:extLst>
-  </p:cSld>
-  <p:clrMapOvr>
-    <a:masterClrMapping/>
-  </p:clrMapOvr>
-</p:sld>
-</file>
-
-<file path=ppt/slides/slide4.xml><?xml version="1.0" encoding="utf-8"?>
-<p:sld xmlns:a="http://schemas.openxmlformats.org/drawingml/2006/main" xmlns:r="http://schemas.openxmlformats.org/officeDocument/2006/relationships" xmlns:p="http://schemas.openxmlformats.org/presentationml/2006/main">
-  <p:cSld>
-    <p:spTree>
-      <p:nvGrpSpPr>
-        <p:cNvPr id="1" name=""/>
-        <p:cNvGrpSpPr/>
-        <p:nvPr/>
-      </p:nvGrpSpPr>
-      <p:grpSpPr>
-        <a:xfrm>
-          <a:off x="0" y="0"/>
-          <a:ext cx="0" cy="0"/>
-          <a:chOff x="0" y="0"/>
-          <a:chExt cx="0" cy="0"/>
-        </a:xfrm>
-      </p:grpSpPr>
-      <p:pic>
-        <p:nvPicPr>
-          <p:cNvPr id="9" name="Imagen 8">
-            <a:extLst>
-              <a:ext uri="{FF2B5EF4-FFF2-40B4-BE49-F238E27FC236}">
-                <a16:creationId xmlns:a16="http://schemas.microsoft.com/office/drawing/2014/main" id="{13E5BC9D-E415-414B-B52D-68F73007460B}"/>
-              </a:ext>
-            </a:extLst>
-          </p:cNvPr>
-          <p:cNvPicPr/>
-          <p:nvPr/>
-        </p:nvPicPr>
-        <p:blipFill>
-          <a:blip r:embed="rId2">
-            <a:extLst>
-              <a:ext uri="{28A0092B-C50C-407E-A947-70E740481C1C}">
-                <a14:useLocalDpi xmlns:a14="http://schemas.microsoft.com/office/drawing/2010/main" val="0"/>
-              </a:ext>
-            </a:extLst>
-          </a:blip>
-          <a:srcRect/>
-          <a:stretch>
-            <a:fillRect/>
-          </a:stretch>
-        </p:blipFill>
-        <p:spPr bwMode="auto">
-          <a:xfrm>
-            <a:off x="13736637" y="3886200"/>
-            <a:ext cx="2279650" cy="2270125"/>
-          </a:xfrm>
-          <a:prstGeom prst="rect">
-            <a:avLst/>
-          </a:prstGeom>
-          <a:noFill/>
-          <a:ln>
-            <a:noFill/>
-          </a:ln>
-        </p:spPr>
-      </p:pic>
-      <p:sp>
-        <p:nvSpPr>
-          <p:cNvPr id="3" name="Globo: línea doblada 2">
-            <a:extLst>
-              <a:ext uri="{FF2B5EF4-FFF2-40B4-BE49-F238E27FC236}">
-                <a16:creationId xmlns:a16="http://schemas.microsoft.com/office/drawing/2014/main" id="{60BAB772-071A-4DA3-BC2E-1E55DF35D1E2}"/>
-              </a:ext>
-            </a:extLst>
-          </p:cNvPr>
-          <p:cNvSpPr/>
-          <p:nvPr/>
-        </p:nvSpPr>
-        <p:spPr>
-          <a:xfrm>
-            <a:off x="16400206" y="3982065"/>
-            <a:ext cx="1061884" cy="268337"/>
-          </a:xfrm>
-          <a:prstGeom prst="borderCallout2">
-            <a:avLst>
-              <a:gd name="adj1" fmla="val 18750"/>
-              <a:gd name="adj2" fmla="val -8333"/>
-              <a:gd name="adj3" fmla="val 19229"/>
-              <a:gd name="adj4" fmla="val -114828"/>
-              <a:gd name="adj5" fmla="val 48940"/>
-              <a:gd name="adj6" fmla="val -137126"/>
-            </a:avLst>
-          </a:prstGeom>
-          <a:solidFill>
-            <a:schemeClr val="bg1">
-              <a:lumMod val="85000"/>
-            </a:schemeClr>
-          </a:solidFill>
-          <a:ln w="19050">
-            <a:solidFill>
-              <a:srgbClr val="FF0000"/>
-            </a:solidFill>
-          </a:ln>
-        </p:spPr>
-        <p:style>
-          <a:lnRef idx="2">
-            <a:schemeClr val="accent1">
-              <a:shade val="50000"/>
-            </a:schemeClr>
-          </a:lnRef>
-          <a:fillRef idx="1">
-            <a:schemeClr val="accent1"/>
-          </a:fillRef>
-          <a:effectRef idx="0">
-            <a:schemeClr val="accent1"/>
-          </a:effectRef>
-          <a:fontRef idx="minor">
-            <a:schemeClr val="lt1"/>
-          </a:fontRef>
-        </p:style>
-        <p:txBody>
-          <a:bodyPr rtlCol="0" anchor="ctr"/>
-          <a:lstStyle/>
-          <a:p>
-            <a:pPr lvl="0" algn="ctr"/>
-            <a:r>
-              <a:rPr lang="es-ES" sz="800" b="1" dirty="0">
-                <a:solidFill>
-                  <a:prstClr val="black"/>
-                </a:solidFill>
-              </a:rPr>
-              <a:t>Nombre del paquete ROS Industrial</a:t>
-            </a:r>
-          </a:p>
-        </p:txBody>
-      </p:sp>
-      <p:sp>
-        <p:nvSpPr>
-          <p:cNvPr id="15" name="Globo: línea doblada 14">
-            <a:extLst>
-              <a:ext uri="{FF2B5EF4-FFF2-40B4-BE49-F238E27FC236}">
-                <a16:creationId xmlns:a16="http://schemas.microsoft.com/office/drawing/2014/main" id="{30FC1F11-ED90-4C63-A479-CA2CEC53BDCD}"/>
-              </a:ext>
-            </a:extLst>
-          </p:cNvPr>
-          <p:cNvSpPr/>
-          <p:nvPr/>
-        </p:nvSpPr>
-        <p:spPr>
-          <a:xfrm>
-            <a:off x="16400205" y="4318820"/>
-            <a:ext cx="1526459" cy="268337"/>
-          </a:xfrm>
-          <a:prstGeom prst="borderCallout2">
-            <a:avLst>
-              <a:gd name="adj1" fmla="val 87452"/>
-              <a:gd name="adj2" fmla="val -6884"/>
-              <a:gd name="adj3" fmla="val 93428"/>
-              <a:gd name="adj4" fmla="val -113379"/>
-              <a:gd name="adj5" fmla="val 29703"/>
-              <a:gd name="adj6" fmla="val -127132"/>
-            </a:avLst>
-          </a:prstGeom>
-          <a:solidFill>
-            <a:schemeClr val="bg1">
-              <a:lumMod val="85000"/>
-            </a:schemeClr>
-          </a:solidFill>
-          <a:ln w="19050">
-            <a:solidFill>
-              <a:srgbClr val="FF0000"/>
-            </a:solidFill>
-          </a:ln>
-        </p:spPr>
-        <p:style>
-          <a:lnRef idx="2">
-            <a:schemeClr val="accent1">
-              <a:shade val="50000"/>
-            </a:schemeClr>
-          </a:lnRef>
-          <a:fillRef idx="1">
-            <a:schemeClr val="accent1"/>
-          </a:fillRef>
-          <a:effectRef idx="0">
-            <a:schemeClr val="accent1"/>
-          </a:effectRef>
-          <a:fontRef idx="minor">
-            <a:schemeClr val="lt1"/>
-          </a:fontRef>
-        </p:style>
-        <p:txBody>
-          <a:bodyPr rtlCol="0" anchor="ctr"/>
-          <a:lstStyle/>
-          <a:p>
-            <a:pPr lvl="0" algn="ctr"/>
-            <a:r>
-              <a:rPr lang="es-NI" sz="800" b="1" dirty="0">
-                <a:solidFill>
-                  <a:prstClr val="black"/>
-                </a:solidFill>
-              </a:rPr>
-              <a:t>Archivos .launch para ejecutar la visualización del modelo</a:t>
-            </a:r>
-          </a:p>
-        </p:txBody>
-      </p:sp>
-      <p:sp>
-        <p:nvSpPr>
-          <p:cNvPr id="17" name="Globo: línea doblada 16">
-            <a:extLst>
-              <a:ext uri="{FF2B5EF4-FFF2-40B4-BE49-F238E27FC236}">
-                <a16:creationId xmlns:a16="http://schemas.microsoft.com/office/drawing/2014/main" id="{9974124D-DAD6-422C-8A96-D32FB7FC86CC}"/>
-              </a:ext>
-            </a:extLst>
-          </p:cNvPr>
-          <p:cNvSpPr/>
-          <p:nvPr/>
-        </p:nvSpPr>
-        <p:spPr>
-          <a:xfrm>
-            <a:off x="11981349" y="5889421"/>
-            <a:ext cx="1061884" cy="268337"/>
-          </a:xfrm>
-          <a:prstGeom prst="borderCallout2">
-            <a:avLst>
-              <a:gd name="adj1" fmla="val 30603"/>
-              <a:gd name="adj2" fmla="val 104734"/>
-              <a:gd name="adj3" fmla="val 28119"/>
-              <a:gd name="adj4" fmla="val 178698"/>
-              <a:gd name="adj5" fmla="val 51903"/>
-              <a:gd name="adj6" fmla="val 195338"/>
-            </a:avLst>
-          </a:prstGeom>
-          <a:solidFill>
-            <a:schemeClr val="bg1">
-              <a:lumMod val="85000"/>
-            </a:schemeClr>
-          </a:solidFill>
-          <a:ln w="19050">
-            <a:solidFill>
-              <a:srgbClr val="FF0000"/>
-            </a:solidFill>
-          </a:ln>
-        </p:spPr>
-        <p:style>
-          <a:lnRef idx="2">
-            <a:schemeClr val="accent1">
-              <a:shade val="50000"/>
-            </a:schemeClr>
-          </a:lnRef>
-          <a:fillRef idx="1">
-            <a:schemeClr val="accent1"/>
-          </a:fillRef>
-          <a:effectRef idx="0">
-            <a:schemeClr val="accent1"/>
-          </a:effectRef>
-          <a:fontRef idx="minor">
-            <a:schemeClr val="lt1"/>
-          </a:fontRef>
-        </p:style>
-        <p:txBody>
-          <a:bodyPr rtlCol="0" anchor="ctr"/>
-          <a:lstStyle/>
-          <a:p>
-            <a:pPr lvl="0" algn="ctr"/>
-            <a:r>
-              <a:rPr lang="es-NI" sz="800" b="1" dirty="0">
-                <a:solidFill>
-                  <a:prstClr val="black"/>
-                </a:solidFill>
-              </a:rPr>
-              <a:t>Archivos URDF del Robot</a:t>
-            </a:r>
-          </a:p>
-        </p:txBody>
-      </p:sp>
-      <p:sp>
-        <p:nvSpPr>
-          <p:cNvPr id="7" name="Globo: línea doblada 6">
-            <a:extLst>
-              <a:ext uri="{FF2B5EF4-FFF2-40B4-BE49-F238E27FC236}">
-                <a16:creationId xmlns:a16="http://schemas.microsoft.com/office/drawing/2014/main" id="{C2814A39-8A77-4A8F-90A6-41372DF2BC8E}"/>
-              </a:ext>
-            </a:extLst>
-          </p:cNvPr>
-          <p:cNvSpPr/>
-          <p:nvPr/>
-        </p:nvSpPr>
-        <p:spPr>
-          <a:xfrm>
-            <a:off x="11981349" y="4587157"/>
-            <a:ext cx="1061884" cy="472897"/>
-          </a:xfrm>
-          <a:prstGeom prst="borderCallout2">
-            <a:avLst>
-              <a:gd name="adj1" fmla="val 30603"/>
-              <a:gd name="adj2" fmla="val 104734"/>
-              <a:gd name="adj3" fmla="val 28119"/>
-              <a:gd name="adj4" fmla="val 178698"/>
-              <a:gd name="adj5" fmla="val -293"/>
-              <a:gd name="adj6" fmla="val 194810"/>
-            </a:avLst>
-          </a:prstGeom>
-          <a:solidFill>
-            <a:schemeClr val="bg1">
-              <a:lumMod val="85000"/>
-            </a:schemeClr>
-          </a:solidFill>
-          <a:ln w="19050">
-            <a:solidFill>
-              <a:srgbClr val="FF0000"/>
-            </a:solidFill>
-          </a:ln>
-        </p:spPr>
-        <p:style>
-          <a:lnRef idx="2">
-            <a:schemeClr val="accent1">
-              <a:shade val="50000"/>
-            </a:schemeClr>
-          </a:lnRef>
-          <a:fillRef idx="1">
-            <a:schemeClr val="accent1"/>
-          </a:fillRef>
-          <a:effectRef idx="0">
-            <a:schemeClr val="accent1"/>
-          </a:effectRef>
-          <a:fontRef idx="minor">
-            <a:schemeClr val="lt1"/>
-          </a:fontRef>
-        </p:style>
-        <p:txBody>
-          <a:bodyPr rtlCol="0" anchor="ctr"/>
-          <a:lstStyle/>
-          <a:p>
-            <a:pPr lvl="0" algn="ctr"/>
-            <a:r>
-              <a:rPr lang="es-NI" sz="800" b="1" dirty="0">
-                <a:solidFill>
-                  <a:prstClr val="black"/>
-                </a:solidFill>
-              </a:rPr>
-              <a:t>Archivos CAD de Tres modelos de Robot de la Familia </a:t>
-            </a:r>
-            <a:r>
-              <a:rPr lang="es-NI" sz="800" b="1" dirty="0" err="1">
-                <a:solidFill>
-                  <a:prstClr val="black"/>
-                </a:solidFill>
-              </a:rPr>
-              <a:t>Kuka</a:t>
-            </a:r>
-            <a:r>
-              <a:rPr lang="es-NI" sz="800" b="1" dirty="0">
-                <a:solidFill>
-                  <a:prstClr val="black"/>
-                </a:solidFill>
-              </a:rPr>
-              <a:t> KR6</a:t>
-            </a:r>
-          </a:p>
-        </p:txBody>
-      </p:sp>
-    </p:spTree>
-    <p:extLst>
-      <p:ext uri="{BB962C8B-B14F-4D97-AF65-F5344CB8AC3E}">
-        <p14:creationId xmlns:p14="http://schemas.microsoft.com/office/powerpoint/2010/main" val="3606982395"/>
-      </p:ext>
-    </p:extLst>
-  </p:cSld>
-  <p:clrMapOvr>
-    <a:masterClrMapping/>
-  </p:clrMapOvr>
-</p:sld>
-</file>
-
-<file path=ppt/slides/slide5.xml><?xml version="1.0" encoding="utf-8"?>
-<p:sld xmlns:a="http://schemas.openxmlformats.org/drawingml/2006/main" xmlns:r="http://schemas.openxmlformats.org/officeDocument/2006/relationships" xmlns:p="http://schemas.openxmlformats.org/presentationml/2006/main">
-  <p:cSld>
-    <p:spTree>
-      <p:nvGrpSpPr>
-        <p:cNvPr id="1" name=""/>
-        <p:cNvGrpSpPr/>
-        <p:nvPr/>
-      </p:nvGrpSpPr>
-      <p:grpSpPr>
-        <a:xfrm>
-          <a:off x="0" y="0"/>
-          <a:ext cx="0" cy="0"/>
-          <a:chOff x="0" y="0"/>
-          <a:chExt cx="0" cy="0"/>
-        </a:xfrm>
-      </p:grpSpPr>
-      <p:pic>
-        <p:nvPicPr>
-          <p:cNvPr id="9" name="Marcador de contenido 8">
-            <a:extLst>
-              <a:ext uri="{FF2B5EF4-FFF2-40B4-BE49-F238E27FC236}">
-                <a16:creationId xmlns:a16="http://schemas.microsoft.com/office/drawing/2014/main" id="{DF6765B9-B050-4530-84D3-E174AE63CCF8}"/>
-              </a:ext>
-            </a:extLst>
-          </p:cNvPr>
-          <p:cNvPicPr>
-            <a:picLocks noGrp="1" noChangeAspect="1"/>
-          </p:cNvPicPr>
-          <p:nvPr>
-            <p:ph idx="1"/>
-          </p:nvPr>
-        </p:nvPicPr>
-        <p:blipFill>
-          <a:blip r:embed="rId2">
-            <a:extLst>
-              <a:ext uri="{28A0092B-C50C-407E-A947-70E740481C1C}">
-                <a14:useLocalDpi xmlns:a14="http://schemas.microsoft.com/office/drawing/2010/main" val="0"/>
-              </a:ext>
-            </a:extLst>
-          </a:blip>
-          <a:stretch>
-            <a:fillRect/>
-          </a:stretch>
-        </p:blipFill>
-        <p:spPr>
-          <a:xfrm>
-            <a:off x="12065931" y="7361595"/>
-            <a:ext cx="11258550" cy="5124450"/>
-          </a:xfrm>
-        </p:spPr>
-      </p:pic>
-      <p:pic>
-        <p:nvPicPr>
-          <p:cNvPr id="11" name="Imagen 10">
-            <a:extLst>
-              <a:ext uri="{FF2B5EF4-FFF2-40B4-BE49-F238E27FC236}">
-                <a16:creationId xmlns:a16="http://schemas.microsoft.com/office/drawing/2014/main" id="{711746AA-0B3C-4A77-90A8-B29543866F6B}"/>
-              </a:ext>
-            </a:extLst>
-          </p:cNvPr>
-          <p:cNvPicPr>
-            <a:picLocks noChangeAspect="1"/>
-          </p:cNvPicPr>
-          <p:nvPr/>
-        </p:nvPicPr>
-        <p:blipFill>
-          <a:blip r:embed="rId3">
-            <a:extLst>
-              <a:ext uri="{28A0092B-C50C-407E-A947-70E740481C1C}">
-                <a14:useLocalDpi xmlns:a14="http://schemas.microsoft.com/office/drawing/2010/main" val="0"/>
-              </a:ext>
-            </a:extLst>
-          </a:blip>
-          <a:stretch>
-            <a:fillRect/>
-          </a:stretch>
-        </p:blipFill>
-        <p:spPr>
-          <a:xfrm>
-            <a:off x="3263603" y="7360880"/>
-            <a:ext cx="8802328" cy="5125165"/>
-          </a:xfrm>
-          <a:prstGeom prst="rect">
-            <a:avLst/>
-          </a:prstGeom>
-        </p:spPr>
-      </p:pic>
-      <p:sp>
-        <p:nvSpPr>
-          <p:cNvPr id="12" name="CuadroTexto 11">
-            <a:extLst>
-              <a:ext uri="{FF2B5EF4-FFF2-40B4-BE49-F238E27FC236}">
-                <a16:creationId xmlns:a16="http://schemas.microsoft.com/office/drawing/2014/main" id="{02989EB8-3B75-435F-BC1E-A67CC0E1F4A4}"/>
-              </a:ext>
-            </a:extLst>
-          </p:cNvPr>
-          <p:cNvSpPr txBox="1"/>
-          <p:nvPr/>
-        </p:nvSpPr>
-        <p:spPr>
-          <a:xfrm>
-            <a:off x="6838950" y="12616190"/>
-            <a:ext cx="2305050" cy="523220"/>
-          </a:xfrm>
-          <a:prstGeom prst="rect">
-            <a:avLst/>
-          </a:prstGeom>
-          <a:noFill/>
-        </p:spPr>
-        <p:txBody>
-          <a:bodyPr wrap="square" rtlCol="0">
-            <a:spAutoFit/>
-          </a:bodyPr>
-          <a:lstStyle/>
-          <a:p>
-            <a:pPr algn="ctr"/>
-            <a:r>
-              <a:rPr lang="en-US" sz="2800" dirty="0"/>
-              <a:t>a)</a:t>
-            </a:r>
-            <a:endParaRPr lang="es-ES" sz="2800" dirty="0"/>
-          </a:p>
-        </p:txBody>
-      </p:sp>
-      <p:sp>
-        <p:nvSpPr>
-          <p:cNvPr id="13" name="CuadroTexto 12">
-            <a:extLst>
-              <a:ext uri="{FF2B5EF4-FFF2-40B4-BE49-F238E27FC236}">
-                <a16:creationId xmlns:a16="http://schemas.microsoft.com/office/drawing/2014/main" id="{8E545042-1AF8-4484-8FAB-9D68628FD426}"/>
-              </a:ext>
-            </a:extLst>
-          </p:cNvPr>
-          <p:cNvSpPr txBox="1"/>
-          <p:nvPr/>
-        </p:nvSpPr>
-        <p:spPr>
-          <a:xfrm>
-            <a:off x="17887950" y="12616190"/>
-            <a:ext cx="2305050" cy="523220"/>
-          </a:xfrm>
-          <a:prstGeom prst="rect">
-            <a:avLst/>
-          </a:prstGeom>
-          <a:noFill/>
-        </p:spPr>
-        <p:txBody>
-          <a:bodyPr wrap="square" rtlCol="0">
-            <a:spAutoFit/>
-          </a:bodyPr>
-          <a:lstStyle/>
-          <a:p>
-            <a:pPr algn="ctr"/>
-            <a:r>
-              <a:rPr lang="en-US" sz="2800" dirty="0"/>
-              <a:t>b)</a:t>
-            </a:r>
-            <a:endParaRPr lang="es-ES" sz="2800" dirty="0"/>
-          </a:p>
-        </p:txBody>
-      </p:sp>
-    </p:spTree>
-    <p:extLst>
-      <p:ext uri="{BB962C8B-B14F-4D97-AF65-F5344CB8AC3E}">
-        <p14:creationId xmlns:p14="http://schemas.microsoft.com/office/powerpoint/2010/main" val="3090030005"/>
-      </p:ext>
-    </p:extLst>
-  </p:cSld>
-  <p:clrMapOvr>
-    <a:masterClrMapping/>
-  </p:clrMapOvr>
-</p:sld>
-</file>
-
-<file path=ppt/slides/slide6.xml><?xml version="1.0" encoding="utf-8"?>
-<p:sld xmlns:a="http://schemas.openxmlformats.org/drawingml/2006/main" xmlns:r="http://schemas.openxmlformats.org/officeDocument/2006/relationships" xmlns:p="http://schemas.openxmlformats.org/presentationml/2006/main">
-  <p:cSld>
-    <p:spTree>
-      <p:nvGrpSpPr>
-        <p:cNvPr id="1" name=""/>
-        <p:cNvGrpSpPr/>
-        <p:nvPr/>
-      </p:nvGrpSpPr>
-      <p:grpSpPr>
-        <a:xfrm>
-          <a:off x="0" y="0"/>
-          <a:ext cx="0" cy="0"/>
-          <a:chOff x="0" y="0"/>
-          <a:chExt cx="0" cy="0"/>
-        </a:xfrm>
-      </p:grpSpPr>
-      <p:sp>
-        <p:nvSpPr>
-          <p:cNvPr id="12" name="CuadroTexto 11">
-            <a:extLst>
-              <a:ext uri="{FF2B5EF4-FFF2-40B4-BE49-F238E27FC236}">
-                <a16:creationId xmlns:a16="http://schemas.microsoft.com/office/drawing/2014/main" id="{02989EB8-3B75-435F-BC1E-A67CC0E1F4A4}"/>
-              </a:ext>
-            </a:extLst>
-          </p:cNvPr>
-          <p:cNvSpPr txBox="1"/>
-          <p:nvPr/>
-        </p:nvSpPr>
-        <p:spPr>
-          <a:xfrm>
-            <a:off x="7174321" y="12505096"/>
-            <a:ext cx="2305050" cy="523220"/>
-          </a:xfrm>
-          <a:prstGeom prst="rect">
-            <a:avLst/>
-          </a:prstGeom>
-          <a:noFill/>
-        </p:spPr>
-        <p:txBody>
-          <a:bodyPr wrap="square" rtlCol="0">
-            <a:spAutoFit/>
-          </a:bodyPr>
-          <a:lstStyle/>
-          <a:p>
-            <a:pPr algn="ctr"/>
-            <a:r>
-              <a:rPr lang="en-US" sz="2800" dirty="0"/>
-              <a:t>a)</a:t>
-            </a:r>
-            <a:endParaRPr lang="es-ES" sz="2800" dirty="0"/>
-          </a:p>
-        </p:txBody>
-      </p:sp>
-      <p:sp>
-        <p:nvSpPr>
-          <p:cNvPr id="13" name="CuadroTexto 12">
-            <a:extLst>
-              <a:ext uri="{FF2B5EF4-FFF2-40B4-BE49-F238E27FC236}">
-                <a16:creationId xmlns:a16="http://schemas.microsoft.com/office/drawing/2014/main" id="{8E545042-1AF8-4484-8FAB-9D68628FD426}"/>
-              </a:ext>
-            </a:extLst>
-          </p:cNvPr>
-          <p:cNvSpPr txBox="1"/>
-          <p:nvPr/>
-        </p:nvSpPr>
-        <p:spPr>
-          <a:xfrm>
-            <a:off x="14863762" y="12505096"/>
-            <a:ext cx="2305050" cy="523220"/>
-          </a:xfrm>
-          <a:prstGeom prst="rect">
-            <a:avLst/>
-          </a:prstGeom>
-          <a:noFill/>
-        </p:spPr>
-        <p:txBody>
-          <a:bodyPr wrap="square" rtlCol="0">
-            <a:spAutoFit/>
-          </a:bodyPr>
-          <a:lstStyle/>
-          <a:p>
-            <a:pPr algn="ctr"/>
-            <a:r>
-              <a:rPr lang="en-US" sz="2800" dirty="0"/>
-              <a:t>b)</a:t>
-            </a:r>
-            <a:endParaRPr lang="es-ES" sz="2800" dirty="0"/>
-          </a:p>
-        </p:txBody>
-      </p:sp>
-      <p:pic>
-        <p:nvPicPr>
-          <p:cNvPr id="3" name="Imagen 2">
-            <a:extLst>
-              <a:ext uri="{FF2B5EF4-FFF2-40B4-BE49-F238E27FC236}">
-                <a16:creationId xmlns:a16="http://schemas.microsoft.com/office/drawing/2014/main" id="{6BD6CE1F-8149-4800-BBA3-8649B554F7BF}"/>
-              </a:ext>
-            </a:extLst>
-          </p:cNvPr>
-          <p:cNvPicPr>
-            <a:picLocks noChangeAspect="1"/>
-          </p:cNvPicPr>
-          <p:nvPr/>
-        </p:nvPicPr>
-        <p:blipFill>
-          <a:blip r:embed="rId2">
-            <a:extLst>
-              <a:ext uri="{28A0092B-C50C-407E-A947-70E740481C1C}">
-                <a14:useLocalDpi xmlns:a14="http://schemas.microsoft.com/office/drawing/2010/main" val="0"/>
-              </a:ext>
-            </a:extLst>
-          </a:blip>
-          <a:stretch>
-            <a:fillRect/>
-          </a:stretch>
-        </p:blipFill>
-        <p:spPr>
-          <a:xfrm>
-            <a:off x="4587762" y="7566053"/>
-            <a:ext cx="7478169" cy="4715533"/>
-          </a:xfrm>
-          <a:prstGeom prst="rect">
-            <a:avLst/>
-          </a:prstGeom>
-        </p:spPr>
-      </p:pic>
-      <p:pic>
-        <p:nvPicPr>
-          <p:cNvPr id="7" name="Marcador de contenido 6">
-            <a:extLst>
-              <a:ext uri="{FF2B5EF4-FFF2-40B4-BE49-F238E27FC236}">
-                <a16:creationId xmlns:a16="http://schemas.microsoft.com/office/drawing/2014/main" id="{BF569FE4-7E6C-4F40-90AC-4EE565D15923}"/>
-              </a:ext>
-            </a:extLst>
-          </p:cNvPr>
-          <p:cNvPicPr>
-            <a:picLocks noGrp="1" noChangeAspect="1"/>
-          </p:cNvPicPr>
-          <p:nvPr>
-            <p:ph idx="1"/>
-          </p:nvPr>
-        </p:nvPicPr>
-        <p:blipFill>
-          <a:blip r:embed="rId3">
-            <a:extLst>
-              <a:ext uri="{28A0092B-C50C-407E-A947-70E740481C1C}">
-                <a14:useLocalDpi xmlns:a14="http://schemas.microsoft.com/office/drawing/2010/main" val="0"/>
-              </a:ext>
-            </a:extLst>
-          </a:blip>
-          <a:stretch>
-            <a:fillRect/>
-          </a:stretch>
-        </p:blipFill>
-        <p:spPr>
-          <a:xfrm>
-            <a:off x="11327751" y="7566053"/>
-            <a:ext cx="9377072" cy="4715533"/>
-          </a:xfrm>
-        </p:spPr>
-      </p:pic>
-    </p:spTree>
-    <p:extLst>
-      <p:ext uri="{BB962C8B-B14F-4D97-AF65-F5344CB8AC3E}">
-        <p14:creationId xmlns:p14="http://schemas.microsoft.com/office/powerpoint/2010/main" val="215007327"/>
-      </p:ext>
-    </p:extLst>
-  </p:cSld>
-  <p:clrMapOvr>
-    <a:masterClrMapping/>
-  </p:clrMapOvr>
-</p:sld>
-</file>
-
-<file path=ppt/slides/slide7.xml><?xml version="1.0" encoding="utf-8"?>
-<p:sld xmlns:a="http://schemas.openxmlformats.org/drawingml/2006/main" xmlns:r="http://schemas.openxmlformats.org/officeDocument/2006/relationships" xmlns:p="http://schemas.openxmlformats.org/presentationml/2006/main">
-  <p:cSld>
-    <p:spTree>
-      <p:nvGrpSpPr>
-        <p:cNvPr id="1" name=""/>
-        <p:cNvGrpSpPr/>
-        <p:nvPr/>
-      </p:nvGrpSpPr>
-      <p:grpSpPr>
-        <a:xfrm>
-          <a:off x="0" y="0"/>
-          <a:ext cx="0" cy="0"/>
-          <a:chOff x="0" y="0"/>
-          <a:chExt cx="0" cy="0"/>
-        </a:xfrm>
-      </p:grpSpPr>
-      <p:sp>
-        <p:nvSpPr>
-          <p:cNvPr id="12" name="CuadroTexto 11">
-            <a:extLst>
-              <a:ext uri="{FF2B5EF4-FFF2-40B4-BE49-F238E27FC236}">
-                <a16:creationId xmlns:a16="http://schemas.microsoft.com/office/drawing/2014/main" id="{02989EB8-3B75-435F-BC1E-A67CC0E1F4A4}"/>
-              </a:ext>
-            </a:extLst>
-          </p:cNvPr>
-          <p:cNvSpPr txBox="1"/>
-          <p:nvPr/>
-        </p:nvSpPr>
-        <p:spPr>
-          <a:xfrm>
-            <a:off x="7174321" y="11981876"/>
-            <a:ext cx="2305050" cy="523220"/>
-          </a:xfrm>
-          <a:prstGeom prst="rect">
-            <a:avLst/>
-          </a:prstGeom>
-          <a:noFill/>
-        </p:spPr>
-        <p:txBody>
-          <a:bodyPr wrap="square" rtlCol="0">
-            <a:spAutoFit/>
-          </a:bodyPr>
-          <a:lstStyle/>
-          <a:p>
-            <a:pPr algn="ctr"/>
-            <a:r>
-              <a:rPr lang="en-US" sz="2800" dirty="0"/>
-              <a:t>a)</a:t>
-            </a:r>
-            <a:endParaRPr lang="es-ES" sz="2800" dirty="0"/>
-          </a:p>
-        </p:txBody>
-      </p:sp>
-      <p:sp>
-        <p:nvSpPr>
-          <p:cNvPr id="13" name="CuadroTexto 12">
-            <a:extLst>
-              <a:ext uri="{FF2B5EF4-FFF2-40B4-BE49-F238E27FC236}">
-                <a16:creationId xmlns:a16="http://schemas.microsoft.com/office/drawing/2014/main" id="{8E545042-1AF8-4484-8FAB-9D68628FD426}"/>
-              </a:ext>
-            </a:extLst>
-          </p:cNvPr>
-          <p:cNvSpPr txBox="1"/>
-          <p:nvPr/>
-        </p:nvSpPr>
-        <p:spPr>
-          <a:xfrm>
-            <a:off x="14863762" y="11981876"/>
-            <a:ext cx="2305050" cy="523220"/>
-          </a:xfrm>
-          <a:prstGeom prst="rect">
-            <a:avLst/>
-          </a:prstGeom>
-          <a:noFill/>
-        </p:spPr>
-        <p:txBody>
-          <a:bodyPr wrap="square" rtlCol="0">
-            <a:spAutoFit/>
-          </a:bodyPr>
-          <a:lstStyle/>
-          <a:p>
-            <a:pPr algn="ctr"/>
-            <a:r>
-              <a:rPr lang="en-US" sz="2800" dirty="0"/>
-              <a:t>b)</a:t>
-            </a:r>
-            <a:endParaRPr lang="es-ES" sz="2800" dirty="0"/>
-          </a:p>
-        </p:txBody>
-      </p:sp>
-      <p:pic>
-        <p:nvPicPr>
-          <p:cNvPr id="5" name="Imagen 4">
-            <a:extLst>
-              <a:ext uri="{FF2B5EF4-FFF2-40B4-BE49-F238E27FC236}">
-                <a16:creationId xmlns:a16="http://schemas.microsoft.com/office/drawing/2014/main" id="{1C572A3E-AC2C-4B17-AF17-D820E86988EF}"/>
-              </a:ext>
-            </a:extLst>
-          </p:cNvPr>
-          <p:cNvPicPr>
-            <a:picLocks noChangeAspect="1"/>
-          </p:cNvPicPr>
-          <p:nvPr/>
-        </p:nvPicPr>
-        <p:blipFill>
-          <a:blip r:embed="rId2">
-            <a:extLst>
-              <a:ext uri="{28A0092B-C50C-407E-A947-70E740481C1C}">
-                <a14:useLocalDpi xmlns:a14="http://schemas.microsoft.com/office/drawing/2010/main" val="0"/>
-              </a:ext>
-            </a:extLst>
-          </a:blip>
-          <a:stretch>
-            <a:fillRect/>
-          </a:stretch>
-        </p:blipFill>
-        <p:spPr>
-          <a:xfrm>
-            <a:off x="11441955" y="7661316"/>
-            <a:ext cx="8524875" cy="4314825"/>
-          </a:xfrm>
-          <a:prstGeom prst="rect">
-            <a:avLst/>
-          </a:prstGeom>
-        </p:spPr>
-      </p:pic>
-      <p:pic>
-        <p:nvPicPr>
-          <p:cNvPr id="8" name="Imagen 7">
-            <a:extLst>
-              <a:ext uri="{FF2B5EF4-FFF2-40B4-BE49-F238E27FC236}">
-                <a16:creationId xmlns:a16="http://schemas.microsoft.com/office/drawing/2014/main" id="{D86E04F9-4781-4CE1-A04C-A9580C808CDF}"/>
-              </a:ext>
-            </a:extLst>
-          </p:cNvPr>
-          <p:cNvPicPr>
-            <a:picLocks noChangeAspect="1"/>
-          </p:cNvPicPr>
-          <p:nvPr/>
-        </p:nvPicPr>
-        <p:blipFill rotWithShape="1">
-          <a:blip r:embed="rId3">
-            <a:extLst>
-              <a:ext uri="{28A0092B-C50C-407E-A947-70E740481C1C}">
-                <a14:useLocalDpi xmlns:a14="http://schemas.microsoft.com/office/drawing/2010/main" val="0"/>
-              </a:ext>
-            </a:extLst>
-          </a:blip>
-          <a:srcRect b="4645"/>
-          <a:stretch/>
-        </p:blipFill>
-        <p:spPr>
-          <a:xfrm>
-            <a:off x="5211736" y="7661316"/>
-            <a:ext cx="6230219" cy="4314825"/>
-          </a:xfrm>
-          <a:prstGeom prst="rect">
-            <a:avLst/>
-          </a:prstGeom>
-        </p:spPr>
-      </p:pic>
-    </p:spTree>
-    <p:extLst>
-      <p:ext uri="{BB962C8B-B14F-4D97-AF65-F5344CB8AC3E}">
-        <p14:creationId xmlns:p14="http://schemas.microsoft.com/office/powerpoint/2010/main" val="82740932"/>
-      </p:ext>
-    </p:extLst>
-  </p:cSld>
-  <p:clrMapOvr>
-    <a:masterClrMapping/>
-  </p:clrMapOvr>
-</p:sld>
-</file>
-
-<file path=ppt/slides/slide8.xml><?xml version="1.0" encoding="utf-8"?>
-<p:sld xmlns:a="http://schemas.openxmlformats.org/drawingml/2006/main" xmlns:r="http://schemas.openxmlformats.org/officeDocument/2006/relationships" xmlns:p="http://schemas.openxmlformats.org/presentationml/2006/main">
-  <p:cSld>
-    <p:spTree>
-      <p:nvGrpSpPr>
-        <p:cNvPr id="1" name=""/>
-        <p:cNvGrpSpPr/>
-        <p:nvPr/>
-      </p:nvGrpSpPr>
-      <p:grpSpPr>
-        <a:xfrm>
-          <a:off x="0" y="0"/>
-          <a:ext cx="0" cy="0"/>
-          <a:chOff x="0" y="0"/>
-          <a:chExt cx="0" cy="0"/>
-        </a:xfrm>
-      </p:grpSpPr>
-      <p:sp>
-        <p:nvSpPr>
-          <p:cNvPr id="12" name="CuadroTexto 11">
-            <a:extLst>
-              <a:ext uri="{FF2B5EF4-FFF2-40B4-BE49-F238E27FC236}">
-                <a16:creationId xmlns:a16="http://schemas.microsoft.com/office/drawing/2014/main" id="{02989EB8-3B75-435F-BC1E-A67CC0E1F4A4}"/>
-              </a:ext>
-            </a:extLst>
-          </p:cNvPr>
-          <p:cNvSpPr txBox="1"/>
-          <p:nvPr/>
-        </p:nvSpPr>
-        <p:spPr>
-          <a:xfrm>
-            <a:off x="7816625" y="11993152"/>
-            <a:ext cx="2305050" cy="523220"/>
-          </a:xfrm>
-          <a:prstGeom prst="rect">
-            <a:avLst/>
-          </a:prstGeom>
-          <a:noFill/>
-        </p:spPr>
-        <p:txBody>
-          <a:bodyPr wrap="square" rtlCol="0">
-            <a:spAutoFit/>
-          </a:bodyPr>
-          <a:lstStyle/>
-          <a:p>
-            <a:pPr algn="ctr"/>
-            <a:r>
-              <a:rPr lang="en-US" sz="2800" dirty="0"/>
-              <a:t>a)</a:t>
-            </a:r>
-            <a:endParaRPr lang="es-ES" sz="2800" dirty="0"/>
-          </a:p>
-        </p:txBody>
-      </p:sp>
-      <p:sp>
-        <p:nvSpPr>
-          <p:cNvPr id="13" name="CuadroTexto 12">
-            <a:extLst>
-              <a:ext uri="{FF2B5EF4-FFF2-40B4-BE49-F238E27FC236}">
-                <a16:creationId xmlns:a16="http://schemas.microsoft.com/office/drawing/2014/main" id="{8E545042-1AF8-4484-8FAB-9D68628FD426}"/>
-              </a:ext>
-            </a:extLst>
-          </p:cNvPr>
-          <p:cNvSpPr txBox="1"/>
-          <p:nvPr/>
-        </p:nvSpPr>
-        <p:spPr>
-          <a:xfrm>
-            <a:off x="14863762" y="11981876"/>
-            <a:ext cx="2305050" cy="523220"/>
-          </a:xfrm>
-          <a:prstGeom prst="rect">
-            <a:avLst/>
-          </a:prstGeom>
-          <a:noFill/>
-        </p:spPr>
-        <p:txBody>
-          <a:bodyPr wrap="square" rtlCol="0">
-            <a:spAutoFit/>
-          </a:bodyPr>
-          <a:lstStyle/>
-          <a:p>
-            <a:pPr algn="ctr"/>
-            <a:r>
-              <a:rPr lang="en-US" sz="2800" dirty="0"/>
-              <a:t>b)</a:t>
-            </a:r>
-            <a:endParaRPr lang="es-ES" sz="2800" dirty="0"/>
-          </a:p>
-        </p:txBody>
-      </p:sp>
-      <p:pic>
-        <p:nvPicPr>
-          <p:cNvPr id="3" name="Imagen 2">
-            <a:extLst>
-              <a:ext uri="{FF2B5EF4-FFF2-40B4-BE49-F238E27FC236}">
-                <a16:creationId xmlns:a16="http://schemas.microsoft.com/office/drawing/2014/main" id="{E6CCD3C3-A447-4DA8-A3BF-AA3EDE623E7C}"/>
-              </a:ext>
-            </a:extLst>
-          </p:cNvPr>
-          <p:cNvPicPr>
-            <a:picLocks noChangeAspect="1"/>
-          </p:cNvPicPr>
-          <p:nvPr/>
-        </p:nvPicPr>
-        <p:blipFill rotWithShape="1">
-          <a:blip r:embed="rId2">
-            <a:extLst>
-              <a:ext uri="{28A0092B-C50C-407E-A947-70E740481C1C}">
-                <a14:useLocalDpi xmlns:a14="http://schemas.microsoft.com/office/drawing/2010/main" val="0"/>
-              </a:ext>
-            </a:extLst>
-          </a:blip>
-          <a:srcRect r="986"/>
-          <a:stretch/>
-        </p:blipFill>
-        <p:spPr>
-          <a:xfrm>
-            <a:off x="11470618" y="7834628"/>
-            <a:ext cx="9921530" cy="4076700"/>
-          </a:xfrm>
-          <a:prstGeom prst="rect">
-            <a:avLst/>
-          </a:prstGeom>
-        </p:spPr>
-      </p:pic>
-      <p:pic>
-        <p:nvPicPr>
-          <p:cNvPr id="6" name="Imagen 5">
-            <a:extLst>
-              <a:ext uri="{FF2B5EF4-FFF2-40B4-BE49-F238E27FC236}">
-                <a16:creationId xmlns:a16="http://schemas.microsoft.com/office/drawing/2014/main" id="{4040E1EB-1562-4678-B620-AA67029E1979}"/>
-              </a:ext>
-            </a:extLst>
-          </p:cNvPr>
-          <p:cNvPicPr>
-            <a:picLocks noChangeAspect="1"/>
-          </p:cNvPicPr>
-          <p:nvPr/>
-        </p:nvPicPr>
-        <p:blipFill rotWithShape="1">
-          <a:blip r:embed="rId3">
-            <a:extLst>
-              <a:ext uri="{28A0092B-C50C-407E-A947-70E740481C1C}">
-                <a14:useLocalDpi xmlns:a14="http://schemas.microsoft.com/office/drawing/2010/main" val="0"/>
-              </a:ext>
-            </a:extLst>
-          </a:blip>
-          <a:srcRect t="8949"/>
-          <a:stretch/>
-        </p:blipFill>
-        <p:spPr>
-          <a:xfrm>
-            <a:off x="6082672" y="7869902"/>
-            <a:ext cx="5772956" cy="4076700"/>
-          </a:xfrm>
-          <a:prstGeom prst="rect">
-            <a:avLst/>
-          </a:prstGeom>
-        </p:spPr>
-      </p:pic>
-    </p:spTree>
-    <p:extLst>
-      <p:ext uri="{BB962C8B-B14F-4D97-AF65-F5344CB8AC3E}">
-        <p14:creationId xmlns:p14="http://schemas.microsoft.com/office/powerpoint/2010/main" val="2725478554"/>
-      </p:ext>
-    </p:extLst>
-  </p:cSld>
-  <p:clrMapOvr>
-    <a:masterClrMapping/>
-  </p:clrMapOvr>
-</p:sld>
-</file>
-
-<file path=ppt/slides/slide9.xml><?xml version="1.0" encoding="utf-8"?>
+<file path=ppt/slides/slide10.xml><?xml version="1.0" encoding="utf-8"?>
 <p:sld xmlns:a="http://schemas.openxmlformats.org/drawingml/2006/main" xmlns:r="http://schemas.openxmlformats.org/officeDocument/2006/relationships" xmlns:p="http://schemas.openxmlformats.org/presentationml/2006/main">
   <p:cSld>
     <p:spTree>
@@ -10119,6 +8099,2463 @@
       </p:par>
     </p:tnLst>
   </p:timing>
+</p:sld>
+</file>
+
+<file path=ppt/slides/slide2.xml><?xml version="1.0" encoding="utf-8"?>
+<p:sld xmlns:a="http://schemas.openxmlformats.org/drawingml/2006/main" xmlns:r="http://schemas.openxmlformats.org/officeDocument/2006/relationships" xmlns:p="http://schemas.openxmlformats.org/presentationml/2006/main">
+  <p:cSld>
+    <p:spTree>
+      <p:nvGrpSpPr>
+        <p:cNvPr id="1" name=""/>
+        <p:cNvGrpSpPr/>
+        <p:nvPr/>
+      </p:nvGrpSpPr>
+      <p:grpSpPr>
+        <a:xfrm>
+          <a:off x="0" y="0"/>
+          <a:ext cx="0" cy="0"/>
+          <a:chOff x="0" y="0"/>
+          <a:chExt cx="0" cy="0"/>
+        </a:xfrm>
+      </p:grpSpPr>
+      <p:pic>
+        <p:nvPicPr>
+          <p:cNvPr id="4" name="Imagen 3">
+            <a:extLst>
+              <a:ext uri="{FF2B5EF4-FFF2-40B4-BE49-F238E27FC236}">
+                <a16:creationId xmlns:a16="http://schemas.microsoft.com/office/drawing/2014/main" id="{46205E3F-66B3-49B0-A68A-4216BD7E3F13}"/>
+              </a:ext>
+            </a:extLst>
+          </p:cNvPr>
+          <p:cNvPicPr>
+            <a:picLocks noChangeAspect="1"/>
+          </p:cNvPicPr>
+          <p:nvPr/>
+        </p:nvPicPr>
+        <p:blipFill>
+          <a:blip r:embed="rId2"/>
+          <a:stretch>
+            <a:fillRect/>
+          </a:stretch>
+        </p:blipFill>
+        <p:spPr>
+          <a:xfrm>
+            <a:off x="14003272" y="4409697"/>
+            <a:ext cx="4026033" cy="2667088"/>
+          </a:xfrm>
+          <a:prstGeom prst="rect">
+            <a:avLst/>
+          </a:prstGeom>
+        </p:spPr>
+      </p:pic>
+      <p:sp>
+        <p:nvSpPr>
+          <p:cNvPr id="6" name="Globo: línea doblada 5">
+            <a:extLst>
+              <a:ext uri="{FF2B5EF4-FFF2-40B4-BE49-F238E27FC236}">
+                <a16:creationId xmlns:a16="http://schemas.microsoft.com/office/drawing/2014/main" id="{8B7CA878-EAA4-435E-BF13-F50BEBED1DFF}"/>
+              </a:ext>
+            </a:extLst>
+          </p:cNvPr>
+          <p:cNvSpPr/>
+          <p:nvPr/>
+        </p:nvSpPr>
+        <p:spPr>
+          <a:xfrm>
+            <a:off x="18079506" y="4307922"/>
+            <a:ext cx="1018351" cy="203552"/>
+          </a:xfrm>
+          <a:prstGeom prst="borderCallout2">
+            <a:avLst>
+              <a:gd name="adj1" fmla="val 18750"/>
+              <a:gd name="adj2" fmla="val -8333"/>
+              <a:gd name="adj3" fmla="val 22273"/>
+              <a:gd name="adj4" fmla="val -39204"/>
+              <a:gd name="adj5" fmla="val 108976"/>
+              <a:gd name="adj6" fmla="val -43850"/>
+            </a:avLst>
+          </a:prstGeom>
+          <a:solidFill>
+            <a:schemeClr val="bg2"/>
+          </a:solidFill>
+          <a:ln>
+            <a:solidFill>
+              <a:srgbClr val="FF0000"/>
+            </a:solidFill>
+          </a:ln>
+        </p:spPr>
+        <p:style>
+          <a:lnRef idx="2">
+            <a:schemeClr val="accent1">
+              <a:shade val="50000"/>
+            </a:schemeClr>
+          </a:lnRef>
+          <a:fillRef idx="1">
+            <a:schemeClr val="accent1"/>
+          </a:fillRef>
+          <a:effectRef idx="0">
+            <a:schemeClr val="accent1"/>
+          </a:effectRef>
+          <a:fontRef idx="minor">
+            <a:schemeClr val="lt1"/>
+          </a:fontRef>
+        </p:style>
+        <p:txBody>
+          <a:bodyPr rot="0" spcFirstLastPara="0" vertOverflow="overflow" horzOverflow="overflow" vert="horz" wrap="square" lIns="121924" tIns="60962" rIns="121924" bIns="60962" numCol="1" spcCol="0" rtlCol="0" fromWordArt="0" anchor="ctr" anchorCtr="0" forceAA="0" compatLnSpc="1">
+            <a:prstTxWarp prst="textNoShape">
+              <a:avLst/>
+            </a:prstTxWarp>
+            <a:noAutofit/>
+          </a:bodyPr>
+          <a:lstStyle/>
+          <a:p>
+            <a:pPr algn="ctr"/>
+            <a:r>
+              <a:rPr lang="en-US" sz="800" b="1" dirty="0">
+                <a:solidFill>
+                  <a:schemeClr val="tx1"/>
+                </a:solidFill>
+              </a:rPr>
+              <a:t>Version de  Catkin</a:t>
+            </a:r>
+            <a:endParaRPr lang="es-ES" sz="800" b="1" dirty="0">
+              <a:solidFill>
+                <a:schemeClr val="tx1"/>
+              </a:solidFill>
+            </a:endParaRPr>
+          </a:p>
+        </p:txBody>
+      </p:sp>
+      <p:sp>
+        <p:nvSpPr>
+          <p:cNvPr id="7" name="Globo: línea doblada 6">
+            <a:extLst>
+              <a:ext uri="{FF2B5EF4-FFF2-40B4-BE49-F238E27FC236}">
+                <a16:creationId xmlns:a16="http://schemas.microsoft.com/office/drawing/2014/main" id="{65A870BF-F4ED-40FF-9290-99631289DE4E}"/>
+              </a:ext>
+            </a:extLst>
+          </p:cNvPr>
+          <p:cNvSpPr/>
+          <p:nvPr/>
+        </p:nvSpPr>
+        <p:spPr>
+          <a:xfrm>
+            <a:off x="18079506" y="4568503"/>
+            <a:ext cx="1018351" cy="274249"/>
+          </a:xfrm>
+          <a:prstGeom prst="borderCallout2">
+            <a:avLst>
+              <a:gd name="adj1" fmla="val 18750"/>
+              <a:gd name="adj2" fmla="val -8333"/>
+              <a:gd name="adj3" fmla="val 22273"/>
+              <a:gd name="adj4" fmla="val -91320"/>
+              <a:gd name="adj5" fmla="val 49297"/>
+              <a:gd name="adj6" fmla="val -109347"/>
+            </a:avLst>
+          </a:prstGeom>
+          <a:solidFill>
+            <a:schemeClr val="bg2"/>
+          </a:solidFill>
+          <a:ln>
+            <a:solidFill>
+              <a:srgbClr val="FF0000"/>
+            </a:solidFill>
+          </a:ln>
+        </p:spPr>
+        <p:style>
+          <a:lnRef idx="2">
+            <a:schemeClr val="accent1">
+              <a:shade val="50000"/>
+            </a:schemeClr>
+          </a:lnRef>
+          <a:fillRef idx="1">
+            <a:schemeClr val="accent1"/>
+          </a:fillRef>
+          <a:effectRef idx="0">
+            <a:schemeClr val="accent1"/>
+          </a:effectRef>
+          <a:fontRef idx="minor">
+            <a:schemeClr val="lt1"/>
+          </a:fontRef>
+        </p:style>
+        <p:txBody>
+          <a:bodyPr rot="0" spcFirstLastPara="0" vertOverflow="overflow" horzOverflow="overflow" vert="horz" wrap="square" lIns="121924" tIns="60962" rIns="121924" bIns="60962" numCol="1" spcCol="0" rtlCol="0" fromWordArt="0" anchor="ctr" anchorCtr="0" forceAA="0" compatLnSpc="1">
+            <a:prstTxWarp prst="textNoShape">
+              <a:avLst/>
+            </a:prstTxWarp>
+            <a:noAutofit/>
+          </a:bodyPr>
+          <a:lstStyle/>
+          <a:p>
+            <a:pPr algn="ctr"/>
+            <a:r>
+              <a:rPr lang="es-ES" sz="800" b="1" dirty="0">
+                <a:solidFill>
+                  <a:schemeClr val="tx1"/>
+                </a:solidFill>
+              </a:rPr>
+              <a:t>Nombre del paquete</a:t>
+            </a:r>
+          </a:p>
+        </p:txBody>
+      </p:sp>
+      <p:sp>
+        <p:nvSpPr>
+          <p:cNvPr id="8" name="Globo: línea doblada 7">
+            <a:extLst>
+              <a:ext uri="{FF2B5EF4-FFF2-40B4-BE49-F238E27FC236}">
+                <a16:creationId xmlns:a16="http://schemas.microsoft.com/office/drawing/2014/main" id="{9BAF6CC7-1A1E-4C40-AC59-0FDC35E75EFD}"/>
+              </a:ext>
+            </a:extLst>
+          </p:cNvPr>
+          <p:cNvSpPr/>
+          <p:nvPr/>
+        </p:nvSpPr>
+        <p:spPr>
+          <a:xfrm>
+            <a:off x="18079506" y="5108793"/>
+            <a:ext cx="1018351" cy="274249"/>
+          </a:xfrm>
+          <a:prstGeom prst="borderCallout2">
+            <a:avLst>
+              <a:gd name="adj1" fmla="val 18750"/>
+              <a:gd name="adj2" fmla="val -8333"/>
+              <a:gd name="adj3" fmla="val 19658"/>
+              <a:gd name="adj4" fmla="val -261755"/>
+              <a:gd name="adj5" fmla="val 67603"/>
+              <a:gd name="adj6" fmla="val -279078"/>
+            </a:avLst>
+          </a:prstGeom>
+          <a:solidFill>
+            <a:schemeClr val="bg2"/>
+          </a:solidFill>
+          <a:ln>
+            <a:solidFill>
+              <a:srgbClr val="FF0000"/>
+            </a:solidFill>
+          </a:ln>
+        </p:spPr>
+        <p:style>
+          <a:lnRef idx="2">
+            <a:schemeClr val="accent1">
+              <a:shade val="50000"/>
+            </a:schemeClr>
+          </a:lnRef>
+          <a:fillRef idx="1">
+            <a:schemeClr val="accent1"/>
+          </a:fillRef>
+          <a:effectRef idx="0">
+            <a:schemeClr val="accent1"/>
+          </a:effectRef>
+          <a:fontRef idx="minor">
+            <a:schemeClr val="lt1"/>
+          </a:fontRef>
+        </p:style>
+        <p:txBody>
+          <a:bodyPr rot="0" spcFirstLastPara="0" vertOverflow="overflow" horzOverflow="overflow" vert="horz" wrap="square" lIns="121924" tIns="60962" rIns="121924" bIns="60962" numCol="1" spcCol="0" rtlCol="0" fromWordArt="0" anchor="ctr" anchorCtr="0" forceAA="0" compatLnSpc="1">
+            <a:prstTxWarp prst="textNoShape">
+              <a:avLst/>
+            </a:prstTxWarp>
+            <a:noAutofit/>
+          </a:bodyPr>
+          <a:lstStyle/>
+          <a:p>
+            <a:pPr algn="ctr"/>
+            <a:r>
+              <a:rPr lang="es-ES" sz="800" b="1" dirty="0">
+                <a:solidFill>
+                  <a:schemeClr val="tx1"/>
+                </a:solidFill>
+              </a:rPr>
+              <a:t>Dependencia del paquete o </a:t>
+            </a:r>
+            <a:r>
+              <a:rPr lang="es-ES" sz="800" b="1" i="1" dirty="0">
+                <a:solidFill>
+                  <a:schemeClr val="tx1"/>
+                </a:solidFill>
+              </a:rPr>
+              <a:t>project</a:t>
+            </a:r>
+          </a:p>
+        </p:txBody>
+      </p:sp>
+      <p:sp>
+        <p:nvSpPr>
+          <p:cNvPr id="9" name="Rectángulo: esquinas redondeadas 8">
+            <a:extLst>
+              <a:ext uri="{FF2B5EF4-FFF2-40B4-BE49-F238E27FC236}">
+                <a16:creationId xmlns:a16="http://schemas.microsoft.com/office/drawing/2014/main" id="{0409B9D7-7703-4636-AE1F-E1ABF13D6A50}"/>
+              </a:ext>
+            </a:extLst>
+          </p:cNvPr>
+          <p:cNvSpPr/>
+          <p:nvPr/>
+        </p:nvSpPr>
+        <p:spPr>
+          <a:xfrm>
+            <a:off x="19097857" y="4986193"/>
+            <a:ext cx="867813" cy="530727"/>
+          </a:xfrm>
+          <a:prstGeom prst="roundRect">
+            <a:avLst/>
+          </a:prstGeom>
+          <a:solidFill>
+            <a:schemeClr val="bg2"/>
+          </a:solidFill>
+          <a:ln>
+            <a:solidFill>
+              <a:srgbClr val="FF0000"/>
+            </a:solidFill>
+          </a:ln>
+        </p:spPr>
+        <p:style>
+          <a:lnRef idx="2">
+            <a:schemeClr val="accent1">
+              <a:shade val="50000"/>
+            </a:schemeClr>
+          </a:lnRef>
+          <a:fillRef idx="1">
+            <a:schemeClr val="accent1"/>
+          </a:fillRef>
+          <a:effectRef idx="0">
+            <a:schemeClr val="accent1"/>
+          </a:effectRef>
+          <a:fontRef idx="minor">
+            <a:schemeClr val="lt1"/>
+          </a:fontRef>
+        </p:style>
+        <p:txBody>
+          <a:bodyPr rot="0" spcFirstLastPara="0" vertOverflow="overflow" horzOverflow="overflow" vert="horz" wrap="square" lIns="121924" tIns="60962" rIns="121924" bIns="60962" numCol="1" spcCol="0" rtlCol="0" fromWordArt="0" anchor="ctr" anchorCtr="0" forceAA="0" compatLnSpc="1">
+            <a:prstTxWarp prst="textNoShape">
+              <a:avLst/>
+            </a:prstTxWarp>
+            <a:noAutofit/>
+          </a:bodyPr>
+          <a:lstStyle/>
+          <a:p>
+            <a:pPr algn="ctr"/>
+            <a:r>
+              <a:rPr lang="es-ES" sz="800">
+                <a:solidFill>
+                  <a:schemeClr val="tx1"/>
+                </a:solidFill>
+              </a:rPr>
+              <a:t>roscpp dependencia para creacion de nodos </a:t>
+            </a:r>
+          </a:p>
+        </p:txBody>
+      </p:sp>
+      <p:sp>
+        <p:nvSpPr>
+          <p:cNvPr id="10" name="Globo: línea doblada 9">
+            <a:extLst>
+              <a:ext uri="{FF2B5EF4-FFF2-40B4-BE49-F238E27FC236}">
+                <a16:creationId xmlns:a16="http://schemas.microsoft.com/office/drawing/2014/main" id="{342B0205-60BB-46EE-998D-97407EAD0B7B}"/>
+              </a:ext>
+            </a:extLst>
+          </p:cNvPr>
+          <p:cNvSpPr/>
+          <p:nvPr/>
+        </p:nvSpPr>
+        <p:spPr>
+          <a:xfrm>
+            <a:off x="18079506" y="6466693"/>
+            <a:ext cx="1018351" cy="274249"/>
+          </a:xfrm>
+          <a:prstGeom prst="borderCallout2">
+            <a:avLst>
+              <a:gd name="adj1" fmla="val 18750"/>
+              <a:gd name="adj2" fmla="val -8333"/>
+              <a:gd name="adj3" fmla="val 22273"/>
+              <a:gd name="adj4" fmla="val -254008"/>
+              <a:gd name="adj5" fmla="val 62373"/>
+              <a:gd name="adj6" fmla="val -271331"/>
+            </a:avLst>
+          </a:prstGeom>
+          <a:solidFill>
+            <a:schemeClr val="bg2"/>
+          </a:solidFill>
+          <a:ln>
+            <a:solidFill>
+              <a:srgbClr val="FF0000"/>
+            </a:solidFill>
+          </a:ln>
+        </p:spPr>
+        <p:style>
+          <a:lnRef idx="2">
+            <a:schemeClr val="accent1">
+              <a:shade val="50000"/>
+            </a:schemeClr>
+          </a:lnRef>
+          <a:fillRef idx="1">
+            <a:schemeClr val="accent1"/>
+          </a:fillRef>
+          <a:effectRef idx="0">
+            <a:schemeClr val="accent1"/>
+          </a:effectRef>
+          <a:fontRef idx="minor">
+            <a:schemeClr val="lt1"/>
+          </a:fontRef>
+        </p:style>
+        <p:txBody>
+          <a:bodyPr rot="0" spcFirstLastPara="0" vertOverflow="overflow" horzOverflow="overflow" vert="horz" wrap="square" lIns="121924" tIns="60962" rIns="121924" bIns="60962" numCol="1" spcCol="0" rtlCol="0" fromWordArt="0" anchor="ctr" anchorCtr="0" forceAA="0" compatLnSpc="1">
+            <a:prstTxWarp prst="textNoShape">
+              <a:avLst/>
+            </a:prstTxWarp>
+            <a:noAutofit/>
+          </a:bodyPr>
+          <a:lstStyle/>
+          <a:p>
+            <a:pPr algn="ctr"/>
+            <a:r>
+              <a:rPr lang="es-ES" sz="800" b="1" dirty="0">
+                <a:solidFill>
+                  <a:schemeClr val="tx1"/>
+                </a:solidFill>
+              </a:rPr>
+              <a:t>Dependencia del paquete o </a:t>
+            </a:r>
+            <a:r>
+              <a:rPr lang="es-ES" sz="800" b="1" i="1" dirty="0">
+                <a:solidFill>
+                  <a:schemeClr val="tx1"/>
+                </a:solidFill>
+              </a:rPr>
+              <a:t>project</a:t>
+            </a:r>
+          </a:p>
+        </p:txBody>
+      </p:sp>
+    </p:spTree>
+    <p:extLst>
+      <p:ext uri="{BB962C8B-B14F-4D97-AF65-F5344CB8AC3E}">
+        <p14:creationId xmlns:p14="http://schemas.microsoft.com/office/powerpoint/2010/main" val="2518437411"/>
+      </p:ext>
+    </p:extLst>
+  </p:cSld>
+  <p:clrMapOvr>
+    <a:masterClrMapping/>
+  </p:clrMapOvr>
+</p:sld>
+</file>
+
+<file path=ppt/slides/slide3.xml><?xml version="1.0" encoding="utf-8"?>
+<p:sld xmlns:a="http://schemas.openxmlformats.org/drawingml/2006/main" xmlns:r="http://schemas.openxmlformats.org/officeDocument/2006/relationships" xmlns:p="http://schemas.openxmlformats.org/presentationml/2006/main">
+  <p:cSld>
+    <p:spTree>
+      <p:nvGrpSpPr>
+        <p:cNvPr id="1" name=""/>
+        <p:cNvGrpSpPr/>
+        <p:nvPr/>
+      </p:nvGrpSpPr>
+      <p:grpSpPr>
+        <a:xfrm>
+          <a:off x="0" y="0"/>
+          <a:ext cx="0" cy="0"/>
+          <a:chOff x="0" y="0"/>
+          <a:chExt cx="0" cy="0"/>
+        </a:xfrm>
+      </p:grpSpPr>
+      <p:pic>
+        <p:nvPicPr>
+          <p:cNvPr id="2" name="Imagen 1">
+            <a:extLst>
+              <a:ext uri="{FF2B5EF4-FFF2-40B4-BE49-F238E27FC236}">
+                <a16:creationId xmlns:a16="http://schemas.microsoft.com/office/drawing/2014/main" id="{5DF67740-B042-40DD-87CE-2634780E0298}"/>
+              </a:ext>
+            </a:extLst>
+          </p:cNvPr>
+          <p:cNvPicPr>
+            <a:picLocks noChangeAspect="1"/>
+          </p:cNvPicPr>
+          <p:nvPr/>
+        </p:nvPicPr>
+        <p:blipFill>
+          <a:blip r:embed="rId2"/>
+          <a:stretch>
+            <a:fillRect/>
+          </a:stretch>
+        </p:blipFill>
+        <p:spPr>
+          <a:xfrm>
+            <a:off x="12769525" y="4235807"/>
+            <a:ext cx="5105400" cy="2562225"/>
+          </a:xfrm>
+          <a:prstGeom prst="rect">
+            <a:avLst/>
+          </a:prstGeom>
+        </p:spPr>
+      </p:pic>
+      <p:sp>
+        <p:nvSpPr>
+          <p:cNvPr id="6" name="Globo: línea doblada 5">
+            <a:extLst>
+              <a:ext uri="{FF2B5EF4-FFF2-40B4-BE49-F238E27FC236}">
+                <a16:creationId xmlns:a16="http://schemas.microsoft.com/office/drawing/2014/main" id="{8B7CA878-EAA4-435E-BF13-F50BEBED1DFF}"/>
+              </a:ext>
+            </a:extLst>
+          </p:cNvPr>
+          <p:cNvSpPr/>
+          <p:nvPr/>
+        </p:nvSpPr>
+        <p:spPr>
+          <a:xfrm>
+            <a:off x="18079506" y="4098910"/>
+            <a:ext cx="1018351" cy="203552"/>
+          </a:xfrm>
+          <a:prstGeom prst="borderCallout2">
+            <a:avLst>
+              <a:gd name="adj1" fmla="val 18750"/>
+              <a:gd name="adj2" fmla="val -8333"/>
+              <a:gd name="adj3" fmla="val 22273"/>
+              <a:gd name="adj4" fmla="val -319785"/>
+              <a:gd name="adj5" fmla="val 92739"/>
+              <a:gd name="adj6" fmla="val -345682"/>
+            </a:avLst>
+          </a:prstGeom>
+          <a:solidFill>
+            <a:schemeClr val="bg2"/>
+          </a:solidFill>
+          <a:ln w="19050">
+            <a:solidFill>
+              <a:srgbClr val="FF0000"/>
+            </a:solidFill>
+          </a:ln>
+        </p:spPr>
+        <p:style>
+          <a:lnRef idx="2">
+            <a:schemeClr val="accent1">
+              <a:shade val="50000"/>
+            </a:schemeClr>
+          </a:lnRef>
+          <a:fillRef idx="1">
+            <a:schemeClr val="accent1"/>
+          </a:fillRef>
+          <a:effectRef idx="0">
+            <a:schemeClr val="accent1"/>
+          </a:effectRef>
+          <a:fontRef idx="minor">
+            <a:schemeClr val="lt1"/>
+          </a:fontRef>
+        </p:style>
+        <p:txBody>
+          <a:bodyPr rot="0" spcFirstLastPara="0" vertOverflow="overflow" horzOverflow="overflow" vert="horz" wrap="square" lIns="121924" tIns="60962" rIns="121924" bIns="60962" numCol="1" spcCol="0" rtlCol="0" fromWordArt="0" anchor="ctr" anchorCtr="0" forceAA="0" compatLnSpc="1">
+            <a:prstTxWarp prst="textNoShape">
+              <a:avLst/>
+            </a:prstTxWarp>
+            <a:noAutofit/>
+          </a:bodyPr>
+          <a:lstStyle/>
+          <a:p>
+            <a:pPr algn="ctr"/>
+            <a:r>
+              <a:rPr lang="en-US" sz="800" b="1" dirty="0">
+                <a:solidFill>
+                  <a:schemeClr val="tx1"/>
+                </a:solidFill>
+              </a:rPr>
+              <a:t>Version de .XML</a:t>
+            </a:r>
+            <a:endParaRPr lang="es-ES" sz="800" b="1" dirty="0">
+              <a:solidFill>
+                <a:schemeClr val="tx1"/>
+              </a:solidFill>
+            </a:endParaRPr>
+          </a:p>
+        </p:txBody>
+      </p:sp>
+      <p:sp>
+        <p:nvSpPr>
+          <p:cNvPr id="7" name="Globo: línea doblada 6">
+            <a:extLst>
+              <a:ext uri="{FF2B5EF4-FFF2-40B4-BE49-F238E27FC236}">
+                <a16:creationId xmlns:a16="http://schemas.microsoft.com/office/drawing/2014/main" id="{65A870BF-F4ED-40FF-9290-99631289DE4E}"/>
+              </a:ext>
+            </a:extLst>
+          </p:cNvPr>
+          <p:cNvSpPr/>
+          <p:nvPr/>
+        </p:nvSpPr>
+        <p:spPr>
+          <a:xfrm>
+            <a:off x="18079506" y="4374182"/>
+            <a:ext cx="1018351" cy="274249"/>
+          </a:xfrm>
+          <a:prstGeom prst="borderCallout2">
+            <a:avLst>
+              <a:gd name="adj1" fmla="val 18750"/>
+              <a:gd name="adj2" fmla="val -8333"/>
+              <a:gd name="adj3" fmla="val 15670"/>
+              <a:gd name="adj4" fmla="val -244233"/>
+              <a:gd name="adj5" fmla="val 82309"/>
+              <a:gd name="adj6" fmla="val -258704"/>
+            </a:avLst>
+          </a:prstGeom>
+          <a:solidFill>
+            <a:schemeClr val="bg2"/>
+          </a:solidFill>
+          <a:ln w="19050">
+            <a:solidFill>
+              <a:srgbClr val="FF0000"/>
+            </a:solidFill>
+          </a:ln>
+        </p:spPr>
+        <p:style>
+          <a:lnRef idx="2">
+            <a:schemeClr val="accent1">
+              <a:shade val="50000"/>
+            </a:schemeClr>
+          </a:lnRef>
+          <a:fillRef idx="1">
+            <a:schemeClr val="accent1"/>
+          </a:fillRef>
+          <a:effectRef idx="0">
+            <a:schemeClr val="accent1"/>
+          </a:effectRef>
+          <a:fontRef idx="minor">
+            <a:schemeClr val="lt1"/>
+          </a:fontRef>
+        </p:style>
+        <p:txBody>
+          <a:bodyPr rot="0" spcFirstLastPara="0" vertOverflow="overflow" horzOverflow="overflow" vert="horz" wrap="square" lIns="121924" tIns="60962" rIns="121924" bIns="60962" numCol="1" spcCol="0" rtlCol="0" fromWordArt="0" anchor="ctr" anchorCtr="0" forceAA="0" compatLnSpc="1">
+            <a:prstTxWarp prst="textNoShape">
+              <a:avLst/>
+            </a:prstTxWarp>
+            <a:noAutofit/>
+          </a:bodyPr>
+          <a:lstStyle/>
+          <a:p>
+            <a:pPr algn="ctr"/>
+            <a:r>
+              <a:rPr lang="es-ES" sz="800" b="1" dirty="0">
+                <a:solidFill>
+                  <a:schemeClr val="tx1"/>
+                </a:solidFill>
+              </a:rPr>
+              <a:t>Nombre del paquete</a:t>
+            </a:r>
+          </a:p>
+        </p:txBody>
+      </p:sp>
+      <p:sp>
+        <p:nvSpPr>
+          <p:cNvPr id="8" name="Globo: línea doblada 7">
+            <a:extLst>
+              <a:ext uri="{FF2B5EF4-FFF2-40B4-BE49-F238E27FC236}">
+                <a16:creationId xmlns:a16="http://schemas.microsoft.com/office/drawing/2014/main" id="{9BAF6CC7-1A1E-4C40-AC59-0FDC35E75EFD}"/>
+              </a:ext>
+            </a:extLst>
+          </p:cNvPr>
+          <p:cNvSpPr/>
+          <p:nvPr/>
+        </p:nvSpPr>
+        <p:spPr>
+          <a:xfrm>
+            <a:off x="18054262" y="5124973"/>
+            <a:ext cx="1018351" cy="274249"/>
+          </a:xfrm>
+          <a:prstGeom prst="borderCallout2">
+            <a:avLst>
+              <a:gd name="adj1" fmla="val 18750"/>
+              <a:gd name="adj2" fmla="val -8333"/>
+              <a:gd name="adj3" fmla="val 19658"/>
+              <a:gd name="adj4" fmla="val -306207"/>
+              <a:gd name="adj5" fmla="val 110519"/>
+              <a:gd name="adj6" fmla="val -320863"/>
+            </a:avLst>
+          </a:prstGeom>
+          <a:solidFill>
+            <a:schemeClr val="bg2"/>
+          </a:solidFill>
+          <a:ln w="19050">
+            <a:solidFill>
+              <a:srgbClr val="FF0000"/>
+            </a:solidFill>
+          </a:ln>
+        </p:spPr>
+        <p:style>
+          <a:lnRef idx="2">
+            <a:schemeClr val="accent1">
+              <a:shade val="50000"/>
+            </a:schemeClr>
+          </a:lnRef>
+          <a:fillRef idx="1">
+            <a:schemeClr val="accent1"/>
+          </a:fillRef>
+          <a:effectRef idx="0">
+            <a:schemeClr val="accent1"/>
+          </a:effectRef>
+          <a:fontRef idx="minor">
+            <a:schemeClr val="lt1"/>
+          </a:fontRef>
+        </p:style>
+        <p:txBody>
+          <a:bodyPr rot="0" spcFirstLastPara="0" vertOverflow="overflow" horzOverflow="overflow" vert="horz" wrap="square" lIns="121924" tIns="60962" rIns="121924" bIns="60962" numCol="1" spcCol="0" rtlCol="0" fromWordArt="0" anchor="ctr" anchorCtr="0" forceAA="0" compatLnSpc="1">
+            <a:prstTxWarp prst="textNoShape">
+              <a:avLst/>
+            </a:prstTxWarp>
+            <a:noAutofit/>
+          </a:bodyPr>
+          <a:lstStyle/>
+          <a:p>
+            <a:pPr algn="ctr"/>
+            <a:r>
+              <a:rPr lang="es-ES" sz="800" b="1" dirty="0">
+                <a:solidFill>
+                  <a:schemeClr val="tx1"/>
+                </a:solidFill>
+              </a:rPr>
+              <a:t>Compilador del paquete</a:t>
+            </a:r>
+            <a:endParaRPr lang="es-ES" sz="800" b="1" i="1" dirty="0">
+              <a:solidFill>
+                <a:schemeClr val="tx1"/>
+              </a:solidFill>
+            </a:endParaRPr>
+          </a:p>
+        </p:txBody>
+      </p:sp>
+      <p:sp>
+        <p:nvSpPr>
+          <p:cNvPr id="11" name="Globo: línea doblada 10">
+            <a:extLst>
+              <a:ext uri="{FF2B5EF4-FFF2-40B4-BE49-F238E27FC236}">
+                <a16:creationId xmlns:a16="http://schemas.microsoft.com/office/drawing/2014/main" id="{A53DD2AF-D484-40E6-B961-1480B3FD31AE}"/>
+              </a:ext>
+            </a:extLst>
+          </p:cNvPr>
+          <p:cNvSpPr/>
+          <p:nvPr/>
+        </p:nvSpPr>
+        <p:spPr>
+          <a:xfrm>
+            <a:off x="18079506" y="4648431"/>
+            <a:ext cx="1340177" cy="274249"/>
+          </a:xfrm>
+          <a:prstGeom prst="borderCallout2">
+            <a:avLst>
+              <a:gd name="adj1" fmla="val 18750"/>
+              <a:gd name="adj2" fmla="val -8333"/>
+              <a:gd name="adj3" fmla="val 18971"/>
+              <a:gd name="adj4" fmla="val -241566"/>
+              <a:gd name="adj5" fmla="val 82309"/>
+              <a:gd name="adj6" fmla="val -258704"/>
+            </a:avLst>
+          </a:prstGeom>
+          <a:solidFill>
+            <a:schemeClr val="bg2"/>
+          </a:solidFill>
+          <a:ln w="19050">
+            <a:solidFill>
+              <a:srgbClr val="FF0000"/>
+            </a:solidFill>
+          </a:ln>
+        </p:spPr>
+        <p:style>
+          <a:lnRef idx="2">
+            <a:schemeClr val="accent1">
+              <a:shade val="50000"/>
+            </a:schemeClr>
+          </a:lnRef>
+          <a:fillRef idx="1">
+            <a:schemeClr val="accent1"/>
+          </a:fillRef>
+          <a:effectRef idx="0">
+            <a:schemeClr val="accent1"/>
+          </a:effectRef>
+          <a:fontRef idx="minor">
+            <a:schemeClr val="lt1"/>
+          </a:fontRef>
+        </p:style>
+        <p:txBody>
+          <a:bodyPr rot="0" spcFirstLastPara="0" vertOverflow="overflow" horzOverflow="overflow" vert="horz" wrap="square" lIns="121924" tIns="60962" rIns="121924" bIns="60962" numCol="1" spcCol="0" rtlCol="0" fromWordArt="0" anchor="ctr" anchorCtr="0" forceAA="0" compatLnSpc="1">
+            <a:prstTxWarp prst="textNoShape">
+              <a:avLst/>
+            </a:prstTxWarp>
+            <a:noAutofit/>
+          </a:bodyPr>
+          <a:lstStyle/>
+          <a:p>
+            <a:pPr algn="ctr"/>
+            <a:r>
+              <a:rPr lang="es-ES" sz="800" b="1" dirty="0">
+                <a:solidFill>
+                  <a:schemeClr val="tx1"/>
+                </a:solidFill>
+              </a:rPr>
+              <a:t>Información del paquete (Autor) (Licencia)</a:t>
+            </a:r>
+          </a:p>
+        </p:txBody>
+      </p:sp>
+      <p:sp>
+        <p:nvSpPr>
+          <p:cNvPr id="12" name="Globo: línea doblada 11">
+            <a:extLst>
+              <a:ext uri="{FF2B5EF4-FFF2-40B4-BE49-F238E27FC236}">
+                <a16:creationId xmlns:a16="http://schemas.microsoft.com/office/drawing/2014/main" id="{A6ED597B-5D22-45F5-9229-1D3413AA2191}"/>
+              </a:ext>
+            </a:extLst>
+          </p:cNvPr>
+          <p:cNvSpPr/>
+          <p:nvPr/>
+        </p:nvSpPr>
+        <p:spPr>
+          <a:xfrm>
+            <a:off x="18054261" y="5420963"/>
+            <a:ext cx="1120979" cy="274249"/>
+          </a:xfrm>
+          <a:prstGeom prst="borderCallout2">
+            <a:avLst>
+              <a:gd name="adj1" fmla="val 35256"/>
+              <a:gd name="adj2" fmla="val -7444"/>
+              <a:gd name="adj3" fmla="val 26260"/>
+              <a:gd name="adj4" fmla="val -292245"/>
+              <a:gd name="adj5" fmla="val 54399"/>
+              <a:gd name="adj6" fmla="val -307796"/>
+            </a:avLst>
+          </a:prstGeom>
+          <a:solidFill>
+            <a:schemeClr val="bg2"/>
+          </a:solidFill>
+          <a:ln w="19050">
+            <a:solidFill>
+              <a:srgbClr val="FF0000"/>
+            </a:solidFill>
+          </a:ln>
+        </p:spPr>
+        <p:style>
+          <a:lnRef idx="2">
+            <a:schemeClr val="accent1">
+              <a:shade val="50000"/>
+            </a:schemeClr>
+          </a:lnRef>
+          <a:fillRef idx="1">
+            <a:schemeClr val="accent1"/>
+          </a:fillRef>
+          <a:effectRef idx="0">
+            <a:schemeClr val="accent1"/>
+          </a:effectRef>
+          <a:fontRef idx="minor">
+            <a:schemeClr val="lt1"/>
+          </a:fontRef>
+        </p:style>
+        <p:txBody>
+          <a:bodyPr rot="0" spcFirstLastPara="0" vertOverflow="overflow" horzOverflow="overflow" vert="horz" wrap="square" lIns="121924" tIns="60962" rIns="121924" bIns="60962" numCol="1" spcCol="0" rtlCol="0" fromWordArt="0" anchor="ctr" anchorCtr="0" forceAA="0" compatLnSpc="1">
+            <a:prstTxWarp prst="textNoShape">
+              <a:avLst/>
+            </a:prstTxWarp>
+            <a:noAutofit/>
+          </a:bodyPr>
+          <a:lstStyle/>
+          <a:p>
+            <a:pPr algn="ctr"/>
+            <a:r>
+              <a:rPr lang="es-ES" sz="800" b="1" dirty="0">
+                <a:solidFill>
+                  <a:schemeClr val="tx1"/>
+                </a:solidFill>
+              </a:rPr>
+              <a:t>Dependencia del paquete a compilar</a:t>
+            </a:r>
+            <a:endParaRPr lang="es-ES" sz="800" b="1" i="1" dirty="0">
+              <a:solidFill>
+                <a:schemeClr val="tx1"/>
+              </a:solidFill>
+            </a:endParaRPr>
+          </a:p>
+        </p:txBody>
+      </p:sp>
+      <p:sp>
+        <p:nvSpPr>
+          <p:cNvPr id="13" name="Globo: línea doblada 12">
+            <a:extLst>
+              <a:ext uri="{FF2B5EF4-FFF2-40B4-BE49-F238E27FC236}">
+                <a16:creationId xmlns:a16="http://schemas.microsoft.com/office/drawing/2014/main" id="{4BBCCBAD-4548-4575-B19D-EE237F5AC4E2}"/>
+              </a:ext>
+            </a:extLst>
+          </p:cNvPr>
+          <p:cNvSpPr/>
+          <p:nvPr/>
+        </p:nvSpPr>
+        <p:spPr>
+          <a:xfrm>
+            <a:off x="18054260" y="5694161"/>
+            <a:ext cx="1120979" cy="274249"/>
+          </a:xfrm>
+          <a:prstGeom prst="borderCallout2">
+            <a:avLst>
+              <a:gd name="adj1" fmla="val 84774"/>
+              <a:gd name="adj2" fmla="val -7444"/>
+              <a:gd name="adj3" fmla="val 82380"/>
+              <a:gd name="adj4" fmla="val -290630"/>
+              <a:gd name="adj5" fmla="val 34592"/>
+              <a:gd name="adj6" fmla="val -319103"/>
+            </a:avLst>
+          </a:prstGeom>
+          <a:solidFill>
+            <a:schemeClr val="bg2"/>
+          </a:solidFill>
+          <a:ln w="19050">
+            <a:solidFill>
+              <a:srgbClr val="FF0000"/>
+            </a:solidFill>
+          </a:ln>
+        </p:spPr>
+        <p:style>
+          <a:lnRef idx="2">
+            <a:schemeClr val="accent1">
+              <a:shade val="50000"/>
+            </a:schemeClr>
+          </a:lnRef>
+          <a:fillRef idx="1">
+            <a:schemeClr val="accent1"/>
+          </a:fillRef>
+          <a:effectRef idx="0">
+            <a:schemeClr val="accent1"/>
+          </a:effectRef>
+          <a:fontRef idx="minor">
+            <a:schemeClr val="lt1"/>
+          </a:fontRef>
+        </p:style>
+        <p:txBody>
+          <a:bodyPr rot="0" spcFirstLastPara="0" vertOverflow="overflow" horzOverflow="overflow" vert="horz" wrap="square" lIns="121924" tIns="60962" rIns="121924" bIns="60962" numCol="1" spcCol="0" rtlCol="0" fromWordArt="0" anchor="ctr" anchorCtr="0" forceAA="0" compatLnSpc="1">
+            <a:prstTxWarp prst="textNoShape">
+              <a:avLst/>
+            </a:prstTxWarp>
+            <a:noAutofit/>
+          </a:bodyPr>
+          <a:lstStyle/>
+          <a:p>
+            <a:pPr algn="ctr"/>
+            <a:r>
+              <a:rPr lang="es-ES" sz="800" b="1" dirty="0">
+                <a:solidFill>
+                  <a:schemeClr val="tx1"/>
+                </a:solidFill>
+              </a:rPr>
+              <a:t>Dependencia del paquete a Ejecutar</a:t>
+            </a:r>
+            <a:endParaRPr lang="es-ES" sz="800" b="1" i="1" dirty="0">
+              <a:solidFill>
+                <a:schemeClr val="tx1"/>
+              </a:solidFill>
+            </a:endParaRPr>
+          </a:p>
+        </p:txBody>
+      </p:sp>
+    </p:spTree>
+    <p:extLst>
+      <p:ext uri="{BB962C8B-B14F-4D97-AF65-F5344CB8AC3E}">
+        <p14:creationId xmlns:p14="http://schemas.microsoft.com/office/powerpoint/2010/main" val="1055705862"/>
+      </p:ext>
+    </p:extLst>
+  </p:cSld>
+  <p:clrMapOvr>
+    <a:masterClrMapping/>
+  </p:clrMapOvr>
+</p:sld>
+</file>
+
+<file path=ppt/slides/slide4.xml><?xml version="1.0" encoding="utf-8"?>
+<p:sld xmlns:a="http://schemas.openxmlformats.org/drawingml/2006/main" xmlns:r="http://schemas.openxmlformats.org/officeDocument/2006/relationships" xmlns:p="http://schemas.openxmlformats.org/presentationml/2006/main">
+  <p:cSld>
+    <p:spTree>
+      <p:nvGrpSpPr>
+        <p:cNvPr id="1" name=""/>
+        <p:cNvGrpSpPr/>
+        <p:nvPr/>
+      </p:nvGrpSpPr>
+      <p:grpSpPr>
+        <a:xfrm>
+          <a:off x="0" y="0"/>
+          <a:ext cx="0" cy="0"/>
+          <a:chOff x="0" y="0"/>
+          <a:chExt cx="0" cy="0"/>
+        </a:xfrm>
+      </p:grpSpPr>
+      <p:pic>
+        <p:nvPicPr>
+          <p:cNvPr id="9" name="Imagen 8">
+            <a:extLst>
+              <a:ext uri="{FF2B5EF4-FFF2-40B4-BE49-F238E27FC236}">
+                <a16:creationId xmlns:a16="http://schemas.microsoft.com/office/drawing/2014/main" id="{13E5BC9D-E415-414B-B52D-68F73007460B}"/>
+              </a:ext>
+            </a:extLst>
+          </p:cNvPr>
+          <p:cNvPicPr/>
+          <p:nvPr/>
+        </p:nvPicPr>
+        <p:blipFill>
+          <a:blip r:embed="rId2">
+            <a:extLst>
+              <a:ext uri="{28A0092B-C50C-407E-A947-70E740481C1C}">
+                <a14:useLocalDpi xmlns:a14="http://schemas.microsoft.com/office/drawing/2010/main" val="0"/>
+              </a:ext>
+            </a:extLst>
+          </a:blip>
+          <a:srcRect/>
+          <a:stretch>
+            <a:fillRect/>
+          </a:stretch>
+        </p:blipFill>
+        <p:spPr bwMode="auto">
+          <a:xfrm>
+            <a:off x="13736637" y="3886200"/>
+            <a:ext cx="2279650" cy="2270125"/>
+          </a:xfrm>
+          <a:prstGeom prst="rect">
+            <a:avLst/>
+          </a:prstGeom>
+          <a:noFill/>
+          <a:ln>
+            <a:noFill/>
+          </a:ln>
+        </p:spPr>
+      </p:pic>
+      <p:sp>
+        <p:nvSpPr>
+          <p:cNvPr id="3" name="Globo: línea doblada 2">
+            <a:extLst>
+              <a:ext uri="{FF2B5EF4-FFF2-40B4-BE49-F238E27FC236}">
+                <a16:creationId xmlns:a16="http://schemas.microsoft.com/office/drawing/2014/main" id="{60BAB772-071A-4DA3-BC2E-1E55DF35D1E2}"/>
+              </a:ext>
+            </a:extLst>
+          </p:cNvPr>
+          <p:cNvSpPr/>
+          <p:nvPr/>
+        </p:nvSpPr>
+        <p:spPr>
+          <a:xfrm>
+            <a:off x="16400206" y="3982065"/>
+            <a:ext cx="1061884" cy="268337"/>
+          </a:xfrm>
+          <a:prstGeom prst="borderCallout2">
+            <a:avLst>
+              <a:gd name="adj1" fmla="val 18750"/>
+              <a:gd name="adj2" fmla="val -8333"/>
+              <a:gd name="adj3" fmla="val 19229"/>
+              <a:gd name="adj4" fmla="val -114828"/>
+              <a:gd name="adj5" fmla="val 48940"/>
+              <a:gd name="adj6" fmla="val -137126"/>
+            </a:avLst>
+          </a:prstGeom>
+          <a:solidFill>
+            <a:schemeClr val="bg1">
+              <a:lumMod val="85000"/>
+            </a:schemeClr>
+          </a:solidFill>
+          <a:ln w="19050">
+            <a:solidFill>
+              <a:srgbClr val="FF0000"/>
+            </a:solidFill>
+          </a:ln>
+        </p:spPr>
+        <p:style>
+          <a:lnRef idx="2">
+            <a:schemeClr val="accent1">
+              <a:shade val="50000"/>
+            </a:schemeClr>
+          </a:lnRef>
+          <a:fillRef idx="1">
+            <a:schemeClr val="accent1"/>
+          </a:fillRef>
+          <a:effectRef idx="0">
+            <a:schemeClr val="accent1"/>
+          </a:effectRef>
+          <a:fontRef idx="minor">
+            <a:schemeClr val="lt1"/>
+          </a:fontRef>
+        </p:style>
+        <p:txBody>
+          <a:bodyPr rtlCol="0" anchor="ctr"/>
+          <a:lstStyle/>
+          <a:p>
+            <a:pPr lvl="0" algn="ctr"/>
+            <a:r>
+              <a:rPr lang="es-ES" sz="800" b="1" dirty="0">
+                <a:solidFill>
+                  <a:prstClr val="black"/>
+                </a:solidFill>
+              </a:rPr>
+              <a:t>Nombre del paquete ROS Industrial</a:t>
+            </a:r>
+          </a:p>
+        </p:txBody>
+      </p:sp>
+      <p:sp>
+        <p:nvSpPr>
+          <p:cNvPr id="15" name="Globo: línea doblada 14">
+            <a:extLst>
+              <a:ext uri="{FF2B5EF4-FFF2-40B4-BE49-F238E27FC236}">
+                <a16:creationId xmlns:a16="http://schemas.microsoft.com/office/drawing/2014/main" id="{30FC1F11-ED90-4C63-A479-CA2CEC53BDCD}"/>
+              </a:ext>
+            </a:extLst>
+          </p:cNvPr>
+          <p:cNvSpPr/>
+          <p:nvPr/>
+        </p:nvSpPr>
+        <p:spPr>
+          <a:xfrm>
+            <a:off x="16400205" y="4318820"/>
+            <a:ext cx="1526459" cy="268337"/>
+          </a:xfrm>
+          <a:prstGeom prst="borderCallout2">
+            <a:avLst>
+              <a:gd name="adj1" fmla="val 87452"/>
+              <a:gd name="adj2" fmla="val -6884"/>
+              <a:gd name="adj3" fmla="val 93428"/>
+              <a:gd name="adj4" fmla="val -113379"/>
+              <a:gd name="adj5" fmla="val 29703"/>
+              <a:gd name="adj6" fmla="val -127132"/>
+            </a:avLst>
+          </a:prstGeom>
+          <a:solidFill>
+            <a:schemeClr val="bg1">
+              <a:lumMod val="85000"/>
+            </a:schemeClr>
+          </a:solidFill>
+          <a:ln w="19050">
+            <a:solidFill>
+              <a:srgbClr val="FF0000"/>
+            </a:solidFill>
+          </a:ln>
+        </p:spPr>
+        <p:style>
+          <a:lnRef idx="2">
+            <a:schemeClr val="accent1">
+              <a:shade val="50000"/>
+            </a:schemeClr>
+          </a:lnRef>
+          <a:fillRef idx="1">
+            <a:schemeClr val="accent1"/>
+          </a:fillRef>
+          <a:effectRef idx="0">
+            <a:schemeClr val="accent1"/>
+          </a:effectRef>
+          <a:fontRef idx="minor">
+            <a:schemeClr val="lt1"/>
+          </a:fontRef>
+        </p:style>
+        <p:txBody>
+          <a:bodyPr rtlCol="0" anchor="ctr"/>
+          <a:lstStyle/>
+          <a:p>
+            <a:pPr lvl="0" algn="ctr"/>
+            <a:r>
+              <a:rPr lang="es-NI" sz="800" b="1" dirty="0">
+                <a:solidFill>
+                  <a:prstClr val="black"/>
+                </a:solidFill>
+              </a:rPr>
+              <a:t>Archivos .launch para ejecutar la visualización del modelo</a:t>
+            </a:r>
+          </a:p>
+        </p:txBody>
+      </p:sp>
+      <p:sp>
+        <p:nvSpPr>
+          <p:cNvPr id="17" name="Globo: línea doblada 16">
+            <a:extLst>
+              <a:ext uri="{FF2B5EF4-FFF2-40B4-BE49-F238E27FC236}">
+                <a16:creationId xmlns:a16="http://schemas.microsoft.com/office/drawing/2014/main" id="{9974124D-DAD6-422C-8A96-D32FB7FC86CC}"/>
+              </a:ext>
+            </a:extLst>
+          </p:cNvPr>
+          <p:cNvSpPr/>
+          <p:nvPr/>
+        </p:nvSpPr>
+        <p:spPr>
+          <a:xfrm>
+            <a:off x="11981349" y="5889421"/>
+            <a:ext cx="1061884" cy="268337"/>
+          </a:xfrm>
+          <a:prstGeom prst="borderCallout2">
+            <a:avLst>
+              <a:gd name="adj1" fmla="val 30603"/>
+              <a:gd name="adj2" fmla="val 104734"/>
+              <a:gd name="adj3" fmla="val 28119"/>
+              <a:gd name="adj4" fmla="val 178698"/>
+              <a:gd name="adj5" fmla="val 51903"/>
+              <a:gd name="adj6" fmla="val 195338"/>
+            </a:avLst>
+          </a:prstGeom>
+          <a:solidFill>
+            <a:schemeClr val="bg1">
+              <a:lumMod val="85000"/>
+            </a:schemeClr>
+          </a:solidFill>
+          <a:ln w="19050">
+            <a:solidFill>
+              <a:srgbClr val="FF0000"/>
+            </a:solidFill>
+          </a:ln>
+        </p:spPr>
+        <p:style>
+          <a:lnRef idx="2">
+            <a:schemeClr val="accent1">
+              <a:shade val="50000"/>
+            </a:schemeClr>
+          </a:lnRef>
+          <a:fillRef idx="1">
+            <a:schemeClr val="accent1"/>
+          </a:fillRef>
+          <a:effectRef idx="0">
+            <a:schemeClr val="accent1"/>
+          </a:effectRef>
+          <a:fontRef idx="minor">
+            <a:schemeClr val="lt1"/>
+          </a:fontRef>
+        </p:style>
+        <p:txBody>
+          <a:bodyPr rtlCol="0" anchor="ctr"/>
+          <a:lstStyle/>
+          <a:p>
+            <a:pPr lvl="0" algn="ctr"/>
+            <a:r>
+              <a:rPr lang="es-NI" sz="800" b="1" dirty="0">
+                <a:solidFill>
+                  <a:prstClr val="black"/>
+                </a:solidFill>
+              </a:rPr>
+              <a:t>Archivos URDF del Robot</a:t>
+            </a:r>
+          </a:p>
+        </p:txBody>
+      </p:sp>
+      <p:sp>
+        <p:nvSpPr>
+          <p:cNvPr id="7" name="Globo: línea doblada 6">
+            <a:extLst>
+              <a:ext uri="{FF2B5EF4-FFF2-40B4-BE49-F238E27FC236}">
+                <a16:creationId xmlns:a16="http://schemas.microsoft.com/office/drawing/2014/main" id="{C2814A39-8A77-4A8F-90A6-41372DF2BC8E}"/>
+              </a:ext>
+            </a:extLst>
+          </p:cNvPr>
+          <p:cNvSpPr/>
+          <p:nvPr/>
+        </p:nvSpPr>
+        <p:spPr>
+          <a:xfrm>
+            <a:off x="11981349" y="4587157"/>
+            <a:ext cx="1061884" cy="472897"/>
+          </a:xfrm>
+          <a:prstGeom prst="borderCallout2">
+            <a:avLst>
+              <a:gd name="adj1" fmla="val 30603"/>
+              <a:gd name="adj2" fmla="val 104734"/>
+              <a:gd name="adj3" fmla="val 28119"/>
+              <a:gd name="adj4" fmla="val 178698"/>
+              <a:gd name="adj5" fmla="val -293"/>
+              <a:gd name="adj6" fmla="val 194810"/>
+            </a:avLst>
+          </a:prstGeom>
+          <a:solidFill>
+            <a:schemeClr val="bg1">
+              <a:lumMod val="85000"/>
+            </a:schemeClr>
+          </a:solidFill>
+          <a:ln w="19050">
+            <a:solidFill>
+              <a:srgbClr val="FF0000"/>
+            </a:solidFill>
+          </a:ln>
+        </p:spPr>
+        <p:style>
+          <a:lnRef idx="2">
+            <a:schemeClr val="accent1">
+              <a:shade val="50000"/>
+            </a:schemeClr>
+          </a:lnRef>
+          <a:fillRef idx="1">
+            <a:schemeClr val="accent1"/>
+          </a:fillRef>
+          <a:effectRef idx="0">
+            <a:schemeClr val="accent1"/>
+          </a:effectRef>
+          <a:fontRef idx="minor">
+            <a:schemeClr val="lt1"/>
+          </a:fontRef>
+        </p:style>
+        <p:txBody>
+          <a:bodyPr rtlCol="0" anchor="ctr"/>
+          <a:lstStyle/>
+          <a:p>
+            <a:pPr lvl="0" algn="ctr"/>
+            <a:r>
+              <a:rPr lang="es-NI" sz="800" b="1" dirty="0">
+                <a:solidFill>
+                  <a:prstClr val="black"/>
+                </a:solidFill>
+              </a:rPr>
+              <a:t>Archivos CAD de Tres modelos de Robot de la Familia </a:t>
+            </a:r>
+            <a:r>
+              <a:rPr lang="es-NI" sz="800" b="1" dirty="0" err="1">
+                <a:solidFill>
+                  <a:prstClr val="black"/>
+                </a:solidFill>
+              </a:rPr>
+              <a:t>Kuka</a:t>
+            </a:r>
+            <a:r>
+              <a:rPr lang="es-NI" sz="800" b="1" dirty="0">
+                <a:solidFill>
+                  <a:prstClr val="black"/>
+                </a:solidFill>
+              </a:rPr>
+              <a:t> KR6</a:t>
+            </a:r>
+          </a:p>
+        </p:txBody>
+      </p:sp>
+    </p:spTree>
+    <p:extLst>
+      <p:ext uri="{BB962C8B-B14F-4D97-AF65-F5344CB8AC3E}">
+        <p14:creationId xmlns:p14="http://schemas.microsoft.com/office/powerpoint/2010/main" val="3606982395"/>
+      </p:ext>
+    </p:extLst>
+  </p:cSld>
+  <p:clrMapOvr>
+    <a:masterClrMapping/>
+  </p:clrMapOvr>
+</p:sld>
+</file>
+
+<file path=ppt/slides/slide5.xml><?xml version="1.0" encoding="utf-8"?>
+<p:sld xmlns:a="http://schemas.openxmlformats.org/drawingml/2006/main" xmlns:r="http://schemas.openxmlformats.org/officeDocument/2006/relationships" xmlns:p="http://schemas.openxmlformats.org/presentationml/2006/main">
+  <p:cSld>
+    <p:spTree>
+      <p:nvGrpSpPr>
+        <p:cNvPr id="1" name=""/>
+        <p:cNvGrpSpPr/>
+        <p:nvPr/>
+      </p:nvGrpSpPr>
+      <p:grpSpPr>
+        <a:xfrm>
+          <a:off x="0" y="0"/>
+          <a:ext cx="0" cy="0"/>
+          <a:chOff x="0" y="0"/>
+          <a:chExt cx="0" cy="0"/>
+        </a:xfrm>
+      </p:grpSpPr>
+      <p:pic>
+        <p:nvPicPr>
+          <p:cNvPr id="9" name="Marcador de contenido 8">
+            <a:extLst>
+              <a:ext uri="{FF2B5EF4-FFF2-40B4-BE49-F238E27FC236}">
+                <a16:creationId xmlns:a16="http://schemas.microsoft.com/office/drawing/2014/main" id="{DF6765B9-B050-4530-84D3-E174AE63CCF8}"/>
+              </a:ext>
+            </a:extLst>
+          </p:cNvPr>
+          <p:cNvPicPr>
+            <a:picLocks noGrp="1" noChangeAspect="1"/>
+          </p:cNvPicPr>
+          <p:nvPr>
+            <p:ph idx="1"/>
+          </p:nvPr>
+        </p:nvPicPr>
+        <p:blipFill>
+          <a:blip r:embed="rId2">
+            <a:extLst>
+              <a:ext uri="{28A0092B-C50C-407E-A947-70E740481C1C}">
+                <a14:useLocalDpi xmlns:a14="http://schemas.microsoft.com/office/drawing/2010/main" val="0"/>
+              </a:ext>
+            </a:extLst>
+          </a:blip>
+          <a:stretch>
+            <a:fillRect/>
+          </a:stretch>
+        </p:blipFill>
+        <p:spPr>
+          <a:xfrm>
+            <a:off x="12065931" y="7361595"/>
+            <a:ext cx="11258550" cy="5124450"/>
+          </a:xfrm>
+        </p:spPr>
+      </p:pic>
+      <p:pic>
+        <p:nvPicPr>
+          <p:cNvPr id="11" name="Imagen 10">
+            <a:extLst>
+              <a:ext uri="{FF2B5EF4-FFF2-40B4-BE49-F238E27FC236}">
+                <a16:creationId xmlns:a16="http://schemas.microsoft.com/office/drawing/2014/main" id="{711746AA-0B3C-4A77-90A8-B29543866F6B}"/>
+              </a:ext>
+            </a:extLst>
+          </p:cNvPr>
+          <p:cNvPicPr>
+            <a:picLocks noChangeAspect="1"/>
+          </p:cNvPicPr>
+          <p:nvPr/>
+        </p:nvPicPr>
+        <p:blipFill>
+          <a:blip r:embed="rId3">
+            <a:extLst>
+              <a:ext uri="{28A0092B-C50C-407E-A947-70E740481C1C}">
+                <a14:useLocalDpi xmlns:a14="http://schemas.microsoft.com/office/drawing/2010/main" val="0"/>
+              </a:ext>
+            </a:extLst>
+          </a:blip>
+          <a:stretch>
+            <a:fillRect/>
+          </a:stretch>
+        </p:blipFill>
+        <p:spPr>
+          <a:xfrm>
+            <a:off x="3263603" y="7360880"/>
+            <a:ext cx="8802328" cy="5125165"/>
+          </a:xfrm>
+          <a:prstGeom prst="rect">
+            <a:avLst/>
+          </a:prstGeom>
+        </p:spPr>
+      </p:pic>
+      <p:sp>
+        <p:nvSpPr>
+          <p:cNvPr id="12" name="CuadroTexto 11">
+            <a:extLst>
+              <a:ext uri="{FF2B5EF4-FFF2-40B4-BE49-F238E27FC236}">
+                <a16:creationId xmlns:a16="http://schemas.microsoft.com/office/drawing/2014/main" id="{02989EB8-3B75-435F-BC1E-A67CC0E1F4A4}"/>
+              </a:ext>
+            </a:extLst>
+          </p:cNvPr>
+          <p:cNvSpPr txBox="1"/>
+          <p:nvPr/>
+        </p:nvSpPr>
+        <p:spPr>
+          <a:xfrm>
+            <a:off x="6838950" y="12616190"/>
+            <a:ext cx="2305050" cy="523220"/>
+          </a:xfrm>
+          <a:prstGeom prst="rect">
+            <a:avLst/>
+          </a:prstGeom>
+          <a:noFill/>
+        </p:spPr>
+        <p:txBody>
+          <a:bodyPr wrap="square" rtlCol="0">
+            <a:spAutoFit/>
+          </a:bodyPr>
+          <a:lstStyle/>
+          <a:p>
+            <a:pPr algn="ctr"/>
+            <a:r>
+              <a:rPr lang="en-US" sz="2800" dirty="0"/>
+              <a:t>a)</a:t>
+            </a:r>
+            <a:endParaRPr lang="es-ES" sz="2800" dirty="0"/>
+          </a:p>
+        </p:txBody>
+      </p:sp>
+      <p:sp>
+        <p:nvSpPr>
+          <p:cNvPr id="13" name="CuadroTexto 12">
+            <a:extLst>
+              <a:ext uri="{FF2B5EF4-FFF2-40B4-BE49-F238E27FC236}">
+                <a16:creationId xmlns:a16="http://schemas.microsoft.com/office/drawing/2014/main" id="{8E545042-1AF8-4484-8FAB-9D68628FD426}"/>
+              </a:ext>
+            </a:extLst>
+          </p:cNvPr>
+          <p:cNvSpPr txBox="1"/>
+          <p:nvPr/>
+        </p:nvSpPr>
+        <p:spPr>
+          <a:xfrm>
+            <a:off x="17887950" y="12616190"/>
+            <a:ext cx="2305050" cy="523220"/>
+          </a:xfrm>
+          <a:prstGeom prst="rect">
+            <a:avLst/>
+          </a:prstGeom>
+          <a:noFill/>
+        </p:spPr>
+        <p:txBody>
+          <a:bodyPr wrap="square" rtlCol="0">
+            <a:spAutoFit/>
+          </a:bodyPr>
+          <a:lstStyle/>
+          <a:p>
+            <a:pPr algn="ctr"/>
+            <a:r>
+              <a:rPr lang="en-US" sz="2800" dirty="0"/>
+              <a:t>b)</a:t>
+            </a:r>
+            <a:endParaRPr lang="es-ES" sz="2800" dirty="0"/>
+          </a:p>
+        </p:txBody>
+      </p:sp>
+    </p:spTree>
+    <p:extLst>
+      <p:ext uri="{BB962C8B-B14F-4D97-AF65-F5344CB8AC3E}">
+        <p14:creationId xmlns:p14="http://schemas.microsoft.com/office/powerpoint/2010/main" val="3090030005"/>
+      </p:ext>
+    </p:extLst>
+  </p:cSld>
+  <p:clrMapOvr>
+    <a:masterClrMapping/>
+  </p:clrMapOvr>
+</p:sld>
+</file>
+
+<file path=ppt/slides/slide6.xml><?xml version="1.0" encoding="utf-8"?>
+<p:sld xmlns:a="http://schemas.openxmlformats.org/drawingml/2006/main" xmlns:r="http://schemas.openxmlformats.org/officeDocument/2006/relationships" xmlns:p="http://schemas.openxmlformats.org/presentationml/2006/main">
+  <p:cSld>
+    <p:spTree>
+      <p:nvGrpSpPr>
+        <p:cNvPr id="1" name=""/>
+        <p:cNvGrpSpPr/>
+        <p:nvPr/>
+      </p:nvGrpSpPr>
+      <p:grpSpPr>
+        <a:xfrm>
+          <a:off x="0" y="0"/>
+          <a:ext cx="0" cy="0"/>
+          <a:chOff x="0" y="0"/>
+          <a:chExt cx="0" cy="0"/>
+        </a:xfrm>
+      </p:grpSpPr>
+      <p:sp>
+        <p:nvSpPr>
+          <p:cNvPr id="12" name="CuadroTexto 11">
+            <a:extLst>
+              <a:ext uri="{FF2B5EF4-FFF2-40B4-BE49-F238E27FC236}">
+                <a16:creationId xmlns:a16="http://schemas.microsoft.com/office/drawing/2014/main" id="{02989EB8-3B75-435F-BC1E-A67CC0E1F4A4}"/>
+              </a:ext>
+            </a:extLst>
+          </p:cNvPr>
+          <p:cNvSpPr txBox="1"/>
+          <p:nvPr/>
+        </p:nvSpPr>
+        <p:spPr>
+          <a:xfrm>
+            <a:off x="7174321" y="12505096"/>
+            <a:ext cx="2305050" cy="523220"/>
+          </a:xfrm>
+          <a:prstGeom prst="rect">
+            <a:avLst/>
+          </a:prstGeom>
+          <a:noFill/>
+        </p:spPr>
+        <p:txBody>
+          <a:bodyPr wrap="square" rtlCol="0">
+            <a:spAutoFit/>
+          </a:bodyPr>
+          <a:lstStyle/>
+          <a:p>
+            <a:pPr algn="ctr"/>
+            <a:r>
+              <a:rPr lang="en-US" sz="2800" dirty="0"/>
+              <a:t>a)</a:t>
+            </a:r>
+            <a:endParaRPr lang="es-ES" sz="2800" dirty="0"/>
+          </a:p>
+        </p:txBody>
+      </p:sp>
+      <p:sp>
+        <p:nvSpPr>
+          <p:cNvPr id="13" name="CuadroTexto 12">
+            <a:extLst>
+              <a:ext uri="{FF2B5EF4-FFF2-40B4-BE49-F238E27FC236}">
+                <a16:creationId xmlns:a16="http://schemas.microsoft.com/office/drawing/2014/main" id="{8E545042-1AF8-4484-8FAB-9D68628FD426}"/>
+              </a:ext>
+            </a:extLst>
+          </p:cNvPr>
+          <p:cNvSpPr txBox="1"/>
+          <p:nvPr/>
+        </p:nvSpPr>
+        <p:spPr>
+          <a:xfrm>
+            <a:off x="14863762" y="12505096"/>
+            <a:ext cx="2305050" cy="523220"/>
+          </a:xfrm>
+          <a:prstGeom prst="rect">
+            <a:avLst/>
+          </a:prstGeom>
+          <a:noFill/>
+        </p:spPr>
+        <p:txBody>
+          <a:bodyPr wrap="square" rtlCol="0">
+            <a:spAutoFit/>
+          </a:bodyPr>
+          <a:lstStyle/>
+          <a:p>
+            <a:pPr algn="ctr"/>
+            <a:r>
+              <a:rPr lang="en-US" sz="2800" dirty="0"/>
+              <a:t>b)</a:t>
+            </a:r>
+            <a:endParaRPr lang="es-ES" sz="2800" dirty="0"/>
+          </a:p>
+        </p:txBody>
+      </p:sp>
+      <p:pic>
+        <p:nvPicPr>
+          <p:cNvPr id="3" name="Imagen 2">
+            <a:extLst>
+              <a:ext uri="{FF2B5EF4-FFF2-40B4-BE49-F238E27FC236}">
+                <a16:creationId xmlns:a16="http://schemas.microsoft.com/office/drawing/2014/main" id="{6BD6CE1F-8149-4800-BBA3-8649B554F7BF}"/>
+              </a:ext>
+            </a:extLst>
+          </p:cNvPr>
+          <p:cNvPicPr>
+            <a:picLocks noChangeAspect="1"/>
+          </p:cNvPicPr>
+          <p:nvPr/>
+        </p:nvPicPr>
+        <p:blipFill>
+          <a:blip r:embed="rId2">
+            <a:extLst>
+              <a:ext uri="{28A0092B-C50C-407E-A947-70E740481C1C}">
+                <a14:useLocalDpi xmlns:a14="http://schemas.microsoft.com/office/drawing/2010/main" val="0"/>
+              </a:ext>
+            </a:extLst>
+          </a:blip>
+          <a:stretch>
+            <a:fillRect/>
+          </a:stretch>
+        </p:blipFill>
+        <p:spPr>
+          <a:xfrm>
+            <a:off x="4587762" y="7566053"/>
+            <a:ext cx="7478169" cy="4715533"/>
+          </a:xfrm>
+          <a:prstGeom prst="rect">
+            <a:avLst/>
+          </a:prstGeom>
+        </p:spPr>
+      </p:pic>
+      <p:pic>
+        <p:nvPicPr>
+          <p:cNvPr id="7" name="Marcador de contenido 6">
+            <a:extLst>
+              <a:ext uri="{FF2B5EF4-FFF2-40B4-BE49-F238E27FC236}">
+                <a16:creationId xmlns:a16="http://schemas.microsoft.com/office/drawing/2014/main" id="{BF569FE4-7E6C-4F40-90AC-4EE565D15923}"/>
+              </a:ext>
+            </a:extLst>
+          </p:cNvPr>
+          <p:cNvPicPr>
+            <a:picLocks noGrp="1" noChangeAspect="1"/>
+          </p:cNvPicPr>
+          <p:nvPr>
+            <p:ph idx="1"/>
+          </p:nvPr>
+        </p:nvPicPr>
+        <p:blipFill>
+          <a:blip r:embed="rId3">
+            <a:extLst>
+              <a:ext uri="{28A0092B-C50C-407E-A947-70E740481C1C}">
+                <a14:useLocalDpi xmlns:a14="http://schemas.microsoft.com/office/drawing/2010/main" val="0"/>
+              </a:ext>
+            </a:extLst>
+          </a:blip>
+          <a:stretch>
+            <a:fillRect/>
+          </a:stretch>
+        </p:blipFill>
+        <p:spPr>
+          <a:xfrm>
+            <a:off x="11327751" y="7566053"/>
+            <a:ext cx="9377072" cy="4715533"/>
+          </a:xfrm>
+        </p:spPr>
+      </p:pic>
+    </p:spTree>
+    <p:extLst>
+      <p:ext uri="{BB962C8B-B14F-4D97-AF65-F5344CB8AC3E}">
+        <p14:creationId xmlns:p14="http://schemas.microsoft.com/office/powerpoint/2010/main" val="215007327"/>
+      </p:ext>
+    </p:extLst>
+  </p:cSld>
+  <p:clrMapOvr>
+    <a:masterClrMapping/>
+  </p:clrMapOvr>
+</p:sld>
+</file>
+
+<file path=ppt/slides/slide7.xml><?xml version="1.0" encoding="utf-8"?>
+<p:sld xmlns:a="http://schemas.openxmlformats.org/drawingml/2006/main" xmlns:r="http://schemas.openxmlformats.org/officeDocument/2006/relationships" xmlns:p="http://schemas.openxmlformats.org/presentationml/2006/main">
+  <p:cSld>
+    <p:spTree>
+      <p:nvGrpSpPr>
+        <p:cNvPr id="1" name=""/>
+        <p:cNvGrpSpPr/>
+        <p:nvPr/>
+      </p:nvGrpSpPr>
+      <p:grpSpPr>
+        <a:xfrm>
+          <a:off x="0" y="0"/>
+          <a:ext cx="0" cy="0"/>
+          <a:chOff x="0" y="0"/>
+          <a:chExt cx="0" cy="0"/>
+        </a:xfrm>
+      </p:grpSpPr>
+      <p:sp>
+        <p:nvSpPr>
+          <p:cNvPr id="12" name="CuadroTexto 11">
+            <a:extLst>
+              <a:ext uri="{FF2B5EF4-FFF2-40B4-BE49-F238E27FC236}">
+                <a16:creationId xmlns:a16="http://schemas.microsoft.com/office/drawing/2014/main" id="{02989EB8-3B75-435F-BC1E-A67CC0E1F4A4}"/>
+              </a:ext>
+            </a:extLst>
+          </p:cNvPr>
+          <p:cNvSpPr txBox="1"/>
+          <p:nvPr/>
+        </p:nvSpPr>
+        <p:spPr>
+          <a:xfrm>
+            <a:off x="7174321" y="11981876"/>
+            <a:ext cx="2305050" cy="523220"/>
+          </a:xfrm>
+          <a:prstGeom prst="rect">
+            <a:avLst/>
+          </a:prstGeom>
+          <a:noFill/>
+        </p:spPr>
+        <p:txBody>
+          <a:bodyPr wrap="square" rtlCol="0">
+            <a:spAutoFit/>
+          </a:bodyPr>
+          <a:lstStyle/>
+          <a:p>
+            <a:pPr algn="ctr"/>
+            <a:r>
+              <a:rPr lang="en-US" sz="2800" dirty="0"/>
+              <a:t>a)</a:t>
+            </a:r>
+            <a:endParaRPr lang="es-ES" sz="2800" dirty="0"/>
+          </a:p>
+        </p:txBody>
+      </p:sp>
+      <p:sp>
+        <p:nvSpPr>
+          <p:cNvPr id="13" name="CuadroTexto 12">
+            <a:extLst>
+              <a:ext uri="{FF2B5EF4-FFF2-40B4-BE49-F238E27FC236}">
+                <a16:creationId xmlns:a16="http://schemas.microsoft.com/office/drawing/2014/main" id="{8E545042-1AF8-4484-8FAB-9D68628FD426}"/>
+              </a:ext>
+            </a:extLst>
+          </p:cNvPr>
+          <p:cNvSpPr txBox="1"/>
+          <p:nvPr/>
+        </p:nvSpPr>
+        <p:spPr>
+          <a:xfrm>
+            <a:off x="14863762" y="11981876"/>
+            <a:ext cx="2305050" cy="523220"/>
+          </a:xfrm>
+          <a:prstGeom prst="rect">
+            <a:avLst/>
+          </a:prstGeom>
+          <a:noFill/>
+        </p:spPr>
+        <p:txBody>
+          <a:bodyPr wrap="square" rtlCol="0">
+            <a:spAutoFit/>
+          </a:bodyPr>
+          <a:lstStyle/>
+          <a:p>
+            <a:pPr algn="ctr"/>
+            <a:r>
+              <a:rPr lang="en-US" sz="2800" dirty="0"/>
+              <a:t>b)</a:t>
+            </a:r>
+            <a:endParaRPr lang="es-ES" sz="2800" dirty="0"/>
+          </a:p>
+        </p:txBody>
+      </p:sp>
+      <p:pic>
+        <p:nvPicPr>
+          <p:cNvPr id="5" name="Imagen 4">
+            <a:extLst>
+              <a:ext uri="{FF2B5EF4-FFF2-40B4-BE49-F238E27FC236}">
+                <a16:creationId xmlns:a16="http://schemas.microsoft.com/office/drawing/2014/main" id="{1C572A3E-AC2C-4B17-AF17-D820E86988EF}"/>
+              </a:ext>
+            </a:extLst>
+          </p:cNvPr>
+          <p:cNvPicPr>
+            <a:picLocks noChangeAspect="1"/>
+          </p:cNvPicPr>
+          <p:nvPr/>
+        </p:nvPicPr>
+        <p:blipFill>
+          <a:blip r:embed="rId2">
+            <a:extLst>
+              <a:ext uri="{28A0092B-C50C-407E-A947-70E740481C1C}">
+                <a14:useLocalDpi xmlns:a14="http://schemas.microsoft.com/office/drawing/2010/main" val="0"/>
+              </a:ext>
+            </a:extLst>
+          </a:blip>
+          <a:stretch>
+            <a:fillRect/>
+          </a:stretch>
+        </p:blipFill>
+        <p:spPr>
+          <a:xfrm>
+            <a:off x="11441955" y="7661316"/>
+            <a:ext cx="8524875" cy="4314825"/>
+          </a:xfrm>
+          <a:prstGeom prst="rect">
+            <a:avLst/>
+          </a:prstGeom>
+        </p:spPr>
+      </p:pic>
+      <p:pic>
+        <p:nvPicPr>
+          <p:cNvPr id="8" name="Imagen 7">
+            <a:extLst>
+              <a:ext uri="{FF2B5EF4-FFF2-40B4-BE49-F238E27FC236}">
+                <a16:creationId xmlns:a16="http://schemas.microsoft.com/office/drawing/2014/main" id="{D86E04F9-4781-4CE1-A04C-A9580C808CDF}"/>
+              </a:ext>
+            </a:extLst>
+          </p:cNvPr>
+          <p:cNvPicPr>
+            <a:picLocks noChangeAspect="1"/>
+          </p:cNvPicPr>
+          <p:nvPr/>
+        </p:nvPicPr>
+        <p:blipFill rotWithShape="1">
+          <a:blip r:embed="rId3">
+            <a:extLst>
+              <a:ext uri="{28A0092B-C50C-407E-A947-70E740481C1C}">
+                <a14:useLocalDpi xmlns:a14="http://schemas.microsoft.com/office/drawing/2010/main" val="0"/>
+              </a:ext>
+            </a:extLst>
+          </a:blip>
+          <a:srcRect b="4645"/>
+          <a:stretch/>
+        </p:blipFill>
+        <p:spPr>
+          <a:xfrm>
+            <a:off x="5211736" y="7661316"/>
+            <a:ext cx="6230219" cy="4314825"/>
+          </a:xfrm>
+          <a:prstGeom prst="rect">
+            <a:avLst/>
+          </a:prstGeom>
+        </p:spPr>
+      </p:pic>
+    </p:spTree>
+    <p:extLst>
+      <p:ext uri="{BB962C8B-B14F-4D97-AF65-F5344CB8AC3E}">
+        <p14:creationId xmlns:p14="http://schemas.microsoft.com/office/powerpoint/2010/main" val="82740932"/>
+      </p:ext>
+    </p:extLst>
+  </p:cSld>
+  <p:clrMapOvr>
+    <a:masterClrMapping/>
+  </p:clrMapOvr>
+</p:sld>
+</file>
+
+<file path=ppt/slides/slide8.xml><?xml version="1.0" encoding="utf-8"?>
+<p:sld xmlns:a="http://schemas.openxmlformats.org/drawingml/2006/main" xmlns:r="http://schemas.openxmlformats.org/officeDocument/2006/relationships" xmlns:p="http://schemas.openxmlformats.org/presentationml/2006/main">
+  <p:cSld>
+    <p:spTree>
+      <p:nvGrpSpPr>
+        <p:cNvPr id="1" name=""/>
+        <p:cNvGrpSpPr/>
+        <p:nvPr/>
+      </p:nvGrpSpPr>
+      <p:grpSpPr>
+        <a:xfrm>
+          <a:off x="0" y="0"/>
+          <a:ext cx="0" cy="0"/>
+          <a:chOff x="0" y="0"/>
+          <a:chExt cx="0" cy="0"/>
+        </a:xfrm>
+      </p:grpSpPr>
+      <p:sp>
+        <p:nvSpPr>
+          <p:cNvPr id="12" name="CuadroTexto 11">
+            <a:extLst>
+              <a:ext uri="{FF2B5EF4-FFF2-40B4-BE49-F238E27FC236}">
+                <a16:creationId xmlns:a16="http://schemas.microsoft.com/office/drawing/2014/main" id="{02989EB8-3B75-435F-BC1E-A67CC0E1F4A4}"/>
+              </a:ext>
+            </a:extLst>
+          </p:cNvPr>
+          <p:cNvSpPr txBox="1"/>
+          <p:nvPr/>
+        </p:nvSpPr>
+        <p:spPr>
+          <a:xfrm>
+            <a:off x="7816625" y="11993152"/>
+            <a:ext cx="2305050" cy="523220"/>
+          </a:xfrm>
+          <a:prstGeom prst="rect">
+            <a:avLst/>
+          </a:prstGeom>
+          <a:noFill/>
+        </p:spPr>
+        <p:txBody>
+          <a:bodyPr wrap="square" rtlCol="0">
+            <a:spAutoFit/>
+          </a:bodyPr>
+          <a:lstStyle/>
+          <a:p>
+            <a:pPr algn="ctr"/>
+            <a:r>
+              <a:rPr lang="en-US" sz="2800" dirty="0"/>
+              <a:t>a)</a:t>
+            </a:r>
+            <a:endParaRPr lang="es-ES" sz="2800" dirty="0"/>
+          </a:p>
+        </p:txBody>
+      </p:sp>
+      <p:sp>
+        <p:nvSpPr>
+          <p:cNvPr id="13" name="CuadroTexto 12">
+            <a:extLst>
+              <a:ext uri="{FF2B5EF4-FFF2-40B4-BE49-F238E27FC236}">
+                <a16:creationId xmlns:a16="http://schemas.microsoft.com/office/drawing/2014/main" id="{8E545042-1AF8-4484-8FAB-9D68628FD426}"/>
+              </a:ext>
+            </a:extLst>
+          </p:cNvPr>
+          <p:cNvSpPr txBox="1"/>
+          <p:nvPr/>
+        </p:nvSpPr>
+        <p:spPr>
+          <a:xfrm>
+            <a:off x="14863762" y="11981876"/>
+            <a:ext cx="2305050" cy="523220"/>
+          </a:xfrm>
+          <a:prstGeom prst="rect">
+            <a:avLst/>
+          </a:prstGeom>
+          <a:noFill/>
+        </p:spPr>
+        <p:txBody>
+          <a:bodyPr wrap="square" rtlCol="0">
+            <a:spAutoFit/>
+          </a:bodyPr>
+          <a:lstStyle/>
+          <a:p>
+            <a:pPr algn="ctr"/>
+            <a:r>
+              <a:rPr lang="en-US" sz="2800" dirty="0"/>
+              <a:t>b)</a:t>
+            </a:r>
+            <a:endParaRPr lang="es-ES" sz="2800" dirty="0"/>
+          </a:p>
+        </p:txBody>
+      </p:sp>
+      <p:pic>
+        <p:nvPicPr>
+          <p:cNvPr id="3" name="Imagen 2">
+            <a:extLst>
+              <a:ext uri="{FF2B5EF4-FFF2-40B4-BE49-F238E27FC236}">
+                <a16:creationId xmlns:a16="http://schemas.microsoft.com/office/drawing/2014/main" id="{E6CCD3C3-A447-4DA8-A3BF-AA3EDE623E7C}"/>
+              </a:ext>
+            </a:extLst>
+          </p:cNvPr>
+          <p:cNvPicPr>
+            <a:picLocks noChangeAspect="1"/>
+          </p:cNvPicPr>
+          <p:nvPr/>
+        </p:nvPicPr>
+        <p:blipFill rotWithShape="1">
+          <a:blip r:embed="rId2">
+            <a:extLst>
+              <a:ext uri="{28A0092B-C50C-407E-A947-70E740481C1C}">
+                <a14:useLocalDpi xmlns:a14="http://schemas.microsoft.com/office/drawing/2010/main" val="0"/>
+              </a:ext>
+            </a:extLst>
+          </a:blip>
+          <a:srcRect r="986"/>
+          <a:stretch/>
+        </p:blipFill>
+        <p:spPr>
+          <a:xfrm>
+            <a:off x="11470618" y="7834628"/>
+            <a:ext cx="9921530" cy="4076700"/>
+          </a:xfrm>
+          <a:prstGeom prst="rect">
+            <a:avLst/>
+          </a:prstGeom>
+        </p:spPr>
+      </p:pic>
+      <p:pic>
+        <p:nvPicPr>
+          <p:cNvPr id="6" name="Imagen 5">
+            <a:extLst>
+              <a:ext uri="{FF2B5EF4-FFF2-40B4-BE49-F238E27FC236}">
+                <a16:creationId xmlns:a16="http://schemas.microsoft.com/office/drawing/2014/main" id="{4040E1EB-1562-4678-B620-AA67029E1979}"/>
+              </a:ext>
+            </a:extLst>
+          </p:cNvPr>
+          <p:cNvPicPr>
+            <a:picLocks noChangeAspect="1"/>
+          </p:cNvPicPr>
+          <p:nvPr/>
+        </p:nvPicPr>
+        <p:blipFill rotWithShape="1">
+          <a:blip r:embed="rId3">
+            <a:extLst>
+              <a:ext uri="{28A0092B-C50C-407E-A947-70E740481C1C}">
+                <a14:useLocalDpi xmlns:a14="http://schemas.microsoft.com/office/drawing/2010/main" val="0"/>
+              </a:ext>
+            </a:extLst>
+          </a:blip>
+          <a:srcRect t="8949"/>
+          <a:stretch/>
+        </p:blipFill>
+        <p:spPr>
+          <a:xfrm>
+            <a:off x="6082672" y="7869902"/>
+            <a:ext cx="5772956" cy="4076700"/>
+          </a:xfrm>
+          <a:prstGeom prst="rect">
+            <a:avLst/>
+          </a:prstGeom>
+        </p:spPr>
+      </p:pic>
+    </p:spTree>
+    <p:extLst>
+      <p:ext uri="{BB962C8B-B14F-4D97-AF65-F5344CB8AC3E}">
+        <p14:creationId xmlns:p14="http://schemas.microsoft.com/office/powerpoint/2010/main" val="2725478554"/>
+      </p:ext>
+    </p:extLst>
+  </p:cSld>
+  <p:clrMapOvr>
+    <a:masterClrMapping/>
+  </p:clrMapOvr>
+</p:sld>
+</file>
+
+<file path=ppt/slides/slide9.xml><?xml version="1.0" encoding="utf-8"?>
+<p:sld xmlns:a="http://schemas.openxmlformats.org/drawingml/2006/main" xmlns:r="http://schemas.openxmlformats.org/officeDocument/2006/relationships" xmlns:p="http://schemas.openxmlformats.org/presentationml/2006/main">
+  <p:cSld>
+    <p:spTree>
+      <p:nvGrpSpPr>
+        <p:cNvPr id="1" name=""/>
+        <p:cNvGrpSpPr/>
+        <p:nvPr/>
+      </p:nvGrpSpPr>
+      <p:grpSpPr>
+        <a:xfrm>
+          <a:off x="0" y="0"/>
+          <a:ext cx="0" cy="0"/>
+          <a:chOff x="0" y="0"/>
+          <a:chExt cx="0" cy="0"/>
+        </a:xfrm>
+      </p:grpSpPr>
+      <p:sp>
+        <p:nvSpPr>
+          <p:cNvPr id="12" name="CuadroTexto 11">
+            <a:extLst>
+              <a:ext uri="{FF2B5EF4-FFF2-40B4-BE49-F238E27FC236}">
+                <a16:creationId xmlns:a16="http://schemas.microsoft.com/office/drawing/2014/main" id="{02989EB8-3B75-435F-BC1E-A67CC0E1F4A4}"/>
+              </a:ext>
+            </a:extLst>
+          </p:cNvPr>
+          <p:cNvSpPr txBox="1"/>
+          <p:nvPr/>
+        </p:nvSpPr>
+        <p:spPr>
+          <a:xfrm>
+            <a:off x="7816625" y="11993152"/>
+            <a:ext cx="2305050" cy="523220"/>
+          </a:xfrm>
+          <a:prstGeom prst="rect">
+            <a:avLst/>
+          </a:prstGeom>
+          <a:noFill/>
+        </p:spPr>
+        <p:txBody>
+          <a:bodyPr wrap="square" rtlCol="0">
+            <a:spAutoFit/>
+          </a:bodyPr>
+          <a:lstStyle/>
+          <a:p>
+            <a:pPr algn="ctr"/>
+            <a:r>
+              <a:rPr lang="en-US" sz="2800" dirty="0"/>
+              <a:t>a)</a:t>
+            </a:r>
+            <a:endParaRPr lang="es-ES" sz="2800" dirty="0"/>
+          </a:p>
+        </p:txBody>
+      </p:sp>
+      <p:sp>
+        <p:nvSpPr>
+          <p:cNvPr id="13" name="CuadroTexto 12">
+            <a:extLst>
+              <a:ext uri="{FF2B5EF4-FFF2-40B4-BE49-F238E27FC236}">
+                <a16:creationId xmlns:a16="http://schemas.microsoft.com/office/drawing/2014/main" id="{8E545042-1AF8-4484-8FAB-9D68628FD426}"/>
+              </a:ext>
+            </a:extLst>
+          </p:cNvPr>
+          <p:cNvSpPr txBox="1"/>
+          <p:nvPr/>
+        </p:nvSpPr>
+        <p:spPr>
+          <a:xfrm>
+            <a:off x="14863762" y="11981876"/>
+            <a:ext cx="2305050" cy="523220"/>
+          </a:xfrm>
+          <a:prstGeom prst="rect">
+            <a:avLst/>
+          </a:prstGeom>
+          <a:noFill/>
+        </p:spPr>
+        <p:txBody>
+          <a:bodyPr wrap="square" rtlCol="0">
+            <a:spAutoFit/>
+          </a:bodyPr>
+          <a:lstStyle/>
+          <a:p>
+            <a:pPr algn="ctr"/>
+            <a:r>
+              <a:rPr lang="en-US" sz="2800" dirty="0"/>
+              <a:t>b)</a:t>
+            </a:r>
+            <a:endParaRPr lang="es-ES" sz="2800" dirty="0"/>
+          </a:p>
+        </p:txBody>
+      </p:sp>
+      <p:pic>
+        <p:nvPicPr>
+          <p:cNvPr id="7" name="Imagen 6">
+            <a:extLst>
+              <a:ext uri="{FF2B5EF4-FFF2-40B4-BE49-F238E27FC236}">
+                <a16:creationId xmlns:a16="http://schemas.microsoft.com/office/drawing/2014/main" id="{629D62BC-9D47-4E9D-89AE-155D993B4617}"/>
+              </a:ext>
+            </a:extLst>
+          </p:cNvPr>
+          <p:cNvPicPr/>
+          <p:nvPr/>
+        </p:nvPicPr>
+        <p:blipFill>
+          <a:blip r:embed="rId2"/>
+          <a:stretch>
+            <a:fillRect/>
+          </a:stretch>
+        </p:blipFill>
+        <p:spPr>
+          <a:xfrm>
+            <a:off x="9177064" y="9189901"/>
+            <a:ext cx="4441644" cy="1249499"/>
+          </a:xfrm>
+          <a:prstGeom prst="rect">
+            <a:avLst/>
+          </a:prstGeom>
+        </p:spPr>
+      </p:pic>
+      <p:sp>
+        <p:nvSpPr>
+          <p:cNvPr id="8" name="Globo: línea doblada 7">
+            <a:extLst>
+              <a:ext uri="{FF2B5EF4-FFF2-40B4-BE49-F238E27FC236}">
+                <a16:creationId xmlns:a16="http://schemas.microsoft.com/office/drawing/2014/main" id="{F2708F88-85A7-44FA-9612-9974FE174372}"/>
+              </a:ext>
+            </a:extLst>
+          </p:cNvPr>
+          <p:cNvSpPr/>
+          <p:nvPr/>
+        </p:nvSpPr>
+        <p:spPr>
+          <a:xfrm>
+            <a:off x="13907452" y="8833216"/>
+            <a:ext cx="1119334" cy="351692"/>
+          </a:xfrm>
+          <a:prstGeom prst="borderCallout2">
+            <a:avLst>
+              <a:gd name="adj1" fmla="val 84774"/>
+              <a:gd name="adj2" fmla="val -7444"/>
+              <a:gd name="adj3" fmla="val 85713"/>
+              <a:gd name="adj4" fmla="val -31941"/>
+              <a:gd name="adj5" fmla="val 186953"/>
+              <a:gd name="adj6" fmla="val -53214"/>
+            </a:avLst>
+          </a:prstGeom>
+          <a:solidFill>
+            <a:schemeClr val="bg2"/>
+          </a:solidFill>
+          <a:ln w="19050">
+            <a:solidFill>
+              <a:srgbClr val="FF0000"/>
+            </a:solidFill>
+          </a:ln>
+        </p:spPr>
+        <p:style>
+          <a:lnRef idx="2">
+            <a:schemeClr val="accent1">
+              <a:shade val="50000"/>
+            </a:schemeClr>
+          </a:lnRef>
+          <a:fillRef idx="1">
+            <a:schemeClr val="accent1"/>
+          </a:fillRef>
+          <a:effectRef idx="0">
+            <a:schemeClr val="accent1"/>
+          </a:effectRef>
+          <a:fontRef idx="minor">
+            <a:schemeClr val="lt1"/>
+          </a:fontRef>
+        </p:style>
+        <p:txBody>
+          <a:bodyPr rot="0" spcFirstLastPara="0" vertOverflow="overflow" horzOverflow="overflow" vert="horz" wrap="square" lIns="121924" tIns="60962" rIns="121924" bIns="60962" numCol="1" spcCol="0" rtlCol="0" fromWordArt="0" anchor="ctr" anchorCtr="0" forceAA="0" compatLnSpc="1">
+            <a:prstTxWarp prst="textNoShape">
+              <a:avLst/>
+            </a:prstTxWarp>
+            <a:noAutofit/>
+          </a:bodyPr>
+          <a:lstStyle/>
+          <a:p>
+            <a:pPr algn="ctr"/>
+            <a:r>
+              <a:rPr lang="es-ES" sz="800" b="1" dirty="0">
+                <a:solidFill>
+                  <a:schemeClr val="tx1"/>
+                </a:solidFill>
+              </a:rPr>
+              <a:t>Rotación sobe el Eje Z</a:t>
+            </a:r>
+            <a:endParaRPr lang="es-ES" sz="800" b="1" i="1" dirty="0">
+              <a:solidFill>
+                <a:schemeClr val="tx1"/>
+              </a:solidFill>
+            </a:endParaRPr>
+          </a:p>
+        </p:txBody>
+      </p:sp>
+      <p:sp>
+        <p:nvSpPr>
+          <p:cNvPr id="9" name="Globo: línea doblada 8">
+            <a:extLst>
+              <a:ext uri="{FF2B5EF4-FFF2-40B4-BE49-F238E27FC236}">
+                <a16:creationId xmlns:a16="http://schemas.microsoft.com/office/drawing/2014/main" id="{DDC23153-A2C4-4F2B-B5B4-0E091DF404F8}"/>
+              </a:ext>
+            </a:extLst>
+          </p:cNvPr>
+          <p:cNvSpPr/>
+          <p:nvPr/>
+        </p:nvSpPr>
+        <p:spPr>
+          <a:xfrm>
+            <a:off x="13907452" y="9920246"/>
+            <a:ext cx="1119334" cy="351692"/>
+          </a:xfrm>
+          <a:prstGeom prst="borderCallout2">
+            <a:avLst>
+              <a:gd name="adj1" fmla="val 81441"/>
+              <a:gd name="adj2" fmla="val -4302"/>
+              <a:gd name="adj3" fmla="val 85713"/>
+              <a:gd name="adj4" fmla="val -158668"/>
+              <a:gd name="adj5" fmla="val 17924"/>
+              <a:gd name="adj6" fmla="val -200755"/>
+            </a:avLst>
+          </a:prstGeom>
+          <a:solidFill>
+            <a:schemeClr val="bg2"/>
+          </a:solidFill>
+          <a:ln w="19050">
+            <a:solidFill>
+              <a:srgbClr val="FF0000"/>
+            </a:solidFill>
+          </a:ln>
+        </p:spPr>
+        <p:style>
+          <a:lnRef idx="2">
+            <a:schemeClr val="accent1">
+              <a:shade val="50000"/>
+            </a:schemeClr>
+          </a:lnRef>
+          <a:fillRef idx="1">
+            <a:schemeClr val="accent1"/>
+          </a:fillRef>
+          <a:effectRef idx="0">
+            <a:schemeClr val="accent1"/>
+          </a:effectRef>
+          <a:fontRef idx="minor">
+            <a:schemeClr val="lt1"/>
+          </a:fontRef>
+        </p:style>
+        <p:txBody>
+          <a:bodyPr rot="0" spcFirstLastPara="0" vertOverflow="overflow" horzOverflow="overflow" vert="horz" wrap="square" lIns="121924" tIns="60962" rIns="121924" bIns="60962" numCol="1" spcCol="0" rtlCol="0" fromWordArt="0" anchor="ctr" anchorCtr="0" forceAA="0" compatLnSpc="1">
+            <a:prstTxWarp prst="textNoShape">
+              <a:avLst/>
+            </a:prstTxWarp>
+            <a:noAutofit/>
+          </a:bodyPr>
+          <a:lstStyle/>
+          <a:p>
+            <a:pPr algn="ctr"/>
+            <a:r>
+              <a:rPr lang="es-ES" sz="800" b="1" dirty="0">
+                <a:solidFill>
+                  <a:schemeClr val="tx1"/>
+                </a:solidFill>
+              </a:rPr>
+              <a:t>Rotación sobe el Eje X</a:t>
+            </a:r>
+            <a:endParaRPr lang="es-ES" sz="800" b="1" i="1" dirty="0">
+              <a:solidFill>
+                <a:schemeClr val="tx1"/>
+              </a:solidFill>
+            </a:endParaRPr>
+          </a:p>
+        </p:txBody>
+      </p:sp>
+      <p:sp>
+        <p:nvSpPr>
+          <p:cNvPr id="10" name="Globo: línea doblada 9">
+            <a:extLst>
+              <a:ext uri="{FF2B5EF4-FFF2-40B4-BE49-F238E27FC236}">
+                <a16:creationId xmlns:a16="http://schemas.microsoft.com/office/drawing/2014/main" id="{E93074BF-F6BF-40EC-8A70-F5C2A40B6AA2}"/>
+              </a:ext>
+            </a:extLst>
+          </p:cNvPr>
+          <p:cNvSpPr/>
+          <p:nvPr/>
+        </p:nvSpPr>
+        <p:spPr>
+          <a:xfrm>
+            <a:off x="13907452" y="9441141"/>
+            <a:ext cx="1119334" cy="351692"/>
+          </a:xfrm>
+          <a:prstGeom prst="borderCallout2">
+            <a:avLst>
+              <a:gd name="adj1" fmla="val 84774"/>
+              <a:gd name="adj2" fmla="val -7444"/>
+              <a:gd name="adj3" fmla="val 145712"/>
+              <a:gd name="adj4" fmla="val -36130"/>
+              <a:gd name="adj5" fmla="val 144592"/>
+              <a:gd name="adj6" fmla="val -140010"/>
+            </a:avLst>
+          </a:prstGeom>
+          <a:solidFill>
+            <a:schemeClr val="bg2"/>
+          </a:solidFill>
+          <a:ln w="19050">
+            <a:solidFill>
+              <a:srgbClr val="FF0000"/>
+            </a:solidFill>
+          </a:ln>
+        </p:spPr>
+        <p:style>
+          <a:lnRef idx="2">
+            <a:schemeClr val="accent1">
+              <a:shade val="50000"/>
+            </a:schemeClr>
+          </a:lnRef>
+          <a:fillRef idx="1">
+            <a:schemeClr val="accent1"/>
+          </a:fillRef>
+          <a:effectRef idx="0">
+            <a:schemeClr val="accent1"/>
+          </a:effectRef>
+          <a:fontRef idx="minor">
+            <a:schemeClr val="lt1"/>
+          </a:fontRef>
+        </p:style>
+        <p:txBody>
+          <a:bodyPr rot="0" spcFirstLastPara="0" vertOverflow="overflow" horzOverflow="overflow" vert="horz" wrap="square" lIns="121924" tIns="60962" rIns="121924" bIns="60962" numCol="1" spcCol="0" rtlCol="0" fromWordArt="0" anchor="ctr" anchorCtr="0" forceAA="0" compatLnSpc="1">
+            <a:prstTxWarp prst="textNoShape">
+              <a:avLst/>
+            </a:prstTxWarp>
+            <a:noAutofit/>
+          </a:bodyPr>
+          <a:lstStyle/>
+          <a:p>
+            <a:pPr algn="ctr"/>
+            <a:r>
+              <a:rPr lang="es-ES" sz="800" b="1" dirty="0">
+                <a:solidFill>
+                  <a:schemeClr val="tx1"/>
+                </a:solidFill>
+              </a:rPr>
+              <a:t>Rotación sobe el Eje Y</a:t>
+            </a:r>
+            <a:endParaRPr lang="es-ES" sz="800" b="1" i="1" dirty="0">
+              <a:solidFill>
+                <a:schemeClr val="tx1"/>
+              </a:solidFill>
+            </a:endParaRPr>
+          </a:p>
+        </p:txBody>
+      </p:sp>
+      <p:sp>
+        <p:nvSpPr>
+          <p:cNvPr id="11" name="Globo: línea doblada 10">
+            <a:extLst>
+              <a:ext uri="{FF2B5EF4-FFF2-40B4-BE49-F238E27FC236}">
+                <a16:creationId xmlns:a16="http://schemas.microsoft.com/office/drawing/2014/main" id="{DD264B6C-B2BC-4878-89EA-E345510A704A}"/>
+              </a:ext>
+            </a:extLst>
+          </p:cNvPr>
+          <p:cNvSpPr/>
+          <p:nvPr/>
+        </p:nvSpPr>
+        <p:spPr>
+          <a:xfrm>
+            <a:off x="8115180" y="9859643"/>
+            <a:ext cx="1061884" cy="472897"/>
+          </a:xfrm>
+          <a:prstGeom prst="borderCallout2">
+            <a:avLst>
+              <a:gd name="adj1" fmla="val 56116"/>
+              <a:gd name="adj2" fmla="val 107126"/>
+              <a:gd name="adj3" fmla="val 53632"/>
+              <a:gd name="adj4" fmla="val 160160"/>
+              <a:gd name="adj5" fmla="val 23877"/>
+              <a:gd name="adj6" fmla="val 170890"/>
+            </a:avLst>
+          </a:prstGeom>
+          <a:solidFill>
+            <a:schemeClr val="bg1">
+              <a:lumMod val="85000"/>
+            </a:schemeClr>
+          </a:solidFill>
+          <a:ln w="19050">
+            <a:solidFill>
+              <a:srgbClr val="FF0000"/>
+            </a:solidFill>
+          </a:ln>
+        </p:spPr>
+        <p:style>
+          <a:lnRef idx="2">
+            <a:schemeClr val="accent1">
+              <a:shade val="50000"/>
+            </a:schemeClr>
+          </a:lnRef>
+          <a:fillRef idx="1">
+            <a:schemeClr val="accent1"/>
+          </a:fillRef>
+          <a:effectRef idx="0">
+            <a:schemeClr val="accent1"/>
+          </a:effectRef>
+          <a:fontRef idx="minor">
+            <a:schemeClr val="lt1"/>
+          </a:fontRef>
+        </p:style>
+        <p:txBody>
+          <a:bodyPr rtlCol="0" anchor="ctr"/>
+          <a:lstStyle/>
+          <a:p>
+            <a:pPr lvl="0" algn="ctr"/>
+            <a:r>
+              <a:rPr lang="es-NI" sz="800" b="1" dirty="0">
+                <a:solidFill>
+                  <a:prstClr val="black"/>
+                </a:solidFill>
+              </a:rPr>
+              <a:t>Rotación de Objeto plano Tridimensional</a:t>
+            </a:r>
+          </a:p>
+        </p:txBody>
+      </p:sp>
+    </p:spTree>
+    <p:extLst>
+      <p:ext uri="{BB962C8B-B14F-4D97-AF65-F5344CB8AC3E}">
+        <p14:creationId xmlns:p14="http://schemas.microsoft.com/office/powerpoint/2010/main" val="3809342644"/>
+      </p:ext>
+    </p:extLst>
+  </p:cSld>
+  <p:clrMapOvr>
+    <a:masterClrMapping/>
+  </p:clrMapOvr>
 </p:sld>
 </file>
 

--- a/meshes [Autoguardado].pptx
+++ b/meshes [Autoguardado].pptx
@@ -14,7 +14,8 @@
     <p:sldId id="263" r:id="rId8"/>
     <p:sldId id="264" r:id="rId9"/>
     <p:sldId id="265" r:id="rId10"/>
-    <p:sldId id="259" r:id="rId11"/>
+    <p:sldId id="266" r:id="rId11"/>
+    <p:sldId id="259" r:id="rId12"/>
   </p:sldIdLst>
   <p:sldSz cx="32032575" cy="18018125"/>
   <p:notesSz cx="6858000" cy="9144000"/>
@@ -3899,7 +3900,7 @@
           <a:p>
             <a:fld id="{56E17E0E-BED0-40DA-882A-A57045C57D8C}" type="datetimeFigureOut">
               <a:rPr lang="es-ES" smtClean="0"/>
-              <a:t>19/06/2019</a:t>
+              <a:t>22/06/2019</a:t>
             </a:fld>
             <a:endParaRPr lang="es-ES"/>
           </a:p>
@@ -4069,7 +4070,7 @@
           <a:p>
             <a:fld id="{56E17E0E-BED0-40DA-882A-A57045C57D8C}" type="datetimeFigureOut">
               <a:rPr lang="es-ES" smtClean="0"/>
-              <a:t>19/06/2019</a:t>
+              <a:t>22/06/2019</a:t>
             </a:fld>
             <a:endParaRPr lang="es-ES"/>
           </a:p>
@@ -4249,7 +4250,7 @@
           <a:p>
             <a:fld id="{56E17E0E-BED0-40DA-882A-A57045C57D8C}" type="datetimeFigureOut">
               <a:rPr lang="es-ES" smtClean="0"/>
-              <a:t>19/06/2019</a:t>
+              <a:t>22/06/2019</a:t>
             </a:fld>
             <a:endParaRPr lang="es-ES"/>
           </a:p>
@@ -4419,7 +4420,7 @@
           <a:p>
             <a:fld id="{56E17E0E-BED0-40DA-882A-A57045C57D8C}" type="datetimeFigureOut">
               <a:rPr lang="es-ES" smtClean="0"/>
-              <a:t>19/06/2019</a:t>
+              <a:t>22/06/2019</a:t>
             </a:fld>
             <a:endParaRPr lang="es-ES"/>
           </a:p>
@@ -4665,7 +4666,7 @@
           <a:p>
             <a:fld id="{56E17E0E-BED0-40DA-882A-A57045C57D8C}" type="datetimeFigureOut">
               <a:rPr lang="es-ES" smtClean="0"/>
-              <a:t>19/06/2019</a:t>
+              <a:t>22/06/2019</a:t>
             </a:fld>
             <a:endParaRPr lang="es-ES"/>
           </a:p>
@@ -4897,7 +4898,7 @@
           <a:p>
             <a:fld id="{56E17E0E-BED0-40DA-882A-A57045C57D8C}" type="datetimeFigureOut">
               <a:rPr lang="es-ES" smtClean="0"/>
-              <a:t>19/06/2019</a:t>
+              <a:t>22/06/2019</a:t>
             </a:fld>
             <a:endParaRPr lang="es-ES"/>
           </a:p>
@@ -5264,7 +5265,7 @@
           <a:p>
             <a:fld id="{56E17E0E-BED0-40DA-882A-A57045C57D8C}" type="datetimeFigureOut">
               <a:rPr lang="es-ES" smtClean="0"/>
-              <a:t>19/06/2019</a:t>
+              <a:t>22/06/2019</a:t>
             </a:fld>
             <a:endParaRPr lang="es-ES"/>
           </a:p>
@@ -5382,7 +5383,7 @@
           <a:p>
             <a:fld id="{56E17E0E-BED0-40DA-882A-A57045C57D8C}" type="datetimeFigureOut">
               <a:rPr lang="es-ES" smtClean="0"/>
-              <a:t>19/06/2019</a:t>
+              <a:t>22/06/2019</a:t>
             </a:fld>
             <a:endParaRPr lang="es-ES"/>
           </a:p>
@@ -5477,7 +5478,7 @@
           <a:p>
             <a:fld id="{56E17E0E-BED0-40DA-882A-A57045C57D8C}" type="datetimeFigureOut">
               <a:rPr lang="es-ES" smtClean="0"/>
-              <a:t>19/06/2019</a:t>
+              <a:t>22/06/2019</a:t>
             </a:fld>
             <a:endParaRPr lang="es-ES"/>
           </a:p>
@@ -5754,7 +5755,7 @@
           <a:p>
             <a:fld id="{56E17E0E-BED0-40DA-882A-A57045C57D8C}" type="datetimeFigureOut">
               <a:rPr lang="es-ES" smtClean="0"/>
-              <a:t>19/06/2019</a:t>
+              <a:t>22/06/2019</a:t>
             </a:fld>
             <a:endParaRPr lang="es-ES"/>
           </a:p>
@@ -6011,7 +6012,7 @@
           <a:p>
             <a:fld id="{56E17E0E-BED0-40DA-882A-A57045C57D8C}" type="datetimeFigureOut">
               <a:rPr lang="es-ES" smtClean="0"/>
-              <a:t>19/06/2019</a:t>
+              <a:t>22/06/2019</a:t>
             </a:fld>
             <a:endParaRPr lang="es-ES"/>
           </a:p>
@@ -6224,7 +6225,7 @@
           <a:p>
             <a:fld id="{56E17E0E-BED0-40DA-882A-A57045C57D8C}" type="datetimeFigureOut">
               <a:rPr lang="es-ES" smtClean="0"/>
-              <a:t>19/06/2019</a:t>
+              <a:t>22/06/2019</a:t>
             </a:fld>
             <a:endParaRPr lang="es-ES"/>
           </a:p>
@@ -7944,6 +7945,591 @@
           <a:chExt cx="0" cy="0"/>
         </a:xfrm>
       </p:grpSpPr>
+      <p:pic>
+        <p:nvPicPr>
+          <p:cNvPr id="3" name="Imagen 2">
+            <a:extLst>
+              <a:ext uri="{FF2B5EF4-FFF2-40B4-BE49-F238E27FC236}">
+                <a16:creationId xmlns:a16="http://schemas.microsoft.com/office/drawing/2014/main" id="{28BF2954-795C-418A-873D-11FEE1E20987}"/>
+              </a:ext>
+            </a:extLst>
+          </p:cNvPr>
+          <p:cNvPicPr>
+            <a:picLocks noChangeAspect="1"/>
+          </p:cNvPicPr>
+          <p:nvPr/>
+        </p:nvPicPr>
+        <p:blipFill rotWithShape="1">
+          <a:blip r:embed="rId2">
+            <a:extLst>
+              <a:ext uri="{28A0092B-C50C-407E-A947-70E740481C1C}">
+                <a14:useLocalDpi xmlns:a14="http://schemas.microsoft.com/office/drawing/2010/main" val="0"/>
+              </a:ext>
+            </a:extLst>
+          </a:blip>
+          <a:srcRect l="13813" t="6935" r="17187" b="4823"/>
+          <a:stretch/>
+        </p:blipFill>
+        <p:spPr>
+          <a:xfrm>
+            <a:off x="16687800" y="5050971"/>
+            <a:ext cx="5257800" cy="3782245"/>
+          </a:xfrm>
+          <a:prstGeom prst="rect">
+            <a:avLst/>
+          </a:prstGeom>
+        </p:spPr>
+      </p:pic>
+      <p:sp>
+        <p:nvSpPr>
+          <p:cNvPr id="12" name="CuadroTexto 11">
+            <a:extLst>
+              <a:ext uri="{FF2B5EF4-FFF2-40B4-BE49-F238E27FC236}">
+                <a16:creationId xmlns:a16="http://schemas.microsoft.com/office/drawing/2014/main" id="{02989EB8-3B75-435F-BC1E-A67CC0E1F4A4}"/>
+              </a:ext>
+            </a:extLst>
+          </p:cNvPr>
+          <p:cNvSpPr txBox="1"/>
+          <p:nvPr/>
+        </p:nvSpPr>
+        <p:spPr>
+          <a:xfrm>
+            <a:off x="7816625" y="11993152"/>
+            <a:ext cx="2305050" cy="523220"/>
+          </a:xfrm>
+          <a:prstGeom prst="rect">
+            <a:avLst/>
+          </a:prstGeom>
+          <a:noFill/>
+        </p:spPr>
+        <p:txBody>
+          <a:bodyPr wrap="square" rtlCol="0">
+            <a:spAutoFit/>
+          </a:bodyPr>
+          <a:lstStyle/>
+          <a:p>
+            <a:pPr algn="ctr"/>
+            <a:r>
+              <a:rPr lang="en-US" sz="2800" dirty="0"/>
+              <a:t>a)</a:t>
+            </a:r>
+            <a:endParaRPr lang="es-ES" sz="2800" dirty="0"/>
+          </a:p>
+        </p:txBody>
+      </p:sp>
+      <p:sp>
+        <p:nvSpPr>
+          <p:cNvPr id="13" name="CuadroTexto 12">
+            <a:extLst>
+              <a:ext uri="{FF2B5EF4-FFF2-40B4-BE49-F238E27FC236}">
+                <a16:creationId xmlns:a16="http://schemas.microsoft.com/office/drawing/2014/main" id="{8E545042-1AF8-4484-8FAB-9D68628FD426}"/>
+              </a:ext>
+            </a:extLst>
+          </p:cNvPr>
+          <p:cNvSpPr txBox="1"/>
+          <p:nvPr/>
+        </p:nvSpPr>
+        <p:spPr>
+          <a:xfrm>
+            <a:off x="14863762" y="11981876"/>
+            <a:ext cx="2305050" cy="523220"/>
+          </a:xfrm>
+          <a:prstGeom prst="rect">
+            <a:avLst/>
+          </a:prstGeom>
+          <a:noFill/>
+        </p:spPr>
+        <p:txBody>
+          <a:bodyPr wrap="square" rtlCol="0">
+            <a:spAutoFit/>
+          </a:bodyPr>
+          <a:lstStyle/>
+          <a:p>
+            <a:pPr algn="ctr"/>
+            <a:r>
+              <a:rPr lang="en-US" sz="2800" dirty="0"/>
+              <a:t>b)</a:t>
+            </a:r>
+            <a:endParaRPr lang="es-ES" sz="2800" dirty="0"/>
+          </a:p>
+        </p:txBody>
+      </p:sp>
+      <p:pic>
+        <p:nvPicPr>
+          <p:cNvPr id="7" name="Imagen 6">
+            <a:extLst>
+              <a:ext uri="{FF2B5EF4-FFF2-40B4-BE49-F238E27FC236}">
+                <a16:creationId xmlns:a16="http://schemas.microsoft.com/office/drawing/2014/main" id="{629D62BC-9D47-4E9D-89AE-155D993B4617}"/>
+              </a:ext>
+            </a:extLst>
+          </p:cNvPr>
+          <p:cNvPicPr/>
+          <p:nvPr/>
+        </p:nvPicPr>
+        <p:blipFill>
+          <a:blip r:embed="rId3"/>
+          <a:stretch>
+            <a:fillRect/>
+          </a:stretch>
+        </p:blipFill>
+        <p:spPr>
+          <a:xfrm>
+            <a:off x="9177064" y="9189901"/>
+            <a:ext cx="4441644" cy="1249499"/>
+          </a:xfrm>
+          <a:prstGeom prst="rect">
+            <a:avLst/>
+          </a:prstGeom>
+        </p:spPr>
+      </p:pic>
+      <p:sp>
+        <p:nvSpPr>
+          <p:cNvPr id="8" name="Globo: línea doblada 7">
+            <a:extLst>
+              <a:ext uri="{FF2B5EF4-FFF2-40B4-BE49-F238E27FC236}">
+                <a16:creationId xmlns:a16="http://schemas.microsoft.com/office/drawing/2014/main" id="{F2708F88-85A7-44FA-9612-9974FE174372}"/>
+              </a:ext>
+            </a:extLst>
+          </p:cNvPr>
+          <p:cNvSpPr/>
+          <p:nvPr/>
+        </p:nvSpPr>
+        <p:spPr>
+          <a:xfrm>
+            <a:off x="22398309" y="5335274"/>
+            <a:ext cx="1119334" cy="351692"/>
+          </a:xfrm>
+          <a:prstGeom prst="borderCallout2">
+            <a:avLst>
+              <a:gd name="adj1" fmla="val 84774"/>
+              <a:gd name="adj2" fmla="val -7444"/>
+              <a:gd name="adj3" fmla="val 85713"/>
+              <a:gd name="adj4" fmla="val -31941"/>
+              <a:gd name="adj5" fmla="val 241575"/>
+              <a:gd name="adj6" fmla="val -154813"/>
+            </a:avLst>
+          </a:prstGeom>
+          <a:solidFill>
+            <a:schemeClr val="bg2"/>
+          </a:solidFill>
+          <a:ln w="19050">
+            <a:solidFill>
+              <a:srgbClr val="FF0000"/>
+            </a:solidFill>
+          </a:ln>
+        </p:spPr>
+        <p:style>
+          <a:lnRef idx="2">
+            <a:schemeClr val="accent1">
+              <a:shade val="50000"/>
+            </a:schemeClr>
+          </a:lnRef>
+          <a:fillRef idx="1">
+            <a:schemeClr val="accent1"/>
+          </a:fillRef>
+          <a:effectRef idx="0">
+            <a:schemeClr val="accent1"/>
+          </a:effectRef>
+          <a:fontRef idx="minor">
+            <a:schemeClr val="lt1"/>
+          </a:fontRef>
+        </p:style>
+        <p:txBody>
+          <a:bodyPr rot="0" spcFirstLastPara="0" vertOverflow="overflow" horzOverflow="overflow" vert="horz" wrap="square" lIns="121924" tIns="60962" rIns="121924" bIns="60962" numCol="1" spcCol="0" rtlCol="0" fromWordArt="0" anchor="ctr" anchorCtr="0" forceAA="0" compatLnSpc="1">
+            <a:prstTxWarp prst="textNoShape">
+              <a:avLst/>
+            </a:prstTxWarp>
+            <a:noAutofit/>
+          </a:bodyPr>
+          <a:lstStyle/>
+          <a:p>
+            <a:pPr algn="ctr"/>
+            <a:r>
+              <a:rPr lang="es-ES" sz="800" b="1" dirty="0">
+                <a:solidFill>
+                  <a:schemeClr val="tx1"/>
+                </a:solidFill>
+              </a:rPr>
+              <a:t>Rotación sobe el Eje Z</a:t>
+            </a:r>
+            <a:endParaRPr lang="es-ES" sz="800" b="1" i="1" dirty="0">
+              <a:solidFill>
+                <a:schemeClr val="tx1"/>
+              </a:solidFill>
+            </a:endParaRPr>
+          </a:p>
+        </p:txBody>
+      </p:sp>
+      <p:sp>
+        <p:nvSpPr>
+          <p:cNvPr id="9" name="Globo: línea doblada 8">
+            <a:extLst>
+              <a:ext uri="{FF2B5EF4-FFF2-40B4-BE49-F238E27FC236}">
+                <a16:creationId xmlns:a16="http://schemas.microsoft.com/office/drawing/2014/main" id="{DDC23153-A2C4-4F2B-B5B4-0E091DF404F8}"/>
+              </a:ext>
+            </a:extLst>
+          </p:cNvPr>
+          <p:cNvSpPr/>
+          <p:nvPr/>
+        </p:nvSpPr>
+        <p:spPr>
+          <a:xfrm>
+            <a:off x="13907452" y="9920246"/>
+            <a:ext cx="1119334" cy="351692"/>
+          </a:xfrm>
+          <a:prstGeom prst="borderCallout2">
+            <a:avLst>
+              <a:gd name="adj1" fmla="val 81441"/>
+              <a:gd name="adj2" fmla="val -4302"/>
+              <a:gd name="adj3" fmla="val 85713"/>
+              <a:gd name="adj4" fmla="val -158668"/>
+              <a:gd name="adj5" fmla="val 17924"/>
+              <a:gd name="adj6" fmla="val -200755"/>
+            </a:avLst>
+          </a:prstGeom>
+          <a:solidFill>
+            <a:schemeClr val="bg2"/>
+          </a:solidFill>
+          <a:ln w="19050">
+            <a:solidFill>
+              <a:srgbClr val="FF0000"/>
+            </a:solidFill>
+          </a:ln>
+        </p:spPr>
+        <p:style>
+          <a:lnRef idx="2">
+            <a:schemeClr val="accent1">
+              <a:shade val="50000"/>
+            </a:schemeClr>
+          </a:lnRef>
+          <a:fillRef idx="1">
+            <a:schemeClr val="accent1"/>
+          </a:fillRef>
+          <a:effectRef idx="0">
+            <a:schemeClr val="accent1"/>
+          </a:effectRef>
+          <a:fontRef idx="minor">
+            <a:schemeClr val="lt1"/>
+          </a:fontRef>
+        </p:style>
+        <p:txBody>
+          <a:bodyPr rot="0" spcFirstLastPara="0" vertOverflow="overflow" horzOverflow="overflow" vert="horz" wrap="square" lIns="121924" tIns="60962" rIns="121924" bIns="60962" numCol="1" spcCol="0" rtlCol="0" fromWordArt="0" anchor="ctr" anchorCtr="0" forceAA="0" compatLnSpc="1">
+            <a:prstTxWarp prst="textNoShape">
+              <a:avLst/>
+            </a:prstTxWarp>
+            <a:noAutofit/>
+          </a:bodyPr>
+          <a:lstStyle/>
+          <a:p>
+            <a:pPr algn="ctr"/>
+            <a:r>
+              <a:rPr lang="es-ES" sz="800" b="1" dirty="0">
+                <a:solidFill>
+                  <a:schemeClr val="tx1"/>
+                </a:solidFill>
+              </a:rPr>
+              <a:t>Rotación sobe el Eje X</a:t>
+            </a:r>
+            <a:endParaRPr lang="es-ES" sz="800" b="1" i="1" dirty="0">
+              <a:solidFill>
+                <a:schemeClr val="tx1"/>
+              </a:solidFill>
+            </a:endParaRPr>
+          </a:p>
+        </p:txBody>
+      </p:sp>
+      <p:sp>
+        <p:nvSpPr>
+          <p:cNvPr id="10" name="Globo: línea doblada 9">
+            <a:extLst>
+              <a:ext uri="{FF2B5EF4-FFF2-40B4-BE49-F238E27FC236}">
+                <a16:creationId xmlns:a16="http://schemas.microsoft.com/office/drawing/2014/main" id="{E93074BF-F6BF-40EC-8A70-F5C2A40B6AA2}"/>
+              </a:ext>
+            </a:extLst>
+          </p:cNvPr>
+          <p:cNvSpPr/>
+          <p:nvPr/>
+        </p:nvSpPr>
+        <p:spPr>
+          <a:xfrm>
+            <a:off x="13907452" y="9441141"/>
+            <a:ext cx="1119334" cy="351692"/>
+          </a:xfrm>
+          <a:prstGeom prst="borderCallout2">
+            <a:avLst>
+              <a:gd name="adj1" fmla="val 84774"/>
+              <a:gd name="adj2" fmla="val -7444"/>
+              <a:gd name="adj3" fmla="val 145712"/>
+              <a:gd name="adj4" fmla="val -36130"/>
+              <a:gd name="adj5" fmla="val 144592"/>
+              <a:gd name="adj6" fmla="val -140010"/>
+            </a:avLst>
+          </a:prstGeom>
+          <a:solidFill>
+            <a:schemeClr val="bg2"/>
+          </a:solidFill>
+          <a:ln w="19050">
+            <a:solidFill>
+              <a:srgbClr val="FF0000"/>
+            </a:solidFill>
+          </a:ln>
+        </p:spPr>
+        <p:style>
+          <a:lnRef idx="2">
+            <a:schemeClr val="accent1">
+              <a:shade val="50000"/>
+            </a:schemeClr>
+          </a:lnRef>
+          <a:fillRef idx="1">
+            <a:schemeClr val="accent1"/>
+          </a:fillRef>
+          <a:effectRef idx="0">
+            <a:schemeClr val="accent1"/>
+          </a:effectRef>
+          <a:fontRef idx="minor">
+            <a:schemeClr val="lt1"/>
+          </a:fontRef>
+        </p:style>
+        <p:txBody>
+          <a:bodyPr rot="0" spcFirstLastPara="0" vertOverflow="overflow" horzOverflow="overflow" vert="horz" wrap="square" lIns="121924" tIns="60962" rIns="121924" bIns="60962" numCol="1" spcCol="0" rtlCol="0" fromWordArt="0" anchor="ctr" anchorCtr="0" forceAA="0" compatLnSpc="1">
+            <a:prstTxWarp prst="textNoShape">
+              <a:avLst/>
+            </a:prstTxWarp>
+            <a:noAutofit/>
+          </a:bodyPr>
+          <a:lstStyle/>
+          <a:p>
+            <a:pPr algn="ctr"/>
+            <a:r>
+              <a:rPr lang="es-ES" sz="800" b="1" dirty="0">
+                <a:solidFill>
+                  <a:schemeClr val="tx1"/>
+                </a:solidFill>
+              </a:rPr>
+              <a:t>Rotación sobe el Eje Y</a:t>
+            </a:r>
+            <a:endParaRPr lang="es-ES" sz="800" b="1" i="1" dirty="0">
+              <a:solidFill>
+                <a:schemeClr val="tx1"/>
+              </a:solidFill>
+            </a:endParaRPr>
+          </a:p>
+        </p:txBody>
+      </p:sp>
+      <p:sp>
+        <p:nvSpPr>
+          <p:cNvPr id="11" name="Globo: línea doblada 10">
+            <a:extLst>
+              <a:ext uri="{FF2B5EF4-FFF2-40B4-BE49-F238E27FC236}">
+                <a16:creationId xmlns:a16="http://schemas.microsoft.com/office/drawing/2014/main" id="{DD264B6C-B2BC-4878-89EA-E345510A704A}"/>
+              </a:ext>
+            </a:extLst>
+          </p:cNvPr>
+          <p:cNvSpPr/>
+          <p:nvPr/>
+        </p:nvSpPr>
+        <p:spPr>
+          <a:xfrm>
+            <a:off x="8115180" y="9859643"/>
+            <a:ext cx="1061884" cy="472897"/>
+          </a:xfrm>
+          <a:prstGeom prst="borderCallout2">
+            <a:avLst>
+              <a:gd name="adj1" fmla="val 56116"/>
+              <a:gd name="adj2" fmla="val 107126"/>
+              <a:gd name="adj3" fmla="val 53632"/>
+              <a:gd name="adj4" fmla="val 160160"/>
+              <a:gd name="adj5" fmla="val 23877"/>
+              <a:gd name="adj6" fmla="val 170890"/>
+            </a:avLst>
+          </a:prstGeom>
+          <a:solidFill>
+            <a:schemeClr val="bg1">
+              <a:lumMod val="85000"/>
+            </a:schemeClr>
+          </a:solidFill>
+          <a:ln w="19050">
+            <a:solidFill>
+              <a:srgbClr val="FF0000"/>
+            </a:solidFill>
+          </a:ln>
+        </p:spPr>
+        <p:style>
+          <a:lnRef idx="2">
+            <a:schemeClr val="accent1">
+              <a:shade val="50000"/>
+            </a:schemeClr>
+          </a:lnRef>
+          <a:fillRef idx="1">
+            <a:schemeClr val="accent1"/>
+          </a:fillRef>
+          <a:effectRef idx="0">
+            <a:schemeClr val="accent1"/>
+          </a:effectRef>
+          <a:fontRef idx="minor">
+            <a:schemeClr val="lt1"/>
+          </a:fontRef>
+        </p:style>
+        <p:txBody>
+          <a:bodyPr rtlCol="0" anchor="ctr"/>
+          <a:lstStyle/>
+          <a:p>
+            <a:pPr lvl="0" algn="ctr"/>
+            <a:r>
+              <a:rPr lang="es-NI" sz="800" b="1" dirty="0">
+                <a:solidFill>
+                  <a:prstClr val="black"/>
+                </a:solidFill>
+              </a:rPr>
+              <a:t>Rotación de Objeto plano Tridimensional</a:t>
+            </a:r>
+          </a:p>
+        </p:txBody>
+      </p:sp>
+      <p:pic>
+        <p:nvPicPr>
+          <p:cNvPr id="5" name="Imagen 4">
+            <a:extLst>
+              <a:ext uri="{FF2B5EF4-FFF2-40B4-BE49-F238E27FC236}">
+                <a16:creationId xmlns:a16="http://schemas.microsoft.com/office/drawing/2014/main" id="{94325E70-F1C1-4F10-84A7-CE1E973EC7B2}"/>
+              </a:ext>
+            </a:extLst>
+          </p:cNvPr>
+          <p:cNvPicPr>
+            <a:picLocks noChangeAspect="1"/>
+          </p:cNvPicPr>
+          <p:nvPr/>
+        </p:nvPicPr>
+        <p:blipFill>
+          <a:blip r:embed="rId4">
+            <a:extLst>
+              <a:ext uri="{BEBA8EAE-BF5A-486C-A8C5-ECC9F3942E4B}">
+                <a14:imgProps xmlns:a14="http://schemas.microsoft.com/office/drawing/2010/main">
+                  <a14:imgLayer r:embed="rId5">
+                    <a14:imgEffect>
+                      <a14:brightnessContrast bright="40000" contrast="40000"/>
+                    </a14:imgEffect>
+                  </a14:imgLayer>
+                </a14:imgProps>
+              </a:ext>
+              <a:ext uri="{28A0092B-C50C-407E-A947-70E740481C1C}">
+                <a14:useLocalDpi xmlns:a14="http://schemas.microsoft.com/office/drawing/2010/main" val="0"/>
+              </a:ext>
+            </a:extLst>
+          </a:blip>
+          <a:stretch>
+            <a:fillRect/>
+          </a:stretch>
+        </p:blipFill>
+        <p:spPr>
+          <a:xfrm>
+            <a:off x="20726779" y="12101151"/>
+            <a:ext cx="7284979" cy="4097801"/>
+          </a:xfrm>
+          <a:prstGeom prst="rect">
+            <a:avLst/>
+          </a:prstGeom>
+        </p:spPr>
+      </p:pic>
+      <p:pic>
+        <p:nvPicPr>
+          <p:cNvPr id="6" name="Imagen 5">
+            <a:extLst>
+              <a:ext uri="{FF2B5EF4-FFF2-40B4-BE49-F238E27FC236}">
+                <a16:creationId xmlns:a16="http://schemas.microsoft.com/office/drawing/2014/main" id="{6ADD0D20-96EC-45BA-9EC1-BF23DE96B82F}"/>
+              </a:ext>
+            </a:extLst>
+          </p:cNvPr>
+          <p:cNvPicPr>
+            <a:picLocks noChangeAspect="1"/>
+          </p:cNvPicPr>
+          <p:nvPr/>
+        </p:nvPicPr>
+        <p:blipFill>
+          <a:blip r:embed="rId6"/>
+          <a:stretch>
+            <a:fillRect/>
+          </a:stretch>
+        </p:blipFill>
+        <p:spPr>
+          <a:xfrm>
+            <a:off x="18014416" y="9623281"/>
+            <a:ext cx="5629275" cy="2219325"/>
+          </a:xfrm>
+          <a:prstGeom prst="rect">
+            <a:avLst/>
+          </a:prstGeom>
+        </p:spPr>
+      </p:pic>
+      <p:pic>
+        <p:nvPicPr>
+          <p:cNvPr id="14" name="Imagen 13">
+            <a:extLst>
+              <a:ext uri="{FF2B5EF4-FFF2-40B4-BE49-F238E27FC236}">
+                <a16:creationId xmlns:a16="http://schemas.microsoft.com/office/drawing/2014/main" id="{D70C9B07-F124-482A-8804-12FE9E28C988}"/>
+              </a:ext>
+            </a:extLst>
+          </p:cNvPr>
+          <p:cNvPicPr/>
+          <p:nvPr/>
+        </p:nvPicPr>
+        <p:blipFill>
+          <a:blip r:embed="rId7">
+            <a:clrChange>
+              <a:clrFrom>
+                <a:srgbClr val="F4EADF"/>
+              </a:clrFrom>
+              <a:clrTo>
+                <a:srgbClr val="F4EADF">
+                  <a:alpha val="0"/>
+                </a:srgbClr>
+              </a:clrTo>
+            </a:clrChange>
+          </a:blip>
+          <a:stretch>
+            <a:fillRect/>
+          </a:stretch>
+        </p:blipFill>
+        <p:spPr>
+          <a:xfrm>
+            <a:off x="15603895" y="9616987"/>
+            <a:ext cx="2410521" cy="2219325"/>
+          </a:xfrm>
+          <a:prstGeom prst="rect">
+            <a:avLst/>
+          </a:prstGeom>
+        </p:spPr>
+      </p:pic>
+    </p:spTree>
+    <p:extLst>
+      <p:ext uri="{BB962C8B-B14F-4D97-AF65-F5344CB8AC3E}">
+        <p14:creationId xmlns:p14="http://schemas.microsoft.com/office/powerpoint/2010/main" val="3872220589"/>
+      </p:ext>
+    </p:extLst>
+  </p:cSld>
+  <p:clrMapOvr>
+    <a:masterClrMapping/>
+  </p:clrMapOvr>
+</p:sld>
+</file>
+
+<file path=ppt/slides/slide11.xml><?xml version="1.0" encoding="utf-8"?>
+<p:sld xmlns:a="http://schemas.openxmlformats.org/drawingml/2006/main" xmlns:r="http://schemas.openxmlformats.org/officeDocument/2006/relationships" xmlns:p="http://schemas.openxmlformats.org/presentationml/2006/main">
+  <p:cSld>
+    <p:spTree>
+      <p:nvGrpSpPr>
+        <p:cNvPr id="1" name=""/>
+        <p:cNvGrpSpPr/>
+        <p:nvPr/>
+      </p:nvGrpSpPr>
+      <p:grpSpPr>
+        <a:xfrm>
+          <a:off x="0" y="0"/>
+          <a:ext cx="0" cy="0"/>
+          <a:chOff x="0" y="0"/>
+          <a:chExt cx="0" cy="0"/>
+        </a:xfrm>
+      </p:grpSpPr>
       <p:graphicFrame>
         <p:nvGraphicFramePr>
           <p:cNvPr id="3" name="Diagrama 2">

--- a/meshes [Autoguardado].pptx
+++ b/meshes [Autoguardado].pptx
@@ -15,7 +15,8 @@
     <p:sldId id="264" r:id="rId9"/>
     <p:sldId id="265" r:id="rId10"/>
     <p:sldId id="266" r:id="rId11"/>
-    <p:sldId id="259" r:id="rId12"/>
+    <p:sldId id="267" r:id="rId12"/>
+    <p:sldId id="259" r:id="rId13"/>
   </p:sldIdLst>
   <p:sldSz cx="32032575" cy="18018125"/>
   <p:notesSz cx="6858000" cy="9144000"/>
@@ -3900,7 +3901,7 @@
           <a:p>
             <a:fld id="{56E17E0E-BED0-40DA-882A-A57045C57D8C}" type="datetimeFigureOut">
               <a:rPr lang="es-ES" smtClean="0"/>
-              <a:t>22/06/2019</a:t>
+              <a:t>23/06/2019</a:t>
             </a:fld>
             <a:endParaRPr lang="es-ES"/>
           </a:p>
@@ -4070,7 +4071,7 @@
           <a:p>
             <a:fld id="{56E17E0E-BED0-40DA-882A-A57045C57D8C}" type="datetimeFigureOut">
               <a:rPr lang="es-ES" smtClean="0"/>
-              <a:t>22/06/2019</a:t>
+              <a:t>23/06/2019</a:t>
             </a:fld>
             <a:endParaRPr lang="es-ES"/>
           </a:p>
@@ -4250,7 +4251,7 @@
           <a:p>
             <a:fld id="{56E17E0E-BED0-40DA-882A-A57045C57D8C}" type="datetimeFigureOut">
               <a:rPr lang="es-ES" smtClean="0"/>
-              <a:t>22/06/2019</a:t>
+              <a:t>23/06/2019</a:t>
             </a:fld>
             <a:endParaRPr lang="es-ES"/>
           </a:p>
@@ -4420,7 +4421,7 @@
           <a:p>
             <a:fld id="{56E17E0E-BED0-40DA-882A-A57045C57D8C}" type="datetimeFigureOut">
               <a:rPr lang="es-ES" smtClean="0"/>
-              <a:t>22/06/2019</a:t>
+              <a:t>23/06/2019</a:t>
             </a:fld>
             <a:endParaRPr lang="es-ES"/>
           </a:p>
@@ -4666,7 +4667,7 @@
           <a:p>
             <a:fld id="{56E17E0E-BED0-40DA-882A-A57045C57D8C}" type="datetimeFigureOut">
               <a:rPr lang="es-ES" smtClean="0"/>
-              <a:t>22/06/2019</a:t>
+              <a:t>23/06/2019</a:t>
             </a:fld>
             <a:endParaRPr lang="es-ES"/>
           </a:p>
@@ -4898,7 +4899,7 @@
           <a:p>
             <a:fld id="{56E17E0E-BED0-40DA-882A-A57045C57D8C}" type="datetimeFigureOut">
               <a:rPr lang="es-ES" smtClean="0"/>
-              <a:t>22/06/2019</a:t>
+              <a:t>23/06/2019</a:t>
             </a:fld>
             <a:endParaRPr lang="es-ES"/>
           </a:p>
@@ -5265,7 +5266,7 @@
           <a:p>
             <a:fld id="{56E17E0E-BED0-40DA-882A-A57045C57D8C}" type="datetimeFigureOut">
               <a:rPr lang="es-ES" smtClean="0"/>
-              <a:t>22/06/2019</a:t>
+              <a:t>23/06/2019</a:t>
             </a:fld>
             <a:endParaRPr lang="es-ES"/>
           </a:p>
@@ -5383,7 +5384,7 @@
           <a:p>
             <a:fld id="{56E17E0E-BED0-40DA-882A-A57045C57D8C}" type="datetimeFigureOut">
               <a:rPr lang="es-ES" smtClean="0"/>
-              <a:t>22/06/2019</a:t>
+              <a:t>23/06/2019</a:t>
             </a:fld>
             <a:endParaRPr lang="es-ES"/>
           </a:p>
@@ -5478,7 +5479,7 @@
           <a:p>
             <a:fld id="{56E17E0E-BED0-40DA-882A-A57045C57D8C}" type="datetimeFigureOut">
               <a:rPr lang="es-ES" smtClean="0"/>
-              <a:t>22/06/2019</a:t>
+              <a:t>23/06/2019</a:t>
             </a:fld>
             <a:endParaRPr lang="es-ES"/>
           </a:p>
@@ -5755,7 +5756,7 @@
           <a:p>
             <a:fld id="{56E17E0E-BED0-40DA-882A-A57045C57D8C}" type="datetimeFigureOut">
               <a:rPr lang="es-ES" smtClean="0"/>
-              <a:t>22/06/2019</a:t>
+              <a:t>23/06/2019</a:t>
             </a:fld>
             <a:endParaRPr lang="es-ES"/>
           </a:p>
@@ -6012,7 +6013,7 @@
           <a:p>
             <a:fld id="{56E17E0E-BED0-40DA-882A-A57045C57D8C}" type="datetimeFigureOut">
               <a:rPr lang="es-ES" smtClean="0"/>
-              <a:t>22/06/2019</a:t>
+              <a:t>23/06/2019</a:t>
             </a:fld>
             <a:endParaRPr lang="es-ES"/>
           </a:p>
@@ -6225,7 +6226,7 @@
           <a:p>
             <a:fld id="{56E17E0E-BED0-40DA-882A-A57045C57D8C}" type="datetimeFigureOut">
               <a:rPr lang="es-ES" smtClean="0"/>
-              <a:t>22/06/2019</a:t>
+              <a:t>23/06/2019</a:t>
             </a:fld>
             <a:endParaRPr lang="es-ES"/>
           </a:p>
@@ -8530,6 +8531,308 @@
           <a:chExt cx="0" cy="0"/>
         </a:xfrm>
       </p:grpSpPr>
+      <p:pic>
+        <p:nvPicPr>
+          <p:cNvPr id="4" name="Marcador de contenido 3" descr="https://bitbucket.org/osrf/gazebo_tutorials/raw/default/ros_control/Gazebo_ros_transmission.png">
+            <a:extLst>
+              <a:ext uri="{FF2B5EF4-FFF2-40B4-BE49-F238E27FC236}">
+                <a16:creationId xmlns:a16="http://schemas.microsoft.com/office/drawing/2014/main" id="{205243F3-13D8-47CE-80FE-D51100B68392}"/>
+              </a:ext>
+            </a:extLst>
+          </p:cNvPr>
+          <p:cNvPicPr>
+            <a:picLocks noGrp="1"/>
+          </p:cNvPicPr>
+          <p:nvPr>
+            <p:ph idx="1"/>
+          </p:nvPr>
+        </p:nvPicPr>
+        <p:blipFill rotWithShape="1">
+          <a:blip r:embed="rId2">
+            <a:extLst>
+              <a:ext uri="{28A0092B-C50C-407E-A947-70E740481C1C}">
+                <a14:useLocalDpi xmlns:a14="http://schemas.microsoft.com/office/drawing/2010/main" val="0"/>
+              </a:ext>
+            </a:extLst>
+          </a:blip>
+          <a:srcRect t="5673" b="4689"/>
+          <a:stretch/>
+        </p:blipFill>
+        <p:spPr bwMode="auto">
+          <a:xfrm>
+            <a:off x="10987716" y="7029349"/>
+            <a:ext cx="10057143" cy="6966153"/>
+          </a:xfrm>
+          <a:prstGeom prst="rect">
+            <a:avLst/>
+          </a:prstGeom>
+          <a:noFill/>
+          <a:ln>
+            <a:noFill/>
+          </a:ln>
+          <a:extLst>
+            <a:ext uri="{53640926-AAD7-44D8-BBD7-CCE9431645EC}">
+              <a14:shadowObscured xmlns:a14="http://schemas.microsoft.com/office/drawing/2010/main"/>
+            </a:ext>
+          </a:extLst>
+        </p:spPr>
+      </p:pic>
+      <p:sp>
+        <p:nvSpPr>
+          <p:cNvPr id="6" name="Globo: línea doblada 5">
+            <a:extLst>
+              <a:ext uri="{FF2B5EF4-FFF2-40B4-BE49-F238E27FC236}">
+                <a16:creationId xmlns:a16="http://schemas.microsoft.com/office/drawing/2014/main" id="{4145C38D-4CBC-4991-B8C7-4B21D0BAA879}"/>
+              </a:ext>
+            </a:extLst>
+          </p:cNvPr>
+          <p:cNvSpPr/>
+          <p:nvPr/>
+        </p:nvSpPr>
+        <p:spPr>
+          <a:xfrm>
+            <a:off x="23149424" y="9373014"/>
+            <a:ext cx="1119334" cy="351692"/>
+          </a:xfrm>
+          <a:prstGeom prst="borderCallout2">
+            <a:avLst>
+              <a:gd name="adj1" fmla="val 81441"/>
+              <a:gd name="adj2" fmla="val -4302"/>
+              <a:gd name="adj3" fmla="val 85713"/>
+              <a:gd name="adj4" fmla="val -158668"/>
+              <a:gd name="adj5" fmla="val 17924"/>
+              <a:gd name="adj6" fmla="val -200755"/>
+            </a:avLst>
+          </a:prstGeom>
+          <a:solidFill>
+            <a:schemeClr val="bg2"/>
+          </a:solidFill>
+          <a:ln w="19050">
+            <a:solidFill>
+              <a:srgbClr val="FF0000"/>
+            </a:solidFill>
+          </a:ln>
+        </p:spPr>
+        <p:style>
+          <a:lnRef idx="2">
+            <a:schemeClr val="accent1">
+              <a:shade val="50000"/>
+            </a:schemeClr>
+          </a:lnRef>
+          <a:fillRef idx="1">
+            <a:schemeClr val="accent1"/>
+          </a:fillRef>
+          <a:effectRef idx="0">
+            <a:schemeClr val="accent1"/>
+          </a:effectRef>
+          <a:fontRef idx="minor">
+            <a:schemeClr val="lt1"/>
+          </a:fontRef>
+        </p:style>
+        <p:txBody>
+          <a:bodyPr rot="0" spcFirstLastPara="0" vertOverflow="overflow" horzOverflow="overflow" vert="horz" wrap="square" lIns="121924" tIns="60962" rIns="121924" bIns="60962" numCol="1" spcCol="0" rtlCol="0" fromWordArt="0" anchor="ctr" anchorCtr="0" forceAA="0" compatLnSpc="1">
+            <a:prstTxWarp prst="textNoShape">
+              <a:avLst/>
+            </a:prstTxWarp>
+            <a:noAutofit/>
+          </a:bodyPr>
+          <a:lstStyle/>
+          <a:p>
+            <a:pPr algn="ctr"/>
+            <a:r>
+              <a:rPr lang="es-ES" sz="800" b="1" dirty="0">
+                <a:solidFill>
+                  <a:schemeClr val="tx1"/>
+                </a:solidFill>
+              </a:rPr>
+              <a:t>Rotación sobe el Eje X</a:t>
+            </a:r>
+            <a:endParaRPr lang="es-ES" sz="800" b="1" i="1" dirty="0">
+              <a:solidFill>
+                <a:schemeClr val="tx1"/>
+              </a:solidFill>
+            </a:endParaRPr>
+          </a:p>
+        </p:txBody>
+      </p:sp>
+      <p:sp>
+        <p:nvSpPr>
+          <p:cNvPr id="7" name="Globo: línea doblada 6">
+            <a:extLst>
+              <a:ext uri="{FF2B5EF4-FFF2-40B4-BE49-F238E27FC236}">
+                <a16:creationId xmlns:a16="http://schemas.microsoft.com/office/drawing/2014/main" id="{F91AE739-D33F-41A6-B5F7-FEDCC64BFA40}"/>
+              </a:ext>
+            </a:extLst>
+          </p:cNvPr>
+          <p:cNvSpPr/>
+          <p:nvPr/>
+        </p:nvSpPr>
+        <p:spPr>
+          <a:xfrm>
+            <a:off x="16204927" y="6493173"/>
+            <a:ext cx="1119334" cy="351692"/>
+          </a:xfrm>
+          <a:prstGeom prst="borderCallout2">
+            <a:avLst>
+              <a:gd name="adj1" fmla="val 84774"/>
+              <a:gd name="adj2" fmla="val -7444"/>
+              <a:gd name="adj3" fmla="val 145712"/>
+              <a:gd name="adj4" fmla="val -36130"/>
+              <a:gd name="adj5" fmla="val 144592"/>
+              <a:gd name="adj6" fmla="val -140010"/>
+            </a:avLst>
+          </a:prstGeom>
+          <a:solidFill>
+            <a:schemeClr val="bg2"/>
+          </a:solidFill>
+          <a:ln w="19050">
+            <a:solidFill>
+              <a:srgbClr val="FF0000"/>
+            </a:solidFill>
+          </a:ln>
+        </p:spPr>
+        <p:style>
+          <a:lnRef idx="2">
+            <a:schemeClr val="accent1">
+              <a:shade val="50000"/>
+            </a:schemeClr>
+          </a:lnRef>
+          <a:fillRef idx="1">
+            <a:schemeClr val="accent1"/>
+          </a:fillRef>
+          <a:effectRef idx="0">
+            <a:schemeClr val="accent1"/>
+          </a:effectRef>
+          <a:fontRef idx="minor">
+            <a:schemeClr val="lt1"/>
+          </a:fontRef>
+        </p:style>
+        <p:txBody>
+          <a:bodyPr rot="0" spcFirstLastPara="0" vertOverflow="overflow" horzOverflow="overflow" vert="horz" wrap="square" lIns="121924" tIns="60962" rIns="121924" bIns="60962" numCol="1" spcCol="0" rtlCol="0" fromWordArt="0" anchor="ctr" anchorCtr="0" forceAA="0" compatLnSpc="1">
+            <a:prstTxWarp prst="textNoShape">
+              <a:avLst/>
+            </a:prstTxWarp>
+            <a:noAutofit/>
+          </a:bodyPr>
+          <a:lstStyle/>
+          <a:p>
+            <a:pPr algn="ctr"/>
+            <a:r>
+              <a:rPr lang="es-ES" sz="800" b="1" dirty="0">
+                <a:solidFill>
+                  <a:schemeClr val="tx1"/>
+                </a:solidFill>
+              </a:rPr>
+              <a:t>Rotación sobe el Eje Y</a:t>
+            </a:r>
+            <a:endParaRPr lang="es-ES" sz="800" b="1" i="1" dirty="0">
+              <a:solidFill>
+                <a:schemeClr val="tx1"/>
+              </a:solidFill>
+            </a:endParaRPr>
+          </a:p>
+        </p:txBody>
+      </p:sp>
+      <p:sp>
+        <p:nvSpPr>
+          <p:cNvPr id="8" name="Globo: línea doblada 7">
+            <a:extLst>
+              <a:ext uri="{FF2B5EF4-FFF2-40B4-BE49-F238E27FC236}">
+                <a16:creationId xmlns:a16="http://schemas.microsoft.com/office/drawing/2014/main" id="{B933489D-377A-42C9-AE66-C7C594EE23D4}"/>
+              </a:ext>
+            </a:extLst>
+          </p:cNvPr>
+          <p:cNvSpPr/>
+          <p:nvPr/>
+        </p:nvSpPr>
+        <p:spPr>
+          <a:xfrm>
+            <a:off x="9770985" y="7338864"/>
+            <a:ext cx="1061884" cy="472897"/>
+          </a:xfrm>
+          <a:prstGeom prst="borderCallout2">
+            <a:avLst>
+              <a:gd name="adj1" fmla="val 56116"/>
+              <a:gd name="adj2" fmla="val 107126"/>
+              <a:gd name="adj3" fmla="val 53632"/>
+              <a:gd name="adj4" fmla="val 160160"/>
+              <a:gd name="adj5" fmla="val 86589"/>
+              <a:gd name="adj6" fmla="val 385004"/>
+            </a:avLst>
+          </a:prstGeom>
+          <a:solidFill>
+            <a:schemeClr val="bg1">
+              <a:lumMod val="85000"/>
+            </a:schemeClr>
+          </a:solidFill>
+          <a:ln w="19050">
+            <a:solidFill>
+              <a:srgbClr val="FF0000"/>
+            </a:solidFill>
+          </a:ln>
+        </p:spPr>
+        <p:style>
+          <a:lnRef idx="2">
+            <a:schemeClr val="accent1">
+              <a:shade val="50000"/>
+            </a:schemeClr>
+          </a:lnRef>
+          <a:fillRef idx="1">
+            <a:schemeClr val="accent1"/>
+          </a:fillRef>
+          <a:effectRef idx="0">
+            <a:schemeClr val="accent1"/>
+          </a:effectRef>
+          <a:fontRef idx="minor">
+            <a:schemeClr val="lt1"/>
+          </a:fontRef>
+        </p:style>
+        <p:txBody>
+          <a:bodyPr rtlCol="0" anchor="ctr"/>
+          <a:lstStyle/>
+          <a:p>
+            <a:pPr lvl="0" algn="ctr"/>
+            <a:r>
+              <a:rPr lang="es-NI" sz="800" b="1" dirty="0">
+                <a:solidFill>
+                  <a:prstClr val="black"/>
+                </a:solidFill>
+              </a:rPr>
+              <a:t>Rotación de Objeto plano Tridimensional</a:t>
+            </a:r>
+          </a:p>
+        </p:txBody>
+      </p:sp>
+    </p:spTree>
+    <p:extLst>
+      <p:ext uri="{BB962C8B-B14F-4D97-AF65-F5344CB8AC3E}">
+        <p14:creationId xmlns:p14="http://schemas.microsoft.com/office/powerpoint/2010/main" val="4072449354"/>
+      </p:ext>
+    </p:extLst>
+  </p:cSld>
+  <p:clrMapOvr>
+    <a:masterClrMapping/>
+  </p:clrMapOvr>
+</p:sld>
+</file>
+
+<file path=ppt/slides/slide12.xml><?xml version="1.0" encoding="utf-8"?>
+<p:sld xmlns:a="http://schemas.openxmlformats.org/drawingml/2006/main" xmlns:r="http://schemas.openxmlformats.org/officeDocument/2006/relationships" xmlns:p="http://schemas.openxmlformats.org/presentationml/2006/main">
+  <p:cSld>
+    <p:spTree>
+      <p:nvGrpSpPr>
+        <p:cNvPr id="1" name=""/>
+        <p:cNvGrpSpPr/>
+        <p:nvPr/>
+      </p:nvGrpSpPr>
+      <p:grpSpPr>
+        <a:xfrm>
+          <a:off x="0" y="0"/>
+          <a:ext cx="0" cy="0"/>
+          <a:chOff x="0" y="0"/>
+          <a:chExt cx="0" cy="0"/>
+        </a:xfrm>
+      </p:grpSpPr>
       <p:graphicFrame>
         <p:nvGraphicFramePr>
           <p:cNvPr id="3" name="Diagrama 2">

--- a/meshes [Autoguardado].pptx
+++ b/meshes [Autoguardado].pptx
@@ -16,7 +16,9 @@
     <p:sldId id="265" r:id="rId10"/>
     <p:sldId id="266" r:id="rId11"/>
     <p:sldId id="267" r:id="rId12"/>
-    <p:sldId id="259" r:id="rId13"/>
+    <p:sldId id="268" r:id="rId13"/>
+    <p:sldId id="269" r:id="rId14"/>
+    <p:sldId id="259" r:id="rId15"/>
   </p:sldIdLst>
   <p:sldSz cx="32032575" cy="18018125"/>
   <p:notesSz cx="6858000" cy="9144000"/>
@@ -24,8 +26,8 @@
     <a:defPPr>
       <a:defRPr lang="en-US"/>
     </a:defPPr>
-    <a:lvl1pPr marL="0" algn="l" defTabSz="457200" rtl="0" eaLnBrk="1" latinLnBrk="0" hangingPunct="1">
-      <a:defRPr sz="1800" kern="1200">
+    <a:lvl1pPr marL="0" algn="l" defTabSz="457167" rtl="0" eaLnBrk="1" latinLnBrk="0" hangingPunct="1">
+      <a:defRPr sz="1798" kern="1200">
         <a:solidFill>
           <a:schemeClr val="tx1"/>
         </a:solidFill>
@@ -34,8 +36,8 @@
         <a:cs typeface="+mn-cs"/>
       </a:defRPr>
     </a:lvl1pPr>
-    <a:lvl2pPr marL="457200" algn="l" defTabSz="457200" rtl="0" eaLnBrk="1" latinLnBrk="0" hangingPunct="1">
-      <a:defRPr sz="1800" kern="1200">
+    <a:lvl2pPr marL="457167" algn="l" defTabSz="457167" rtl="0" eaLnBrk="1" latinLnBrk="0" hangingPunct="1">
+      <a:defRPr sz="1798" kern="1200">
         <a:solidFill>
           <a:schemeClr val="tx1"/>
         </a:solidFill>
@@ -44,8 +46,8 @@
         <a:cs typeface="+mn-cs"/>
       </a:defRPr>
     </a:lvl2pPr>
-    <a:lvl3pPr marL="914400" algn="l" defTabSz="457200" rtl="0" eaLnBrk="1" latinLnBrk="0" hangingPunct="1">
-      <a:defRPr sz="1800" kern="1200">
+    <a:lvl3pPr marL="914333" algn="l" defTabSz="457167" rtl="0" eaLnBrk="1" latinLnBrk="0" hangingPunct="1">
+      <a:defRPr sz="1798" kern="1200">
         <a:solidFill>
           <a:schemeClr val="tx1"/>
         </a:solidFill>
@@ -54,8 +56,8 @@
         <a:cs typeface="+mn-cs"/>
       </a:defRPr>
     </a:lvl3pPr>
-    <a:lvl4pPr marL="1371600" algn="l" defTabSz="457200" rtl="0" eaLnBrk="1" latinLnBrk="0" hangingPunct="1">
-      <a:defRPr sz="1800" kern="1200">
+    <a:lvl4pPr marL="1371500" algn="l" defTabSz="457167" rtl="0" eaLnBrk="1" latinLnBrk="0" hangingPunct="1">
+      <a:defRPr sz="1798" kern="1200">
         <a:solidFill>
           <a:schemeClr val="tx1"/>
         </a:solidFill>
@@ -64,8 +66,8 @@
         <a:cs typeface="+mn-cs"/>
       </a:defRPr>
     </a:lvl4pPr>
-    <a:lvl5pPr marL="1828800" algn="l" defTabSz="457200" rtl="0" eaLnBrk="1" latinLnBrk="0" hangingPunct="1">
-      <a:defRPr sz="1800" kern="1200">
+    <a:lvl5pPr marL="1828663" algn="l" defTabSz="457167" rtl="0" eaLnBrk="1" latinLnBrk="0" hangingPunct="1">
+      <a:defRPr sz="1798" kern="1200">
         <a:solidFill>
           <a:schemeClr val="tx1"/>
         </a:solidFill>
@@ -74,8 +76,8 @@
         <a:cs typeface="+mn-cs"/>
       </a:defRPr>
     </a:lvl5pPr>
-    <a:lvl6pPr marL="2286000" algn="l" defTabSz="457200" rtl="0" eaLnBrk="1" latinLnBrk="0" hangingPunct="1">
-      <a:defRPr sz="1800" kern="1200">
+    <a:lvl6pPr marL="2285830" algn="l" defTabSz="457167" rtl="0" eaLnBrk="1" latinLnBrk="0" hangingPunct="1">
+      <a:defRPr sz="1798" kern="1200">
         <a:solidFill>
           <a:schemeClr val="tx1"/>
         </a:solidFill>
@@ -84,8 +86,8 @@
         <a:cs typeface="+mn-cs"/>
       </a:defRPr>
     </a:lvl6pPr>
-    <a:lvl7pPr marL="2743200" algn="l" defTabSz="457200" rtl="0" eaLnBrk="1" latinLnBrk="0" hangingPunct="1">
-      <a:defRPr sz="1800" kern="1200">
+    <a:lvl7pPr marL="2742996" algn="l" defTabSz="457167" rtl="0" eaLnBrk="1" latinLnBrk="0" hangingPunct="1">
+      <a:defRPr sz="1798" kern="1200">
         <a:solidFill>
           <a:schemeClr val="tx1"/>
         </a:solidFill>
@@ -94,8 +96,8 @@
         <a:cs typeface="+mn-cs"/>
       </a:defRPr>
     </a:lvl7pPr>
-    <a:lvl8pPr marL="3200400" algn="l" defTabSz="457200" rtl="0" eaLnBrk="1" latinLnBrk="0" hangingPunct="1">
-      <a:defRPr sz="1800" kern="1200">
+    <a:lvl8pPr marL="3200163" algn="l" defTabSz="457167" rtl="0" eaLnBrk="1" latinLnBrk="0" hangingPunct="1">
+      <a:defRPr sz="1798" kern="1200">
         <a:solidFill>
           <a:schemeClr val="tx1"/>
         </a:solidFill>
@@ -104,8 +106,8 @@
         <a:cs typeface="+mn-cs"/>
       </a:defRPr>
     </a:lvl8pPr>
-    <a:lvl9pPr marL="3657600" algn="l" defTabSz="457200" rtl="0" eaLnBrk="1" latinLnBrk="0" hangingPunct="1">
-      <a:defRPr sz="1800" kern="1200">
+    <a:lvl9pPr marL="3657329" algn="l" defTabSz="457167" rtl="0" eaLnBrk="1" latinLnBrk="0" hangingPunct="1">
+      <a:defRPr sz="1798" kern="1200">
         <a:solidFill>
           <a:schemeClr val="tx1"/>
         </a:solidFill>
@@ -1692,8 +1694,8 @@
       </dsp:nvSpPr>
       <dsp:spPr>
         <a:xfrm>
-          <a:off x="4875959" y="1320773"/>
-          <a:ext cx="11440382" cy="11440382"/>
+          <a:off x="4875958" y="1320773"/>
+          <a:ext cx="11440381" cy="11440381"/>
         </a:xfrm>
         <a:custGeom>
           <a:avLst/>
@@ -1704,9 +1706,9 @@
           <a:pathLst>
             <a:path>
               <a:moveTo>
-                <a:pt x="7297876" y="221873"/>
+                <a:pt x="7297875" y="221873"/>
               </a:moveTo>
-              <a:arcTo wR="5720191" hR="5720191" stAng="17160617" swAng="1720540"/>
+              <a:arcTo wR="5720190" hR="5720190" stAng="17160617" swAng="1720540"/>
             </a:path>
           </a:pathLst>
         </a:custGeom>
@@ -1740,7 +1742,7 @@
       </dsp:nvSpPr>
       <dsp:spPr>
         <a:xfrm>
-          <a:off x="13355258" y="2994436"/>
+          <a:off x="13355257" y="2994436"/>
           <a:ext cx="4262857" cy="2428361"/>
         </a:xfrm>
         <a:prstGeom prst="roundRect">
@@ -1845,7 +1847,7 @@
         </a:p>
       </dsp:txBody>
       <dsp:txXfrm>
-        <a:off x="13473801" y="3112979"/>
+        <a:off x="13473800" y="3112979"/>
         <a:ext cx="4025771" cy="2191275"/>
       </dsp:txXfrm>
     </dsp:sp>
@@ -1857,7 +1859,7 @@
       <dsp:spPr>
         <a:xfrm>
           <a:off x="4637600" y="855331"/>
-          <a:ext cx="11440382" cy="11440382"/>
+          <a:ext cx="11440381" cy="11440381"/>
         </a:xfrm>
         <a:custGeom>
           <a:avLst/>
@@ -1868,9 +1870,9 @@
           <a:pathLst>
             <a:path>
               <a:moveTo>
-                <a:pt x="11329464" y="4599193"/>
+                <a:pt x="11329463" y="4599192"/>
               </a:moveTo>
-              <a:arcTo wR="5720191" hR="5720191" stAng="20921909" swAng="1933586"/>
+              <a:arcTo wR="5720190" hR="5720190" stAng="20921909" swAng="1933586"/>
             </a:path>
           </a:pathLst>
         </a:custGeom>
@@ -1904,7 +1906,7 @@
       </dsp:nvSpPr>
       <dsp:spPr>
         <a:xfrm>
-          <a:off x="13274137" y="8648660"/>
+          <a:off x="13274137" y="8648659"/>
           <a:ext cx="3735940" cy="2428361"/>
         </a:xfrm>
         <a:prstGeom prst="roundRect">
@@ -2017,7 +2019,7 @@
         </a:p>
       </dsp:txBody>
       <dsp:txXfrm>
-        <a:off x="13392680" y="8767203"/>
+        <a:off x="13392680" y="8767202"/>
         <a:ext cx="3498854" cy="2191275"/>
       </dsp:txXfrm>
     </dsp:sp>
@@ -2028,8 +2030,8 @@
       </dsp:nvSpPr>
       <dsp:spPr>
         <a:xfrm>
-          <a:off x="4439137" y="1271027"/>
-          <a:ext cx="11440382" cy="11440382"/>
+          <a:off x="4439136" y="1271027"/>
+          <a:ext cx="11440381" cy="11440381"/>
         </a:xfrm>
         <a:custGeom>
           <a:avLst/>
@@ -2042,7 +2044,7 @@
               <a:moveTo>
                 <a:pt x="9706450" y="9822668"/>
               </a:moveTo>
-              <a:arcTo wR="5720191" hR="5720191" stAng="2749390" swAng="1416865"/>
+              <a:arcTo wR="5720190" hR="5720190" stAng="2749390" swAng="1416864"/>
             </a:path>
           </a:pathLst>
         </a:custGeom>
@@ -2076,7 +2078,7 @@
       </dsp:nvSpPr>
       <dsp:spPr>
         <a:xfrm>
-          <a:off x="8410104" y="11454327"/>
+          <a:off x="8410104" y="11454326"/>
           <a:ext cx="3735940" cy="2428361"/>
         </a:xfrm>
         <a:prstGeom prst="roundRect">
@@ -2181,7 +2183,7 @@
         </a:p>
       </dsp:txBody>
       <dsp:txXfrm>
-        <a:off x="8528647" y="11572870"/>
+        <a:off x="8528647" y="11572869"/>
         <a:ext cx="3498854" cy="2191275"/>
       </dsp:txXfrm>
     </dsp:sp>
@@ -2193,7 +2195,7 @@
       <dsp:spPr>
         <a:xfrm>
           <a:off x="4569381" y="1232515"/>
-          <a:ext cx="11440382" cy="11440382"/>
+          <a:ext cx="11440381" cy="11440381"/>
         </a:xfrm>
         <a:custGeom>
           <a:avLst/>
@@ -2204,9 +2206,9 @@
           <a:pathLst>
             <a:path>
               <a:moveTo>
-                <a:pt x="3816838" y="11114432"/>
+                <a:pt x="3816838" y="11114431"/>
               </a:moveTo>
-              <a:arcTo wR="5720191" hR="5720191" stAng="6566120" swAng="1503228"/>
+              <a:arcTo wR="5720190" hR="5720190" stAng="6566120" swAng="1503228"/>
             </a:path>
           </a:pathLst>
         </a:custGeom>
@@ -2240,7 +2242,7 @@
       </dsp:nvSpPr>
       <dsp:spPr>
         <a:xfrm>
-          <a:off x="3456274" y="8587259"/>
+          <a:off x="3456274" y="8587258"/>
           <a:ext cx="3735940" cy="2428361"/>
         </a:xfrm>
         <a:prstGeom prst="roundRect">
@@ -2309,7 +2311,7 @@
         </a:p>
       </dsp:txBody>
       <dsp:txXfrm>
-        <a:off x="3574817" y="8705802"/>
+        <a:off x="3574817" y="8705801"/>
         <a:ext cx="3498854" cy="2191275"/>
       </dsp:txXfrm>
     </dsp:sp>
@@ -2320,8 +2322,8 @@
       </dsp:nvSpPr>
       <dsp:spPr>
         <a:xfrm>
-          <a:off x="4557884" y="1221153"/>
-          <a:ext cx="11440382" cy="11440382"/>
+          <a:off x="4557883" y="1221153"/>
+          <a:ext cx="11440381" cy="11440381"/>
         </a:xfrm>
         <a:custGeom>
           <a:avLst/>
@@ -2334,7 +2336,7 @@
               <a:moveTo>
                 <a:pt x="232530" y="7334552"/>
               </a:moveTo>
-              <a:arcTo wR="5720191" hR="5720191" stAng="9816429" swAng="1967141"/>
+              <a:arcTo wR="5720190" hR="5720190" stAng="9816429" swAng="1967141"/>
             </a:path>
           </a:pathLst>
         </a:custGeom>
@@ -2368,7 +2370,7 @@
       </dsp:nvSpPr>
       <dsp:spPr>
         <a:xfrm>
-          <a:off x="3456274" y="2867068"/>
+          <a:off x="3456274" y="2867067"/>
           <a:ext cx="3735940" cy="2428361"/>
         </a:xfrm>
         <a:prstGeom prst="roundRect">
@@ -2471,7 +2473,7 @@
         </a:p>
       </dsp:txBody>
       <dsp:txXfrm>
-        <a:off x="3574817" y="2985611"/>
+        <a:off x="3574817" y="2985610"/>
         <a:ext cx="3498854" cy="2191275"/>
       </dsp:txXfrm>
     </dsp:sp>
@@ -2482,8 +2484,8 @@
       </dsp:nvSpPr>
       <dsp:spPr>
         <a:xfrm>
-          <a:off x="4557884" y="1221153"/>
-          <a:ext cx="11440382" cy="11440382"/>
+          <a:off x="4557883" y="1221153"/>
+          <a:ext cx="11440381" cy="11440381"/>
         </a:xfrm>
         <a:custGeom>
           <a:avLst/>
@@ -2496,7 +2498,7 @@
               <a:moveTo>
                 <a:pt x="1723149" y="1628218"/>
               </a:moveTo>
-              <a:arcTo wR="5720191" hR="5720191" stAng="13540343" swAng="1500874"/>
+              <a:arcTo wR="5720190" hR="5720190" stAng="13540343" swAng="1500874"/>
             </a:path>
           </a:pathLst>
         </a:custGeom>
@@ -3807,7 +3809,7 @@
           <a:bodyPr anchor="b"/>
           <a:lstStyle>
             <a:lvl1pPr algn="ctr">
-              <a:defRPr sz="15764"/>
+              <a:defRPr sz="15767"/>
             </a:lvl1pPr>
           </a:lstStyle>
           <a:p>
@@ -3842,35 +3844,35 @@
               <a:buNone/>
               <a:defRPr sz="6306"/>
             </a:lvl1pPr>
-            <a:lvl2pPr marL="1201202" indent="0" algn="ctr">
+            <a:lvl2pPr marL="1201364" indent="0" algn="ctr">
               <a:buNone/>
               <a:defRPr sz="5255"/>
             </a:lvl2pPr>
-            <a:lvl3pPr marL="2402403" indent="0" algn="ctr">
+            <a:lvl3pPr marL="2402727" indent="0" algn="ctr">
               <a:buNone/>
               <a:defRPr sz="4729"/>
             </a:lvl3pPr>
-            <a:lvl4pPr marL="3603605" indent="0" algn="ctr">
+            <a:lvl4pPr marL="3604091" indent="0" algn="ctr">
               <a:buNone/>
               <a:defRPr sz="4204"/>
             </a:lvl4pPr>
-            <a:lvl5pPr marL="4804806" indent="0" algn="ctr">
+            <a:lvl5pPr marL="4805454" indent="0" algn="ctr">
               <a:buNone/>
               <a:defRPr sz="4204"/>
             </a:lvl5pPr>
-            <a:lvl6pPr marL="6006008" indent="0" algn="ctr">
+            <a:lvl6pPr marL="6006818" indent="0" algn="ctr">
               <a:buNone/>
               <a:defRPr sz="4204"/>
             </a:lvl6pPr>
-            <a:lvl7pPr marL="7207209" indent="0" algn="ctr">
+            <a:lvl7pPr marL="7208182" indent="0" algn="ctr">
               <a:buNone/>
               <a:defRPr sz="4204"/>
             </a:lvl7pPr>
-            <a:lvl8pPr marL="8408411" indent="0" algn="ctr">
+            <a:lvl8pPr marL="8409545" indent="0" algn="ctr">
               <a:buNone/>
               <a:defRPr sz="4204"/>
             </a:lvl8pPr>
-            <a:lvl9pPr marL="9609612" indent="0" algn="ctr">
+            <a:lvl9pPr marL="9610909" indent="0" algn="ctr">
               <a:buNone/>
               <a:defRPr sz="4204"/>
             </a:lvl9pPr>
@@ -3901,7 +3903,7 @@
           <a:p>
             <a:fld id="{56E17E0E-BED0-40DA-882A-A57045C57D8C}" type="datetimeFigureOut">
               <a:rPr lang="es-ES" smtClean="0"/>
-              <a:t>23/06/2019</a:t>
+              <a:t>24/06/2019</a:t>
             </a:fld>
             <a:endParaRPr lang="es-ES"/>
           </a:p>
@@ -4071,7 +4073,7 @@
           <a:p>
             <a:fld id="{56E17E0E-BED0-40DA-882A-A57045C57D8C}" type="datetimeFigureOut">
               <a:rPr lang="es-ES" smtClean="0"/>
-              <a:t>23/06/2019</a:t>
+              <a:t>24/06/2019</a:t>
             </a:fld>
             <a:endParaRPr lang="es-ES"/>
           </a:p>
@@ -4161,7 +4163,7 @@
         </p:nvSpPr>
         <p:spPr>
           <a:xfrm>
-            <a:off x="22923311" y="959298"/>
+            <a:off x="22923313" y="959298"/>
             <a:ext cx="6907024" cy="15269528"/>
           </a:xfrm>
         </p:spPr>
@@ -4189,7 +4191,7 @@
         </p:nvSpPr>
         <p:spPr>
           <a:xfrm>
-            <a:off x="2202239" y="959298"/>
+            <a:off x="2202241" y="959298"/>
             <a:ext cx="20320665" cy="15269528"/>
           </a:xfrm>
         </p:spPr>
@@ -4251,7 +4253,7 @@
           <a:p>
             <a:fld id="{56E17E0E-BED0-40DA-882A-A57045C57D8C}" type="datetimeFigureOut">
               <a:rPr lang="es-ES" smtClean="0"/>
-              <a:t>23/06/2019</a:t>
+              <a:t>24/06/2019</a:t>
             </a:fld>
             <a:endParaRPr lang="es-ES"/>
           </a:p>
@@ -4421,7 +4423,7 @@
           <a:p>
             <a:fld id="{56E17E0E-BED0-40DA-882A-A57045C57D8C}" type="datetimeFigureOut">
               <a:rPr lang="es-ES" smtClean="0"/>
-              <a:t>23/06/2019</a:t>
+              <a:t>24/06/2019</a:t>
             </a:fld>
             <a:endParaRPr lang="es-ES"/>
           </a:p>
@@ -4511,7 +4513,7 @@
         </p:nvSpPr>
         <p:spPr>
           <a:xfrm>
-            <a:off x="2185556" y="4492021"/>
+            <a:off x="2185558" y="4492021"/>
             <a:ext cx="27628096" cy="7495038"/>
           </a:xfrm>
         </p:spPr>
@@ -4519,7 +4521,7 @@
           <a:bodyPr anchor="b"/>
           <a:lstStyle>
             <a:lvl1pPr>
-              <a:defRPr sz="15764"/>
+              <a:defRPr sz="15767"/>
             </a:lvl1pPr>
           </a:lstStyle>
           <a:p>
@@ -4543,7 +4545,7 @@
         </p:nvSpPr>
         <p:spPr>
           <a:xfrm>
-            <a:off x="2185556" y="12057965"/>
+            <a:off x="2185558" y="12057965"/>
             <a:ext cx="27628096" cy="3941464"/>
           </a:xfrm>
         </p:spPr>
@@ -4560,7 +4562,7 @@
                 </a:solidFill>
               </a:defRPr>
             </a:lvl1pPr>
-            <a:lvl2pPr marL="1201202" indent="0">
+            <a:lvl2pPr marL="1201364" indent="0">
               <a:buNone/>
               <a:defRPr sz="5255">
                 <a:solidFill>
@@ -4570,7 +4572,7 @@
                 </a:solidFill>
               </a:defRPr>
             </a:lvl2pPr>
-            <a:lvl3pPr marL="2402403" indent="0">
+            <a:lvl3pPr marL="2402727" indent="0">
               <a:buNone/>
               <a:defRPr sz="4729">
                 <a:solidFill>
@@ -4580,7 +4582,7 @@
                 </a:solidFill>
               </a:defRPr>
             </a:lvl3pPr>
-            <a:lvl4pPr marL="3603605" indent="0">
+            <a:lvl4pPr marL="3604091" indent="0">
               <a:buNone/>
               <a:defRPr sz="4204">
                 <a:solidFill>
@@ -4590,7 +4592,7 @@
                 </a:solidFill>
               </a:defRPr>
             </a:lvl4pPr>
-            <a:lvl5pPr marL="4804806" indent="0">
+            <a:lvl5pPr marL="4805454" indent="0">
               <a:buNone/>
               <a:defRPr sz="4204">
                 <a:solidFill>
@@ -4600,7 +4602,7 @@
                 </a:solidFill>
               </a:defRPr>
             </a:lvl5pPr>
-            <a:lvl6pPr marL="6006008" indent="0">
+            <a:lvl6pPr marL="6006818" indent="0">
               <a:buNone/>
               <a:defRPr sz="4204">
                 <a:solidFill>
@@ -4610,7 +4612,7 @@
                 </a:solidFill>
               </a:defRPr>
             </a:lvl6pPr>
-            <a:lvl7pPr marL="7207209" indent="0">
+            <a:lvl7pPr marL="7208182" indent="0">
               <a:buNone/>
               <a:defRPr sz="4204">
                 <a:solidFill>
@@ -4620,7 +4622,7 @@
                 </a:solidFill>
               </a:defRPr>
             </a:lvl7pPr>
-            <a:lvl8pPr marL="8408411" indent="0">
+            <a:lvl8pPr marL="8409545" indent="0">
               <a:buNone/>
               <a:defRPr sz="4204">
                 <a:solidFill>
@@ -4630,7 +4632,7 @@
                 </a:solidFill>
               </a:defRPr>
             </a:lvl8pPr>
-            <a:lvl9pPr marL="9609612" indent="0">
+            <a:lvl9pPr marL="9610909" indent="0">
               <a:buNone/>
               <a:defRPr sz="4204">
                 <a:solidFill>
@@ -4667,7 +4669,7 @@
           <a:p>
             <a:fld id="{56E17E0E-BED0-40DA-882A-A57045C57D8C}" type="datetimeFigureOut">
               <a:rPr lang="es-ES" smtClean="0"/>
-              <a:t>23/06/2019</a:t>
+              <a:t>24/06/2019</a:t>
             </a:fld>
             <a:endParaRPr lang="es-ES"/>
           </a:p>
@@ -4899,7 +4901,7 @@
           <a:p>
             <a:fld id="{56E17E0E-BED0-40DA-882A-A57045C57D8C}" type="datetimeFigureOut">
               <a:rPr lang="es-ES" smtClean="0"/>
-              <a:t>23/06/2019</a:t>
+              <a:t>24/06/2019</a:t>
             </a:fld>
             <a:endParaRPr lang="es-ES"/>
           </a:p>
@@ -4989,7 +4991,7 @@
         </p:nvSpPr>
         <p:spPr>
           <a:xfrm>
-            <a:off x="2206412" y="959300"/>
+            <a:off x="2206412" y="959302"/>
             <a:ext cx="27628096" cy="3482671"/>
           </a:xfrm>
         </p:spPr>
@@ -5017,7 +5019,7 @@
         </p:nvSpPr>
         <p:spPr>
           <a:xfrm>
-            <a:off x="2206413" y="4416945"/>
+            <a:off x="2206415" y="4416945"/>
             <a:ext cx="13551279" cy="2164676"/>
           </a:xfrm>
         </p:spPr>
@@ -5028,35 +5030,35 @@
               <a:buNone/>
               <a:defRPr sz="6306" b="1"/>
             </a:lvl1pPr>
-            <a:lvl2pPr marL="1201202" indent="0">
+            <a:lvl2pPr marL="1201364" indent="0">
               <a:buNone/>
               <a:defRPr sz="5255" b="1"/>
             </a:lvl2pPr>
-            <a:lvl3pPr marL="2402403" indent="0">
+            <a:lvl3pPr marL="2402727" indent="0">
               <a:buNone/>
               <a:defRPr sz="4729" b="1"/>
             </a:lvl3pPr>
-            <a:lvl4pPr marL="3603605" indent="0">
+            <a:lvl4pPr marL="3604091" indent="0">
               <a:buNone/>
               <a:defRPr sz="4204" b="1"/>
             </a:lvl4pPr>
-            <a:lvl5pPr marL="4804806" indent="0">
+            <a:lvl5pPr marL="4805454" indent="0">
               <a:buNone/>
               <a:defRPr sz="4204" b="1"/>
             </a:lvl5pPr>
-            <a:lvl6pPr marL="6006008" indent="0">
+            <a:lvl6pPr marL="6006818" indent="0">
               <a:buNone/>
               <a:defRPr sz="4204" b="1"/>
             </a:lvl6pPr>
-            <a:lvl7pPr marL="7207209" indent="0">
+            <a:lvl7pPr marL="7208182" indent="0">
               <a:buNone/>
               <a:defRPr sz="4204" b="1"/>
             </a:lvl7pPr>
-            <a:lvl8pPr marL="8408411" indent="0">
+            <a:lvl8pPr marL="8409545" indent="0">
               <a:buNone/>
               <a:defRPr sz="4204" b="1"/>
             </a:lvl8pPr>
-            <a:lvl9pPr marL="9609612" indent="0">
+            <a:lvl9pPr marL="9610909" indent="0">
               <a:buNone/>
               <a:defRPr sz="4204" b="1"/>
             </a:lvl9pPr>
@@ -5082,7 +5084,7 @@
         </p:nvSpPr>
         <p:spPr>
           <a:xfrm>
-            <a:off x="2206413" y="6581620"/>
+            <a:off x="2206415" y="6581620"/>
             <a:ext cx="13551279" cy="9680573"/>
           </a:xfrm>
         </p:spPr>
@@ -5139,7 +5141,7 @@
         </p:nvSpPr>
         <p:spPr>
           <a:xfrm>
-            <a:off x="16216491" y="4416945"/>
+            <a:off x="16216493" y="4416945"/>
             <a:ext cx="13618017" cy="2164676"/>
           </a:xfrm>
         </p:spPr>
@@ -5150,35 +5152,35 @@
               <a:buNone/>
               <a:defRPr sz="6306" b="1"/>
             </a:lvl1pPr>
-            <a:lvl2pPr marL="1201202" indent="0">
+            <a:lvl2pPr marL="1201364" indent="0">
               <a:buNone/>
               <a:defRPr sz="5255" b="1"/>
             </a:lvl2pPr>
-            <a:lvl3pPr marL="2402403" indent="0">
+            <a:lvl3pPr marL="2402727" indent="0">
               <a:buNone/>
               <a:defRPr sz="4729" b="1"/>
             </a:lvl3pPr>
-            <a:lvl4pPr marL="3603605" indent="0">
+            <a:lvl4pPr marL="3604091" indent="0">
               <a:buNone/>
               <a:defRPr sz="4204" b="1"/>
             </a:lvl4pPr>
-            <a:lvl5pPr marL="4804806" indent="0">
+            <a:lvl5pPr marL="4805454" indent="0">
               <a:buNone/>
               <a:defRPr sz="4204" b="1"/>
             </a:lvl5pPr>
-            <a:lvl6pPr marL="6006008" indent="0">
+            <a:lvl6pPr marL="6006818" indent="0">
               <a:buNone/>
               <a:defRPr sz="4204" b="1"/>
             </a:lvl6pPr>
-            <a:lvl7pPr marL="7207209" indent="0">
+            <a:lvl7pPr marL="7208182" indent="0">
               <a:buNone/>
               <a:defRPr sz="4204" b="1"/>
             </a:lvl7pPr>
-            <a:lvl8pPr marL="8408411" indent="0">
+            <a:lvl8pPr marL="8409545" indent="0">
               <a:buNone/>
               <a:defRPr sz="4204" b="1"/>
             </a:lvl8pPr>
-            <a:lvl9pPr marL="9609612" indent="0">
+            <a:lvl9pPr marL="9610909" indent="0">
               <a:buNone/>
               <a:defRPr sz="4204" b="1"/>
             </a:lvl9pPr>
@@ -5204,7 +5206,7 @@
         </p:nvSpPr>
         <p:spPr>
           <a:xfrm>
-            <a:off x="16216491" y="6581620"/>
+            <a:off x="16216493" y="6581620"/>
             <a:ext cx="13618017" cy="9680573"/>
           </a:xfrm>
         </p:spPr>
@@ -5266,7 +5268,7 @@
           <a:p>
             <a:fld id="{56E17E0E-BED0-40DA-882A-A57045C57D8C}" type="datetimeFigureOut">
               <a:rPr lang="es-ES" smtClean="0"/>
-              <a:t>23/06/2019</a:t>
+              <a:t>24/06/2019</a:t>
             </a:fld>
             <a:endParaRPr lang="es-ES"/>
           </a:p>
@@ -5384,7 +5386,7 @@
           <a:p>
             <a:fld id="{56E17E0E-BED0-40DA-882A-A57045C57D8C}" type="datetimeFigureOut">
               <a:rPr lang="es-ES" smtClean="0"/>
-              <a:t>23/06/2019</a:t>
+              <a:t>24/06/2019</a:t>
             </a:fld>
             <a:endParaRPr lang="es-ES"/>
           </a:p>
@@ -5479,7 +5481,7 @@
           <a:p>
             <a:fld id="{56E17E0E-BED0-40DA-882A-A57045C57D8C}" type="datetimeFigureOut">
               <a:rPr lang="es-ES" smtClean="0"/>
-              <a:t>23/06/2019</a:t>
+              <a:t>24/06/2019</a:t>
             </a:fld>
             <a:endParaRPr lang="es-ES"/>
           </a:p>
@@ -5569,8 +5571,8 @@
         </p:nvSpPr>
         <p:spPr>
           <a:xfrm>
-            <a:off x="2206413" y="1201208"/>
-            <a:ext cx="10331338" cy="4204229"/>
+            <a:off x="2206412" y="1201208"/>
+            <a:ext cx="10331339" cy="4204229"/>
           </a:xfrm>
         </p:spPr>
         <p:txBody>
@@ -5601,7 +5603,7 @@
         </p:nvSpPr>
         <p:spPr>
           <a:xfrm>
-            <a:off x="13618017" y="2594278"/>
+            <a:off x="13618017" y="2594280"/>
             <a:ext cx="16216491" cy="12804547"/>
           </a:xfrm>
         </p:spPr>
@@ -5612,7 +5614,7 @@
               <a:defRPr sz="8407"/>
             </a:lvl1pPr>
             <a:lvl2pPr>
-              <a:defRPr sz="7356"/>
+              <a:defRPr sz="7357"/>
             </a:lvl2pPr>
             <a:lvl3pPr>
               <a:defRPr sz="6306"/>
@@ -5686,8 +5688,8 @@
         </p:nvSpPr>
         <p:spPr>
           <a:xfrm>
-            <a:off x="2206413" y="5405437"/>
-            <a:ext cx="10331338" cy="10014242"/>
+            <a:off x="2206412" y="5405437"/>
+            <a:ext cx="10331339" cy="10014242"/>
           </a:xfrm>
         </p:spPr>
         <p:txBody>
@@ -5697,35 +5699,35 @@
               <a:buNone/>
               <a:defRPr sz="4204"/>
             </a:lvl1pPr>
-            <a:lvl2pPr marL="1201202" indent="0">
+            <a:lvl2pPr marL="1201364" indent="0">
               <a:buNone/>
               <a:defRPr sz="3678"/>
             </a:lvl2pPr>
-            <a:lvl3pPr marL="2402403" indent="0">
+            <a:lvl3pPr marL="2402727" indent="0">
               <a:buNone/>
               <a:defRPr sz="3153"/>
             </a:lvl3pPr>
-            <a:lvl4pPr marL="3603605" indent="0">
+            <a:lvl4pPr marL="3604091" indent="0">
               <a:buNone/>
               <a:defRPr sz="2627"/>
             </a:lvl4pPr>
-            <a:lvl5pPr marL="4804806" indent="0">
+            <a:lvl5pPr marL="4805454" indent="0">
               <a:buNone/>
               <a:defRPr sz="2627"/>
             </a:lvl5pPr>
-            <a:lvl6pPr marL="6006008" indent="0">
+            <a:lvl6pPr marL="6006818" indent="0">
               <a:buNone/>
               <a:defRPr sz="2627"/>
             </a:lvl6pPr>
-            <a:lvl7pPr marL="7207209" indent="0">
+            <a:lvl7pPr marL="7208182" indent="0">
               <a:buNone/>
               <a:defRPr sz="2627"/>
             </a:lvl7pPr>
-            <a:lvl8pPr marL="8408411" indent="0">
+            <a:lvl8pPr marL="8409545" indent="0">
               <a:buNone/>
               <a:defRPr sz="2627"/>
             </a:lvl8pPr>
-            <a:lvl9pPr marL="9609612" indent="0">
+            <a:lvl9pPr marL="9610909" indent="0">
               <a:buNone/>
               <a:defRPr sz="2627"/>
             </a:lvl9pPr>
@@ -5756,7 +5758,7 @@
           <a:p>
             <a:fld id="{56E17E0E-BED0-40DA-882A-A57045C57D8C}" type="datetimeFigureOut">
               <a:rPr lang="es-ES" smtClean="0"/>
-              <a:t>23/06/2019</a:t>
+              <a:t>24/06/2019</a:t>
             </a:fld>
             <a:endParaRPr lang="es-ES"/>
           </a:p>
@@ -5846,8 +5848,8 @@
         </p:nvSpPr>
         <p:spPr>
           <a:xfrm>
-            <a:off x="2206413" y="1201208"/>
-            <a:ext cx="10331338" cy="4204229"/>
+            <a:off x="2206412" y="1201208"/>
+            <a:ext cx="10331339" cy="4204229"/>
           </a:xfrm>
         </p:spPr>
         <p:txBody>
@@ -5878,7 +5880,7 @@
         </p:nvSpPr>
         <p:spPr>
           <a:xfrm>
-            <a:off x="13618017" y="2594278"/>
+            <a:off x="13618017" y="2594280"/>
             <a:ext cx="16216491" cy="12804547"/>
           </a:xfrm>
         </p:spPr>
@@ -5889,35 +5891,35 @@
               <a:buNone/>
               <a:defRPr sz="8407"/>
             </a:lvl1pPr>
-            <a:lvl2pPr marL="1201202" indent="0">
+            <a:lvl2pPr marL="1201364" indent="0">
               <a:buNone/>
-              <a:defRPr sz="7356"/>
+              <a:defRPr sz="7357"/>
             </a:lvl2pPr>
-            <a:lvl3pPr marL="2402403" indent="0">
+            <a:lvl3pPr marL="2402727" indent="0">
               <a:buNone/>
               <a:defRPr sz="6306"/>
             </a:lvl3pPr>
-            <a:lvl4pPr marL="3603605" indent="0">
+            <a:lvl4pPr marL="3604091" indent="0">
               <a:buNone/>
               <a:defRPr sz="5255"/>
             </a:lvl4pPr>
-            <a:lvl5pPr marL="4804806" indent="0">
+            <a:lvl5pPr marL="4805454" indent="0">
               <a:buNone/>
               <a:defRPr sz="5255"/>
             </a:lvl5pPr>
-            <a:lvl6pPr marL="6006008" indent="0">
+            <a:lvl6pPr marL="6006818" indent="0">
               <a:buNone/>
               <a:defRPr sz="5255"/>
             </a:lvl6pPr>
-            <a:lvl7pPr marL="7207209" indent="0">
+            <a:lvl7pPr marL="7208182" indent="0">
               <a:buNone/>
               <a:defRPr sz="5255"/>
             </a:lvl7pPr>
-            <a:lvl8pPr marL="8408411" indent="0">
+            <a:lvl8pPr marL="8409545" indent="0">
               <a:buNone/>
               <a:defRPr sz="5255"/>
             </a:lvl8pPr>
-            <a:lvl9pPr marL="9609612" indent="0">
+            <a:lvl9pPr marL="9610909" indent="0">
               <a:buNone/>
               <a:defRPr sz="5255"/>
             </a:lvl9pPr>
@@ -5943,8 +5945,8 @@
         </p:nvSpPr>
         <p:spPr>
           <a:xfrm>
-            <a:off x="2206413" y="5405437"/>
-            <a:ext cx="10331338" cy="10014242"/>
+            <a:off x="2206412" y="5405437"/>
+            <a:ext cx="10331339" cy="10014242"/>
           </a:xfrm>
         </p:spPr>
         <p:txBody>
@@ -5954,35 +5956,35 @@
               <a:buNone/>
               <a:defRPr sz="4204"/>
             </a:lvl1pPr>
-            <a:lvl2pPr marL="1201202" indent="0">
+            <a:lvl2pPr marL="1201364" indent="0">
               <a:buNone/>
               <a:defRPr sz="3678"/>
             </a:lvl2pPr>
-            <a:lvl3pPr marL="2402403" indent="0">
+            <a:lvl3pPr marL="2402727" indent="0">
               <a:buNone/>
               <a:defRPr sz="3153"/>
             </a:lvl3pPr>
-            <a:lvl4pPr marL="3603605" indent="0">
+            <a:lvl4pPr marL="3604091" indent="0">
               <a:buNone/>
               <a:defRPr sz="2627"/>
             </a:lvl4pPr>
-            <a:lvl5pPr marL="4804806" indent="0">
+            <a:lvl5pPr marL="4805454" indent="0">
               <a:buNone/>
               <a:defRPr sz="2627"/>
             </a:lvl5pPr>
-            <a:lvl6pPr marL="6006008" indent="0">
+            <a:lvl6pPr marL="6006818" indent="0">
               <a:buNone/>
               <a:defRPr sz="2627"/>
             </a:lvl6pPr>
-            <a:lvl7pPr marL="7207209" indent="0">
+            <a:lvl7pPr marL="7208182" indent="0">
               <a:buNone/>
               <a:defRPr sz="2627"/>
             </a:lvl7pPr>
-            <a:lvl8pPr marL="8408411" indent="0">
+            <a:lvl8pPr marL="8409545" indent="0">
               <a:buNone/>
               <a:defRPr sz="2627"/>
             </a:lvl8pPr>
-            <a:lvl9pPr marL="9609612" indent="0">
+            <a:lvl9pPr marL="9610909" indent="0">
               <a:buNone/>
               <a:defRPr sz="2627"/>
             </a:lvl9pPr>
@@ -6013,7 +6015,7 @@
           <a:p>
             <a:fld id="{56E17E0E-BED0-40DA-882A-A57045C57D8C}" type="datetimeFigureOut">
               <a:rPr lang="es-ES" smtClean="0"/>
-              <a:t>23/06/2019</a:t>
+              <a:t>24/06/2019</a:t>
             </a:fld>
             <a:endParaRPr lang="es-ES"/>
           </a:p>
@@ -6108,7 +6110,7 @@
         </p:nvSpPr>
         <p:spPr>
           <a:xfrm>
-            <a:off x="2202240" y="959300"/>
+            <a:off x="2202240" y="959302"/>
             <a:ext cx="27628096" cy="3482671"/>
           </a:xfrm>
           <a:prstGeom prst="rect">
@@ -6203,7 +6205,7 @@
         </p:nvSpPr>
         <p:spPr>
           <a:xfrm>
-            <a:off x="2202240" y="16700134"/>
+            <a:off x="2202240" y="16700137"/>
             <a:ext cx="7207329" cy="959298"/>
           </a:xfrm>
           <a:prstGeom prst="rect">
@@ -6226,7 +6228,7 @@
           <a:p>
             <a:fld id="{56E17E0E-BED0-40DA-882A-A57045C57D8C}" type="datetimeFigureOut">
               <a:rPr lang="es-ES" smtClean="0"/>
-              <a:t>23/06/2019</a:t>
+              <a:t>24/06/2019</a:t>
             </a:fld>
             <a:endParaRPr lang="es-ES"/>
           </a:p>
@@ -6244,7 +6246,7 @@
         </p:nvSpPr>
         <p:spPr>
           <a:xfrm>
-            <a:off x="10610791" y="16700134"/>
+            <a:off x="10610791" y="16700137"/>
             <a:ext cx="10810994" cy="959298"/>
           </a:xfrm>
           <a:prstGeom prst="rect">
@@ -6281,7 +6283,7 @@
         </p:nvSpPr>
         <p:spPr>
           <a:xfrm>
-            <a:off x="22623006" y="16700134"/>
+            <a:off x="22623006" y="16700137"/>
             <a:ext cx="7207329" cy="959298"/>
           </a:xfrm>
           <a:prstGeom prst="rect">
@@ -6333,7 +6335,7 @@
   </p:sldLayoutIdLst>
   <p:txStyles>
     <p:titleStyle>
-      <a:lvl1pPr algn="l" defTabSz="2402403" rtl="0" eaLnBrk="1" latinLnBrk="0" hangingPunct="1">
+      <a:lvl1pPr algn="l" defTabSz="2402727" rtl="0" eaLnBrk="1" latinLnBrk="0" hangingPunct="1">
         <a:lnSpc>
           <a:spcPct val="90000"/>
         </a:lnSpc>
@@ -6352,7 +6354,7 @@
       </a:lvl1pPr>
     </p:titleStyle>
     <p:bodyStyle>
-      <a:lvl1pPr marL="600601" indent="-600601" algn="l" defTabSz="2402403" rtl="0" eaLnBrk="1" latinLnBrk="0" hangingPunct="1">
+      <a:lvl1pPr marL="600684" indent="-600684" algn="l" defTabSz="2402727" rtl="0" eaLnBrk="1" latinLnBrk="0" hangingPunct="1">
         <a:lnSpc>
           <a:spcPct val="90000"/>
         </a:lnSpc>
@@ -6361,7 +6363,7 @@
         </a:spcBef>
         <a:buFont typeface="Arial" panose="020B0604020202020204" pitchFamily="34" charset="0"/>
         <a:buChar char="•"/>
-        <a:defRPr sz="7356" kern="1200">
+        <a:defRPr sz="7357" kern="1200">
           <a:solidFill>
             <a:schemeClr val="tx1"/>
           </a:solidFill>
@@ -6370,7 +6372,7 @@
           <a:cs typeface="+mn-cs"/>
         </a:defRPr>
       </a:lvl1pPr>
-      <a:lvl2pPr marL="1801802" indent="-600601" algn="l" defTabSz="2402403" rtl="0" eaLnBrk="1" latinLnBrk="0" hangingPunct="1">
+      <a:lvl2pPr marL="1802044" indent="-600684" algn="l" defTabSz="2402727" rtl="0" eaLnBrk="1" latinLnBrk="0" hangingPunct="1">
         <a:lnSpc>
           <a:spcPct val="90000"/>
         </a:lnSpc>
@@ -6388,7 +6390,7 @@
           <a:cs typeface="+mn-cs"/>
         </a:defRPr>
       </a:lvl2pPr>
-      <a:lvl3pPr marL="3003004" indent="-600601" algn="l" defTabSz="2402403" rtl="0" eaLnBrk="1" latinLnBrk="0" hangingPunct="1">
+      <a:lvl3pPr marL="3003411" indent="-600684" algn="l" defTabSz="2402727" rtl="0" eaLnBrk="1" latinLnBrk="0" hangingPunct="1">
         <a:lnSpc>
           <a:spcPct val="90000"/>
         </a:lnSpc>
@@ -6406,7 +6408,7 @@
           <a:cs typeface="+mn-cs"/>
         </a:defRPr>
       </a:lvl3pPr>
-      <a:lvl4pPr marL="4204205" indent="-600601" algn="l" defTabSz="2402403" rtl="0" eaLnBrk="1" latinLnBrk="0" hangingPunct="1">
+      <a:lvl4pPr marL="4204774" indent="-600684" algn="l" defTabSz="2402727" rtl="0" eaLnBrk="1" latinLnBrk="0" hangingPunct="1">
         <a:lnSpc>
           <a:spcPct val="90000"/>
         </a:lnSpc>
@@ -6424,7 +6426,7 @@
           <a:cs typeface="+mn-cs"/>
         </a:defRPr>
       </a:lvl4pPr>
-      <a:lvl5pPr marL="5405407" indent="-600601" algn="l" defTabSz="2402403" rtl="0" eaLnBrk="1" latinLnBrk="0" hangingPunct="1">
+      <a:lvl5pPr marL="5406138" indent="-600684" algn="l" defTabSz="2402727" rtl="0" eaLnBrk="1" latinLnBrk="0" hangingPunct="1">
         <a:lnSpc>
           <a:spcPct val="90000"/>
         </a:lnSpc>
@@ -6442,7 +6444,7 @@
           <a:cs typeface="+mn-cs"/>
         </a:defRPr>
       </a:lvl5pPr>
-      <a:lvl6pPr marL="6606609" indent="-600601" algn="l" defTabSz="2402403" rtl="0" eaLnBrk="1" latinLnBrk="0" hangingPunct="1">
+      <a:lvl6pPr marL="6607502" indent="-600684" algn="l" defTabSz="2402727" rtl="0" eaLnBrk="1" latinLnBrk="0" hangingPunct="1">
         <a:lnSpc>
           <a:spcPct val="90000"/>
         </a:lnSpc>
@@ -6460,7 +6462,7 @@
           <a:cs typeface="+mn-cs"/>
         </a:defRPr>
       </a:lvl6pPr>
-      <a:lvl7pPr marL="7807810" indent="-600601" algn="l" defTabSz="2402403" rtl="0" eaLnBrk="1" latinLnBrk="0" hangingPunct="1">
+      <a:lvl7pPr marL="7808865" indent="-600684" algn="l" defTabSz="2402727" rtl="0" eaLnBrk="1" latinLnBrk="0" hangingPunct="1">
         <a:lnSpc>
           <a:spcPct val="90000"/>
         </a:lnSpc>
@@ -6478,7 +6480,7 @@
           <a:cs typeface="+mn-cs"/>
         </a:defRPr>
       </a:lvl7pPr>
-      <a:lvl8pPr marL="9009012" indent="-600601" algn="l" defTabSz="2402403" rtl="0" eaLnBrk="1" latinLnBrk="0" hangingPunct="1">
+      <a:lvl8pPr marL="9010229" indent="-600684" algn="l" defTabSz="2402727" rtl="0" eaLnBrk="1" latinLnBrk="0" hangingPunct="1">
         <a:lnSpc>
           <a:spcPct val="90000"/>
         </a:lnSpc>
@@ -6496,7 +6498,7 @@
           <a:cs typeface="+mn-cs"/>
         </a:defRPr>
       </a:lvl8pPr>
-      <a:lvl9pPr marL="10210213" indent="-600601" algn="l" defTabSz="2402403" rtl="0" eaLnBrk="1" latinLnBrk="0" hangingPunct="1">
+      <a:lvl9pPr marL="10211593" indent="-600684" algn="l" defTabSz="2402727" rtl="0" eaLnBrk="1" latinLnBrk="0" hangingPunct="1">
         <a:lnSpc>
           <a:spcPct val="90000"/>
         </a:lnSpc>
@@ -6519,7 +6521,7 @@
       <a:defPPr>
         <a:defRPr lang="en-US"/>
       </a:defPPr>
-      <a:lvl1pPr marL="0" algn="l" defTabSz="2402403" rtl="0" eaLnBrk="1" latinLnBrk="0" hangingPunct="1">
+      <a:lvl1pPr marL="0" algn="l" defTabSz="2402727" rtl="0" eaLnBrk="1" latinLnBrk="0" hangingPunct="1">
         <a:defRPr sz="4729" kern="1200">
           <a:solidFill>
             <a:schemeClr val="tx1"/>
@@ -6529,7 +6531,7 @@
           <a:cs typeface="+mn-cs"/>
         </a:defRPr>
       </a:lvl1pPr>
-      <a:lvl2pPr marL="1201202" algn="l" defTabSz="2402403" rtl="0" eaLnBrk="1" latinLnBrk="0" hangingPunct="1">
+      <a:lvl2pPr marL="1201364" algn="l" defTabSz="2402727" rtl="0" eaLnBrk="1" latinLnBrk="0" hangingPunct="1">
         <a:defRPr sz="4729" kern="1200">
           <a:solidFill>
             <a:schemeClr val="tx1"/>
@@ -6539,7 +6541,7 @@
           <a:cs typeface="+mn-cs"/>
         </a:defRPr>
       </a:lvl2pPr>
-      <a:lvl3pPr marL="2402403" algn="l" defTabSz="2402403" rtl="0" eaLnBrk="1" latinLnBrk="0" hangingPunct="1">
+      <a:lvl3pPr marL="2402727" algn="l" defTabSz="2402727" rtl="0" eaLnBrk="1" latinLnBrk="0" hangingPunct="1">
         <a:defRPr sz="4729" kern="1200">
           <a:solidFill>
             <a:schemeClr val="tx1"/>
@@ -6549,7 +6551,7 @@
           <a:cs typeface="+mn-cs"/>
         </a:defRPr>
       </a:lvl3pPr>
-      <a:lvl4pPr marL="3603605" algn="l" defTabSz="2402403" rtl="0" eaLnBrk="1" latinLnBrk="0" hangingPunct="1">
+      <a:lvl4pPr marL="3604091" algn="l" defTabSz="2402727" rtl="0" eaLnBrk="1" latinLnBrk="0" hangingPunct="1">
         <a:defRPr sz="4729" kern="1200">
           <a:solidFill>
             <a:schemeClr val="tx1"/>
@@ -6559,7 +6561,7 @@
           <a:cs typeface="+mn-cs"/>
         </a:defRPr>
       </a:lvl4pPr>
-      <a:lvl5pPr marL="4804806" algn="l" defTabSz="2402403" rtl="0" eaLnBrk="1" latinLnBrk="0" hangingPunct="1">
+      <a:lvl5pPr marL="4805454" algn="l" defTabSz="2402727" rtl="0" eaLnBrk="1" latinLnBrk="0" hangingPunct="1">
         <a:defRPr sz="4729" kern="1200">
           <a:solidFill>
             <a:schemeClr val="tx1"/>
@@ -6569,7 +6571,7 @@
           <a:cs typeface="+mn-cs"/>
         </a:defRPr>
       </a:lvl5pPr>
-      <a:lvl6pPr marL="6006008" algn="l" defTabSz="2402403" rtl="0" eaLnBrk="1" latinLnBrk="0" hangingPunct="1">
+      <a:lvl6pPr marL="6006818" algn="l" defTabSz="2402727" rtl="0" eaLnBrk="1" latinLnBrk="0" hangingPunct="1">
         <a:defRPr sz="4729" kern="1200">
           <a:solidFill>
             <a:schemeClr val="tx1"/>
@@ -6579,7 +6581,7 @@
           <a:cs typeface="+mn-cs"/>
         </a:defRPr>
       </a:lvl6pPr>
-      <a:lvl7pPr marL="7207209" algn="l" defTabSz="2402403" rtl="0" eaLnBrk="1" latinLnBrk="0" hangingPunct="1">
+      <a:lvl7pPr marL="7208182" algn="l" defTabSz="2402727" rtl="0" eaLnBrk="1" latinLnBrk="0" hangingPunct="1">
         <a:defRPr sz="4729" kern="1200">
           <a:solidFill>
             <a:schemeClr val="tx1"/>
@@ -6589,7 +6591,7 @@
           <a:cs typeface="+mn-cs"/>
         </a:defRPr>
       </a:lvl7pPr>
-      <a:lvl8pPr marL="8408411" algn="l" defTabSz="2402403" rtl="0" eaLnBrk="1" latinLnBrk="0" hangingPunct="1">
+      <a:lvl8pPr marL="8409545" algn="l" defTabSz="2402727" rtl="0" eaLnBrk="1" latinLnBrk="0" hangingPunct="1">
         <a:defRPr sz="4729" kern="1200">
           <a:solidFill>
             <a:schemeClr val="tx1"/>
@@ -6599,7 +6601,7 @@
           <a:cs typeface="+mn-cs"/>
         </a:defRPr>
       </a:lvl8pPr>
-      <a:lvl9pPr marL="9609612" algn="l" defTabSz="2402403" rtl="0" eaLnBrk="1" latinLnBrk="0" hangingPunct="1">
+      <a:lvl9pPr marL="9610909" algn="l" defTabSz="2402727" rtl="0" eaLnBrk="1" latinLnBrk="0" hangingPunct="1">
         <a:defRPr sz="4729" kern="1200">
           <a:solidFill>
             <a:schemeClr val="tx1"/>
@@ -6658,8 +6660,8 @@
         </p:blipFill>
         <p:spPr>
           <a:xfrm>
-            <a:off x="8391196" y="-1257665"/>
-            <a:ext cx="3692741" cy="2998159"/>
+            <a:off x="8391196" y="-1257664"/>
+            <a:ext cx="3692742" cy="2998160"/>
           </a:xfrm>
           <a:prstGeom prst="rect">
             <a:avLst/>
@@ -6694,8 +6696,8 @@
         </p:blipFill>
         <p:spPr>
           <a:xfrm>
-            <a:off x="11988321" y="-1259629"/>
-            <a:ext cx="3405621" cy="3128431"/>
+            <a:off x="11988322" y="-1259627"/>
+            <a:ext cx="3405623" cy="3128431"/>
           </a:xfrm>
           <a:prstGeom prst="rect">
             <a:avLst/>
@@ -6729,8 +6731,8 @@
         </p:blipFill>
         <p:spPr>
           <a:xfrm>
-            <a:off x="8391198" y="1697653"/>
-            <a:ext cx="3468708" cy="3477034"/>
+            <a:off x="8391201" y="1697655"/>
+            <a:ext cx="3468707" cy="3477034"/>
           </a:xfrm>
           <a:prstGeom prst="rect">
             <a:avLst/>
@@ -6764,7 +6766,7 @@
         </p:blipFill>
         <p:spPr>
           <a:xfrm>
-            <a:off x="11719031" y="1740494"/>
+            <a:off x="11719033" y="1740494"/>
             <a:ext cx="3770529" cy="3434191"/>
           </a:xfrm>
           <a:prstGeom prst="rect">
@@ -6800,8 +6802,8 @@
         </p:blipFill>
         <p:spPr>
           <a:xfrm>
-            <a:off x="9315732" y="5269190"/>
-            <a:ext cx="1889573" cy="3468336"/>
+            <a:off x="9315734" y="5269191"/>
+            <a:ext cx="1889572" cy="3468335"/>
           </a:xfrm>
           <a:prstGeom prst="rect">
             <a:avLst/>
@@ -6836,7 +6838,7 @@
         </p:blipFill>
         <p:spPr>
           <a:xfrm>
-            <a:off x="12231563" y="5237648"/>
+            <a:off x="12231563" y="5237652"/>
             <a:ext cx="3203594" cy="3504593"/>
           </a:xfrm>
           <a:prstGeom prst="rect">
@@ -6872,8 +6874,8 @@
         </p:blipFill>
         <p:spPr>
           <a:xfrm>
-            <a:off x="15471163" y="-1302922"/>
-            <a:ext cx="3807927" cy="3215016"/>
+            <a:off x="15471164" y="-1302920"/>
+            <a:ext cx="3807928" cy="3215017"/>
           </a:xfrm>
           <a:prstGeom prst="rect">
             <a:avLst/>
@@ -6908,8 +6910,8 @@
         </p:blipFill>
         <p:spPr>
           <a:xfrm>
-            <a:off x="19259735" y="-1302921"/>
-            <a:ext cx="3278514" cy="3158888"/>
+            <a:off x="19259738" y="-1302919"/>
+            <a:ext cx="3278515" cy="3158887"/>
           </a:xfrm>
           <a:prstGeom prst="rect">
             <a:avLst/>
@@ -6944,8 +6946,8 @@
         </p:blipFill>
         <p:spPr>
           <a:xfrm>
-            <a:off x="15453342" y="1860345"/>
-            <a:ext cx="3720896" cy="3306189"/>
+            <a:off x="15453343" y="1860345"/>
+            <a:ext cx="3720897" cy="3306190"/>
           </a:xfrm>
           <a:prstGeom prst="rect">
             <a:avLst/>
@@ -6980,8 +6982,8 @@
         </p:blipFill>
         <p:spPr>
           <a:xfrm>
-            <a:off x="19162209" y="1838641"/>
-            <a:ext cx="3407237" cy="3402328"/>
+            <a:off x="19162209" y="1838643"/>
+            <a:ext cx="3407237" cy="3402330"/>
           </a:xfrm>
           <a:prstGeom prst="rect">
             <a:avLst/>
@@ -7016,8 +7018,8 @@
         </p:blipFill>
         <p:spPr>
           <a:xfrm>
-            <a:off x="15470205" y="5208489"/>
-            <a:ext cx="3406614" cy="3538540"/>
+            <a:off x="15470206" y="5208486"/>
+            <a:ext cx="3406614" cy="3538542"/>
           </a:xfrm>
           <a:prstGeom prst="rect">
             <a:avLst/>
@@ -7052,8 +7054,8 @@
         </p:blipFill>
         <p:spPr>
           <a:xfrm>
-            <a:off x="18883460" y="5246500"/>
-            <a:ext cx="3685363" cy="3484611"/>
+            <a:off x="18883458" y="5246501"/>
+            <a:ext cx="3685365" cy="3484611"/>
           </a:xfrm>
           <a:prstGeom prst="rect">
             <a:avLst/>
@@ -7088,8 +7090,8 @@
         </p:blipFill>
         <p:spPr>
           <a:xfrm>
-            <a:off x="12538379" y="8722816"/>
-            <a:ext cx="2912475" cy="3339090"/>
+            <a:off x="12538383" y="8722816"/>
+            <a:ext cx="2912474" cy="3339091"/>
           </a:xfrm>
           <a:prstGeom prst="rect">
             <a:avLst/>
@@ -7125,7 +7127,7 @@
         <p:spPr>
           <a:xfrm>
             <a:off x="15435157" y="8708266"/>
-            <a:ext cx="3203594" cy="3345149"/>
+            <a:ext cx="3203594" cy="3345148"/>
           </a:xfrm>
           <a:prstGeom prst="rect">
             <a:avLst/>
@@ -7148,8 +7150,8 @@
         </p:nvCxnSpPr>
         <p:spPr>
           <a:xfrm>
-            <a:off x="15436479" y="-2273702"/>
-            <a:ext cx="33728" cy="11046132"/>
+            <a:off x="15436478" y="-2273702"/>
+            <a:ext cx="33728" cy="11046131"/>
           </a:xfrm>
           <a:prstGeom prst="line">
             <a:avLst/>
@@ -7187,7 +7189,7 @@
         </p:nvCxnSpPr>
         <p:spPr>
           <a:xfrm flipV="1">
-            <a:off x="8391197" y="1697653"/>
+            <a:off x="8391196" y="1697655"/>
             <a:ext cx="14198474" cy="6418"/>
           </a:xfrm>
           <a:prstGeom prst="line">
@@ -7225,7 +7227,7 @@
         <p:spPr>
           <a:xfrm>
             <a:off x="10996936" y="-1391676"/>
-            <a:ext cx="1682152" cy="584775"/>
+            <a:ext cx="1682152" cy="585097"/>
           </a:xfrm>
           <a:prstGeom prst="rect">
             <a:avLst/>
@@ -7240,10 +7242,10 @@
           <a:p>
             <a:pPr algn="ctr"/>
             <a:r>
-              <a:rPr lang="en-US" sz="3200" b="1" dirty="0"/>
+              <a:rPr lang="en-US" sz="3202" b="1" dirty="0"/>
               <a:t>LINK1</a:t>
             </a:r>
-            <a:endParaRPr lang="es-ES" sz="3200" b="1" dirty="0"/>
+            <a:endParaRPr lang="es-ES" sz="3202" b="1" dirty="0"/>
           </a:p>
         </p:txBody>
       </p:sp>
@@ -7274,8 +7276,8 @@
         </p:blipFill>
         <p:spPr>
           <a:xfrm>
-            <a:off x="8391199" y="5237650"/>
-            <a:ext cx="924533" cy="3534779"/>
+            <a:off x="8391201" y="5237650"/>
+            <a:ext cx="924534" cy="3534779"/>
           </a:xfrm>
           <a:prstGeom prst="rect">
             <a:avLst/>
@@ -7296,8 +7298,8 @@
         </p:nvSpPr>
         <p:spPr>
           <a:xfrm>
-            <a:off x="11018828" y="1740494"/>
-            <a:ext cx="1682152" cy="584775"/>
+            <a:off x="11018827" y="1740496"/>
+            <a:ext cx="1682152" cy="585097"/>
           </a:xfrm>
           <a:prstGeom prst="rect">
             <a:avLst/>
@@ -7312,10 +7314,10 @@
           <a:p>
             <a:pPr algn="ctr"/>
             <a:r>
-              <a:rPr lang="en-US" sz="3200" b="1" dirty="0"/>
+              <a:rPr lang="en-US" sz="3202" b="1" dirty="0"/>
               <a:t>LINK2</a:t>
             </a:r>
-            <a:endParaRPr lang="es-ES" sz="3200" b="1" dirty="0"/>
+            <a:endParaRPr lang="es-ES" sz="3202" b="1" dirty="0"/>
           </a:p>
         </p:txBody>
       </p:sp>
@@ -7346,7 +7348,7 @@
         </p:blipFill>
         <p:spPr>
           <a:xfrm>
-            <a:off x="11148589" y="5212249"/>
+            <a:off x="11148591" y="5212249"/>
             <a:ext cx="1082974" cy="3534779"/>
           </a:xfrm>
           <a:prstGeom prst="rect">
@@ -7370,7 +7372,7 @@
         </p:nvCxnSpPr>
         <p:spPr>
           <a:xfrm flipV="1">
-            <a:off x="8356591" y="5202959"/>
+            <a:off x="8356592" y="5202959"/>
             <a:ext cx="14198474" cy="6418"/>
           </a:xfrm>
           <a:prstGeom prst="line">
@@ -7407,8 +7409,8 @@
         </p:nvSpPr>
         <p:spPr>
           <a:xfrm>
-            <a:off x="10901090" y="5269192"/>
-            <a:ext cx="1682152" cy="584775"/>
+            <a:off x="10901090" y="5269194"/>
+            <a:ext cx="1682152" cy="585097"/>
           </a:xfrm>
           <a:prstGeom prst="rect">
             <a:avLst/>
@@ -7423,10 +7425,10 @@
           <a:p>
             <a:pPr algn="ctr"/>
             <a:r>
-              <a:rPr lang="en-US" sz="3200" b="1" dirty="0"/>
+              <a:rPr lang="en-US" sz="3202" b="1" dirty="0"/>
               <a:t>LINK3</a:t>
             </a:r>
-            <a:endParaRPr lang="es-ES" sz="3200" b="1" dirty="0"/>
+            <a:endParaRPr lang="es-ES" sz="3202" b="1" dirty="0"/>
           </a:p>
         </p:txBody>
       </p:sp>
@@ -7445,7 +7447,7 @@
         <p:spPr>
           <a:xfrm>
             <a:off x="18321131" y="-1391676"/>
-            <a:ext cx="1682152" cy="584775"/>
+            <a:ext cx="1682152" cy="585097"/>
           </a:xfrm>
           <a:prstGeom prst="rect">
             <a:avLst/>
@@ -7460,10 +7462,10 @@
           <a:p>
             <a:pPr algn="ctr"/>
             <a:r>
-              <a:rPr lang="en-US" sz="3200" b="1" dirty="0"/>
+              <a:rPr lang="en-US" sz="3202" b="1" dirty="0"/>
               <a:t>LINK4</a:t>
             </a:r>
-            <a:endParaRPr lang="es-ES" sz="3200" b="1" dirty="0"/>
+            <a:endParaRPr lang="es-ES" sz="3202" b="1" dirty="0"/>
           </a:p>
         </p:txBody>
       </p:sp>
@@ -7481,8 +7483,8 @@
         </p:nvSpPr>
         <p:spPr>
           <a:xfrm>
-            <a:off x="18328685" y="1682754"/>
-            <a:ext cx="1682152" cy="584775"/>
+            <a:off x="18328686" y="1682754"/>
+            <a:ext cx="1682152" cy="585097"/>
           </a:xfrm>
           <a:prstGeom prst="rect">
             <a:avLst/>
@@ -7497,10 +7499,10 @@
           <a:p>
             <a:pPr algn="ctr"/>
             <a:r>
-              <a:rPr lang="en-US" sz="3200" b="1" dirty="0"/>
+              <a:rPr lang="en-US" sz="3202" b="1" dirty="0"/>
               <a:t>LINK5</a:t>
             </a:r>
-            <a:endParaRPr lang="es-ES" sz="3200" b="1" dirty="0"/>
+            <a:endParaRPr lang="es-ES" sz="3202" b="1" dirty="0"/>
           </a:p>
         </p:txBody>
       </p:sp>
@@ -7520,7 +7522,7 @@
         </p:nvCxnSpPr>
         <p:spPr>
           <a:xfrm flipV="1">
-            <a:off x="8391197" y="8754005"/>
+            <a:off x="8391196" y="8754006"/>
             <a:ext cx="14198474" cy="6418"/>
           </a:xfrm>
           <a:prstGeom prst="line">
@@ -7557,8 +7559,8 @@
         </p:nvSpPr>
         <p:spPr>
           <a:xfrm>
-            <a:off x="18333162" y="5178297"/>
-            <a:ext cx="1682152" cy="584775"/>
+            <a:off x="18333163" y="5178298"/>
+            <a:ext cx="1682152" cy="585097"/>
           </a:xfrm>
           <a:prstGeom prst="rect">
             <a:avLst/>
@@ -7573,10 +7575,10 @@
           <a:p>
             <a:pPr algn="ctr"/>
             <a:r>
-              <a:rPr lang="en-US" sz="3200" b="1" dirty="0"/>
+              <a:rPr lang="en-US" sz="3202" b="1" dirty="0"/>
               <a:t>LINK6</a:t>
             </a:r>
-            <a:endParaRPr lang="es-ES" sz="3200" b="1" dirty="0"/>
+            <a:endParaRPr lang="es-ES" sz="3202" b="1" dirty="0"/>
           </a:p>
         </p:txBody>
       </p:sp>
@@ -7594,8 +7596,8 @@
         </p:nvSpPr>
         <p:spPr>
           <a:xfrm>
-            <a:off x="14551720" y="8806161"/>
-            <a:ext cx="1682152" cy="584775"/>
+            <a:off x="14551721" y="8806163"/>
+            <a:ext cx="1682152" cy="585097"/>
           </a:xfrm>
           <a:prstGeom prst="rect">
             <a:avLst/>
@@ -7610,10 +7612,10 @@
           <a:p>
             <a:pPr algn="ctr"/>
             <a:r>
-              <a:rPr lang="en-US" sz="3200" b="1" dirty="0"/>
+              <a:rPr lang="en-US" sz="3202" b="1" dirty="0"/>
               <a:t>LINK7</a:t>
             </a:r>
-            <a:endParaRPr lang="es-ES" sz="3200" b="1" dirty="0"/>
+            <a:endParaRPr lang="es-ES" sz="3202" b="1" dirty="0"/>
           </a:p>
         </p:txBody>
       </p:sp>
@@ -7633,8 +7635,8 @@
         </p:nvCxnSpPr>
         <p:spPr>
           <a:xfrm>
-            <a:off x="12538379" y="12073075"/>
-            <a:ext cx="6100372" cy="1"/>
+            <a:off x="12538379" y="12073077"/>
+            <a:ext cx="6100373" cy="0"/>
           </a:xfrm>
           <a:prstGeom prst="line">
             <a:avLst/>
@@ -7670,8 +7672,8 @@
         </p:nvSpPr>
         <p:spPr>
           <a:xfrm rot="18785708">
-            <a:off x="8097344" y="-1027489"/>
-            <a:ext cx="1682152" cy="502766"/>
+            <a:off x="8097343" y="-1027388"/>
+            <a:ext cx="1682152" cy="502573"/>
           </a:xfrm>
           <a:prstGeom prst="rect">
             <a:avLst/>
@@ -7686,14 +7688,14 @@
           <a:p>
             <a:pPr algn="ctr"/>
             <a:r>
-              <a:rPr lang="en-US" sz="2667" b="1" i="1" dirty="0">
+              <a:rPr lang="en-US" sz="2666" b="1" i="1" dirty="0">
                 <a:solidFill>
                   <a:srgbClr val="FF0000"/>
                 </a:solidFill>
               </a:rPr>
               <a:t>Visual</a:t>
             </a:r>
-            <a:endParaRPr lang="es-ES" sz="2667" b="1" i="1" dirty="0">
+            <a:endParaRPr lang="es-ES" sz="2666" b="1" i="1" dirty="0">
               <a:solidFill>
                 <a:srgbClr val="FF0000"/>
               </a:solidFill>
@@ -7715,8 +7717,8 @@
         </p:nvSpPr>
         <p:spPr>
           <a:xfrm rot="18785708">
-            <a:off x="12150539" y="9019715"/>
-            <a:ext cx="1682152" cy="502766"/>
+            <a:off x="12150539" y="9019816"/>
+            <a:ext cx="1682152" cy="502573"/>
           </a:xfrm>
           <a:prstGeom prst="rect">
             <a:avLst/>
@@ -7731,14 +7733,14 @@
           <a:p>
             <a:pPr algn="ctr"/>
             <a:r>
-              <a:rPr lang="en-US" sz="2667" b="1" i="1" dirty="0">
+              <a:rPr lang="en-US" sz="2666" b="1" i="1" dirty="0">
                 <a:solidFill>
                   <a:srgbClr val="FF0000"/>
                 </a:solidFill>
               </a:rPr>
               <a:t>Visual</a:t>
             </a:r>
-            <a:endParaRPr lang="es-ES" sz="2667" b="1" i="1" dirty="0">
+            <a:endParaRPr lang="es-ES" sz="2666" b="1" i="1" dirty="0">
               <a:solidFill>
                 <a:srgbClr val="FF0000"/>
               </a:solidFill>
@@ -7760,8 +7762,8 @@
         </p:nvSpPr>
         <p:spPr>
           <a:xfrm rot="18785708">
-            <a:off x="15159498" y="-1065730"/>
-            <a:ext cx="1682152" cy="502766"/>
+            <a:off x="15159499" y="-1065632"/>
+            <a:ext cx="1682152" cy="502573"/>
           </a:xfrm>
           <a:prstGeom prst="rect">
             <a:avLst/>
@@ -7776,14 +7778,14 @@
           <a:p>
             <a:pPr algn="ctr"/>
             <a:r>
-              <a:rPr lang="en-US" sz="2667" b="1" i="1" dirty="0">
+              <a:rPr lang="en-US" sz="2666" b="1" i="1" dirty="0">
                 <a:solidFill>
                   <a:srgbClr val="FF0000"/>
                 </a:solidFill>
               </a:rPr>
               <a:t>Visual</a:t>
             </a:r>
-            <a:endParaRPr lang="es-ES" sz="2667" b="1" i="1" dirty="0">
+            <a:endParaRPr lang="es-ES" sz="2666" b="1" i="1" dirty="0">
               <a:solidFill>
                 <a:srgbClr val="FF0000"/>
               </a:solidFill>
@@ -7805,8 +7807,8 @@
         </p:nvSpPr>
         <p:spPr>
           <a:xfrm rot="2645447">
-            <a:off x="14140298" y="-1053667"/>
-            <a:ext cx="1682152" cy="502766"/>
+            <a:off x="14140298" y="-1053570"/>
+            <a:ext cx="1682152" cy="502573"/>
           </a:xfrm>
           <a:prstGeom prst="rect">
             <a:avLst/>
@@ -7821,14 +7823,14 @@
           <a:p>
             <a:pPr algn="ctr"/>
             <a:r>
-              <a:rPr lang="en-US" sz="2667" b="1" i="1" dirty="0" err="1">
+              <a:rPr lang="en-US" sz="2666" b="1" i="1" dirty="0" err="1">
                 <a:solidFill>
                   <a:srgbClr val="FF0000"/>
                 </a:solidFill>
               </a:rPr>
               <a:t>Colisión</a:t>
             </a:r>
-            <a:endParaRPr lang="es-ES" sz="2667" b="1" i="1" dirty="0">
+            <a:endParaRPr lang="es-ES" sz="2666" b="1" i="1" dirty="0">
               <a:solidFill>
                 <a:srgbClr val="FF0000"/>
               </a:solidFill>
@@ -7850,8 +7852,8 @@
         </p:nvSpPr>
         <p:spPr>
           <a:xfrm rot="2645447">
-            <a:off x="21202454" y="-1046119"/>
-            <a:ext cx="1682152" cy="502766"/>
+            <a:off x="21202454" y="-1046022"/>
+            <a:ext cx="1682152" cy="502573"/>
           </a:xfrm>
           <a:prstGeom prst="rect">
             <a:avLst/>
@@ -7866,7 +7868,7 @@
           <a:p>
             <a:pPr algn="ctr"/>
             <a:r>
-              <a:rPr lang="es-NI" sz="2667" b="1" i="1">
+              <a:rPr lang="es-NI" sz="2666" b="1" i="1">
                 <a:solidFill>
                   <a:srgbClr val="FF0000"/>
                 </a:solidFill>
@@ -7890,8 +7892,8 @@
         </p:nvSpPr>
         <p:spPr>
           <a:xfrm rot="2645447">
-            <a:off x="17213301" y="9073288"/>
-            <a:ext cx="1682152" cy="502766"/>
+            <a:off x="17213301" y="9073386"/>
+            <a:ext cx="1682152" cy="502573"/>
           </a:xfrm>
           <a:prstGeom prst="rect">
             <a:avLst/>
@@ -7906,7 +7908,7 @@
           <a:p>
             <a:pPr algn="ctr"/>
             <a:r>
-              <a:rPr lang="es-NI" sz="2667" b="1" i="1">
+              <a:rPr lang="es-NI" sz="2666" b="1" i="1">
                 <a:solidFill>
                   <a:srgbClr val="FF0000"/>
                 </a:solidFill>
@@ -7973,8 +7975,8 @@
         </p:blipFill>
         <p:spPr>
           <a:xfrm>
-            <a:off x="16687800" y="5050971"/>
-            <a:ext cx="5257800" cy="3782245"/>
+            <a:off x="16687801" y="5050974"/>
+            <a:ext cx="5257798" cy="3782243"/>
           </a:xfrm>
           <a:prstGeom prst="rect">
             <a:avLst/>
@@ -7995,8 +7997,8 @@
         </p:nvSpPr>
         <p:spPr>
           <a:xfrm>
-            <a:off x="7816625" y="11993152"/>
-            <a:ext cx="2305050" cy="523220"/>
+            <a:off x="7816624" y="11993153"/>
+            <a:ext cx="2305049" cy="523092"/>
           </a:xfrm>
           <a:prstGeom prst="rect">
             <a:avLst/>
@@ -8011,10 +8013,10 @@
           <a:p>
             <a:pPr algn="ctr"/>
             <a:r>
-              <a:rPr lang="en-US" sz="2800" dirty="0"/>
+              <a:rPr lang="en-US" sz="2799" dirty="0"/>
               <a:t>a)</a:t>
             </a:r>
-            <a:endParaRPr lang="es-ES" sz="2800" dirty="0"/>
+            <a:endParaRPr lang="es-ES" sz="2799" dirty="0"/>
           </a:p>
         </p:txBody>
       </p:sp>
@@ -8032,8 +8034,8 @@
         </p:nvSpPr>
         <p:spPr>
           <a:xfrm>
-            <a:off x="14863762" y="11981876"/>
-            <a:ext cx="2305050" cy="523220"/>
+            <a:off x="14863763" y="11981877"/>
+            <a:ext cx="2305049" cy="523092"/>
           </a:xfrm>
           <a:prstGeom prst="rect">
             <a:avLst/>
@@ -8048,10 +8050,10 @@
           <a:p>
             <a:pPr algn="ctr"/>
             <a:r>
-              <a:rPr lang="en-US" sz="2800" dirty="0"/>
+              <a:rPr lang="en-US" sz="2799" dirty="0"/>
               <a:t>b)</a:t>
             </a:r>
-            <a:endParaRPr lang="es-ES" sz="2800" dirty="0"/>
+            <a:endParaRPr lang="es-ES" sz="2799" dirty="0"/>
           </a:p>
         </p:txBody>
       </p:sp>
@@ -8075,8 +8077,8 @@
         </p:blipFill>
         <p:spPr>
           <a:xfrm>
-            <a:off x="9177064" y="9189901"/>
-            <a:ext cx="4441644" cy="1249499"/>
+            <a:off x="9177064" y="9189902"/>
+            <a:ext cx="4441644" cy="1249498"/>
           </a:xfrm>
           <a:prstGeom prst="rect">
             <a:avLst/>
@@ -8097,8 +8099,8 @@
         </p:nvSpPr>
         <p:spPr>
           <a:xfrm>
-            <a:off x="22398309" y="5335274"/>
-            <a:ext cx="1119334" cy="351692"/>
+            <a:off x="22398308" y="5335275"/>
+            <a:ext cx="1119333" cy="351693"/>
           </a:xfrm>
           <a:prstGeom prst="borderCallout2">
             <a:avLst>
@@ -8136,7 +8138,7 @@
           </a:fontRef>
         </p:style>
         <p:txBody>
-          <a:bodyPr rot="0" spcFirstLastPara="0" vertOverflow="overflow" horzOverflow="overflow" vert="horz" wrap="square" lIns="121924" tIns="60962" rIns="121924" bIns="60962" numCol="1" spcCol="0" rtlCol="0" fromWordArt="0" anchor="ctr" anchorCtr="0" forceAA="0" compatLnSpc="1">
+          <a:bodyPr rot="0" spcFirstLastPara="0" vertOverflow="overflow" horzOverflow="overflow" vert="horz" wrap="square" lIns="121923" tIns="60961" rIns="121923" bIns="60961" numCol="1" spcCol="0" rtlCol="0" fromWordArt="0" anchor="ctr" anchorCtr="0" forceAA="0" compatLnSpc="1">
             <a:prstTxWarp prst="textNoShape">
               <a:avLst/>
             </a:prstTxWarp>
@@ -8146,14 +8148,14 @@
           <a:p>
             <a:pPr algn="ctr"/>
             <a:r>
-              <a:rPr lang="es-ES" sz="800" b="1" dirty="0">
+              <a:rPr lang="es-ES" sz="799" b="1" dirty="0">
                 <a:solidFill>
                   <a:schemeClr val="tx1"/>
                 </a:solidFill>
               </a:rPr>
               <a:t>Rotación sobe el Eje Z</a:t>
             </a:r>
-            <a:endParaRPr lang="es-ES" sz="800" b="1" i="1" dirty="0">
+            <a:endParaRPr lang="es-ES" sz="799" b="1" i="1" dirty="0">
               <a:solidFill>
                 <a:schemeClr val="tx1"/>
               </a:solidFill>
@@ -8175,8 +8177,8 @@
         </p:nvSpPr>
         <p:spPr>
           <a:xfrm>
-            <a:off x="13907452" y="9920246"/>
-            <a:ext cx="1119334" cy="351692"/>
+            <a:off x="13907451" y="9920246"/>
+            <a:ext cx="1119333" cy="351693"/>
           </a:xfrm>
           <a:prstGeom prst="borderCallout2">
             <a:avLst>
@@ -8214,7 +8216,7 @@
           </a:fontRef>
         </p:style>
         <p:txBody>
-          <a:bodyPr rot="0" spcFirstLastPara="0" vertOverflow="overflow" horzOverflow="overflow" vert="horz" wrap="square" lIns="121924" tIns="60962" rIns="121924" bIns="60962" numCol="1" spcCol="0" rtlCol="0" fromWordArt="0" anchor="ctr" anchorCtr="0" forceAA="0" compatLnSpc="1">
+          <a:bodyPr rot="0" spcFirstLastPara="0" vertOverflow="overflow" horzOverflow="overflow" vert="horz" wrap="square" lIns="121923" tIns="60961" rIns="121923" bIns="60961" numCol="1" spcCol="0" rtlCol="0" fromWordArt="0" anchor="ctr" anchorCtr="0" forceAA="0" compatLnSpc="1">
             <a:prstTxWarp prst="textNoShape">
               <a:avLst/>
             </a:prstTxWarp>
@@ -8224,14 +8226,14 @@
           <a:p>
             <a:pPr algn="ctr"/>
             <a:r>
-              <a:rPr lang="es-ES" sz="800" b="1" dirty="0">
+              <a:rPr lang="es-ES" sz="799" b="1" dirty="0">
                 <a:solidFill>
                   <a:schemeClr val="tx1"/>
                 </a:solidFill>
               </a:rPr>
               <a:t>Rotación sobe el Eje X</a:t>
             </a:r>
-            <a:endParaRPr lang="es-ES" sz="800" b="1" i="1" dirty="0">
+            <a:endParaRPr lang="es-ES" sz="799" b="1" i="1" dirty="0">
               <a:solidFill>
                 <a:schemeClr val="tx1"/>
               </a:solidFill>
@@ -8253,8 +8255,8 @@
         </p:nvSpPr>
         <p:spPr>
           <a:xfrm>
-            <a:off x="13907452" y="9441141"/>
-            <a:ext cx="1119334" cy="351692"/>
+            <a:off x="13907451" y="9441141"/>
+            <a:ext cx="1119333" cy="351693"/>
           </a:xfrm>
           <a:prstGeom prst="borderCallout2">
             <a:avLst>
@@ -8292,7 +8294,7 @@
           </a:fontRef>
         </p:style>
         <p:txBody>
-          <a:bodyPr rot="0" spcFirstLastPara="0" vertOverflow="overflow" horzOverflow="overflow" vert="horz" wrap="square" lIns="121924" tIns="60962" rIns="121924" bIns="60962" numCol="1" spcCol="0" rtlCol="0" fromWordArt="0" anchor="ctr" anchorCtr="0" forceAA="0" compatLnSpc="1">
+          <a:bodyPr rot="0" spcFirstLastPara="0" vertOverflow="overflow" horzOverflow="overflow" vert="horz" wrap="square" lIns="121923" tIns="60961" rIns="121923" bIns="60961" numCol="1" spcCol="0" rtlCol="0" fromWordArt="0" anchor="ctr" anchorCtr="0" forceAA="0" compatLnSpc="1">
             <a:prstTxWarp prst="textNoShape">
               <a:avLst/>
             </a:prstTxWarp>
@@ -8302,14 +8304,14 @@
           <a:p>
             <a:pPr algn="ctr"/>
             <a:r>
-              <a:rPr lang="es-ES" sz="800" b="1" dirty="0">
+              <a:rPr lang="es-ES" sz="799" b="1" dirty="0">
                 <a:solidFill>
                   <a:schemeClr val="tx1"/>
                 </a:solidFill>
               </a:rPr>
               <a:t>Rotación sobe el Eje Y</a:t>
             </a:r>
-            <a:endParaRPr lang="es-ES" sz="800" b="1" i="1" dirty="0">
+            <a:endParaRPr lang="es-ES" sz="799" b="1" i="1" dirty="0">
               <a:solidFill>
                 <a:schemeClr val="tx1"/>
               </a:solidFill>
@@ -8331,8 +8333,8 @@
         </p:nvSpPr>
         <p:spPr>
           <a:xfrm>
-            <a:off x="8115180" y="9859643"/>
-            <a:ext cx="1061884" cy="472897"/>
+            <a:off x="8115183" y="9859644"/>
+            <a:ext cx="1061885" cy="472897"/>
           </a:xfrm>
           <a:prstGeom prst="borderCallout2">
             <a:avLst>
@@ -8377,7 +8379,7 @@
           <a:p>
             <a:pPr lvl="0" algn="ctr"/>
             <a:r>
-              <a:rPr lang="es-NI" sz="800" b="1" dirty="0">
+              <a:rPr lang="es-NI" sz="799" b="1" dirty="0">
                 <a:solidFill>
                   <a:prstClr val="black"/>
                 </a:solidFill>
@@ -8424,8 +8426,8 @@
         </p:blipFill>
         <p:spPr>
           <a:xfrm>
-            <a:off x="20726779" y="12101151"/>
-            <a:ext cx="7284979" cy="4097801"/>
+            <a:off x="20726778" y="12101152"/>
+            <a:ext cx="7284980" cy="4097801"/>
           </a:xfrm>
           <a:prstGeom prst="rect">
             <a:avLst/>
@@ -8454,8 +8456,8 @@
         </p:blipFill>
         <p:spPr>
           <a:xfrm>
-            <a:off x="18014416" y="9623281"/>
-            <a:ext cx="5629275" cy="2219325"/>
+            <a:off x="18014417" y="9623284"/>
+            <a:ext cx="5629277" cy="2219324"/>
           </a:xfrm>
           <a:prstGeom prst="rect">
             <a:avLst/>
@@ -8493,8 +8495,8 @@
         </p:blipFill>
         <p:spPr>
           <a:xfrm>
-            <a:off x="15603895" y="9616987"/>
-            <a:ext cx="2410521" cy="2219325"/>
+            <a:off x="15603896" y="9616989"/>
+            <a:ext cx="2410521" cy="2219324"/>
           </a:xfrm>
           <a:prstGeom prst="rect">
             <a:avLst/>
@@ -8560,7 +8562,7 @@
         </p:blipFill>
         <p:spPr bwMode="auto">
           <a:xfrm>
-            <a:off x="10987716" y="7029349"/>
+            <a:off x="10987716" y="7029348"/>
             <a:ext cx="10057143" cy="6966153"/>
           </a:xfrm>
           <a:prstGeom prst="rect">
@@ -8591,8 +8593,8 @@
         </p:nvSpPr>
         <p:spPr>
           <a:xfrm>
-            <a:off x="23149424" y="9373014"/>
-            <a:ext cx="1119334" cy="351692"/>
+            <a:off x="23149423" y="9373012"/>
+            <a:ext cx="1119333" cy="351693"/>
           </a:xfrm>
           <a:prstGeom prst="borderCallout2">
             <a:avLst>
@@ -8630,7 +8632,7 @@
           </a:fontRef>
         </p:style>
         <p:txBody>
-          <a:bodyPr rot="0" spcFirstLastPara="0" vertOverflow="overflow" horzOverflow="overflow" vert="horz" wrap="square" lIns="121924" tIns="60962" rIns="121924" bIns="60962" numCol="1" spcCol="0" rtlCol="0" fromWordArt="0" anchor="ctr" anchorCtr="0" forceAA="0" compatLnSpc="1">
+          <a:bodyPr rot="0" spcFirstLastPara="0" vertOverflow="overflow" horzOverflow="overflow" vert="horz" wrap="square" lIns="121923" tIns="60961" rIns="121923" bIns="60961" numCol="1" spcCol="0" rtlCol="0" fromWordArt="0" anchor="ctr" anchorCtr="0" forceAA="0" compatLnSpc="1">
             <a:prstTxWarp prst="textNoShape">
               <a:avLst/>
             </a:prstTxWarp>
@@ -8640,14 +8642,14 @@
           <a:p>
             <a:pPr algn="ctr"/>
             <a:r>
-              <a:rPr lang="es-ES" sz="800" b="1" dirty="0">
+              <a:rPr lang="es-ES" sz="799" b="1" dirty="0">
                 <a:solidFill>
                   <a:schemeClr val="tx1"/>
                 </a:solidFill>
               </a:rPr>
               <a:t>Rotación sobe el Eje X</a:t>
             </a:r>
-            <a:endParaRPr lang="es-ES" sz="800" b="1" i="1" dirty="0">
+            <a:endParaRPr lang="es-ES" sz="799" b="1" i="1" dirty="0">
               <a:solidFill>
                 <a:schemeClr val="tx1"/>
               </a:solidFill>
@@ -8669,8 +8671,8 @@
         </p:nvSpPr>
         <p:spPr>
           <a:xfrm>
-            <a:off x="16204927" y="6493173"/>
-            <a:ext cx="1119334" cy="351692"/>
+            <a:off x="16204927" y="6493174"/>
+            <a:ext cx="1119333" cy="351693"/>
           </a:xfrm>
           <a:prstGeom prst="borderCallout2">
             <a:avLst>
@@ -8708,7 +8710,7 @@
           </a:fontRef>
         </p:style>
         <p:txBody>
-          <a:bodyPr rot="0" spcFirstLastPara="0" vertOverflow="overflow" horzOverflow="overflow" vert="horz" wrap="square" lIns="121924" tIns="60962" rIns="121924" bIns="60962" numCol="1" spcCol="0" rtlCol="0" fromWordArt="0" anchor="ctr" anchorCtr="0" forceAA="0" compatLnSpc="1">
+          <a:bodyPr rot="0" spcFirstLastPara="0" vertOverflow="overflow" horzOverflow="overflow" vert="horz" wrap="square" lIns="121923" tIns="60961" rIns="121923" bIns="60961" numCol="1" spcCol="0" rtlCol="0" fromWordArt="0" anchor="ctr" anchorCtr="0" forceAA="0" compatLnSpc="1">
             <a:prstTxWarp prst="textNoShape">
               <a:avLst/>
             </a:prstTxWarp>
@@ -8718,14 +8720,14 @@
           <a:p>
             <a:pPr algn="ctr"/>
             <a:r>
-              <a:rPr lang="es-ES" sz="800" b="1" dirty="0">
+              <a:rPr lang="es-ES" sz="799" b="1" dirty="0">
                 <a:solidFill>
                   <a:schemeClr val="tx1"/>
                 </a:solidFill>
               </a:rPr>
               <a:t>Rotación sobe el Eje Y</a:t>
             </a:r>
-            <a:endParaRPr lang="es-ES" sz="800" b="1" i="1" dirty="0">
+            <a:endParaRPr lang="es-ES" sz="799" b="1" i="1" dirty="0">
               <a:solidFill>
                 <a:schemeClr val="tx1"/>
               </a:solidFill>
@@ -8747,8 +8749,8 @@
         </p:nvSpPr>
         <p:spPr>
           <a:xfrm>
-            <a:off x="9770985" y="7338864"/>
-            <a:ext cx="1061884" cy="472897"/>
+            <a:off x="9770987" y="7338865"/>
+            <a:ext cx="1061885" cy="472897"/>
           </a:xfrm>
           <a:prstGeom prst="borderCallout2">
             <a:avLst>
@@ -8793,7 +8795,7 @@
           <a:p>
             <a:pPr lvl="0" algn="ctr"/>
             <a:r>
-              <a:rPr lang="es-NI" sz="800" b="1" dirty="0">
+              <a:rPr lang="es-NI" sz="799" b="1" dirty="0">
                 <a:solidFill>
                   <a:prstClr val="black"/>
                 </a:solidFill>
@@ -8833,6 +8835,1424 @@
           <a:chExt cx="0" cy="0"/>
         </a:xfrm>
       </p:grpSpPr>
+      <p:sp>
+        <p:nvSpPr>
+          <p:cNvPr id="10" name="Rectángulo: esquinas redondeadas 9">
+            <a:extLst>
+              <a:ext uri="{FF2B5EF4-FFF2-40B4-BE49-F238E27FC236}">
+                <a16:creationId xmlns:a16="http://schemas.microsoft.com/office/drawing/2014/main" id="{8EF85959-D7B6-49C8-A534-A7F7FDEC7D2B}"/>
+              </a:ext>
+            </a:extLst>
+          </p:cNvPr>
+          <p:cNvSpPr/>
+          <p:nvPr/>
+        </p:nvSpPr>
+        <p:spPr>
+          <a:xfrm>
+            <a:off x="13273090" y="8320952"/>
+            <a:ext cx="5486402" cy="3533592"/>
+          </a:xfrm>
+          <a:prstGeom prst="roundRect">
+            <a:avLst/>
+          </a:prstGeom>
+          <a:solidFill>
+            <a:sysClr val="window" lastClr="FFFFFF">
+              <a:lumMod val="95000"/>
+            </a:sysClr>
+          </a:solidFill>
+          <a:ln w="12700" cap="flat" cmpd="sng" algn="ctr">
+            <a:solidFill>
+              <a:srgbClr val="4472C4">
+                <a:shade val="50000"/>
+              </a:srgbClr>
+            </a:solidFill>
+            <a:prstDash val="solid"/>
+            <a:miter lim="800000"/>
+          </a:ln>
+          <a:effectLst/>
+        </p:spPr>
+        <p:txBody>
+          <a:bodyPr rot="0" spcFirstLastPara="0" vert="horz" wrap="square" lIns="91439" tIns="45719" rIns="91439" bIns="45719" numCol="1" spcCol="0" rtlCol="0" fromWordArt="0" anchor="ctr" anchorCtr="0" forceAA="0" compatLnSpc="1">
+            <a:prstTxWarp prst="textNoShape">
+              <a:avLst/>
+            </a:prstTxWarp>
+            <a:noAutofit/>
+          </a:bodyPr>
+          <a:lstStyle/>
+          <a:p>
+            <a:pPr>
+              <a:lnSpc>
+                <a:spcPct val="107000"/>
+              </a:lnSpc>
+            </a:pPr>
+            <a:r>
+              <a:rPr lang="en-US" sz="900">
+                <a:solidFill>
+                  <a:srgbClr val="000000"/>
+                </a:solidFill>
+                <a:latin typeface="Consolas" panose="020B0609020204030204" pitchFamily="49" charset="0"/>
+                <a:ea typeface="Calibri" panose="020F0502020204030204" pitchFamily="34" charset="0"/>
+                <a:cs typeface="Arial" panose="020B0604020202020204" pitchFamily="34" charset="0"/>
+              </a:rPr>
+              <a:t>import QtQuick 2.9</a:t>
+            </a:r>
+            <a:endParaRPr lang="es-ES" sz="1100">
+              <a:latin typeface="Calibri" panose="020F0502020204030204" pitchFamily="34" charset="0"/>
+              <a:ea typeface="Calibri" panose="020F0502020204030204" pitchFamily="34" charset="0"/>
+              <a:cs typeface="Times New Roman" panose="02020603050405020304" pitchFamily="18" charset="0"/>
+            </a:endParaRPr>
+          </a:p>
+          <a:p>
+            <a:pPr>
+              <a:lnSpc>
+                <a:spcPct val="107000"/>
+              </a:lnSpc>
+            </a:pPr>
+            <a:r>
+              <a:rPr lang="en-US" sz="900">
+                <a:solidFill>
+                  <a:srgbClr val="000000"/>
+                </a:solidFill>
+                <a:latin typeface="Consolas" panose="020B0609020204030204" pitchFamily="49" charset="0"/>
+                <a:ea typeface="Calibri" panose="020F0502020204030204" pitchFamily="34" charset="0"/>
+                <a:cs typeface="Arial" panose="020B0604020202020204" pitchFamily="34" charset="0"/>
+              </a:rPr>
+              <a:t>import QtQuick.Controls 2.2</a:t>
+            </a:r>
+            <a:endParaRPr lang="es-ES" sz="1100">
+              <a:latin typeface="Calibri" panose="020F0502020204030204" pitchFamily="34" charset="0"/>
+              <a:ea typeface="Calibri" panose="020F0502020204030204" pitchFamily="34" charset="0"/>
+              <a:cs typeface="Times New Roman" panose="02020603050405020304" pitchFamily="18" charset="0"/>
+            </a:endParaRPr>
+          </a:p>
+          <a:p>
+            <a:pPr>
+              <a:lnSpc>
+                <a:spcPct val="107000"/>
+              </a:lnSpc>
+            </a:pPr>
+            <a:r>
+              <a:rPr lang="en-US" sz="900">
+                <a:solidFill>
+                  <a:srgbClr val="000000"/>
+                </a:solidFill>
+                <a:latin typeface="Consolas" panose="020B0609020204030204" pitchFamily="49" charset="0"/>
+                <a:ea typeface="Calibri" panose="020F0502020204030204" pitchFamily="34" charset="0"/>
+                <a:cs typeface="Arial" panose="020B0604020202020204" pitchFamily="34" charset="0"/>
+              </a:rPr>
+              <a:t>import QtQuick.Window 2.3</a:t>
+            </a:r>
+            <a:endParaRPr lang="es-ES" sz="1100">
+              <a:latin typeface="Calibri" panose="020F0502020204030204" pitchFamily="34" charset="0"/>
+              <a:ea typeface="Calibri" panose="020F0502020204030204" pitchFamily="34" charset="0"/>
+              <a:cs typeface="Times New Roman" panose="02020603050405020304" pitchFamily="18" charset="0"/>
+            </a:endParaRPr>
+          </a:p>
+          <a:p>
+            <a:pPr>
+              <a:lnSpc>
+                <a:spcPct val="107000"/>
+              </a:lnSpc>
+            </a:pPr>
+            <a:r>
+              <a:rPr lang="en-US" sz="900">
+                <a:solidFill>
+                  <a:srgbClr val="000000"/>
+                </a:solidFill>
+                <a:latin typeface="Consolas" panose="020B0609020204030204" pitchFamily="49" charset="0"/>
+                <a:ea typeface="Calibri" panose="020F0502020204030204" pitchFamily="34" charset="0"/>
+                <a:cs typeface="Arial" panose="020B0604020202020204" pitchFamily="34" charset="0"/>
+              </a:rPr>
+              <a:t>import QtQml.Models 2.1</a:t>
+            </a:r>
+            <a:endParaRPr lang="es-ES" sz="1100">
+              <a:latin typeface="Calibri" panose="020F0502020204030204" pitchFamily="34" charset="0"/>
+              <a:ea typeface="Calibri" panose="020F0502020204030204" pitchFamily="34" charset="0"/>
+              <a:cs typeface="Times New Roman" panose="02020603050405020304" pitchFamily="18" charset="0"/>
+            </a:endParaRPr>
+          </a:p>
+          <a:p>
+            <a:pPr>
+              <a:lnSpc>
+                <a:spcPct val="107000"/>
+              </a:lnSpc>
+            </a:pPr>
+            <a:r>
+              <a:rPr lang="en-US" sz="900">
+                <a:solidFill>
+                  <a:srgbClr val="000000"/>
+                </a:solidFill>
+                <a:latin typeface="Consolas" panose="020B0609020204030204" pitchFamily="49" charset="0"/>
+                <a:ea typeface="Calibri" panose="020F0502020204030204" pitchFamily="34" charset="0"/>
+                <a:cs typeface="Arial" panose="020B0604020202020204" pitchFamily="34" charset="0"/>
+              </a:rPr>
+              <a:t>import "qml"</a:t>
+            </a:r>
+            <a:endParaRPr lang="es-ES" sz="1100">
+              <a:latin typeface="Calibri" panose="020F0502020204030204" pitchFamily="34" charset="0"/>
+              <a:ea typeface="Calibri" panose="020F0502020204030204" pitchFamily="34" charset="0"/>
+              <a:cs typeface="Times New Roman" panose="02020603050405020304" pitchFamily="18" charset="0"/>
+            </a:endParaRPr>
+          </a:p>
+          <a:p>
+            <a:pPr>
+              <a:lnSpc>
+                <a:spcPct val="107000"/>
+              </a:lnSpc>
+            </a:pPr>
+            <a:r>
+              <a:rPr lang="en-US" sz="900">
+                <a:solidFill>
+                  <a:srgbClr val="000000"/>
+                </a:solidFill>
+                <a:latin typeface="Consolas" panose="020B0609020204030204" pitchFamily="49" charset="0"/>
+                <a:ea typeface="Calibri" panose="020F0502020204030204" pitchFamily="34" charset="0"/>
+                <a:cs typeface="Arial" panose="020B0604020202020204" pitchFamily="34" charset="0"/>
+              </a:rPr>
+              <a:t> </a:t>
+            </a:r>
+            <a:endParaRPr lang="es-ES" sz="1100">
+              <a:latin typeface="Calibri" panose="020F0502020204030204" pitchFamily="34" charset="0"/>
+              <a:ea typeface="Calibri" panose="020F0502020204030204" pitchFamily="34" charset="0"/>
+              <a:cs typeface="Times New Roman" panose="02020603050405020304" pitchFamily="18" charset="0"/>
+            </a:endParaRPr>
+          </a:p>
+          <a:p>
+            <a:pPr>
+              <a:lnSpc>
+                <a:spcPct val="107000"/>
+              </a:lnSpc>
+            </a:pPr>
+            <a:r>
+              <a:rPr lang="en-US" sz="900">
+                <a:solidFill>
+                  <a:srgbClr val="000000"/>
+                </a:solidFill>
+                <a:latin typeface="Consolas" panose="020B0609020204030204" pitchFamily="49" charset="0"/>
+                <a:ea typeface="Calibri" panose="020F0502020204030204" pitchFamily="34" charset="0"/>
+                <a:cs typeface="Arial" panose="020B0604020202020204" pitchFamily="34" charset="0"/>
+              </a:rPr>
+              <a:t>Window {</a:t>
+            </a:r>
+            <a:endParaRPr lang="es-ES" sz="1100">
+              <a:latin typeface="Calibri" panose="020F0502020204030204" pitchFamily="34" charset="0"/>
+              <a:ea typeface="Calibri" panose="020F0502020204030204" pitchFamily="34" charset="0"/>
+              <a:cs typeface="Times New Roman" panose="02020603050405020304" pitchFamily="18" charset="0"/>
+            </a:endParaRPr>
+          </a:p>
+          <a:p>
+            <a:pPr>
+              <a:lnSpc>
+                <a:spcPct val="107000"/>
+              </a:lnSpc>
+            </a:pPr>
+            <a:r>
+              <a:rPr lang="en-US" sz="900">
+                <a:solidFill>
+                  <a:srgbClr val="000000"/>
+                </a:solidFill>
+                <a:latin typeface="Consolas" panose="020B0609020204030204" pitchFamily="49" charset="0"/>
+                <a:ea typeface="Calibri" panose="020F0502020204030204" pitchFamily="34" charset="0"/>
+                <a:cs typeface="Arial" panose="020B0604020202020204" pitchFamily="34" charset="0"/>
+              </a:rPr>
+              <a:t>    id:mainsc</a:t>
+            </a:r>
+            <a:endParaRPr lang="es-ES" sz="1100">
+              <a:latin typeface="Calibri" panose="020F0502020204030204" pitchFamily="34" charset="0"/>
+              <a:ea typeface="Calibri" panose="020F0502020204030204" pitchFamily="34" charset="0"/>
+              <a:cs typeface="Times New Roman" panose="02020603050405020304" pitchFamily="18" charset="0"/>
+            </a:endParaRPr>
+          </a:p>
+          <a:p>
+            <a:pPr>
+              <a:lnSpc>
+                <a:spcPct val="107000"/>
+              </a:lnSpc>
+            </a:pPr>
+            <a:r>
+              <a:rPr lang="en-US" sz="900">
+                <a:solidFill>
+                  <a:srgbClr val="000000"/>
+                </a:solidFill>
+                <a:latin typeface="Consolas" panose="020B0609020204030204" pitchFamily="49" charset="0"/>
+                <a:ea typeface="Calibri" panose="020F0502020204030204" pitchFamily="34" charset="0"/>
+                <a:cs typeface="Arial" panose="020B0604020202020204" pitchFamily="34" charset="0"/>
+              </a:rPr>
+              <a:t>    visible: true</a:t>
+            </a:r>
+            <a:endParaRPr lang="es-ES" sz="1100">
+              <a:latin typeface="Calibri" panose="020F0502020204030204" pitchFamily="34" charset="0"/>
+              <a:ea typeface="Calibri" panose="020F0502020204030204" pitchFamily="34" charset="0"/>
+              <a:cs typeface="Times New Roman" panose="02020603050405020304" pitchFamily="18" charset="0"/>
+            </a:endParaRPr>
+          </a:p>
+          <a:p>
+            <a:pPr>
+              <a:lnSpc>
+                <a:spcPct val="107000"/>
+              </a:lnSpc>
+            </a:pPr>
+            <a:r>
+              <a:rPr lang="en-US" sz="900">
+                <a:solidFill>
+                  <a:srgbClr val="000000"/>
+                </a:solidFill>
+                <a:latin typeface="Consolas" panose="020B0609020204030204" pitchFamily="49" charset="0"/>
+                <a:ea typeface="Calibri" panose="020F0502020204030204" pitchFamily="34" charset="0"/>
+                <a:cs typeface="Arial" panose="020B0604020202020204" pitchFamily="34" charset="0"/>
+              </a:rPr>
+              <a:t>    width: Screen.width-45</a:t>
+            </a:r>
+            <a:endParaRPr lang="es-ES" sz="1100">
+              <a:latin typeface="Calibri" panose="020F0502020204030204" pitchFamily="34" charset="0"/>
+              <a:ea typeface="Calibri" panose="020F0502020204030204" pitchFamily="34" charset="0"/>
+              <a:cs typeface="Times New Roman" panose="02020603050405020304" pitchFamily="18" charset="0"/>
+            </a:endParaRPr>
+          </a:p>
+          <a:p>
+            <a:pPr>
+              <a:lnSpc>
+                <a:spcPct val="107000"/>
+              </a:lnSpc>
+            </a:pPr>
+            <a:r>
+              <a:rPr lang="en-US" sz="900">
+                <a:solidFill>
+                  <a:srgbClr val="000000"/>
+                </a:solidFill>
+                <a:latin typeface="Consolas" panose="020B0609020204030204" pitchFamily="49" charset="0"/>
+                <a:ea typeface="Calibri" panose="020F0502020204030204" pitchFamily="34" charset="0"/>
+                <a:cs typeface="Arial" panose="020B0604020202020204" pitchFamily="34" charset="0"/>
+              </a:rPr>
+              <a:t>    height: Screen.height</a:t>
+            </a:r>
+            <a:endParaRPr lang="es-ES" sz="1100">
+              <a:latin typeface="Calibri" panose="020F0502020204030204" pitchFamily="34" charset="0"/>
+              <a:ea typeface="Calibri" panose="020F0502020204030204" pitchFamily="34" charset="0"/>
+              <a:cs typeface="Times New Roman" panose="02020603050405020304" pitchFamily="18" charset="0"/>
+            </a:endParaRPr>
+          </a:p>
+          <a:p>
+            <a:pPr>
+              <a:lnSpc>
+                <a:spcPct val="107000"/>
+              </a:lnSpc>
+            </a:pPr>
+            <a:r>
+              <a:rPr lang="en-US" sz="900">
+                <a:solidFill>
+                  <a:srgbClr val="000000"/>
+                </a:solidFill>
+                <a:latin typeface="Consolas" panose="020B0609020204030204" pitchFamily="49" charset="0"/>
+                <a:ea typeface="Calibri" panose="020F0502020204030204" pitchFamily="34" charset="0"/>
+                <a:cs typeface="Arial" panose="020B0604020202020204" pitchFamily="34" charset="0"/>
+              </a:rPr>
+              <a:t>    title: qsTr("Virtual Laboratory")</a:t>
+            </a:r>
+            <a:endParaRPr lang="es-ES" sz="1100">
+              <a:latin typeface="Calibri" panose="020F0502020204030204" pitchFamily="34" charset="0"/>
+              <a:ea typeface="Calibri" panose="020F0502020204030204" pitchFamily="34" charset="0"/>
+              <a:cs typeface="Times New Roman" panose="02020603050405020304" pitchFamily="18" charset="0"/>
+            </a:endParaRPr>
+          </a:p>
+          <a:p>
+            <a:pPr>
+              <a:lnSpc>
+                <a:spcPct val="107000"/>
+              </a:lnSpc>
+            </a:pPr>
+            <a:r>
+              <a:rPr lang="en-US" sz="900">
+                <a:solidFill>
+                  <a:srgbClr val="000000"/>
+                </a:solidFill>
+                <a:latin typeface="Consolas" panose="020B0609020204030204" pitchFamily="49" charset="0"/>
+                <a:ea typeface="Calibri" panose="020F0502020204030204" pitchFamily="34" charset="0"/>
+                <a:cs typeface="Arial" panose="020B0604020202020204" pitchFamily="34" charset="0"/>
+              </a:rPr>
+              <a:t> </a:t>
+            </a:r>
+            <a:endParaRPr lang="es-ES" sz="1100">
+              <a:latin typeface="Calibri" panose="020F0502020204030204" pitchFamily="34" charset="0"/>
+              <a:ea typeface="Calibri" panose="020F0502020204030204" pitchFamily="34" charset="0"/>
+              <a:cs typeface="Times New Roman" panose="02020603050405020304" pitchFamily="18" charset="0"/>
+            </a:endParaRPr>
+          </a:p>
+          <a:p>
+            <a:pPr>
+              <a:lnSpc>
+                <a:spcPct val="107000"/>
+              </a:lnSpc>
+            </a:pPr>
+            <a:r>
+              <a:rPr lang="en-US" sz="900">
+                <a:solidFill>
+                  <a:srgbClr val="000000"/>
+                </a:solidFill>
+                <a:latin typeface="Consolas" panose="020B0609020204030204" pitchFamily="49" charset="0"/>
+                <a:ea typeface="Calibri" panose="020F0502020204030204" pitchFamily="34" charset="0"/>
+                <a:cs typeface="Arial" panose="020B0604020202020204" pitchFamily="34" charset="0"/>
+              </a:rPr>
+              <a:t>    Welcome {</a:t>
+            </a:r>
+            <a:endParaRPr lang="es-ES" sz="1100">
+              <a:latin typeface="Calibri" panose="020F0502020204030204" pitchFamily="34" charset="0"/>
+              <a:ea typeface="Calibri" panose="020F0502020204030204" pitchFamily="34" charset="0"/>
+              <a:cs typeface="Times New Roman" panose="02020603050405020304" pitchFamily="18" charset="0"/>
+            </a:endParaRPr>
+          </a:p>
+          <a:p>
+            <a:pPr>
+              <a:lnSpc>
+                <a:spcPct val="107000"/>
+              </a:lnSpc>
+            </a:pPr>
+            <a:r>
+              <a:rPr lang="en-US" sz="900">
+                <a:solidFill>
+                  <a:srgbClr val="000000"/>
+                </a:solidFill>
+                <a:latin typeface="Consolas" panose="020B0609020204030204" pitchFamily="49" charset="0"/>
+                <a:ea typeface="Calibri" panose="020F0502020204030204" pitchFamily="34" charset="0"/>
+                <a:cs typeface="Arial" panose="020B0604020202020204" pitchFamily="34" charset="0"/>
+              </a:rPr>
+              <a:t>        id:welcome</a:t>
+            </a:r>
+            <a:endParaRPr lang="es-ES" sz="1100">
+              <a:latin typeface="Calibri" panose="020F0502020204030204" pitchFamily="34" charset="0"/>
+              <a:ea typeface="Calibri" panose="020F0502020204030204" pitchFamily="34" charset="0"/>
+              <a:cs typeface="Times New Roman" panose="02020603050405020304" pitchFamily="18" charset="0"/>
+            </a:endParaRPr>
+          </a:p>
+          <a:p>
+            <a:pPr>
+              <a:lnSpc>
+                <a:spcPct val="107000"/>
+              </a:lnSpc>
+            </a:pPr>
+            <a:r>
+              <a:rPr lang="en-US" sz="900">
+                <a:solidFill>
+                  <a:srgbClr val="000000"/>
+                </a:solidFill>
+                <a:latin typeface="Consolas" panose="020B0609020204030204" pitchFamily="49" charset="0"/>
+                <a:ea typeface="Calibri" panose="020F0502020204030204" pitchFamily="34" charset="0"/>
+                <a:cs typeface="Arial" panose="020B0604020202020204" pitchFamily="34" charset="0"/>
+              </a:rPr>
+              <a:t>    }</a:t>
+            </a:r>
+            <a:endParaRPr lang="es-ES" sz="1100">
+              <a:latin typeface="Calibri" panose="020F0502020204030204" pitchFamily="34" charset="0"/>
+              <a:ea typeface="Calibri" panose="020F0502020204030204" pitchFamily="34" charset="0"/>
+              <a:cs typeface="Times New Roman" panose="02020603050405020304" pitchFamily="18" charset="0"/>
+            </a:endParaRPr>
+          </a:p>
+          <a:p>
+            <a:pPr>
+              <a:lnSpc>
+                <a:spcPct val="107000"/>
+              </a:lnSpc>
+            </a:pPr>
+            <a:r>
+              <a:rPr lang="en-US" sz="900">
+                <a:solidFill>
+                  <a:srgbClr val="000000"/>
+                </a:solidFill>
+                <a:latin typeface="Consolas" panose="020B0609020204030204" pitchFamily="49" charset="0"/>
+                <a:ea typeface="Calibri" panose="020F0502020204030204" pitchFamily="34" charset="0"/>
+                <a:cs typeface="Arial" panose="020B0604020202020204" pitchFamily="34" charset="0"/>
+              </a:rPr>
+              <a:t>    MainLab{</a:t>
+            </a:r>
+            <a:endParaRPr lang="es-ES" sz="1100">
+              <a:latin typeface="Calibri" panose="020F0502020204030204" pitchFamily="34" charset="0"/>
+              <a:ea typeface="Calibri" panose="020F0502020204030204" pitchFamily="34" charset="0"/>
+              <a:cs typeface="Times New Roman" panose="02020603050405020304" pitchFamily="18" charset="0"/>
+            </a:endParaRPr>
+          </a:p>
+          <a:p>
+            <a:pPr>
+              <a:lnSpc>
+                <a:spcPct val="107000"/>
+              </a:lnSpc>
+            </a:pPr>
+            <a:r>
+              <a:rPr lang="en-US" sz="900">
+                <a:solidFill>
+                  <a:srgbClr val="000000"/>
+                </a:solidFill>
+                <a:latin typeface="Consolas" panose="020B0609020204030204" pitchFamily="49" charset="0"/>
+                <a:ea typeface="Calibri" panose="020F0502020204030204" pitchFamily="34" charset="0"/>
+                <a:cs typeface="Arial" panose="020B0604020202020204" pitchFamily="34" charset="0"/>
+              </a:rPr>
+              <a:t>        id:mainLab</a:t>
+            </a:r>
+            <a:endParaRPr lang="es-ES" sz="1100">
+              <a:latin typeface="Calibri" panose="020F0502020204030204" pitchFamily="34" charset="0"/>
+              <a:ea typeface="Calibri" panose="020F0502020204030204" pitchFamily="34" charset="0"/>
+              <a:cs typeface="Times New Roman" panose="02020603050405020304" pitchFamily="18" charset="0"/>
+            </a:endParaRPr>
+          </a:p>
+          <a:p>
+            <a:pPr>
+              <a:lnSpc>
+                <a:spcPct val="107000"/>
+              </a:lnSpc>
+            </a:pPr>
+            <a:r>
+              <a:rPr lang="en-US" sz="900">
+                <a:solidFill>
+                  <a:srgbClr val="000000"/>
+                </a:solidFill>
+                <a:latin typeface="Consolas" panose="020B0609020204030204" pitchFamily="49" charset="0"/>
+                <a:ea typeface="Calibri" panose="020F0502020204030204" pitchFamily="34" charset="0"/>
+                <a:cs typeface="Arial" panose="020B0604020202020204" pitchFamily="34" charset="0"/>
+              </a:rPr>
+              <a:t>    }</a:t>
+            </a:r>
+            <a:endParaRPr lang="es-ES" sz="1100">
+              <a:latin typeface="Calibri" panose="020F0502020204030204" pitchFamily="34" charset="0"/>
+              <a:ea typeface="Calibri" panose="020F0502020204030204" pitchFamily="34" charset="0"/>
+              <a:cs typeface="Times New Roman" panose="02020603050405020304" pitchFamily="18" charset="0"/>
+            </a:endParaRPr>
+          </a:p>
+          <a:p>
+            <a:pPr>
+              <a:lnSpc>
+                <a:spcPct val="107000"/>
+              </a:lnSpc>
+            </a:pPr>
+            <a:r>
+              <a:rPr lang="en-US" sz="900">
+                <a:solidFill>
+                  <a:srgbClr val="000000"/>
+                </a:solidFill>
+                <a:latin typeface="Consolas" panose="020B0609020204030204" pitchFamily="49" charset="0"/>
+                <a:ea typeface="Calibri" panose="020F0502020204030204" pitchFamily="34" charset="0"/>
+                <a:cs typeface="Arial" panose="020B0604020202020204" pitchFamily="34" charset="0"/>
+              </a:rPr>
+              <a:t> </a:t>
+            </a:r>
+            <a:endParaRPr lang="es-ES" sz="1100">
+              <a:latin typeface="Calibri" panose="020F0502020204030204" pitchFamily="34" charset="0"/>
+              <a:ea typeface="Calibri" panose="020F0502020204030204" pitchFamily="34" charset="0"/>
+              <a:cs typeface="Times New Roman" panose="02020603050405020304" pitchFamily="18" charset="0"/>
+            </a:endParaRPr>
+          </a:p>
+          <a:p>
+            <a:pPr>
+              <a:lnSpc>
+                <a:spcPct val="107000"/>
+              </a:lnSpc>
+            </a:pPr>
+            <a:r>
+              <a:rPr lang="en-US" sz="900">
+                <a:solidFill>
+                  <a:srgbClr val="000000"/>
+                </a:solidFill>
+                <a:latin typeface="Consolas" panose="020B0609020204030204" pitchFamily="49" charset="0"/>
+                <a:ea typeface="Calibri" panose="020F0502020204030204" pitchFamily="34" charset="0"/>
+                <a:cs typeface="Arial" panose="020B0604020202020204" pitchFamily="34" charset="0"/>
+              </a:rPr>
+              <a:t>}</a:t>
+            </a:r>
+            <a:r>
+              <a:rPr lang="en-US" sz="1002">
+                <a:solidFill>
+                  <a:srgbClr val="000000"/>
+                </a:solidFill>
+                <a:latin typeface="Consolas" panose="020B0609020204030204" pitchFamily="49" charset="0"/>
+                <a:ea typeface="Calibri" panose="020F0502020204030204" pitchFamily="34" charset="0"/>
+                <a:cs typeface="Arial" panose="020B0604020202020204" pitchFamily="34" charset="0"/>
+              </a:rPr>
+              <a:t>							</a:t>
+            </a:r>
+            <a:r>
+              <a:rPr lang="en-US" sz="1202" b="1" i="1" baseline="-25000">
+                <a:solidFill>
+                  <a:srgbClr val="00B050"/>
+                </a:solidFill>
+                <a:latin typeface="Consolas" panose="020B0609020204030204" pitchFamily="49" charset="0"/>
+                <a:ea typeface="Calibri" panose="020F0502020204030204" pitchFamily="34" charset="0"/>
+                <a:cs typeface="Arial" panose="020B0604020202020204" pitchFamily="34" charset="0"/>
+              </a:rPr>
+              <a:t>Main QML </a:t>
+            </a:r>
+            <a:endParaRPr lang="es-ES" sz="1100">
+              <a:latin typeface="Calibri" panose="020F0502020204030204" pitchFamily="34" charset="0"/>
+              <a:ea typeface="Calibri" panose="020F0502020204030204" pitchFamily="34" charset="0"/>
+              <a:cs typeface="Times New Roman" panose="02020603050405020304" pitchFamily="18" charset="0"/>
+            </a:endParaRPr>
+          </a:p>
+          <a:p>
+            <a:pPr>
+              <a:lnSpc>
+                <a:spcPct val="107000"/>
+              </a:lnSpc>
+              <a:spcAft>
+                <a:spcPts val="799"/>
+              </a:spcAft>
+            </a:pPr>
+            <a:r>
+              <a:rPr lang="en-US" sz="1100">
+                <a:latin typeface="Calibri" panose="020F0502020204030204" pitchFamily="34" charset="0"/>
+                <a:ea typeface="Calibri" panose="020F0502020204030204" pitchFamily="34" charset="0"/>
+                <a:cs typeface="Times New Roman" panose="02020603050405020304" pitchFamily="18" charset="0"/>
+              </a:rPr>
+              <a:t> </a:t>
+            </a:r>
+            <a:endParaRPr lang="es-ES" sz="1100">
+              <a:latin typeface="Calibri" panose="020F0502020204030204" pitchFamily="34" charset="0"/>
+              <a:ea typeface="Calibri" panose="020F0502020204030204" pitchFamily="34" charset="0"/>
+              <a:cs typeface="Times New Roman" panose="02020603050405020304" pitchFamily="18" charset="0"/>
+            </a:endParaRPr>
+          </a:p>
+        </p:txBody>
+      </p:sp>
+      <p:sp>
+        <p:nvSpPr>
+          <p:cNvPr id="7" name="Globo: línea doblada 6">
+            <a:extLst>
+              <a:ext uri="{FF2B5EF4-FFF2-40B4-BE49-F238E27FC236}">
+                <a16:creationId xmlns:a16="http://schemas.microsoft.com/office/drawing/2014/main" id="{F91AE739-D33F-41A6-B5F7-FEDCC64BFA40}"/>
+              </a:ext>
+            </a:extLst>
+          </p:cNvPr>
+          <p:cNvSpPr/>
+          <p:nvPr/>
+        </p:nvSpPr>
+        <p:spPr>
+          <a:xfrm>
+            <a:off x="18929405" y="10021756"/>
+            <a:ext cx="1119333" cy="351693"/>
+          </a:xfrm>
+          <a:prstGeom prst="borderCallout2">
+            <a:avLst>
+              <a:gd name="adj1" fmla="val 84774"/>
+              <a:gd name="adj2" fmla="val -7444"/>
+              <a:gd name="adj3" fmla="val 145712"/>
+              <a:gd name="adj4" fmla="val -36130"/>
+              <a:gd name="adj5" fmla="val 147925"/>
+              <a:gd name="adj6" fmla="val -372516"/>
+            </a:avLst>
+          </a:prstGeom>
+          <a:solidFill>
+            <a:schemeClr val="bg2"/>
+          </a:solidFill>
+          <a:ln w="19050">
+            <a:solidFill>
+              <a:srgbClr val="FF0000"/>
+            </a:solidFill>
+          </a:ln>
+        </p:spPr>
+        <p:style>
+          <a:lnRef idx="2">
+            <a:schemeClr val="accent1">
+              <a:shade val="50000"/>
+            </a:schemeClr>
+          </a:lnRef>
+          <a:fillRef idx="1">
+            <a:schemeClr val="accent1"/>
+          </a:fillRef>
+          <a:effectRef idx="0">
+            <a:schemeClr val="accent1"/>
+          </a:effectRef>
+          <a:fontRef idx="minor">
+            <a:schemeClr val="lt1"/>
+          </a:fontRef>
+        </p:style>
+        <p:txBody>
+          <a:bodyPr rot="0" spcFirstLastPara="0" vertOverflow="overflow" horzOverflow="overflow" vert="horz" wrap="square" lIns="121923" tIns="60961" rIns="121923" bIns="60961" numCol="1" spcCol="0" rtlCol="0" fromWordArt="0" anchor="ctr" anchorCtr="0" forceAA="0" compatLnSpc="1">
+            <a:prstTxWarp prst="textNoShape">
+              <a:avLst/>
+            </a:prstTxWarp>
+            <a:noAutofit/>
+          </a:bodyPr>
+          <a:lstStyle/>
+          <a:p>
+            <a:pPr algn="ctr"/>
+            <a:r>
+              <a:rPr lang="es-ES" sz="799" b="1" dirty="0">
+                <a:solidFill>
+                  <a:schemeClr val="tx1"/>
+                </a:solidFill>
+              </a:rPr>
+              <a:t>Modulo Item Welcome </a:t>
+            </a:r>
+            <a:endParaRPr lang="es-ES" sz="799" b="1" i="1" dirty="0">
+              <a:solidFill>
+                <a:schemeClr val="tx1"/>
+              </a:solidFill>
+            </a:endParaRPr>
+          </a:p>
+        </p:txBody>
+      </p:sp>
+      <p:sp>
+        <p:nvSpPr>
+          <p:cNvPr id="8" name="Globo: línea doblada 7">
+            <a:extLst>
+              <a:ext uri="{FF2B5EF4-FFF2-40B4-BE49-F238E27FC236}">
+                <a16:creationId xmlns:a16="http://schemas.microsoft.com/office/drawing/2014/main" id="{B933489D-377A-42C9-AE66-C7C594EE23D4}"/>
+              </a:ext>
+            </a:extLst>
+          </p:cNvPr>
+          <p:cNvSpPr/>
+          <p:nvPr/>
+        </p:nvSpPr>
+        <p:spPr>
+          <a:xfrm>
+            <a:off x="11481623" y="8600522"/>
+            <a:ext cx="1061885" cy="472897"/>
+          </a:xfrm>
+          <a:prstGeom prst="borderCallout2">
+            <a:avLst>
+              <a:gd name="adj1" fmla="val 56116"/>
+              <a:gd name="adj2" fmla="val 107126"/>
+              <a:gd name="adj3" fmla="val 53632"/>
+              <a:gd name="adj4" fmla="val 160160"/>
+              <a:gd name="adj5" fmla="val 89068"/>
+              <a:gd name="adj6" fmla="val 189598"/>
+            </a:avLst>
+          </a:prstGeom>
+          <a:solidFill>
+            <a:schemeClr val="bg1">
+              <a:lumMod val="85000"/>
+            </a:schemeClr>
+          </a:solidFill>
+          <a:ln w="19050">
+            <a:solidFill>
+              <a:srgbClr val="FF0000"/>
+            </a:solidFill>
+          </a:ln>
+        </p:spPr>
+        <p:style>
+          <a:lnRef idx="2">
+            <a:schemeClr val="accent1">
+              <a:shade val="50000"/>
+            </a:schemeClr>
+          </a:lnRef>
+          <a:fillRef idx="1">
+            <a:schemeClr val="accent1"/>
+          </a:fillRef>
+          <a:effectRef idx="0">
+            <a:schemeClr val="accent1"/>
+          </a:effectRef>
+          <a:fontRef idx="minor">
+            <a:schemeClr val="lt1"/>
+          </a:fontRef>
+        </p:style>
+        <p:txBody>
+          <a:bodyPr rtlCol="0" anchor="ctr"/>
+          <a:lstStyle/>
+          <a:p>
+            <a:pPr lvl="0" algn="ctr"/>
+            <a:r>
+              <a:rPr lang="es-NI" sz="799" b="1" dirty="0">
+                <a:solidFill>
+                  <a:prstClr val="black"/>
+                </a:solidFill>
+              </a:rPr>
+              <a:t>Librerias de QML</a:t>
+            </a:r>
+          </a:p>
+        </p:txBody>
+      </p:sp>
+      <p:sp>
+        <p:nvSpPr>
+          <p:cNvPr id="11" name="Globo: línea doblada 10">
+            <a:extLst>
+              <a:ext uri="{FF2B5EF4-FFF2-40B4-BE49-F238E27FC236}">
+                <a16:creationId xmlns:a16="http://schemas.microsoft.com/office/drawing/2014/main" id="{9887EBF1-954D-41E9-AED2-ACBF2006B5FD}"/>
+              </a:ext>
+            </a:extLst>
+          </p:cNvPr>
+          <p:cNvSpPr/>
+          <p:nvPr/>
+        </p:nvSpPr>
+        <p:spPr>
+          <a:xfrm>
+            <a:off x="11481623" y="9548864"/>
+            <a:ext cx="1061885" cy="472897"/>
+          </a:xfrm>
+          <a:prstGeom prst="borderCallout2">
+            <a:avLst>
+              <a:gd name="adj1" fmla="val 56116"/>
+              <a:gd name="adj2" fmla="val 107126"/>
+              <a:gd name="adj3" fmla="val 53632"/>
+              <a:gd name="adj4" fmla="val 160160"/>
+              <a:gd name="adj5" fmla="val 89068"/>
+              <a:gd name="adj6" fmla="val 189598"/>
+            </a:avLst>
+          </a:prstGeom>
+          <a:solidFill>
+            <a:schemeClr val="bg1">
+              <a:lumMod val="85000"/>
+            </a:schemeClr>
+          </a:solidFill>
+          <a:ln w="19050">
+            <a:solidFill>
+              <a:srgbClr val="FF0000"/>
+            </a:solidFill>
+          </a:ln>
+        </p:spPr>
+        <p:style>
+          <a:lnRef idx="2">
+            <a:schemeClr val="accent1">
+              <a:shade val="50000"/>
+            </a:schemeClr>
+          </a:lnRef>
+          <a:fillRef idx="1">
+            <a:schemeClr val="accent1"/>
+          </a:fillRef>
+          <a:effectRef idx="0">
+            <a:schemeClr val="accent1"/>
+          </a:effectRef>
+          <a:fontRef idx="minor">
+            <a:schemeClr val="lt1"/>
+          </a:fontRef>
+        </p:style>
+        <p:txBody>
+          <a:bodyPr rtlCol="0" anchor="ctr"/>
+          <a:lstStyle/>
+          <a:p>
+            <a:pPr lvl="0" algn="ctr"/>
+            <a:r>
+              <a:rPr lang="es-NI" sz="799" b="1" dirty="0">
+                <a:solidFill>
+                  <a:prstClr val="black"/>
+                </a:solidFill>
+              </a:rPr>
+              <a:t>Propiedades de la ventana (Window)</a:t>
+            </a:r>
+          </a:p>
+        </p:txBody>
+      </p:sp>
+      <p:sp>
+        <p:nvSpPr>
+          <p:cNvPr id="12" name="Globo: línea doblada 11">
+            <a:extLst>
+              <a:ext uri="{FF2B5EF4-FFF2-40B4-BE49-F238E27FC236}">
+                <a16:creationId xmlns:a16="http://schemas.microsoft.com/office/drawing/2014/main" id="{89A7EEF1-377F-4364-B183-42A3D7E54798}"/>
+              </a:ext>
+            </a:extLst>
+          </p:cNvPr>
+          <p:cNvSpPr/>
+          <p:nvPr/>
+        </p:nvSpPr>
+        <p:spPr>
+          <a:xfrm>
+            <a:off x="18929405" y="10514127"/>
+            <a:ext cx="1119333" cy="351693"/>
+          </a:xfrm>
+          <a:prstGeom prst="borderCallout2">
+            <a:avLst>
+              <a:gd name="adj1" fmla="val 84774"/>
+              <a:gd name="adj2" fmla="val -7444"/>
+              <a:gd name="adj3" fmla="val 145712"/>
+              <a:gd name="adj4" fmla="val -36130"/>
+              <a:gd name="adj5" fmla="val 147925"/>
+              <a:gd name="adj6" fmla="val -372516"/>
+            </a:avLst>
+          </a:prstGeom>
+          <a:solidFill>
+            <a:schemeClr val="bg2"/>
+          </a:solidFill>
+          <a:ln w="19050">
+            <a:solidFill>
+              <a:srgbClr val="FF0000"/>
+            </a:solidFill>
+          </a:ln>
+        </p:spPr>
+        <p:style>
+          <a:lnRef idx="2">
+            <a:schemeClr val="accent1">
+              <a:shade val="50000"/>
+            </a:schemeClr>
+          </a:lnRef>
+          <a:fillRef idx="1">
+            <a:schemeClr val="accent1"/>
+          </a:fillRef>
+          <a:effectRef idx="0">
+            <a:schemeClr val="accent1"/>
+          </a:effectRef>
+          <a:fontRef idx="minor">
+            <a:schemeClr val="lt1"/>
+          </a:fontRef>
+        </p:style>
+        <p:txBody>
+          <a:bodyPr rot="0" spcFirstLastPara="0" vertOverflow="overflow" horzOverflow="overflow" vert="horz" wrap="square" lIns="121923" tIns="60961" rIns="121923" bIns="60961" numCol="1" spcCol="0" rtlCol="0" fromWordArt="0" anchor="ctr" anchorCtr="0" forceAA="0" compatLnSpc="1">
+            <a:prstTxWarp prst="textNoShape">
+              <a:avLst/>
+            </a:prstTxWarp>
+            <a:noAutofit/>
+          </a:bodyPr>
+          <a:lstStyle/>
+          <a:p>
+            <a:pPr algn="ctr"/>
+            <a:r>
+              <a:rPr lang="es-ES" sz="799" b="1" dirty="0">
+                <a:solidFill>
+                  <a:schemeClr val="tx1"/>
+                </a:solidFill>
+              </a:rPr>
+              <a:t>Modulo Item      Main Lab</a:t>
+            </a:r>
+            <a:endParaRPr lang="es-ES" sz="799" b="1" i="1" dirty="0">
+              <a:solidFill>
+                <a:schemeClr val="tx1"/>
+              </a:solidFill>
+            </a:endParaRPr>
+          </a:p>
+        </p:txBody>
+      </p:sp>
+    </p:spTree>
+    <p:extLst>
+      <p:ext uri="{BB962C8B-B14F-4D97-AF65-F5344CB8AC3E}">
+        <p14:creationId xmlns:p14="http://schemas.microsoft.com/office/powerpoint/2010/main" val="2502381137"/>
+      </p:ext>
+    </p:extLst>
+  </p:cSld>
+  <p:clrMapOvr>
+    <a:masterClrMapping/>
+  </p:clrMapOvr>
+</p:sld>
+</file>
+
+<file path=ppt/slides/slide13.xml><?xml version="1.0" encoding="utf-8"?>
+<p:sld xmlns:a="http://schemas.openxmlformats.org/drawingml/2006/main" xmlns:r="http://schemas.openxmlformats.org/officeDocument/2006/relationships" xmlns:p="http://schemas.openxmlformats.org/presentationml/2006/main">
+  <p:cSld>
+    <p:spTree>
+      <p:nvGrpSpPr>
+        <p:cNvPr id="1" name=""/>
+        <p:cNvGrpSpPr/>
+        <p:nvPr/>
+      </p:nvGrpSpPr>
+      <p:grpSpPr>
+        <a:xfrm>
+          <a:off x="0" y="0"/>
+          <a:ext cx="0" cy="0"/>
+          <a:chOff x="0" y="0"/>
+          <a:chExt cx="0" cy="0"/>
+        </a:xfrm>
+      </p:grpSpPr>
+      <p:sp>
+        <p:nvSpPr>
+          <p:cNvPr id="2" name="Título 1">
+            <a:extLst>
+              <a:ext uri="{FF2B5EF4-FFF2-40B4-BE49-F238E27FC236}">
+                <a16:creationId xmlns:a16="http://schemas.microsoft.com/office/drawing/2014/main" id="{08507EBD-FEB7-4A06-AC77-8B48AC8356D7}"/>
+              </a:ext>
+            </a:extLst>
+          </p:cNvPr>
+          <p:cNvSpPr>
+            <a:spLocks noGrp="1"/>
+          </p:cNvSpPr>
+          <p:nvPr>
+            <p:ph type="title"/>
+          </p:nvPr>
+        </p:nvSpPr>
+        <p:spPr/>
+        <p:txBody>
+          <a:bodyPr/>
+          <a:lstStyle/>
+          <a:p>
+            <a:endParaRPr lang="es-ES"/>
+          </a:p>
+        </p:txBody>
+      </p:sp>
+      <p:pic>
+        <p:nvPicPr>
+          <p:cNvPr id="4" name="Marcador de contenido 3">
+            <a:extLst>
+              <a:ext uri="{FF2B5EF4-FFF2-40B4-BE49-F238E27FC236}">
+                <a16:creationId xmlns:a16="http://schemas.microsoft.com/office/drawing/2014/main" id="{45EECA73-953F-4D95-A51C-DFE970245B92}"/>
+              </a:ext>
+            </a:extLst>
+          </p:cNvPr>
+          <p:cNvPicPr>
+            <a:picLocks noGrp="1"/>
+          </p:cNvPicPr>
+          <p:nvPr>
+            <p:ph idx="1"/>
+          </p:nvPr>
+        </p:nvPicPr>
+        <p:blipFill>
+          <a:blip r:embed="rId2">
+            <a:extLst>
+              <a:ext uri="{28A0092B-C50C-407E-A947-70E740481C1C}">
+                <a14:useLocalDpi xmlns:a14="http://schemas.microsoft.com/office/drawing/2010/main" val="0"/>
+              </a:ext>
+            </a:extLst>
+          </a:blip>
+          <a:srcRect/>
+          <a:stretch>
+            <a:fillRect/>
+          </a:stretch>
+        </p:blipFill>
+        <p:spPr bwMode="auto">
+          <a:xfrm>
+            <a:off x="9729788" y="6954838"/>
+            <a:ext cx="12573000" cy="7115175"/>
+          </a:xfrm>
+          <a:prstGeom prst="rect">
+            <a:avLst/>
+          </a:prstGeom>
+          <a:noFill/>
+          <a:ln>
+            <a:noFill/>
+          </a:ln>
+        </p:spPr>
+      </p:pic>
+      <p:sp>
+        <p:nvSpPr>
+          <p:cNvPr id="5" name="Globo: línea doblada 4">
+            <a:extLst>
+              <a:ext uri="{FF2B5EF4-FFF2-40B4-BE49-F238E27FC236}">
+                <a16:creationId xmlns:a16="http://schemas.microsoft.com/office/drawing/2014/main" id="{C27D21A6-9714-4439-965F-ABECFB913353}"/>
+              </a:ext>
+            </a:extLst>
+          </p:cNvPr>
+          <p:cNvSpPr/>
+          <p:nvPr/>
+        </p:nvSpPr>
+        <p:spPr>
+          <a:xfrm>
+            <a:off x="6676570" y="7370638"/>
+            <a:ext cx="1919052" cy="766762"/>
+          </a:xfrm>
+          <a:prstGeom prst="borderCallout2">
+            <a:avLst>
+              <a:gd name="adj1" fmla="val 96619"/>
+              <a:gd name="adj2" fmla="val 99781"/>
+              <a:gd name="adj3" fmla="val 99044"/>
+              <a:gd name="adj4" fmla="val 159670"/>
+              <a:gd name="adj5" fmla="val 89068"/>
+              <a:gd name="adj6" fmla="val 179315"/>
+            </a:avLst>
+          </a:prstGeom>
+          <a:solidFill>
+            <a:schemeClr val="bg1">
+              <a:lumMod val="85000"/>
+            </a:schemeClr>
+          </a:solidFill>
+          <a:ln w="38100">
+            <a:solidFill>
+              <a:srgbClr val="FF0000"/>
+            </a:solidFill>
+          </a:ln>
+        </p:spPr>
+        <p:style>
+          <a:lnRef idx="2">
+            <a:schemeClr val="accent1">
+              <a:shade val="50000"/>
+            </a:schemeClr>
+          </a:lnRef>
+          <a:fillRef idx="1">
+            <a:schemeClr val="accent1"/>
+          </a:fillRef>
+          <a:effectRef idx="0">
+            <a:schemeClr val="accent1"/>
+          </a:effectRef>
+          <a:fontRef idx="minor">
+            <a:schemeClr val="lt1"/>
+          </a:fontRef>
+        </p:style>
+        <p:txBody>
+          <a:bodyPr rtlCol="0" anchor="ctr"/>
+          <a:lstStyle/>
+          <a:p>
+            <a:pPr lvl="0" algn="ctr"/>
+            <a:r>
+              <a:rPr lang="es-NI" sz="2000" b="1" dirty="0">
+                <a:solidFill>
+                  <a:prstClr val="black"/>
+                </a:solidFill>
+              </a:rPr>
+              <a:t>Encabezado</a:t>
+            </a:r>
+          </a:p>
+        </p:txBody>
+      </p:sp>
+      <p:sp>
+        <p:nvSpPr>
+          <p:cNvPr id="6" name="Globo: línea doblada 5">
+            <a:extLst>
+              <a:ext uri="{FF2B5EF4-FFF2-40B4-BE49-F238E27FC236}">
+                <a16:creationId xmlns:a16="http://schemas.microsoft.com/office/drawing/2014/main" id="{73BD692E-038F-46A0-B61D-6D668A93A017}"/>
+              </a:ext>
+            </a:extLst>
+          </p:cNvPr>
+          <p:cNvSpPr/>
+          <p:nvPr/>
+        </p:nvSpPr>
+        <p:spPr>
+          <a:xfrm>
+            <a:off x="6850742" y="9606190"/>
+            <a:ext cx="2180310" cy="1182562"/>
+          </a:xfrm>
+          <a:prstGeom prst="borderCallout2">
+            <a:avLst>
+              <a:gd name="adj1" fmla="val 96619"/>
+              <a:gd name="adj2" fmla="val 99781"/>
+              <a:gd name="adj3" fmla="val 97817"/>
+              <a:gd name="adj4" fmla="val 160336"/>
+              <a:gd name="adj5" fmla="val 52247"/>
+              <a:gd name="adj6" fmla="val 210603"/>
+            </a:avLst>
+          </a:prstGeom>
+          <a:solidFill>
+            <a:schemeClr val="bg1">
+              <a:lumMod val="85000"/>
+            </a:schemeClr>
+          </a:solidFill>
+          <a:ln w="38100">
+            <a:solidFill>
+              <a:srgbClr val="FF0000"/>
+            </a:solidFill>
+          </a:ln>
+        </p:spPr>
+        <p:style>
+          <a:lnRef idx="2">
+            <a:schemeClr val="accent1">
+              <a:shade val="50000"/>
+            </a:schemeClr>
+          </a:lnRef>
+          <a:fillRef idx="1">
+            <a:schemeClr val="accent1"/>
+          </a:fillRef>
+          <a:effectRef idx="0">
+            <a:schemeClr val="accent1"/>
+          </a:effectRef>
+          <a:fontRef idx="minor">
+            <a:schemeClr val="lt1"/>
+          </a:fontRef>
+        </p:style>
+        <p:txBody>
+          <a:bodyPr rtlCol="0" anchor="ctr"/>
+          <a:lstStyle/>
+          <a:p>
+            <a:pPr lvl="0" algn="ctr"/>
+            <a:r>
+              <a:rPr lang="es-NI" sz="2000" b="1" dirty="0">
+                <a:solidFill>
+                  <a:prstClr val="black"/>
+                </a:solidFill>
+              </a:rPr>
+              <a:t>Breve introducción al LVR y sus recursos</a:t>
+            </a:r>
+          </a:p>
+        </p:txBody>
+      </p:sp>
+      <p:sp>
+        <p:nvSpPr>
+          <p:cNvPr id="7" name="Globo: línea doblada 6">
+            <a:extLst>
+              <a:ext uri="{FF2B5EF4-FFF2-40B4-BE49-F238E27FC236}">
+                <a16:creationId xmlns:a16="http://schemas.microsoft.com/office/drawing/2014/main" id="{B6C254AF-995F-455A-BC23-3BC8BE8B4651}"/>
+              </a:ext>
+            </a:extLst>
+          </p:cNvPr>
+          <p:cNvSpPr/>
+          <p:nvPr/>
+        </p:nvSpPr>
+        <p:spPr>
+          <a:xfrm>
+            <a:off x="6959600" y="12425414"/>
+            <a:ext cx="2180309" cy="1182562"/>
+          </a:xfrm>
+          <a:prstGeom prst="borderCallout2">
+            <a:avLst>
+              <a:gd name="adj1" fmla="val 13159"/>
+              <a:gd name="adj2" fmla="val 100271"/>
+              <a:gd name="adj3" fmla="val 13129"/>
+              <a:gd name="adj4" fmla="val 146449"/>
+              <a:gd name="adj5" fmla="val 58384"/>
+              <a:gd name="adj6" fmla="val 161687"/>
+            </a:avLst>
+          </a:prstGeom>
+          <a:solidFill>
+            <a:schemeClr val="bg1">
+              <a:lumMod val="85000"/>
+            </a:schemeClr>
+          </a:solidFill>
+          <a:ln w="38100">
+            <a:solidFill>
+              <a:srgbClr val="FF0000"/>
+            </a:solidFill>
+          </a:ln>
+        </p:spPr>
+        <p:style>
+          <a:lnRef idx="2">
+            <a:schemeClr val="accent1">
+              <a:shade val="50000"/>
+            </a:schemeClr>
+          </a:lnRef>
+          <a:fillRef idx="1">
+            <a:schemeClr val="accent1"/>
+          </a:fillRef>
+          <a:effectRef idx="0">
+            <a:schemeClr val="accent1"/>
+          </a:effectRef>
+          <a:fontRef idx="minor">
+            <a:schemeClr val="lt1"/>
+          </a:fontRef>
+        </p:style>
+        <p:txBody>
+          <a:bodyPr rtlCol="0" anchor="ctr"/>
+          <a:lstStyle/>
+          <a:p>
+            <a:pPr lvl="0" algn="ctr"/>
+            <a:r>
+              <a:rPr lang="es-NI" sz="2000" b="1" dirty="0">
+                <a:solidFill>
+                  <a:prstClr val="black"/>
+                </a:solidFill>
+              </a:rPr>
+              <a:t>Sobre el Desarrollador del LVR</a:t>
+            </a:r>
+          </a:p>
+        </p:txBody>
+      </p:sp>
+      <p:sp>
+        <p:nvSpPr>
+          <p:cNvPr id="8" name="Globo: línea doblada 7">
+            <a:extLst>
+              <a:ext uri="{FF2B5EF4-FFF2-40B4-BE49-F238E27FC236}">
+                <a16:creationId xmlns:a16="http://schemas.microsoft.com/office/drawing/2014/main" id="{A7B3EDC2-0337-4902-AB6A-33BC75CCEEE5}"/>
+              </a:ext>
+            </a:extLst>
+          </p:cNvPr>
+          <p:cNvSpPr/>
+          <p:nvPr/>
+        </p:nvSpPr>
+        <p:spPr>
+          <a:xfrm>
+            <a:off x="22725753" y="7370638"/>
+            <a:ext cx="2122704" cy="766762"/>
+          </a:xfrm>
+          <a:prstGeom prst="borderCallout2">
+            <a:avLst>
+              <a:gd name="adj1" fmla="val 95428"/>
+              <a:gd name="adj2" fmla="val -1581"/>
+              <a:gd name="adj3" fmla="val 94317"/>
+              <a:gd name="adj4" fmla="val -92466"/>
+              <a:gd name="adj5" fmla="val 55074"/>
+              <a:gd name="adj6" fmla="val -116578"/>
+            </a:avLst>
+          </a:prstGeom>
+          <a:solidFill>
+            <a:schemeClr val="bg1">
+              <a:lumMod val="85000"/>
+            </a:schemeClr>
+          </a:solidFill>
+          <a:ln w="38100">
+            <a:solidFill>
+              <a:srgbClr val="FF0000"/>
+            </a:solidFill>
+          </a:ln>
+        </p:spPr>
+        <p:style>
+          <a:lnRef idx="2">
+            <a:schemeClr val="accent1">
+              <a:shade val="50000"/>
+            </a:schemeClr>
+          </a:lnRef>
+          <a:fillRef idx="1">
+            <a:schemeClr val="accent1"/>
+          </a:fillRef>
+          <a:effectRef idx="0">
+            <a:schemeClr val="accent1"/>
+          </a:effectRef>
+          <a:fontRef idx="minor">
+            <a:schemeClr val="lt1"/>
+          </a:fontRef>
+        </p:style>
+        <p:txBody>
+          <a:bodyPr rtlCol="0" anchor="ctr"/>
+          <a:lstStyle/>
+          <a:p>
+            <a:pPr lvl="0" algn="ctr"/>
+            <a:r>
+              <a:rPr lang="es-NI" sz="2000" b="1" dirty="0">
+                <a:solidFill>
+                  <a:prstClr val="black"/>
+                </a:solidFill>
+              </a:rPr>
+              <a:t>Hora local</a:t>
+            </a:r>
+          </a:p>
+        </p:txBody>
+      </p:sp>
+      <p:sp>
+        <p:nvSpPr>
+          <p:cNvPr id="9" name="Globo: línea doblada 8">
+            <a:extLst>
+              <a:ext uri="{FF2B5EF4-FFF2-40B4-BE49-F238E27FC236}">
+                <a16:creationId xmlns:a16="http://schemas.microsoft.com/office/drawing/2014/main" id="{92773B74-B562-45DC-A194-720B5B4BEAE2}"/>
+              </a:ext>
+            </a:extLst>
+          </p:cNvPr>
+          <p:cNvSpPr/>
+          <p:nvPr/>
+        </p:nvSpPr>
+        <p:spPr>
+          <a:xfrm>
+            <a:off x="22892667" y="11195152"/>
+            <a:ext cx="2100933" cy="766762"/>
+          </a:xfrm>
+          <a:prstGeom prst="borderCallout2">
+            <a:avLst>
+              <a:gd name="adj1" fmla="val 95428"/>
+              <a:gd name="adj2" fmla="val -1581"/>
+              <a:gd name="adj3" fmla="val 98103"/>
+              <a:gd name="adj4" fmla="val -75372"/>
+              <a:gd name="adj5" fmla="val 274654"/>
+              <a:gd name="adj6" fmla="val -184511"/>
+            </a:avLst>
+          </a:prstGeom>
+          <a:solidFill>
+            <a:schemeClr val="bg1">
+              <a:lumMod val="85000"/>
+            </a:schemeClr>
+          </a:solidFill>
+          <a:ln w="38100">
+            <a:solidFill>
+              <a:srgbClr val="FF0000"/>
+            </a:solidFill>
+          </a:ln>
+        </p:spPr>
+        <p:style>
+          <a:lnRef idx="2">
+            <a:schemeClr val="accent1">
+              <a:shade val="50000"/>
+            </a:schemeClr>
+          </a:lnRef>
+          <a:fillRef idx="1">
+            <a:schemeClr val="accent1"/>
+          </a:fillRef>
+          <a:effectRef idx="0">
+            <a:schemeClr val="accent1"/>
+          </a:effectRef>
+          <a:fontRef idx="minor">
+            <a:schemeClr val="lt1"/>
+          </a:fontRef>
+        </p:style>
+        <p:txBody>
+          <a:bodyPr rtlCol="0" anchor="ctr"/>
+          <a:lstStyle/>
+          <a:p>
+            <a:pPr lvl="0" algn="ctr"/>
+            <a:r>
+              <a:rPr lang="es-NI" sz="2000" b="1" dirty="0">
+                <a:solidFill>
+                  <a:prstClr val="black"/>
+                </a:solidFill>
+              </a:rPr>
+              <a:t>Tiempo de uso el LVR</a:t>
+            </a:r>
+          </a:p>
+        </p:txBody>
+      </p:sp>
+      <p:sp>
+        <p:nvSpPr>
+          <p:cNvPr id="11" name="Globo: línea doblada 10">
+            <a:extLst>
+              <a:ext uri="{FF2B5EF4-FFF2-40B4-BE49-F238E27FC236}">
+                <a16:creationId xmlns:a16="http://schemas.microsoft.com/office/drawing/2014/main" id="{0361B87E-7AB6-4A81-9465-9AD440C684A9}"/>
+              </a:ext>
+            </a:extLst>
+          </p:cNvPr>
+          <p:cNvSpPr/>
+          <p:nvPr/>
+        </p:nvSpPr>
+        <p:spPr>
+          <a:xfrm>
+            <a:off x="22892667" y="12841214"/>
+            <a:ext cx="1955790" cy="766762"/>
+          </a:xfrm>
+          <a:prstGeom prst="borderCallout2">
+            <a:avLst>
+              <a:gd name="adj1" fmla="val 95428"/>
+              <a:gd name="adj2" fmla="val -1581"/>
+              <a:gd name="adj3" fmla="val 96210"/>
+              <a:gd name="adj4" fmla="val -22281"/>
+              <a:gd name="adj5" fmla="val 70218"/>
+              <a:gd name="adj6" fmla="val -39423"/>
+            </a:avLst>
+          </a:prstGeom>
+          <a:solidFill>
+            <a:schemeClr val="bg1">
+              <a:lumMod val="85000"/>
+            </a:schemeClr>
+          </a:solidFill>
+          <a:ln w="38100">
+            <a:solidFill>
+              <a:srgbClr val="FF0000"/>
+            </a:solidFill>
+          </a:ln>
+        </p:spPr>
+        <p:style>
+          <a:lnRef idx="2">
+            <a:schemeClr val="accent1">
+              <a:shade val="50000"/>
+            </a:schemeClr>
+          </a:lnRef>
+          <a:fillRef idx="1">
+            <a:schemeClr val="accent1"/>
+          </a:fillRef>
+          <a:effectRef idx="0">
+            <a:schemeClr val="accent1"/>
+          </a:effectRef>
+          <a:fontRef idx="minor">
+            <a:schemeClr val="lt1"/>
+          </a:fontRef>
+        </p:style>
+        <p:txBody>
+          <a:bodyPr rtlCol="0" anchor="ctr"/>
+          <a:lstStyle/>
+          <a:p>
+            <a:pPr lvl="0" algn="ctr"/>
+            <a:r>
+              <a:rPr lang="es-NI" sz="2000" b="1" dirty="0">
+                <a:solidFill>
+                  <a:prstClr val="black"/>
+                </a:solidFill>
+              </a:rPr>
+              <a:t>Ingresar al LVR</a:t>
+            </a:r>
+          </a:p>
+        </p:txBody>
+      </p:sp>
+    </p:spTree>
+    <p:extLst>
+      <p:ext uri="{BB962C8B-B14F-4D97-AF65-F5344CB8AC3E}">
+        <p14:creationId xmlns:p14="http://schemas.microsoft.com/office/powerpoint/2010/main" val="1722051223"/>
+      </p:ext>
+    </p:extLst>
+  </p:cSld>
+  <p:clrMapOvr>
+    <a:masterClrMapping/>
+  </p:clrMapOvr>
+</p:sld>
+</file>
+
+<file path=ppt/slides/slide14.xml><?xml version="1.0" encoding="utf-8"?>
+<p:sld xmlns:a="http://schemas.openxmlformats.org/drawingml/2006/main" xmlns:r="http://schemas.openxmlformats.org/officeDocument/2006/relationships" xmlns:p="http://schemas.openxmlformats.org/presentationml/2006/main">
+  <p:cSld>
+    <p:spTree>
+      <p:nvGrpSpPr>
+        <p:cNvPr id="1" name=""/>
+        <p:cNvGrpSpPr/>
+        <p:nvPr/>
+      </p:nvGrpSpPr>
+      <p:grpSpPr>
+        <a:xfrm>
+          <a:off x="0" y="0"/>
+          <a:ext cx="0" cy="0"/>
+          <a:chOff x="0" y="0"/>
+          <a:chExt cx="0" cy="0"/>
+        </a:xfrm>
+      </p:grpSpPr>
       <p:graphicFrame>
         <p:nvGraphicFramePr>
           <p:cNvPr id="3" name="Diagrama 2">
@@ -8852,8 +10272,8 @@
           </p:nvPr>
         </p:nvGraphicFramePr>
         <p:xfrm>
-          <a:off x="5338762" y="1890711"/>
-          <a:ext cx="20819609" cy="13882689"/>
+          <a:off x="5338764" y="1890712"/>
+          <a:ext cx="20819608" cy="13882688"/>
         </p:xfrm>
         <a:graphic>
           <a:graphicData uri="http://schemas.openxmlformats.org/drawingml/2006/diagram">
@@ -8881,8 +10301,8 @@
         </p:blipFill>
         <p:spPr>
           <a:xfrm>
-            <a:off x="14068194" y="7596169"/>
-            <a:ext cx="3360744" cy="2471771"/>
+            <a:off x="14068196" y="7596171"/>
+            <a:ext cx="3360744" cy="2471770"/>
           </a:xfrm>
           <a:prstGeom prst="rect">
             <a:avLst/>
@@ -9030,8 +10450,8 @@
         </p:blipFill>
         <p:spPr>
           <a:xfrm>
-            <a:off x="14003272" y="4409697"/>
-            <a:ext cx="4026033" cy="2667088"/>
+            <a:off x="14003274" y="4409699"/>
+            <a:ext cx="4026033" cy="2667087"/>
           </a:xfrm>
           <a:prstGeom prst="rect">
             <a:avLst/>
@@ -9052,8 +10472,8 @@
         </p:nvSpPr>
         <p:spPr>
           <a:xfrm>
-            <a:off x="18079506" y="4307922"/>
-            <a:ext cx="1018351" cy="203552"/>
+            <a:off x="18079505" y="4307921"/>
+            <a:ext cx="1018351" cy="203553"/>
           </a:xfrm>
           <a:prstGeom prst="borderCallout2">
             <a:avLst>
@@ -9091,7 +10511,7 @@
           </a:fontRef>
         </p:style>
         <p:txBody>
-          <a:bodyPr rot="0" spcFirstLastPara="0" vertOverflow="overflow" horzOverflow="overflow" vert="horz" wrap="square" lIns="121924" tIns="60962" rIns="121924" bIns="60962" numCol="1" spcCol="0" rtlCol="0" fromWordArt="0" anchor="ctr" anchorCtr="0" forceAA="0" compatLnSpc="1">
+          <a:bodyPr rot="0" spcFirstLastPara="0" vertOverflow="overflow" horzOverflow="overflow" vert="horz" wrap="square" lIns="121923" tIns="60961" rIns="121923" bIns="60961" numCol="1" spcCol="0" rtlCol="0" fromWordArt="0" anchor="ctr" anchorCtr="0" forceAA="0" compatLnSpc="1">
             <a:prstTxWarp prst="textNoShape">
               <a:avLst/>
             </a:prstTxWarp>
@@ -9101,14 +10521,14 @@
           <a:p>
             <a:pPr algn="ctr"/>
             <a:r>
-              <a:rPr lang="en-US" sz="800" b="1" dirty="0">
+              <a:rPr lang="en-US" sz="799" b="1" dirty="0">
                 <a:solidFill>
                   <a:schemeClr val="tx1"/>
                 </a:solidFill>
               </a:rPr>
               <a:t>Version de  Catkin</a:t>
             </a:r>
-            <a:endParaRPr lang="es-ES" sz="800" b="1" dirty="0">
+            <a:endParaRPr lang="es-ES" sz="799" b="1" dirty="0">
               <a:solidFill>
                 <a:schemeClr val="tx1"/>
               </a:solidFill>
@@ -9130,7 +10550,7 @@
         </p:nvSpPr>
         <p:spPr>
           <a:xfrm>
-            <a:off x="18079506" y="4568503"/>
+            <a:off x="18079505" y="4568506"/>
             <a:ext cx="1018351" cy="274249"/>
           </a:xfrm>
           <a:prstGeom prst="borderCallout2">
@@ -9169,7 +10589,7 @@
           </a:fontRef>
         </p:style>
         <p:txBody>
-          <a:bodyPr rot="0" spcFirstLastPara="0" vertOverflow="overflow" horzOverflow="overflow" vert="horz" wrap="square" lIns="121924" tIns="60962" rIns="121924" bIns="60962" numCol="1" spcCol="0" rtlCol="0" fromWordArt="0" anchor="ctr" anchorCtr="0" forceAA="0" compatLnSpc="1">
+          <a:bodyPr rot="0" spcFirstLastPara="0" vertOverflow="overflow" horzOverflow="overflow" vert="horz" wrap="square" lIns="121923" tIns="60961" rIns="121923" bIns="60961" numCol="1" spcCol="0" rtlCol="0" fromWordArt="0" anchor="ctr" anchorCtr="0" forceAA="0" compatLnSpc="1">
             <a:prstTxWarp prst="textNoShape">
               <a:avLst/>
             </a:prstTxWarp>
@@ -9179,7 +10599,7 @@
           <a:p>
             <a:pPr algn="ctr"/>
             <a:r>
-              <a:rPr lang="es-ES" sz="800" b="1" dirty="0">
+              <a:rPr lang="es-ES" sz="799" b="1" dirty="0">
                 <a:solidFill>
                   <a:schemeClr val="tx1"/>
                 </a:solidFill>
@@ -9203,7 +10623,7 @@
         </p:nvSpPr>
         <p:spPr>
           <a:xfrm>
-            <a:off x="18079506" y="5108793"/>
+            <a:off x="18079505" y="5108797"/>
             <a:ext cx="1018351" cy="274249"/>
           </a:xfrm>
           <a:prstGeom prst="borderCallout2">
@@ -9242,7 +10662,7 @@
           </a:fontRef>
         </p:style>
         <p:txBody>
-          <a:bodyPr rot="0" spcFirstLastPara="0" vertOverflow="overflow" horzOverflow="overflow" vert="horz" wrap="square" lIns="121924" tIns="60962" rIns="121924" bIns="60962" numCol="1" spcCol="0" rtlCol="0" fromWordArt="0" anchor="ctr" anchorCtr="0" forceAA="0" compatLnSpc="1">
+          <a:bodyPr rot="0" spcFirstLastPara="0" vertOverflow="overflow" horzOverflow="overflow" vert="horz" wrap="square" lIns="121923" tIns="60961" rIns="121923" bIns="60961" numCol="1" spcCol="0" rtlCol="0" fromWordArt="0" anchor="ctr" anchorCtr="0" forceAA="0" compatLnSpc="1">
             <a:prstTxWarp prst="textNoShape">
               <a:avLst/>
             </a:prstTxWarp>
@@ -9252,7 +10672,7 @@
           <a:p>
             <a:pPr algn="ctr"/>
             <a:r>
-              <a:rPr lang="es-ES" sz="800" b="1" dirty="0">
+              <a:rPr lang="es-ES" sz="799" b="1" dirty="0">
                 <a:solidFill>
                   <a:schemeClr val="tx1"/>
                 </a:solidFill>
@@ -9260,7 +10680,7 @@
               <a:t>Dependencia del paquete o </a:t>
             </a:r>
             <a:r>
-              <a:rPr lang="es-ES" sz="800" b="1" i="1" dirty="0">
+              <a:rPr lang="es-ES" sz="799" b="1" i="1" dirty="0">
                 <a:solidFill>
                   <a:schemeClr val="tx1"/>
                 </a:solidFill>
@@ -9284,8 +10704,8 @@
         </p:nvSpPr>
         <p:spPr>
           <a:xfrm>
-            <a:off x="19097857" y="4986193"/>
-            <a:ext cx="867813" cy="530727"/>
+            <a:off x="19097858" y="4986194"/>
+            <a:ext cx="867812" cy="530727"/>
           </a:xfrm>
           <a:prstGeom prst="roundRect">
             <a:avLst/>
@@ -9316,7 +10736,7 @@
           </a:fontRef>
         </p:style>
         <p:txBody>
-          <a:bodyPr rot="0" spcFirstLastPara="0" vertOverflow="overflow" horzOverflow="overflow" vert="horz" wrap="square" lIns="121924" tIns="60962" rIns="121924" bIns="60962" numCol="1" spcCol="0" rtlCol="0" fromWordArt="0" anchor="ctr" anchorCtr="0" forceAA="0" compatLnSpc="1">
+          <a:bodyPr rot="0" spcFirstLastPara="0" vertOverflow="overflow" horzOverflow="overflow" vert="horz" wrap="square" lIns="121923" tIns="60961" rIns="121923" bIns="60961" numCol="1" spcCol="0" rtlCol="0" fromWordArt="0" anchor="ctr" anchorCtr="0" forceAA="0" compatLnSpc="1">
             <a:prstTxWarp prst="textNoShape">
               <a:avLst/>
             </a:prstTxWarp>
@@ -9326,7 +10746,7 @@
           <a:p>
             <a:pPr algn="ctr"/>
             <a:r>
-              <a:rPr lang="es-ES" sz="800">
+              <a:rPr lang="es-ES" sz="799">
                 <a:solidFill>
                   <a:schemeClr val="tx1"/>
                 </a:solidFill>
@@ -9350,7 +10770,7 @@
         </p:nvSpPr>
         <p:spPr>
           <a:xfrm>
-            <a:off x="18079506" y="6466693"/>
+            <a:off x="18079505" y="6466695"/>
             <a:ext cx="1018351" cy="274249"/>
           </a:xfrm>
           <a:prstGeom prst="borderCallout2">
@@ -9389,7 +10809,7 @@
           </a:fontRef>
         </p:style>
         <p:txBody>
-          <a:bodyPr rot="0" spcFirstLastPara="0" vertOverflow="overflow" horzOverflow="overflow" vert="horz" wrap="square" lIns="121924" tIns="60962" rIns="121924" bIns="60962" numCol="1" spcCol="0" rtlCol="0" fromWordArt="0" anchor="ctr" anchorCtr="0" forceAA="0" compatLnSpc="1">
+          <a:bodyPr rot="0" spcFirstLastPara="0" vertOverflow="overflow" horzOverflow="overflow" vert="horz" wrap="square" lIns="121923" tIns="60961" rIns="121923" bIns="60961" numCol="1" spcCol="0" rtlCol="0" fromWordArt="0" anchor="ctr" anchorCtr="0" forceAA="0" compatLnSpc="1">
             <a:prstTxWarp prst="textNoShape">
               <a:avLst/>
             </a:prstTxWarp>
@@ -9399,7 +10819,7 @@
           <a:p>
             <a:pPr algn="ctr"/>
             <a:r>
-              <a:rPr lang="es-ES" sz="800" b="1" dirty="0">
+              <a:rPr lang="es-ES" sz="799" b="1" dirty="0">
                 <a:solidFill>
                   <a:schemeClr val="tx1"/>
                 </a:solidFill>
@@ -9407,7 +10827,7 @@
               <a:t>Dependencia del paquete o </a:t>
             </a:r>
             <a:r>
-              <a:rPr lang="es-ES" sz="800" b="1" i="1" dirty="0">
+              <a:rPr lang="es-ES" sz="799" b="1" i="1" dirty="0">
                 <a:solidFill>
                   <a:schemeClr val="tx1"/>
                 </a:solidFill>
@@ -9469,8 +10889,8 @@
         </p:blipFill>
         <p:spPr>
           <a:xfrm>
-            <a:off x="12769525" y="4235807"/>
-            <a:ext cx="5105400" cy="2562225"/>
+            <a:off x="12769524" y="4235811"/>
+            <a:ext cx="5105398" cy="2562224"/>
           </a:xfrm>
           <a:prstGeom prst="rect">
             <a:avLst/>
@@ -9491,8 +10911,8 @@
         </p:nvSpPr>
         <p:spPr>
           <a:xfrm>
-            <a:off x="18079506" y="4098910"/>
-            <a:ext cx="1018351" cy="203552"/>
+            <a:off x="18079505" y="4098910"/>
+            <a:ext cx="1018351" cy="203553"/>
           </a:xfrm>
           <a:prstGeom prst="borderCallout2">
             <a:avLst>
@@ -9530,7 +10950,7 @@
           </a:fontRef>
         </p:style>
         <p:txBody>
-          <a:bodyPr rot="0" spcFirstLastPara="0" vertOverflow="overflow" horzOverflow="overflow" vert="horz" wrap="square" lIns="121924" tIns="60962" rIns="121924" bIns="60962" numCol="1" spcCol="0" rtlCol="0" fromWordArt="0" anchor="ctr" anchorCtr="0" forceAA="0" compatLnSpc="1">
+          <a:bodyPr rot="0" spcFirstLastPara="0" vertOverflow="overflow" horzOverflow="overflow" vert="horz" wrap="square" lIns="121923" tIns="60961" rIns="121923" bIns="60961" numCol="1" spcCol="0" rtlCol="0" fromWordArt="0" anchor="ctr" anchorCtr="0" forceAA="0" compatLnSpc="1">
             <a:prstTxWarp prst="textNoShape">
               <a:avLst/>
             </a:prstTxWarp>
@@ -9540,14 +10960,14 @@
           <a:p>
             <a:pPr algn="ctr"/>
             <a:r>
-              <a:rPr lang="en-US" sz="800" b="1" dirty="0">
+              <a:rPr lang="en-US" sz="799" b="1" dirty="0">
                 <a:solidFill>
                   <a:schemeClr val="tx1"/>
                 </a:solidFill>
               </a:rPr>
               <a:t>Version de .XML</a:t>
             </a:r>
-            <a:endParaRPr lang="es-ES" sz="800" b="1" dirty="0">
+            <a:endParaRPr lang="es-ES" sz="799" b="1" dirty="0">
               <a:solidFill>
                 <a:schemeClr val="tx1"/>
               </a:solidFill>
@@ -9569,7 +10989,7 @@
         </p:nvSpPr>
         <p:spPr>
           <a:xfrm>
-            <a:off x="18079506" y="4374182"/>
+            <a:off x="18079505" y="4374184"/>
             <a:ext cx="1018351" cy="274249"/>
           </a:xfrm>
           <a:prstGeom prst="borderCallout2">
@@ -9608,7 +11028,7 @@
           </a:fontRef>
         </p:style>
         <p:txBody>
-          <a:bodyPr rot="0" spcFirstLastPara="0" vertOverflow="overflow" horzOverflow="overflow" vert="horz" wrap="square" lIns="121924" tIns="60962" rIns="121924" bIns="60962" numCol="1" spcCol="0" rtlCol="0" fromWordArt="0" anchor="ctr" anchorCtr="0" forceAA="0" compatLnSpc="1">
+          <a:bodyPr rot="0" spcFirstLastPara="0" vertOverflow="overflow" horzOverflow="overflow" vert="horz" wrap="square" lIns="121923" tIns="60961" rIns="121923" bIns="60961" numCol="1" spcCol="0" rtlCol="0" fromWordArt="0" anchor="ctr" anchorCtr="0" forceAA="0" compatLnSpc="1">
             <a:prstTxWarp prst="textNoShape">
               <a:avLst/>
             </a:prstTxWarp>
@@ -9618,7 +11038,7 @@
           <a:p>
             <a:pPr algn="ctr"/>
             <a:r>
-              <a:rPr lang="es-ES" sz="800" b="1" dirty="0">
+              <a:rPr lang="es-ES" sz="799" b="1" dirty="0">
                 <a:solidFill>
                   <a:schemeClr val="tx1"/>
                 </a:solidFill>
@@ -9642,7 +11062,7 @@
         </p:nvSpPr>
         <p:spPr>
           <a:xfrm>
-            <a:off x="18054262" y="5124973"/>
+            <a:off x="18054262" y="5124974"/>
             <a:ext cx="1018351" cy="274249"/>
           </a:xfrm>
           <a:prstGeom prst="borderCallout2">
@@ -9681,7 +11101,7 @@
           </a:fontRef>
         </p:style>
         <p:txBody>
-          <a:bodyPr rot="0" spcFirstLastPara="0" vertOverflow="overflow" horzOverflow="overflow" vert="horz" wrap="square" lIns="121924" tIns="60962" rIns="121924" bIns="60962" numCol="1" spcCol="0" rtlCol="0" fromWordArt="0" anchor="ctr" anchorCtr="0" forceAA="0" compatLnSpc="1">
+          <a:bodyPr rot="0" spcFirstLastPara="0" vertOverflow="overflow" horzOverflow="overflow" vert="horz" wrap="square" lIns="121923" tIns="60961" rIns="121923" bIns="60961" numCol="1" spcCol="0" rtlCol="0" fromWordArt="0" anchor="ctr" anchorCtr="0" forceAA="0" compatLnSpc="1">
             <a:prstTxWarp prst="textNoShape">
               <a:avLst/>
             </a:prstTxWarp>
@@ -9691,14 +11111,14 @@
           <a:p>
             <a:pPr algn="ctr"/>
             <a:r>
-              <a:rPr lang="es-ES" sz="800" b="1" dirty="0">
+              <a:rPr lang="es-ES" sz="799" b="1" dirty="0">
                 <a:solidFill>
                   <a:schemeClr val="tx1"/>
                 </a:solidFill>
               </a:rPr>
               <a:t>Compilador del paquete</a:t>
             </a:r>
-            <a:endParaRPr lang="es-ES" sz="800" b="1" i="1" dirty="0">
+            <a:endParaRPr lang="es-ES" sz="799" b="1" i="1" dirty="0">
               <a:solidFill>
                 <a:schemeClr val="tx1"/>
               </a:solidFill>
@@ -9720,7 +11140,7 @@
         </p:nvSpPr>
         <p:spPr>
           <a:xfrm>
-            <a:off x="18079506" y="4648431"/>
+            <a:off x="18079505" y="4648433"/>
             <a:ext cx="1340177" cy="274249"/>
           </a:xfrm>
           <a:prstGeom prst="borderCallout2">
@@ -9759,7 +11179,7 @@
           </a:fontRef>
         </p:style>
         <p:txBody>
-          <a:bodyPr rot="0" spcFirstLastPara="0" vertOverflow="overflow" horzOverflow="overflow" vert="horz" wrap="square" lIns="121924" tIns="60962" rIns="121924" bIns="60962" numCol="1" spcCol="0" rtlCol="0" fromWordArt="0" anchor="ctr" anchorCtr="0" forceAA="0" compatLnSpc="1">
+          <a:bodyPr rot="0" spcFirstLastPara="0" vertOverflow="overflow" horzOverflow="overflow" vert="horz" wrap="square" lIns="121923" tIns="60961" rIns="121923" bIns="60961" numCol="1" spcCol="0" rtlCol="0" fromWordArt="0" anchor="ctr" anchorCtr="0" forceAA="0" compatLnSpc="1">
             <a:prstTxWarp prst="textNoShape">
               <a:avLst/>
             </a:prstTxWarp>
@@ -9769,7 +11189,7 @@
           <a:p>
             <a:pPr algn="ctr"/>
             <a:r>
-              <a:rPr lang="es-ES" sz="800" b="1" dirty="0">
+              <a:rPr lang="es-ES" sz="799" b="1" dirty="0">
                 <a:solidFill>
                   <a:schemeClr val="tx1"/>
                 </a:solidFill>
@@ -9793,7 +11213,7 @@
         </p:nvSpPr>
         <p:spPr>
           <a:xfrm>
-            <a:off x="18054261" y="5420963"/>
+            <a:off x="18054261" y="5420964"/>
             <a:ext cx="1120979" cy="274249"/>
           </a:xfrm>
           <a:prstGeom prst="borderCallout2">
@@ -9832,7 +11252,7 @@
           </a:fontRef>
         </p:style>
         <p:txBody>
-          <a:bodyPr rot="0" spcFirstLastPara="0" vertOverflow="overflow" horzOverflow="overflow" vert="horz" wrap="square" lIns="121924" tIns="60962" rIns="121924" bIns="60962" numCol="1" spcCol="0" rtlCol="0" fromWordArt="0" anchor="ctr" anchorCtr="0" forceAA="0" compatLnSpc="1">
+          <a:bodyPr rot="0" spcFirstLastPara="0" vertOverflow="overflow" horzOverflow="overflow" vert="horz" wrap="square" lIns="121923" tIns="60961" rIns="121923" bIns="60961" numCol="1" spcCol="0" rtlCol="0" fromWordArt="0" anchor="ctr" anchorCtr="0" forceAA="0" compatLnSpc="1">
             <a:prstTxWarp prst="textNoShape">
               <a:avLst/>
             </a:prstTxWarp>
@@ -9842,14 +11262,14 @@
           <a:p>
             <a:pPr algn="ctr"/>
             <a:r>
-              <a:rPr lang="es-ES" sz="800" b="1" dirty="0">
+              <a:rPr lang="es-ES" sz="799" b="1" dirty="0">
                 <a:solidFill>
                   <a:schemeClr val="tx1"/>
                 </a:solidFill>
               </a:rPr>
               <a:t>Dependencia del paquete a compilar</a:t>
             </a:r>
-            <a:endParaRPr lang="es-ES" sz="800" b="1" i="1" dirty="0">
+            <a:endParaRPr lang="es-ES" sz="799" b="1" i="1" dirty="0">
               <a:solidFill>
                 <a:schemeClr val="tx1"/>
               </a:solidFill>
@@ -9871,7 +11291,7 @@
         </p:nvSpPr>
         <p:spPr>
           <a:xfrm>
-            <a:off x="18054260" y="5694161"/>
+            <a:off x="18054261" y="5694162"/>
             <a:ext cx="1120979" cy="274249"/>
           </a:xfrm>
           <a:prstGeom prst="borderCallout2">
@@ -9910,7 +11330,7 @@
           </a:fontRef>
         </p:style>
         <p:txBody>
-          <a:bodyPr rot="0" spcFirstLastPara="0" vertOverflow="overflow" horzOverflow="overflow" vert="horz" wrap="square" lIns="121924" tIns="60962" rIns="121924" bIns="60962" numCol="1" spcCol="0" rtlCol="0" fromWordArt="0" anchor="ctr" anchorCtr="0" forceAA="0" compatLnSpc="1">
+          <a:bodyPr rot="0" spcFirstLastPara="0" vertOverflow="overflow" horzOverflow="overflow" vert="horz" wrap="square" lIns="121923" tIns="60961" rIns="121923" bIns="60961" numCol="1" spcCol="0" rtlCol="0" fromWordArt="0" anchor="ctr" anchorCtr="0" forceAA="0" compatLnSpc="1">
             <a:prstTxWarp prst="textNoShape">
               <a:avLst/>
             </a:prstTxWarp>
@@ -9920,14 +11340,14 @@
           <a:p>
             <a:pPr algn="ctr"/>
             <a:r>
-              <a:rPr lang="es-ES" sz="800" b="1" dirty="0">
+              <a:rPr lang="es-ES" sz="799" b="1" dirty="0">
                 <a:solidFill>
                   <a:schemeClr val="tx1"/>
                 </a:solidFill>
               </a:rPr>
               <a:t>Dependencia del paquete a Ejecutar</a:t>
             </a:r>
-            <a:endParaRPr lang="es-ES" sz="800" b="1" i="1" dirty="0">
+            <a:endParaRPr lang="es-ES" sz="799" b="1" i="1" dirty="0">
               <a:solidFill>
                 <a:schemeClr val="tx1"/>
               </a:solidFill>
@@ -9992,8 +11412,8 @@
         </p:blipFill>
         <p:spPr bwMode="auto">
           <a:xfrm>
-            <a:off x="13736637" y="3886200"/>
-            <a:ext cx="2279650" cy="2270125"/>
+            <a:off x="13736635" y="3886202"/>
+            <a:ext cx="2279652" cy="2270127"/>
           </a:xfrm>
           <a:prstGeom prst="rect">
             <a:avLst/>
@@ -10018,8 +11438,8 @@
         </p:nvSpPr>
         <p:spPr>
           <a:xfrm>
-            <a:off x="16400206" y="3982065"/>
-            <a:ext cx="1061884" cy="268337"/>
+            <a:off x="16400207" y="3982069"/>
+            <a:ext cx="1061885" cy="268336"/>
           </a:xfrm>
           <a:prstGeom prst="borderCallout2">
             <a:avLst>
@@ -10064,7 +11484,7 @@
           <a:p>
             <a:pPr lvl="0" algn="ctr"/>
             <a:r>
-              <a:rPr lang="es-ES" sz="800" b="1" dirty="0">
+              <a:rPr lang="es-ES" sz="799" b="1" dirty="0">
                 <a:solidFill>
                   <a:prstClr val="black"/>
                 </a:solidFill>
@@ -10088,8 +11508,8 @@
         </p:nvSpPr>
         <p:spPr>
           <a:xfrm>
-            <a:off x="16400205" y="4318820"/>
-            <a:ext cx="1526459" cy="268337"/>
+            <a:off x="16400205" y="4318824"/>
+            <a:ext cx="1526459" cy="268336"/>
           </a:xfrm>
           <a:prstGeom prst="borderCallout2">
             <a:avLst>
@@ -10134,7 +11554,7 @@
           <a:p>
             <a:pPr lvl="0" algn="ctr"/>
             <a:r>
-              <a:rPr lang="es-NI" sz="800" b="1" dirty="0">
+              <a:rPr lang="es-NI" sz="799" b="1" dirty="0">
                 <a:solidFill>
                   <a:prstClr val="black"/>
                 </a:solidFill>
@@ -10158,8 +11578,8 @@
         </p:nvSpPr>
         <p:spPr>
           <a:xfrm>
-            <a:off x="11981349" y="5889421"/>
-            <a:ext cx="1061884" cy="268337"/>
+            <a:off x="11981351" y="5889422"/>
+            <a:ext cx="1061885" cy="268336"/>
           </a:xfrm>
           <a:prstGeom prst="borderCallout2">
             <a:avLst>
@@ -10204,7 +11624,7 @@
           <a:p>
             <a:pPr lvl="0" algn="ctr"/>
             <a:r>
-              <a:rPr lang="es-NI" sz="800" b="1" dirty="0">
+              <a:rPr lang="es-NI" sz="799" b="1" dirty="0">
                 <a:solidFill>
                   <a:prstClr val="black"/>
                 </a:solidFill>
@@ -10228,8 +11648,8 @@
         </p:nvSpPr>
         <p:spPr>
           <a:xfrm>
-            <a:off x="11981349" y="4587157"/>
-            <a:ext cx="1061884" cy="472897"/>
+            <a:off x="11981351" y="4587160"/>
+            <a:ext cx="1061885" cy="472897"/>
           </a:xfrm>
           <a:prstGeom prst="borderCallout2">
             <a:avLst>
@@ -10274,7 +11694,7 @@
           <a:p>
             <a:pPr lvl="0" algn="ctr"/>
             <a:r>
-              <a:rPr lang="es-NI" sz="800" b="1" dirty="0">
+              <a:rPr lang="es-NI" sz="799" b="1" dirty="0">
                 <a:solidFill>
                   <a:prstClr val="black"/>
                 </a:solidFill>
@@ -10282,7 +11702,7 @@
               <a:t>Archivos CAD de Tres modelos de Robot de la Familia </a:t>
             </a:r>
             <a:r>
-              <a:rPr lang="es-NI" sz="800" b="1" dirty="0" err="1">
+              <a:rPr lang="es-NI" sz="799" b="1" dirty="0" err="1">
                 <a:solidFill>
                   <a:prstClr val="black"/>
                 </a:solidFill>
@@ -10290,7 +11710,7 @@
               <a:t>Kuka</a:t>
             </a:r>
             <a:r>
-              <a:rPr lang="es-NI" sz="800" b="1" dirty="0">
+              <a:rPr lang="es-NI" sz="799" b="1" dirty="0">
                 <a:solidFill>
                   <a:prstClr val="black"/>
                 </a:solidFill>
@@ -10360,8 +11780,8 @@
         </p:blipFill>
         <p:spPr>
           <a:xfrm>
-            <a:off x="12065931" y="7361595"/>
-            <a:ext cx="11258550" cy="5124450"/>
+            <a:off x="12065934" y="7361595"/>
+            <a:ext cx="11258550" cy="5124448"/>
           </a:xfrm>
         </p:spPr>
       </p:pic>
@@ -10393,8 +11813,8 @@
         </p:blipFill>
         <p:spPr>
           <a:xfrm>
-            <a:off x="3263603" y="7360880"/>
-            <a:ext cx="8802328" cy="5125165"/>
+            <a:off x="3263607" y="7360882"/>
+            <a:ext cx="8802327" cy="5125166"/>
           </a:xfrm>
           <a:prstGeom prst="rect">
             <a:avLst/>
@@ -10415,8 +11835,8 @@
         </p:nvSpPr>
         <p:spPr>
           <a:xfrm>
-            <a:off x="6838950" y="12616190"/>
-            <a:ext cx="2305050" cy="523220"/>
+            <a:off x="6838951" y="12616191"/>
+            <a:ext cx="2305049" cy="523092"/>
           </a:xfrm>
           <a:prstGeom prst="rect">
             <a:avLst/>
@@ -10431,10 +11851,10 @@
           <a:p>
             <a:pPr algn="ctr"/>
             <a:r>
-              <a:rPr lang="en-US" sz="2800" dirty="0"/>
+              <a:rPr lang="en-US" sz="2799" dirty="0"/>
               <a:t>a)</a:t>
             </a:r>
-            <a:endParaRPr lang="es-ES" sz="2800" dirty="0"/>
+            <a:endParaRPr lang="es-ES" sz="2799" dirty="0"/>
           </a:p>
         </p:txBody>
       </p:sp>
@@ -10452,8 +11872,8 @@
         </p:nvSpPr>
         <p:spPr>
           <a:xfrm>
-            <a:off x="17887950" y="12616190"/>
-            <a:ext cx="2305050" cy="523220"/>
+            <a:off x="17887951" y="12616191"/>
+            <a:ext cx="2305049" cy="523092"/>
           </a:xfrm>
           <a:prstGeom prst="rect">
             <a:avLst/>
@@ -10468,10 +11888,10 @@
           <a:p>
             <a:pPr algn="ctr"/>
             <a:r>
-              <a:rPr lang="en-US" sz="2800" dirty="0"/>
+              <a:rPr lang="en-US" sz="2799" dirty="0"/>
               <a:t>b)</a:t>
             </a:r>
-            <a:endParaRPr lang="es-ES" sz="2800" dirty="0"/>
+            <a:endParaRPr lang="es-ES" sz="2799" dirty="0"/>
           </a:p>
         </p:txBody>
       </p:sp>
@@ -10519,8 +11939,8 @@
         </p:nvSpPr>
         <p:spPr>
           <a:xfrm>
-            <a:off x="7174321" y="12505096"/>
-            <a:ext cx="2305050" cy="523220"/>
+            <a:off x="7174323" y="12505097"/>
+            <a:ext cx="2305049" cy="523092"/>
           </a:xfrm>
           <a:prstGeom prst="rect">
             <a:avLst/>
@@ -10535,10 +11955,10 @@
           <a:p>
             <a:pPr algn="ctr"/>
             <a:r>
-              <a:rPr lang="en-US" sz="2800" dirty="0"/>
+              <a:rPr lang="en-US" sz="2799" dirty="0"/>
               <a:t>a)</a:t>
             </a:r>
-            <a:endParaRPr lang="es-ES" sz="2800" dirty="0"/>
+            <a:endParaRPr lang="es-ES" sz="2799" dirty="0"/>
           </a:p>
         </p:txBody>
       </p:sp>
@@ -10556,8 +11976,8 @@
         </p:nvSpPr>
         <p:spPr>
           <a:xfrm>
-            <a:off x="14863762" y="12505096"/>
-            <a:ext cx="2305050" cy="523220"/>
+            <a:off x="14863763" y="12505097"/>
+            <a:ext cx="2305049" cy="523092"/>
           </a:xfrm>
           <a:prstGeom prst="rect">
             <a:avLst/>
@@ -10572,10 +11992,10 @@
           <a:p>
             <a:pPr algn="ctr"/>
             <a:r>
-              <a:rPr lang="en-US" sz="2800" dirty="0"/>
+              <a:rPr lang="en-US" sz="2799" dirty="0"/>
               <a:t>b)</a:t>
             </a:r>
-            <a:endParaRPr lang="es-ES" sz="2800" dirty="0"/>
+            <a:endParaRPr lang="es-ES" sz="2799" dirty="0"/>
           </a:p>
         </p:txBody>
       </p:sp>
@@ -10607,8 +12027,8 @@
         </p:blipFill>
         <p:spPr>
           <a:xfrm>
-            <a:off x="4587762" y="7566053"/>
-            <a:ext cx="7478169" cy="4715533"/>
+            <a:off x="4587762" y="7566057"/>
+            <a:ext cx="7478170" cy="4715532"/>
           </a:xfrm>
           <a:prstGeom prst="rect">
             <a:avLst/>
@@ -10645,8 +12065,8 @@
         </p:blipFill>
         <p:spPr>
           <a:xfrm>
-            <a:off x="11327751" y="7566053"/>
-            <a:ext cx="9377072" cy="4715533"/>
+            <a:off x="11327756" y="7566057"/>
+            <a:ext cx="9377070" cy="4715532"/>
           </a:xfrm>
         </p:spPr>
       </p:pic>
@@ -10694,8 +12114,8 @@
         </p:nvSpPr>
         <p:spPr>
           <a:xfrm>
-            <a:off x="7174321" y="11981876"/>
-            <a:ext cx="2305050" cy="523220"/>
+            <a:off x="7174323" y="11981877"/>
+            <a:ext cx="2305049" cy="523092"/>
           </a:xfrm>
           <a:prstGeom prst="rect">
             <a:avLst/>
@@ -10710,10 +12130,10 @@
           <a:p>
             <a:pPr algn="ctr"/>
             <a:r>
-              <a:rPr lang="en-US" sz="2800" dirty="0"/>
+              <a:rPr lang="en-US" sz="2799" dirty="0"/>
               <a:t>a)</a:t>
             </a:r>
-            <a:endParaRPr lang="es-ES" sz="2800" dirty="0"/>
+            <a:endParaRPr lang="es-ES" sz="2799" dirty="0"/>
           </a:p>
         </p:txBody>
       </p:sp>
@@ -10731,8 +12151,8 @@
         </p:nvSpPr>
         <p:spPr>
           <a:xfrm>
-            <a:off x="14863762" y="11981876"/>
-            <a:ext cx="2305050" cy="523220"/>
+            <a:off x="14863763" y="11981877"/>
+            <a:ext cx="2305049" cy="523092"/>
           </a:xfrm>
           <a:prstGeom prst="rect">
             <a:avLst/>
@@ -10747,10 +12167,10 @@
           <a:p>
             <a:pPr algn="ctr"/>
             <a:r>
-              <a:rPr lang="en-US" sz="2800" dirty="0"/>
+              <a:rPr lang="en-US" sz="2799" dirty="0"/>
               <a:t>b)</a:t>
             </a:r>
-            <a:endParaRPr lang="es-ES" sz="2800" dirty="0"/>
+            <a:endParaRPr lang="es-ES" sz="2799" dirty="0"/>
           </a:p>
         </p:txBody>
       </p:sp>
@@ -10782,8 +12202,8 @@
         </p:blipFill>
         <p:spPr>
           <a:xfrm>
-            <a:off x="11441955" y="7661316"/>
-            <a:ext cx="8524875" cy="4314825"/>
+            <a:off x="11441955" y="7661320"/>
+            <a:ext cx="8524876" cy="4314824"/>
           </a:xfrm>
           <a:prstGeom prst="rect">
             <a:avLst/>
@@ -10817,8 +12237,8 @@
         </p:blipFill>
         <p:spPr>
           <a:xfrm>
-            <a:off x="5211736" y="7661316"/>
-            <a:ext cx="6230219" cy="4314825"/>
+            <a:off x="5211737" y="7661320"/>
+            <a:ext cx="6230220" cy="4314824"/>
           </a:xfrm>
           <a:prstGeom prst="rect">
             <a:avLst/>
@@ -10869,8 +12289,8 @@
         </p:nvSpPr>
         <p:spPr>
           <a:xfrm>
-            <a:off x="7816625" y="11993152"/>
-            <a:ext cx="2305050" cy="523220"/>
+            <a:off x="7816624" y="11993153"/>
+            <a:ext cx="2305049" cy="523092"/>
           </a:xfrm>
           <a:prstGeom prst="rect">
             <a:avLst/>
@@ -10885,10 +12305,10 @@
           <a:p>
             <a:pPr algn="ctr"/>
             <a:r>
-              <a:rPr lang="en-US" sz="2800" dirty="0"/>
+              <a:rPr lang="en-US" sz="2799" dirty="0"/>
               <a:t>a)</a:t>
             </a:r>
-            <a:endParaRPr lang="es-ES" sz="2800" dirty="0"/>
+            <a:endParaRPr lang="es-ES" sz="2799" dirty="0"/>
           </a:p>
         </p:txBody>
       </p:sp>
@@ -10906,8 +12326,8 @@
         </p:nvSpPr>
         <p:spPr>
           <a:xfrm>
-            <a:off x="14863762" y="11981876"/>
-            <a:ext cx="2305050" cy="523220"/>
+            <a:off x="14863763" y="11981877"/>
+            <a:ext cx="2305049" cy="523092"/>
           </a:xfrm>
           <a:prstGeom prst="rect">
             <a:avLst/>
@@ -10922,10 +12342,10 @@
           <a:p>
             <a:pPr algn="ctr"/>
             <a:r>
-              <a:rPr lang="en-US" sz="2800" dirty="0"/>
+              <a:rPr lang="en-US" sz="2799" dirty="0"/>
               <a:t>b)</a:t>
             </a:r>
-            <a:endParaRPr lang="es-ES" sz="2800" dirty="0"/>
+            <a:endParaRPr lang="es-ES" sz="2799" dirty="0"/>
           </a:p>
         </p:txBody>
       </p:sp>
@@ -10956,8 +12376,8 @@
         </p:blipFill>
         <p:spPr>
           <a:xfrm>
-            <a:off x="11470618" y="7834628"/>
-            <a:ext cx="9921530" cy="4076700"/>
+            <a:off x="11470618" y="7834629"/>
+            <a:ext cx="9921530" cy="4076699"/>
           </a:xfrm>
           <a:prstGeom prst="rect">
             <a:avLst/>
@@ -10991,8 +12411,8 @@
         </p:blipFill>
         <p:spPr>
           <a:xfrm>
-            <a:off x="6082672" y="7869902"/>
-            <a:ext cx="5772956" cy="4076700"/>
+            <a:off x="6082674" y="7869902"/>
+            <a:ext cx="5772957" cy="4076699"/>
           </a:xfrm>
           <a:prstGeom prst="rect">
             <a:avLst/>
@@ -11043,8 +12463,8 @@
         </p:nvSpPr>
         <p:spPr>
           <a:xfrm>
-            <a:off x="7816625" y="11993152"/>
-            <a:ext cx="2305050" cy="523220"/>
+            <a:off x="7816624" y="11993153"/>
+            <a:ext cx="2305049" cy="523092"/>
           </a:xfrm>
           <a:prstGeom prst="rect">
             <a:avLst/>
@@ -11059,10 +12479,10 @@
           <a:p>
             <a:pPr algn="ctr"/>
             <a:r>
-              <a:rPr lang="en-US" sz="2800" dirty="0"/>
+              <a:rPr lang="en-US" sz="2799" dirty="0"/>
               <a:t>a)</a:t>
             </a:r>
-            <a:endParaRPr lang="es-ES" sz="2800" dirty="0"/>
+            <a:endParaRPr lang="es-ES" sz="2799" dirty="0"/>
           </a:p>
         </p:txBody>
       </p:sp>
@@ -11080,8 +12500,8 @@
         </p:nvSpPr>
         <p:spPr>
           <a:xfrm>
-            <a:off x="14863762" y="11981876"/>
-            <a:ext cx="2305050" cy="523220"/>
+            <a:off x="14863763" y="11981877"/>
+            <a:ext cx="2305049" cy="523092"/>
           </a:xfrm>
           <a:prstGeom prst="rect">
             <a:avLst/>
@@ -11096,10 +12516,10 @@
           <a:p>
             <a:pPr algn="ctr"/>
             <a:r>
-              <a:rPr lang="en-US" sz="2800" dirty="0"/>
+              <a:rPr lang="en-US" sz="2799" dirty="0"/>
               <a:t>b)</a:t>
             </a:r>
-            <a:endParaRPr lang="es-ES" sz="2800" dirty="0"/>
+            <a:endParaRPr lang="es-ES" sz="2799" dirty="0"/>
           </a:p>
         </p:txBody>
       </p:sp>
@@ -11123,8 +12543,8 @@
         </p:blipFill>
         <p:spPr>
           <a:xfrm>
-            <a:off x="9177064" y="9189901"/>
-            <a:ext cx="4441644" cy="1249499"/>
+            <a:off x="9177064" y="9189902"/>
+            <a:ext cx="4441644" cy="1249498"/>
           </a:xfrm>
           <a:prstGeom prst="rect">
             <a:avLst/>
@@ -11145,8 +12565,8 @@
         </p:nvSpPr>
         <p:spPr>
           <a:xfrm>
-            <a:off x="13907452" y="8833216"/>
-            <a:ext cx="1119334" cy="351692"/>
+            <a:off x="13907451" y="8833216"/>
+            <a:ext cx="1119333" cy="351693"/>
           </a:xfrm>
           <a:prstGeom prst="borderCallout2">
             <a:avLst>
@@ -11184,7 +12604,7 @@
           </a:fontRef>
         </p:style>
         <p:txBody>
-          <a:bodyPr rot="0" spcFirstLastPara="0" vertOverflow="overflow" horzOverflow="overflow" vert="horz" wrap="square" lIns="121924" tIns="60962" rIns="121924" bIns="60962" numCol="1" spcCol="0" rtlCol="0" fromWordArt="0" anchor="ctr" anchorCtr="0" forceAA="0" compatLnSpc="1">
+          <a:bodyPr rot="0" spcFirstLastPara="0" vertOverflow="overflow" horzOverflow="overflow" vert="horz" wrap="square" lIns="121923" tIns="60961" rIns="121923" bIns="60961" numCol="1" spcCol="0" rtlCol="0" fromWordArt="0" anchor="ctr" anchorCtr="0" forceAA="0" compatLnSpc="1">
             <a:prstTxWarp prst="textNoShape">
               <a:avLst/>
             </a:prstTxWarp>
@@ -11194,14 +12614,14 @@
           <a:p>
             <a:pPr algn="ctr"/>
             <a:r>
-              <a:rPr lang="es-ES" sz="800" b="1" dirty="0">
+              <a:rPr lang="es-ES" sz="799" b="1" dirty="0">
                 <a:solidFill>
                   <a:schemeClr val="tx1"/>
                 </a:solidFill>
               </a:rPr>
               <a:t>Rotación sobe el Eje Z</a:t>
             </a:r>
-            <a:endParaRPr lang="es-ES" sz="800" b="1" i="1" dirty="0">
+            <a:endParaRPr lang="es-ES" sz="799" b="1" i="1" dirty="0">
               <a:solidFill>
                 <a:schemeClr val="tx1"/>
               </a:solidFill>
@@ -11223,8 +12643,8 @@
         </p:nvSpPr>
         <p:spPr>
           <a:xfrm>
-            <a:off x="13907452" y="9920246"/>
-            <a:ext cx="1119334" cy="351692"/>
+            <a:off x="13907451" y="9920246"/>
+            <a:ext cx="1119333" cy="351693"/>
           </a:xfrm>
           <a:prstGeom prst="borderCallout2">
             <a:avLst>
@@ -11262,7 +12682,7 @@
           </a:fontRef>
         </p:style>
         <p:txBody>
-          <a:bodyPr rot="0" spcFirstLastPara="0" vertOverflow="overflow" horzOverflow="overflow" vert="horz" wrap="square" lIns="121924" tIns="60962" rIns="121924" bIns="60962" numCol="1" spcCol="0" rtlCol="0" fromWordArt="0" anchor="ctr" anchorCtr="0" forceAA="0" compatLnSpc="1">
+          <a:bodyPr rot="0" spcFirstLastPara="0" vertOverflow="overflow" horzOverflow="overflow" vert="horz" wrap="square" lIns="121923" tIns="60961" rIns="121923" bIns="60961" numCol="1" spcCol="0" rtlCol="0" fromWordArt="0" anchor="ctr" anchorCtr="0" forceAA="0" compatLnSpc="1">
             <a:prstTxWarp prst="textNoShape">
               <a:avLst/>
             </a:prstTxWarp>
@@ -11272,14 +12692,14 @@
           <a:p>
             <a:pPr algn="ctr"/>
             <a:r>
-              <a:rPr lang="es-ES" sz="800" b="1" dirty="0">
+              <a:rPr lang="es-ES" sz="799" b="1" dirty="0">
                 <a:solidFill>
                   <a:schemeClr val="tx1"/>
                 </a:solidFill>
               </a:rPr>
               <a:t>Rotación sobe el Eje X</a:t>
             </a:r>
-            <a:endParaRPr lang="es-ES" sz="800" b="1" i="1" dirty="0">
+            <a:endParaRPr lang="es-ES" sz="799" b="1" i="1" dirty="0">
               <a:solidFill>
                 <a:schemeClr val="tx1"/>
               </a:solidFill>
@@ -11301,8 +12721,8 @@
         </p:nvSpPr>
         <p:spPr>
           <a:xfrm>
-            <a:off x="13907452" y="9441141"/>
-            <a:ext cx="1119334" cy="351692"/>
+            <a:off x="13907451" y="9441141"/>
+            <a:ext cx="1119333" cy="351693"/>
           </a:xfrm>
           <a:prstGeom prst="borderCallout2">
             <a:avLst>
@@ -11340,7 +12760,7 @@
           </a:fontRef>
         </p:style>
         <p:txBody>
-          <a:bodyPr rot="0" spcFirstLastPara="0" vertOverflow="overflow" horzOverflow="overflow" vert="horz" wrap="square" lIns="121924" tIns="60962" rIns="121924" bIns="60962" numCol="1" spcCol="0" rtlCol="0" fromWordArt="0" anchor="ctr" anchorCtr="0" forceAA="0" compatLnSpc="1">
+          <a:bodyPr rot="0" spcFirstLastPara="0" vertOverflow="overflow" horzOverflow="overflow" vert="horz" wrap="square" lIns="121923" tIns="60961" rIns="121923" bIns="60961" numCol="1" spcCol="0" rtlCol="0" fromWordArt="0" anchor="ctr" anchorCtr="0" forceAA="0" compatLnSpc="1">
             <a:prstTxWarp prst="textNoShape">
               <a:avLst/>
             </a:prstTxWarp>
@@ -11350,14 +12770,14 @@
           <a:p>
             <a:pPr algn="ctr"/>
             <a:r>
-              <a:rPr lang="es-ES" sz="800" b="1" dirty="0">
+              <a:rPr lang="es-ES" sz="799" b="1" dirty="0">
                 <a:solidFill>
                   <a:schemeClr val="tx1"/>
                 </a:solidFill>
               </a:rPr>
               <a:t>Rotación sobe el Eje Y</a:t>
             </a:r>
-            <a:endParaRPr lang="es-ES" sz="800" b="1" i="1" dirty="0">
+            <a:endParaRPr lang="es-ES" sz="799" b="1" i="1" dirty="0">
               <a:solidFill>
                 <a:schemeClr val="tx1"/>
               </a:solidFill>
@@ -11379,8 +12799,8 @@
         </p:nvSpPr>
         <p:spPr>
           <a:xfrm>
-            <a:off x="8115180" y="9859643"/>
-            <a:ext cx="1061884" cy="472897"/>
+            <a:off x="8115183" y="9859644"/>
+            <a:ext cx="1061885" cy="472897"/>
           </a:xfrm>
           <a:prstGeom prst="borderCallout2">
             <a:avLst>
@@ -11425,7 +12845,7 @@
           <a:p>
             <a:pPr lvl="0" algn="ctr"/>
             <a:r>
-              <a:rPr lang="es-NI" sz="800" b="1" dirty="0">
+              <a:rPr lang="es-NI" sz="799" b="1" dirty="0">
                 <a:solidFill>
                   <a:prstClr val="black"/>
                 </a:solidFill>

--- a/meshes [Autoguardado].pptx
+++ b/meshes [Autoguardado].pptx
@@ -9,16 +9,18 @@
     <p:sldId id="257" r:id="rId3"/>
     <p:sldId id="258" r:id="rId4"/>
     <p:sldId id="260" r:id="rId5"/>
-    <p:sldId id="261" r:id="rId6"/>
-    <p:sldId id="262" r:id="rId7"/>
-    <p:sldId id="263" r:id="rId8"/>
-    <p:sldId id="264" r:id="rId9"/>
-    <p:sldId id="265" r:id="rId10"/>
-    <p:sldId id="266" r:id="rId11"/>
-    <p:sldId id="267" r:id="rId12"/>
-    <p:sldId id="268" r:id="rId13"/>
-    <p:sldId id="269" r:id="rId14"/>
-    <p:sldId id="259" r:id="rId15"/>
+    <p:sldId id="259" r:id="rId6"/>
+    <p:sldId id="261" r:id="rId7"/>
+    <p:sldId id="262" r:id="rId8"/>
+    <p:sldId id="263" r:id="rId9"/>
+    <p:sldId id="264" r:id="rId10"/>
+    <p:sldId id="265" r:id="rId11"/>
+    <p:sldId id="266" r:id="rId12"/>
+    <p:sldId id="267" r:id="rId13"/>
+    <p:sldId id="268" r:id="rId14"/>
+    <p:sldId id="269" r:id="rId15"/>
+    <p:sldId id="270" r:id="rId16"/>
+    <p:sldId id="271" r:id="rId17"/>
   </p:sldIdLst>
   <p:sldSz cx="32032575" cy="18018125"/>
   <p:notesSz cx="6858000" cy="9144000"/>
@@ -3903,7 +3905,7 @@
           <a:p>
             <a:fld id="{56E17E0E-BED0-40DA-882A-A57045C57D8C}" type="datetimeFigureOut">
               <a:rPr lang="es-ES" smtClean="0"/>
-              <a:t>24/06/2019</a:t>
+              <a:t>27/06/2019</a:t>
             </a:fld>
             <a:endParaRPr lang="es-ES"/>
           </a:p>
@@ -4073,7 +4075,7 @@
           <a:p>
             <a:fld id="{56E17E0E-BED0-40DA-882A-A57045C57D8C}" type="datetimeFigureOut">
               <a:rPr lang="es-ES" smtClean="0"/>
-              <a:t>24/06/2019</a:t>
+              <a:t>27/06/2019</a:t>
             </a:fld>
             <a:endParaRPr lang="es-ES"/>
           </a:p>
@@ -4253,7 +4255,7 @@
           <a:p>
             <a:fld id="{56E17E0E-BED0-40DA-882A-A57045C57D8C}" type="datetimeFigureOut">
               <a:rPr lang="es-ES" smtClean="0"/>
-              <a:t>24/06/2019</a:t>
+              <a:t>27/06/2019</a:t>
             </a:fld>
             <a:endParaRPr lang="es-ES"/>
           </a:p>
@@ -4423,7 +4425,7 @@
           <a:p>
             <a:fld id="{56E17E0E-BED0-40DA-882A-A57045C57D8C}" type="datetimeFigureOut">
               <a:rPr lang="es-ES" smtClean="0"/>
-              <a:t>24/06/2019</a:t>
+              <a:t>27/06/2019</a:t>
             </a:fld>
             <a:endParaRPr lang="es-ES"/>
           </a:p>
@@ -4669,7 +4671,7 @@
           <a:p>
             <a:fld id="{56E17E0E-BED0-40DA-882A-A57045C57D8C}" type="datetimeFigureOut">
               <a:rPr lang="es-ES" smtClean="0"/>
-              <a:t>24/06/2019</a:t>
+              <a:t>27/06/2019</a:t>
             </a:fld>
             <a:endParaRPr lang="es-ES"/>
           </a:p>
@@ -4901,7 +4903,7 @@
           <a:p>
             <a:fld id="{56E17E0E-BED0-40DA-882A-A57045C57D8C}" type="datetimeFigureOut">
               <a:rPr lang="es-ES" smtClean="0"/>
-              <a:t>24/06/2019</a:t>
+              <a:t>27/06/2019</a:t>
             </a:fld>
             <a:endParaRPr lang="es-ES"/>
           </a:p>
@@ -5268,7 +5270,7 @@
           <a:p>
             <a:fld id="{56E17E0E-BED0-40DA-882A-A57045C57D8C}" type="datetimeFigureOut">
               <a:rPr lang="es-ES" smtClean="0"/>
-              <a:t>24/06/2019</a:t>
+              <a:t>27/06/2019</a:t>
             </a:fld>
             <a:endParaRPr lang="es-ES"/>
           </a:p>
@@ -5386,7 +5388,7 @@
           <a:p>
             <a:fld id="{56E17E0E-BED0-40DA-882A-A57045C57D8C}" type="datetimeFigureOut">
               <a:rPr lang="es-ES" smtClean="0"/>
-              <a:t>24/06/2019</a:t>
+              <a:t>27/06/2019</a:t>
             </a:fld>
             <a:endParaRPr lang="es-ES"/>
           </a:p>
@@ -5481,7 +5483,7 @@
           <a:p>
             <a:fld id="{56E17E0E-BED0-40DA-882A-A57045C57D8C}" type="datetimeFigureOut">
               <a:rPr lang="es-ES" smtClean="0"/>
-              <a:t>24/06/2019</a:t>
+              <a:t>27/06/2019</a:t>
             </a:fld>
             <a:endParaRPr lang="es-ES"/>
           </a:p>
@@ -5758,7 +5760,7 @@
           <a:p>
             <a:fld id="{56E17E0E-BED0-40DA-882A-A57045C57D8C}" type="datetimeFigureOut">
               <a:rPr lang="es-ES" smtClean="0"/>
-              <a:t>24/06/2019</a:t>
+              <a:t>27/06/2019</a:t>
             </a:fld>
             <a:endParaRPr lang="es-ES"/>
           </a:p>
@@ -6015,7 +6017,7 @@
           <a:p>
             <a:fld id="{56E17E0E-BED0-40DA-882A-A57045C57D8C}" type="datetimeFigureOut">
               <a:rPr lang="es-ES" smtClean="0"/>
-              <a:t>24/06/2019</a:t>
+              <a:t>27/06/2019</a:t>
             </a:fld>
             <a:endParaRPr lang="es-ES"/>
           </a:p>
@@ -6228,7 +6230,7 @@
           <a:p>
             <a:fld id="{56E17E0E-BED0-40DA-882A-A57045C57D8C}" type="datetimeFigureOut">
               <a:rPr lang="es-ES" smtClean="0"/>
-              <a:t>24/06/2019</a:t>
+              <a:t>27/06/2019</a:t>
             </a:fld>
             <a:endParaRPr lang="es-ES"/>
           </a:p>
@@ -7948,6 +7950,442 @@
           <a:chExt cx="0" cy="0"/>
         </a:xfrm>
       </p:grpSpPr>
+      <p:sp>
+        <p:nvSpPr>
+          <p:cNvPr id="12" name="CuadroTexto 11">
+            <a:extLst>
+              <a:ext uri="{FF2B5EF4-FFF2-40B4-BE49-F238E27FC236}">
+                <a16:creationId xmlns:a16="http://schemas.microsoft.com/office/drawing/2014/main" id="{02989EB8-3B75-435F-BC1E-A67CC0E1F4A4}"/>
+              </a:ext>
+            </a:extLst>
+          </p:cNvPr>
+          <p:cNvSpPr txBox="1"/>
+          <p:nvPr/>
+        </p:nvSpPr>
+        <p:spPr>
+          <a:xfrm>
+            <a:off x="7816624" y="11993153"/>
+            <a:ext cx="2305049" cy="523092"/>
+          </a:xfrm>
+          <a:prstGeom prst="rect">
+            <a:avLst/>
+          </a:prstGeom>
+          <a:noFill/>
+        </p:spPr>
+        <p:txBody>
+          <a:bodyPr wrap="square" rtlCol="0">
+            <a:spAutoFit/>
+          </a:bodyPr>
+          <a:lstStyle/>
+          <a:p>
+            <a:pPr algn="ctr"/>
+            <a:r>
+              <a:rPr lang="en-US" sz="2799" dirty="0"/>
+              <a:t>a)</a:t>
+            </a:r>
+            <a:endParaRPr lang="es-ES" sz="2799" dirty="0"/>
+          </a:p>
+        </p:txBody>
+      </p:sp>
+      <p:sp>
+        <p:nvSpPr>
+          <p:cNvPr id="13" name="CuadroTexto 12">
+            <a:extLst>
+              <a:ext uri="{FF2B5EF4-FFF2-40B4-BE49-F238E27FC236}">
+                <a16:creationId xmlns:a16="http://schemas.microsoft.com/office/drawing/2014/main" id="{8E545042-1AF8-4484-8FAB-9D68628FD426}"/>
+              </a:ext>
+            </a:extLst>
+          </p:cNvPr>
+          <p:cNvSpPr txBox="1"/>
+          <p:nvPr/>
+        </p:nvSpPr>
+        <p:spPr>
+          <a:xfrm>
+            <a:off x="14863763" y="11981877"/>
+            <a:ext cx="2305049" cy="523092"/>
+          </a:xfrm>
+          <a:prstGeom prst="rect">
+            <a:avLst/>
+          </a:prstGeom>
+          <a:noFill/>
+        </p:spPr>
+        <p:txBody>
+          <a:bodyPr wrap="square" rtlCol="0">
+            <a:spAutoFit/>
+          </a:bodyPr>
+          <a:lstStyle/>
+          <a:p>
+            <a:pPr algn="ctr"/>
+            <a:r>
+              <a:rPr lang="en-US" sz="2799" dirty="0"/>
+              <a:t>b)</a:t>
+            </a:r>
+            <a:endParaRPr lang="es-ES" sz="2799" dirty="0"/>
+          </a:p>
+        </p:txBody>
+      </p:sp>
+      <p:pic>
+        <p:nvPicPr>
+          <p:cNvPr id="7" name="Imagen 6">
+            <a:extLst>
+              <a:ext uri="{FF2B5EF4-FFF2-40B4-BE49-F238E27FC236}">
+                <a16:creationId xmlns:a16="http://schemas.microsoft.com/office/drawing/2014/main" id="{629D62BC-9D47-4E9D-89AE-155D993B4617}"/>
+              </a:ext>
+            </a:extLst>
+          </p:cNvPr>
+          <p:cNvPicPr/>
+          <p:nvPr/>
+        </p:nvPicPr>
+        <p:blipFill>
+          <a:blip r:embed="rId2"/>
+          <a:stretch>
+            <a:fillRect/>
+          </a:stretch>
+        </p:blipFill>
+        <p:spPr>
+          <a:xfrm>
+            <a:off x="9177064" y="9189902"/>
+            <a:ext cx="4441644" cy="1249498"/>
+          </a:xfrm>
+          <a:prstGeom prst="rect">
+            <a:avLst/>
+          </a:prstGeom>
+        </p:spPr>
+      </p:pic>
+      <p:sp>
+        <p:nvSpPr>
+          <p:cNvPr id="8" name="Globo: línea doblada 7">
+            <a:extLst>
+              <a:ext uri="{FF2B5EF4-FFF2-40B4-BE49-F238E27FC236}">
+                <a16:creationId xmlns:a16="http://schemas.microsoft.com/office/drawing/2014/main" id="{F2708F88-85A7-44FA-9612-9974FE174372}"/>
+              </a:ext>
+            </a:extLst>
+          </p:cNvPr>
+          <p:cNvSpPr/>
+          <p:nvPr/>
+        </p:nvSpPr>
+        <p:spPr>
+          <a:xfrm>
+            <a:off x="13907451" y="8833216"/>
+            <a:ext cx="1119333" cy="351693"/>
+          </a:xfrm>
+          <a:prstGeom prst="borderCallout2">
+            <a:avLst>
+              <a:gd name="adj1" fmla="val 84774"/>
+              <a:gd name="adj2" fmla="val -7444"/>
+              <a:gd name="adj3" fmla="val 85713"/>
+              <a:gd name="adj4" fmla="val -31941"/>
+              <a:gd name="adj5" fmla="val 186953"/>
+              <a:gd name="adj6" fmla="val -53214"/>
+            </a:avLst>
+          </a:prstGeom>
+          <a:solidFill>
+            <a:schemeClr val="bg2"/>
+          </a:solidFill>
+          <a:ln w="19050">
+            <a:solidFill>
+              <a:srgbClr val="FF0000"/>
+            </a:solidFill>
+          </a:ln>
+        </p:spPr>
+        <p:style>
+          <a:lnRef idx="2">
+            <a:schemeClr val="accent1">
+              <a:shade val="50000"/>
+            </a:schemeClr>
+          </a:lnRef>
+          <a:fillRef idx="1">
+            <a:schemeClr val="accent1"/>
+          </a:fillRef>
+          <a:effectRef idx="0">
+            <a:schemeClr val="accent1"/>
+          </a:effectRef>
+          <a:fontRef idx="minor">
+            <a:schemeClr val="lt1"/>
+          </a:fontRef>
+        </p:style>
+        <p:txBody>
+          <a:bodyPr rot="0" spcFirstLastPara="0" vertOverflow="overflow" horzOverflow="overflow" vert="horz" wrap="square" lIns="121923" tIns="60961" rIns="121923" bIns="60961" numCol="1" spcCol="0" rtlCol="0" fromWordArt="0" anchor="ctr" anchorCtr="0" forceAA="0" compatLnSpc="1">
+            <a:prstTxWarp prst="textNoShape">
+              <a:avLst/>
+            </a:prstTxWarp>
+            <a:noAutofit/>
+          </a:bodyPr>
+          <a:lstStyle/>
+          <a:p>
+            <a:pPr algn="ctr"/>
+            <a:r>
+              <a:rPr lang="es-ES" sz="799" b="1" dirty="0">
+                <a:solidFill>
+                  <a:schemeClr val="tx1"/>
+                </a:solidFill>
+              </a:rPr>
+              <a:t>Rotación sobe el Eje Z</a:t>
+            </a:r>
+            <a:endParaRPr lang="es-ES" sz="799" b="1" i="1" dirty="0">
+              <a:solidFill>
+                <a:schemeClr val="tx1"/>
+              </a:solidFill>
+            </a:endParaRPr>
+          </a:p>
+        </p:txBody>
+      </p:sp>
+      <p:sp>
+        <p:nvSpPr>
+          <p:cNvPr id="9" name="Globo: línea doblada 8">
+            <a:extLst>
+              <a:ext uri="{FF2B5EF4-FFF2-40B4-BE49-F238E27FC236}">
+                <a16:creationId xmlns:a16="http://schemas.microsoft.com/office/drawing/2014/main" id="{DDC23153-A2C4-4F2B-B5B4-0E091DF404F8}"/>
+              </a:ext>
+            </a:extLst>
+          </p:cNvPr>
+          <p:cNvSpPr/>
+          <p:nvPr/>
+        </p:nvSpPr>
+        <p:spPr>
+          <a:xfrm>
+            <a:off x="13907451" y="9920246"/>
+            <a:ext cx="1119333" cy="351693"/>
+          </a:xfrm>
+          <a:prstGeom prst="borderCallout2">
+            <a:avLst>
+              <a:gd name="adj1" fmla="val 81441"/>
+              <a:gd name="adj2" fmla="val -4302"/>
+              <a:gd name="adj3" fmla="val 85713"/>
+              <a:gd name="adj4" fmla="val -158668"/>
+              <a:gd name="adj5" fmla="val 17924"/>
+              <a:gd name="adj6" fmla="val -200755"/>
+            </a:avLst>
+          </a:prstGeom>
+          <a:solidFill>
+            <a:schemeClr val="bg2"/>
+          </a:solidFill>
+          <a:ln w="19050">
+            <a:solidFill>
+              <a:srgbClr val="FF0000"/>
+            </a:solidFill>
+          </a:ln>
+        </p:spPr>
+        <p:style>
+          <a:lnRef idx="2">
+            <a:schemeClr val="accent1">
+              <a:shade val="50000"/>
+            </a:schemeClr>
+          </a:lnRef>
+          <a:fillRef idx="1">
+            <a:schemeClr val="accent1"/>
+          </a:fillRef>
+          <a:effectRef idx="0">
+            <a:schemeClr val="accent1"/>
+          </a:effectRef>
+          <a:fontRef idx="minor">
+            <a:schemeClr val="lt1"/>
+          </a:fontRef>
+        </p:style>
+        <p:txBody>
+          <a:bodyPr rot="0" spcFirstLastPara="0" vertOverflow="overflow" horzOverflow="overflow" vert="horz" wrap="square" lIns="121923" tIns="60961" rIns="121923" bIns="60961" numCol="1" spcCol="0" rtlCol="0" fromWordArt="0" anchor="ctr" anchorCtr="0" forceAA="0" compatLnSpc="1">
+            <a:prstTxWarp prst="textNoShape">
+              <a:avLst/>
+            </a:prstTxWarp>
+            <a:noAutofit/>
+          </a:bodyPr>
+          <a:lstStyle/>
+          <a:p>
+            <a:pPr algn="ctr"/>
+            <a:r>
+              <a:rPr lang="es-ES" sz="799" b="1" dirty="0">
+                <a:solidFill>
+                  <a:schemeClr val="tx1"/>
+                </a:solidFill>
+              </a:rPr>
+              <a:t>Rotación sobe el Eje X</a:t>
+            </a:r>
+            <a:endParaRPr lang="es-ES" sz="799" b="1" i="1" dirty="0">
+              <a:solidFill>
+                <a:schemeClr val="tx1"/>
+              </a:solidFill>
+            </a:endParaRPr>
+          </a:p>
+        </p:txBody>
+      </p:sp>
+      <p:sp>
+        <p:nvSpPr>
+          <p:cNvPr id="10" name="Globo: línea doblada 9">
+            <a:extLst>
+              <a:ext uri="{FF2B5EF4-FFF2-40B4-BE49-F238E27FC236}">
+                <a16:creationId xmlns:a16="http://schemas.microsoft.com/office/drawing/2014/main" id="{E93074BF-F6BF-40EC-8A70-F5C2A40B6AA2}"/>
+              </a:ext>
+            </a:extLst>
+          </p:cNvPr>
+          <p:cNvSpPr/>
+          <p:nvPr/>
+        </p:nvSpPr>
+        <p:spPr>
+          <a:xfrm>
+            <a:off x="13907451" y="9441141"/>
+            <a:ext cx="1119333" cy="351693"/>
+          </a:xfrm>
+          <a:prstGeom prst="borderCallout2">
+            <a:avLst>
+              <a:gd name="adj1" fmla="val 84774"/>
+              <a:gd name="adj2" fmla="val -7444"/>
+              <a:gd name="adj3" fmla="val 145712"/>
+              <a:gd name="adj4" fmla="val -36130"/>
+              <a:gd name="adj5" fmla="val 144592"/>
+              <a:gd name="adj6" fmla="val -140010"/>
+            </a:avLst>
+          </a:prstGeom>
+          <a:solidFill>
+            <a:schemeClr val="bg2"/>
+          </a:solidFill>
+          <a:ln w="19050">
+            <a:solidFill>
+              <a:srgbClr val="FF0000"/>
+            </a:solidFill>
+          </a:ln>
+        </p:spPr>
+        <p:style>
+          <a:lnRef idx="2">
+            <a:schemeClr val="accent1">
+              <a:shade val="50000"/>
+            </a:schemeClr>
+          </a:lnRef>
+          <a:fillRef idx="1">
+            <a:schemeClr val="accent1"/>
+          </a:fillRef>
+          <a:effectRef idx="0">
+            <a:schemeClr val="accent1"/>
+          </a:effectRef>
+          <a:fontRef idx="minor">
+            <a:schemeClr val="lt1"/>
+          </a:fontRef>
+        </p:style>
+        <p:txBody>
+          <a:bodyPr rot="0" spcFirstLastPara="0" vertOverflow="overflow" horzOverflow="overflow" vert="horz" wrap="square" lIns="121923" tIns="60961" rIns="121923" bIns="60961" numCol="1" spcCol="0" rtlCol="0" fromWordArt="0" anchor="ctr" anchorCtr="0" forceAA="0" compatLnSpc="1">
+            <a:prstTxWarp prst="textNoShape">
+              <a:avLst/>
+            </a:prstTxWarp>
+            <a:noAutofit/>
+          </a:bodyPr>
+          <a:lstStyle/>
+          <a:p>
+            <a:pPr algn="ctr"/>
+            <a:r>
+              <a:rPr lang="es-ES" sz="799" b="1" dirty="0">
+                <a:solidFill>
+                  <a:schemeClr val="tx1"/>
+                </a:solidFill>
+              </a:rPr>
+              <a:t>Rotación sobe el Eje Y</a:t>
+            </a:r>
+            <a:endParaRPr lang="es-ES" sz="799" b="1" i="1" dirty="0">
+              <a:solidFill>
+                <a:schemeClr val="tx1"/>
+              </a:solidFill>
+            </a:endParaRPr>
+          </a:p>
+        </p:txBody>
+      </p:sp>
+      <p:sp>
+        <p:nvSpPr>
+          <p:cNvPr id="11" name="Globo: línea doblada 10">
+            <a:extLst>
+              <a:ext uri="{FF2B5EF4-FFF2-40B4-BE49-F238E27FC236}">
+                <a16:creationId xmlns:a16="http://schemas.microsoft.com/office/drawing/2014/main" id="{DD264B6C-B2BC-4878-89EA-E345510A704A}"/>
+              </a:ext>
+            </a:extLst>
+          </p:cNvPr>
+          <p:cNvSpPr/>
+          <p:nvPr/>
+        </p:nvSpPr>
+        <p:spPr>
+          <a:xfrm>
+            <a:off x="8115183" y="9859644"/>
+            <a:ext cx="1061885" cy="472897"/>
+          </a:xfrm>
+          <a:prstGeom prst="borderCallout2">
+            <a:avLst>
+              <a:gd name="adj1" fmla="val 56116"/>
+              <a:gd name="adj2" fmla="val 107126"/>
+              <a:gd name="adj3" fmla="val 53632"/>
+              <a:gd name="adj4" fmla="val 160160"/>
+              <a:gd name="adj5" fmla="val 23877"/>
+              <a:gd name="adj6" fmla="val 170890"/>
+            </a:avLst>
+          </a:prstGeom>
+          <a:solidFill>
+            <a:schemeClr val="bg1">
+              <a:lumMod val="85000"/>
+            </a:schemeClr>
+          </a:solidFill>
+          <a:ln w="19050">
+            <a:solidFill>
+              <a:srgbClr val="FF0000"/>
+            </a:solidFill>
+          </a:ln>
+        </p:spPr>
+        <p:style>
+          <a:lnRef idx="2">
+            <a:schemeClr val="accent1">
+              <a:shade val="50000"/>
+            </a:schemeClr>
+          </a:lnRef>
+          <a:fillRef idx="1">
+            <a:schemeClr val="accent1"/>
+          </a:fillRef>
+          <a:effectRef idx="0">
+            <a:schemeClr val="accent1"/>
+          </a:effectRef>
+          <a:fontRef idx="minor">
+            <a:schemeClr val="lt1"/>
+          </a:fontRef>
+        </p:style>
+        <p:txBody>
+          <a:bodyPr rtlCol="0" anchor="ctr"/>
+          <a:lstStyle/>
+          <a:p>
+            <a:pPr lvl="0" algn="ctr"/>
+            <a:r>
+              <a:rPr lang="es-NI" sz="799" b="1" dirty="0">
+                <a:solidFill>
+                  <a:prstClr val="black"/>
+                </a:solidFill>
+              </a:rPr>
+              <a:t>Rotación de Objeto plano Tridimensional</a:t>
+            </a:r>
+          </a:p>
+        </p:txBody>
+      </p:sp>
+    </p:spTree>
+    <p:extLst>
+      <p:ext uri="{BB962C8B-B14F-4D97-AF65-F5344CB8AC3E}">
+        <p14:creationId xmlns:p14="http://schemas.microsoft.com/office/powerpoint/2010/main" val="3809342644"/>
+      </p:ext>
+    </p:extLst>
+  </p:cSld>
+  <p:clrMapOvr>
+    <a:masterClrMapping/>
+  </p:clrMapOvr>
+</p:sld>
+</file>
+
+<file path=ppt/slides/slide11.xml><?xml version="1.0" encoding="utf-8"?>
+<p:sld xmlns:a="http://schemas.openxmlformats.org/drawingml/2006/main" xmlns:r="http://schemas.openxmlformats.org/officeDocument/2006/relationships" xmlns:p="http://schemas.openxmlformats.org/presentationml/2006/main">
+  <p:cSld>
+    <p:spTree>
+      <p:nvGrpSpPr>
+        <p:cNvPr id="1" name=""/>
+        <p:cNvGrpSpPr/>
+        <p:nvPr/>
+      </p:nvGrpSpPr>
+      <p:grpSpPr>
+        <a:xfrm>
+          <a:off x="0" y="0"/>
+          <a:ext cx="0" cy="0"/>
+          <a:chOff x="0" y="0"/>
+          <a:chExt cx="0" cy="0"/>
+        </a:xfrm>
+      </p:grpSpPr>
       <p:pic>
         <p:nvPicPr>
           <p:cNvPr id="3" name="Imagen 2">
@@ -8516,7 +8954,7 @@
 </p:sld>
 </file>
 
-<file path=ppt/slides/slide11.xml><?xml version="1.0" encoding="utf-8"?>
+<file path=ppt/slides/slide12.xml><?xml version="1.0" encoding="utf-8"?>
 <p:sld xmlns:a="http://schemas.openxmlformats.org/drawingml/2006/main" xmlns:r="http://schemas.openxmlformats.org/officeDocument/2006/relationships" xmlns:p="http://schemas.openxmlformats.org/presentationml/2006/main">
   <p:cSld>
     <p:spTree>
@@ -8818,7 +9256,7 @@
 </p:sld>
 </file>
 
-<file path=ppt/slides/slide12.xml><?xml version="1.0" encoding="utf-8"?>
+<file path=ppt/slides/slide13.xml><?xml version="1.0" encoding="utf-8"?>
 <p:sld xmlns:a="http://schemas.openxmlformats.org/drawingml/2006/main" xmlns:r="http://schemas.openxmlformats.org/officeDocument/2006/relationships" xmlns:p="http://schemas.openxmlformats.org/presentationml/2006/main">
   <p:cSld>
     <p:spTree>
@@ -9718,7 +10156,7 @@
 </p:sld>
 </file>
 
-<file path=ppt/slides/slide13.xml><?xml version="1.0" encoding="utf-8"?>
+<file path=ppt/slides/slide14.xml><?xml version="1.0" encoding="utf-8"?>
 <p:sld xmlns:a="http://schemas.openxmlformats.org/drawingml/2006/main" xmlns:r="http://schemas.openxmlformats.org/officeDocument/2006/relationships" xmlns:p="http://schemas.openxmlformats.org/presentationml/2006/main">
   <p:cSld>
     <p:spTree>
@@ -9735,6 +10173,41 @@
           <a:chExt cx="0" cy="0"/>
         </a:xfrm>
       </p:grpSpPr>
+      <p:pic>
+        <p:nvPicPr>
+          <p:cNvPr id="13" name="Marcador de contenido 12">
+            <a:extLst>
+              <a:ext uri="{FF2B5EF4-FFF2-40B4-BE49-F238E27FC236}">
+                <a16:creationId xmlns:a16="http://schemas.microsoft.com/office/drawing/2014/main" id="{A77EE75B-690D-45F7-9DD6-BD4E59D38F94}"/>
+              </a:ext>
+            </a:extLst>
+          </p:cNvPr>
+          <p:cNvPicPr>
+            <a:picLocks noGrp="1" noChangeAspect="1"/>
+          </p:cNvPicPr>
+          <p:nvPr>
+            <p:ph idx="1"/>
+          </p:nvPr>
+        </p:nvPicPr>
+        <p:blipFill>
+          <a:blip r:embed="rId2">
+            <a:extLst>
+              <a:ext uri="{28A0092B-C50C-407E-A947-70E740481C1C}">
+                <a14:useLocalDpi xmlns:a14="http://schemas.microsoft.com/office/drawing/2010/main" val="0"/>
+              </a:ext>
+            </a:extLst>
+          </a:blip>
+          <a:stretch>
+            <a:fillRect/>
+          </a:stretch>
+        </p:blipFill>
+        <p:spPr>
+          <a:xfrm>
+            <a:off x="9729788" y="6954838"/>
+            <a:ext cx="12573000" cy="7115175"/>
+          </a:xfrm>
+        </p:spPr>
+      </p:pic>
       <p:sp>
         <p:nvSpPr>
           <p:cNvPr id="2" name="Título 1">
@@ -9760,49 +10233,6 @@
           </a:p>
         </p:txBody>
       </p:sp>
-      <p:pic>
-        <p:nvPicPr>
-          <p:cNvPr id="4" name="Marcador de contenido 3">
-            <a:extLst>
-              <a:ext uri="{FF2B5EF4-FFF2-40B4-BE49-F238E27FC236}">
-                <a16:creationId xmlns:a16="http://schemas.microsoft.com/office/drawing/2014/main" id="{45EECA73-953F-4D95-A51C-DFE970245B92}"/>
-              </a:ext>
-            </a:extLst>
-          </p:cNvPr>
-          <p:cNvPicPr>
-            <a:picLocks noGrp="1"/>
-          </p:cNvPicPr>
-          <p:nvPr>
-            <p:ph idx="1"/>
-          </p:nvPr>
-        </p:nvPicPr>
-        <p:blipFill>
-          <a:blip r:embed="rId2">
-            <a:extLst>
-              <a:ext uri="{28A0092B-C50C-407E-A947-70E740481C1C}">
-                <a14:useLocalDpi xmlns:a14="http://schemas.microsoft.com/office/drawing/2010/main" val="0"/>
-              </a:ext>
-            </a:extLst>
-          </a:blip>
-          <a:srcRect/>
-          <a:stretch>
-            <a:fillRect/>
-          </a:stretch>
-        </p:blipFill>
-        <p:spPr bwMode="auto">
-          <a:xfrm>
-            <a:off x="9729788" y="6954838"/>
-            <a:ext cx="12573000" cy="7115175"/>
-          </a:xfrm>
-          <a:prstGeom prst="rect">
-            <a:avLst/>
-          </a:prstGeom>
-          <a:noFill/>
-          <a:ln>
-            <a:noFill/>
-          </a:ln>
-        </p:spPr>
-      </p:pic>
       <p:sp>
         <p:nvSpPr>
           <p:cNvPr id="5" name="Globo: línea doblada 4">
@@ -10236,7 +10666,2103 @@
 </p:sld>
 </file>
 
-<file path=ppt/slides/slide14.xml><?xml version="1.0" encoding="utf-8"?>
+<file path=ppt/slides/slide15.xml><?xml version="1.0" encoding="utf-8"?>
+<p:sld xmlns:a="http://schemas.openxmlformats.org/drawingml/2006/main" xmlns:r="http://schemas.openxmlformats.org/officeDocument/2006/relationships" xmlns:p="http://schemas.openxmlformats.org/presentationml/2006/main">
+  <p:cSld>
+    <p:spTree>
+      <p:nvGrpSpPr>
+        <p:cNvPr id="1" name=""/>
+        <p:cNvGrpSpPr/>
+        <p:nvPr/>
+      </p:nvGrpSpPr>
+      <p:grpSpPr>
+        <a:xfrm>
+          <a:off x="0" y="0"/>
+          <a:ext cx="0" cy="0"/>
+          <a:chOff x="0" y="0"/>
+          <a:chExt cx="0" cy="0"/>
+        </a:xfrm>
+      </p:grpSpPr>
+      <p:sp>
+        <p:nvSpPr>
+          <p:cNvPr id="2" name="Título 1">
+            <a:extLst>
+              <a:ext uri="{FF2B5EF4-FFF2-40B4-BE49-F238E27FC236}">
+                <a16:creationId xmlns:a16="http://schemas.microsoft.com/office/drawing/2014/main" id="{08507EBD-FEB7-4A06-AC77-8B48AC8356D7}"/>
+              </a:ext>
+            </a:extLst>
+          </p:cNvPr>
+          <p:cNvSpPr>
+            <a:spLocks noGrp="1"/>
+          </p:cNvSpPr>
+          <p:nvPr>
+            <p:ph type="title"/>
+          </p:nvPr>
+        </p:nvSpPr>
+        <p:spPr/>
+        <p:txBody>
+          <a:bodyPr/>
+          <a:lstStyle/>
+          <a:p>
+            <a:endParaRPr lang="es-ES"/>
+          </a:p>
+        </p:txBody>
+      </p:sp>
+      <p:pic>
+        <p:nvPicPr>
+          <p:cNvPr id="14" name="Marcador de contenido 13">
+            <a:extLst>
+              <a:ext uri="{FF2B5EF4-FFF2-40B4-BE49-F238E27FC236}">
+                <a16:creationId xmlns:a16="http://schemas.microsoft.com/office/drawing/2014/main" id="{73DC963B-C78A-486C-9350-FE7A74C834FB}"/>
+              </a:ext>
+            </a:extLst>
+          </p:cNvPr>
+          <p:cNvPicPr>
+            <a:picLocks noGrp="1"/>
+          </p:cNvPicPr>
+          <p:nvPr>
+            <p:ph idx="1"/>
+          </p:nvPr>
+        </p:nvPicPr>
+        <p:blipFill>
+          <a:blip r:embed="rId2"/>
+          <a:stretch>
+            <a:fillRect/>
+          </a:stretch>
+        </p:blipFill>
+        <p:spPr>
+          <a:xfrm>
+            <a:off x="12882563" y="10017125"/>
+            <a:ext cx="6267450" cy="990600"/>
+          </a:xfrm>
+          <a:prstGeom prst="rect">
+            <a:avLst/>
+          </a:prstGeom>
+        </p:spPr>
+      </p:pic>
+      <p:pic>
+        <p:nvPicPr>
+          <p:cNvPr id="15" name="Imagen 14">
+            <a:extLst>
+              <a:ext uri="{FF2B5EF4-FFF2-40B4-BE49-F238E27FC236}">
+                <a16:creationId xmlns:a16="http://schemas.microsoft.com/office/drawing/2014/main" id="{40E4A761-1274-41F8-9626-A7526A9E1F71}"/>
+              </a:ext>
+            </a:extLst>
+          </p:cNvPr>
+          <p:cNvPicPr/>
+          <p:nvPr/>
+        </p:nvPicPr>
+        <p:blipFill>
+          <a:blip r:embed="rId3"/>
+          <a:stretch>
+            <a:fillRect/>
+          </a:stretch>
+        </p:blipFill>
+        <p:spPr>
+          <a:xfrm>
+            <a:off x="14544357" y="9175025"/>
+            <a:ext cx="2943860" cy="862330"/>
+          </a:xfrm>
+          <a:prstGeom prst="rect">
+            <a:avLst/>
+          </a:prstGeom>
+        </p:spPr>
+      </p:pic>
+      <p:sp>
+        <p:nvSpPr>
+          <p:cNvPr id="5" name="Globo: línea doblada 4">
+            <a:extLst>
+              <a:ext uri="{FF2B5EF4-FFF2-40B4-BE49-F238E27FC236}">
+                <a16:creationId xmlns:a16="http://schemas.microsoft.com/office/drawing/2014/main" id="{C27D21A6-9714-4439-965F-ABECFB913353}"/>
+              </a:ext>
+            </a:extLst>
+          </p:cNvPr>
+          <p:cNvSpPr/>
+          <p:nvPr/>
+        </p:nvSpPr>
+        <p:spPr>
+          <a:xfrm>
+            <a:off x="12044854" y="9009062"/>
+            <a:ext cx="1511249" cy="597128"/>
+          </a:xfrm>
+          <a:prstGeom prst="borderCallout2">
+            <a:avLst>
+              <a:gd name="adj1" fmla="val 96619"/>
+              <a:gd name="adj2" fmla="val 99781"/>
+              <a:gd name="adj3" fmla="val 99044"/>
+              <a:gd name="adj4" fmla="val 159670"/>
+              <a:gd name="adj5" fmla="val 89068"/>
+              <a:gd name="adj6" fmla="val 179315"/>
+            </a:avLst>
+          </a:prstGeom>
+          <a:solidFill>
+            <a:schemeClr val="bg1">
+              <a:lumMod val="85000"/>
+            </a:schemeClr>
+          </a:solidFill>
+          <a:ln w="38100">
+            <a:solidFill>
+              <a:srgbClr val="FF0000"/>
+            </a:solidFill>
+          </a:ln>
+        </p:spPr>
+        <p:style>
+          <a:lnRef idx="2">
+            <a:schemeClr val="accent1">
+              <a:shade val="50000"/>
+            </a:schemeClr>
+          </a:lnRef>
+          <a:fillRef idx="1">
+            <a:schemeClr val="accent1"/>
+          </a:fillRef>
+          <a:effectRef idx="0">
+            <a:schemeClr val="accent1"/>
+          </a:effectRef>
+          <a:fontRef idx="minor">
+            <a:schemeClr val="lt1"/>
+          </a:fontRef>
+        </p:style>
+        <p:txBody>
+          <a:bodyPr rtlCol="0" anchor="ctr"/>
+          <a:lstStyle/>
+          <a:p>
+            <a:pPr lvl="0" algn="ctr"/>
+            <a:r>
+              <a:rPr lang="es-NI" sz="1400" b="1" dirty="0">
+                <a:solidFill>
+                  <a:prstClr val="black"/>
+                </a:solidFill>
+              </a:rPr>
+              <a:t>Configuración del WebEngine</a:t>
+            </a:r>
+          </a:p>
+        </p:txBody>
+      </p:sp>
+      <p:sp>
+        <p:nvSpPr>
+          <p:cNvPr id="8" name="Globo: línea doblada 7">
+            <a:extLst>
+              <a:ext uri="{FF2B5EF4-FFF2-40B4-BE49-F238E27FC236}">
+                <a16:creationId xmlns:a16="http://schemas.microsoft.com/office/drawing/2014/main" id="{A7B3EDC2-0337-4902-AB6A-33BC75CCEEE5}"/>
+              </a:ext>
+            </a:extLst>
+          </p:cNvPr>
+          <p:cNvSpPr/>
+          <p:nvPr/>
+        </p:nvSpPr>
+        <p:spPr>
+          <a:xfrm>
+            <a:off x="19698773" y="10553387"/>
+            <a:ext cx="1710799" cy="454338"/>
+          </a:xfrm>
+          <a:prstGeom prst="borderCallout2">
+            <a:avLst>
+              <a:gd name="adj1" fmla="val 95428"/>
+              <a:gd name="adj2" fmla="val -1581"/>
+              <a:gd name="adj3" fmla="val 94317"/>
+              <a:gd name="adj4" fmla="val -92466"/>
+              <a:gd name="adj5" fmla="val 55074"/>
+              <a:gd name="adj6" fmla="val -116578"/>
+            </a:avLst>
+          </a:prstGeom>
+          <a:solidFill>
+            <a:schemeClr val="bg1">
+              <a:lumMod val="85000"/>
+            </a:schemeClr>
+          </a:solidFill>
+          <a:ln w="38100">
+            <a:solidFill>
+              <a:srgbClr val="FF0000"/>
+            </a:solidFill>
+          </a:ln>
+        </p:spPr>
+        <p:style>
+          <a:lnRef idx="2">
+            <a:schemeClr val="accent1">
+              <a:shade val="50000"/>
+            </a:schemeClr>
+          </a:lnRef>
+          <a:fillRef idx="1">
+            <a:schemeClr val="accent1"/>
+          </a:fillRef>
+          <a:effectRef idx="0">
+            <a:schemeClr val="accent1"/>
+          </a:effectRef>
+          <a:fontRef idx="minor">
+            <a:schemeClr val="lt1"/>
+          </a:fontRef>
+        </p:style>
+        <p:txBody>
+          <a:bodyPr rtlCol="0" anchor="ctr"/>
+          <a:lstStyle/>
+          <a:p>
+            <a:pPr lvl="0" algn="ctr"/>
+            <a:r>
+              <a:rPr lang="es-NI" sz="1400" b="1" dirty="0">
+                <a:solidFill>
+                  <a:prstClr val="black"/>
+                </a:solidFill>
+              </a:rPr>
+              <a:t>Archivo PDF a Mostrar.</a:t>
+            </a:r>
+          </a:p>
+        </p:txBody>
+      </p:sp>
+      <p:sp>
+        <p:nvSpPr>
+          <p:cNvPr id="16" name="Globo: línea doblada 15">
+            <a:extLst>
+              <a:ext uri="{FF2B5EF4-FFF2-40B4-BE49-F238E27FC236}">
+                <a16:creationId xmlns:a16="http://schemas.microsoft.com/office/drawing/2014/main" id="{1030FFEB-FFA1-4641-9F4C-CE7286E84BD4}"/>
+              </a:ext>
+            </a:extLst>
+          </p:cNvPr>
+          <p:cNvSpPr/>
+          <p:nvPr/>
+        </p:nvSpPr>
+        <p:spPr>
+          <a:xfrm>
+            <a:off x="19698772" y="9379021"/>
+            <a:ext cx="1710799" cy="454338"/>
+          </a:xfrm>
+          <a:prstGeom prst="borderCallout2">
+            <a:avLst>
+              <a:gd name="adj1" fmla="val 95428"/>
+              <a:gd name="adj2" fmla="val -1581"/>
+              <a:gd name="adj3" fmla="val 94317"/>
+              <a:gd name="adj4" fmla="val -92466"/>
+              <a:gd name="adj5" fmla="val 219320"/>
+              <a:gd name="adj6" fmla="val -271395"/>
+            </a:avLst>
+          </a:prstGeom>
+          <a:solidFill>
+            <a:schemeClr val="bg1">
+              <a:lumMod val="85000"/>
+            </a:schemeClr>
+          </a:solidFill>
+          <a:ln w="38100">
+            <a:solidFill>
+              <a:srgbClr val="FF0000"/>
+            </a:solidFill>
+          </a:ln>
+        </p:spPr>
+        <p:style>
+          <a:lnRef idx="2">
+            <a:schemeClr val="accent1">
+              <a:shade val="50000"/>
+            </a:schemeClr>
+          </a:lnRef>
+          <a:fillRef idx="1">
+            <a:schemeClr val="accent1"/>
+          </a:fillRef>
+          <a:effectRef idx="0">
+            <a:schemeClr val="accent1"/>
+          </a:effectRef>
+          <a:fontRef idx="minor">
+            <a:schemeClr val="lt1"/>
+          </a:fontRef>
+        </p:style>
+        <p:txBody>
+          <a:bodyPr rtlCol="0" anchor="ctr"/>
+          <a:lstStyle/>
+          <a:p>
+            <a:pPr lvl="0" algn="ctr"/>
+            <a:r>
+              <a:rPr lang="es-NI" sz="1400" b="1" dirty="0">
+                <a:solidFill>
+                  <a:prstClr val="black"/>
+                </a:solidFill>
+              </a:rPr>
+              <a:t>Estado en Programación QML</a:t>
+            </a:r>
+          </a:p>
+        </p:txBody>
+      </p:sp>
+    </p:spTree>
+    <p:extLst>
+      <p:ext uri="{BB962C8B-B14F-4D97-AF65-F5344CB8AC3E}">
+        <p14:creationId xmlns:p14="http://schemas.microsoft.com/office/powerpoint/2010/main" val="2186820966"/>
+      </p:ext>
+    </p:extLst>
+  </p:cSld>
+  <p:clrMapOvr>
+    <a:masterClrMapping/>
+  </p:clrMapOvr>
+</p:sld>
+</file>
+
+<file path=ppt/slides/slide16.xml><?xml version="1.0" encoding="utf-8"?>
+<p:sld xmlns:a="http://schemas.openxmlformats.org/drawingml/2006/main" xmlns:r="http://schemas.openxmlformats.org/officeDocument/2006/relationships" xmlns:p="http://schemas.openxmlformats.org/presentationml/2006/main">
+  <p:cSld>
+    <p:spTree>
+      <p:nvGrpSpPr>
+        <p:cNvPr id="1" name=""/>
+        <p:cNvGrpSpPr/>
+        <p:nvPr/>
+      </p:nvGrpSpPr>
+      <p:grpSpPr>
+        <a:xfrm>
+          <a:off x="0" y="0"/>
+          <a:ext cx="0" cy="0"/>
+          <a:chOff x="0" y="0"/>
+          <a:chExt cx="0" cy="0"/>
+        </a:xfrm>
+      </p:grpSpPr>
+      <p:pic>
+        <p:nvPicPr>
+          <p:cNvPr id="14" name="Imagen 13">
+            <a:extLst>
+              <a:ext uri="{FF2B5EF4-FFF2-40B4-BE49-F238E27FC236}">
+                <a16:creationId xmlns:a16="http://schemas.microsoft.com/office/drawing/2014/main" id="{9F7AD85E-87D8-401E-B9B4-FEBF693BA904}"/>
+              </a:ext>
+            </a:extLst>
+          </p:cNvPr>
+          <p:cNvPicPr>
+            <a:picLocks noChangeAspect="1"/>
+          </p:cNvPicPr>
+          <p:nvPr/>
+        </p:nvPicPr>
+        <p:blipFill>
+          <a:blip r:embed="rId2">
+            <a:extLst>
+              <a:ext uri="{28A0092B-C50C-407E-A947-70E740481C1C}">
+                <a14:useLocalDpi xmlns:a14="http://schemas.microsoft.com/office/drawing/2010/main" val="0"/>
+              </a:ext>
+            </a:extLst>
+          </a:blip>
+          <a:stretch>
+            <a:fillRect/>
+          </a:stretch>
+        </p:blipFill>
+        <p:spPr>
+          <a:xfrm>
+            <a:off x="9620931" y="6639883"/>
+            <a:ext cx="12573000" cy="7115175"/>
+          </a:xfrm>
+          <a:prstGeom prst="rect">
+            <a:avLst/>
+          </a:prstGeom>
+        </p:spPr>
+      </p:pic>
+      <p:sp>
+        <p:nvSpPr>
+          <p:cNvPr id="2" name="Título 1">
+            <a:extLst>
+              <a:ext uri="{FF2B5EF4-FFF2-40B4-BE49-F238E27FC236}">
+                <a16:creationId xmlns:a16="http://schemas.microsoft.com/office/drawing/2014/main" id="{08507EBD-FEB7-4A06-AC77-8B48AC8356D7}"/>
+              </a:ext>
+            </a:extLst>
+          </p:cNvPr>
+          <p:cNvSpPr>
+            <a:spLocks noGrp="1"/>
+          </p:cNvSpPr>
+          <p:nvPr>
+            <p:ph type="title"/>
+          </p:nvPr>
+        </p:nvSpPr>
+        <p:spPr/>
+        <p:txBody>
+          <a:bodyPr/>
+          <a:lstStyle/>
+          <a:p>
+            <a:endParaRPr lang="es-ES"/>
+          </a:p>
+        </p:txBody>
+      </p:sp>
+      <p:sp>
+        <p:nvSpPr>
+          <p:cNvPr id="5" name="Globo: línea doblada 4">
+            <a:extLst>
+              <a:ext uri="{FF2B5EF4-FFF2-40B4-BE49-F238E27FC236}">
+                <a16:creationId xmlns:a16="http://schemas.microsoft.com/office/drawing/2014/main" id="{C27D21A6-9714-4439-965F-ABECFB913353}"/>
+              </a:ext>
+            </a:extLst>
+          </p:cNvPr>
+          <p:cNvSpPr/>
+          <p:nvPr/>
+        </p:nvSpPr>
+        <p:spPr>
+          <a:xfrm>
+            <a:off x="7184118" y="6869700"/>
+            <a:ext cx="2141874" cy="766762"/>
+          </a:xfrm>
+          <a:prstGeom prst="borderCallout2">
+            <a:avLst>
+              <a:gd name="adj1" fmla="val 96619"/>
+              <a:gd name="adj2" fmla="val 99781"/>
+              <a:gd name="adj3" fmla="val 99044"/>
+              <a:gd name="adj4" fmla="val 159670"/>
+              <a:gd name="adj5" fmla="val 89068"/>
+              <a:gd name="adj6" fmla="val 179315"/>
+            </a:avLst>
+          </a:prstGeom>
+          <a:solidFill>
+            <a:schemeClr val="bg1">
+              <a:lumMod val="85000"/>
+            </a:schemeClr>
+          </a:solidFill>
+          <a:ln w="38100">
+            <a:solidFill>
+              <a:srgbClr val="FF0000"/>
+            </a:solidFill>
+          </a:ln>
+        </p:spPr>
+        <p:style>
+          <a:lnRef idx="2">
+            <a:schemeClr val="accent1">
+              <a:shade val="50000"/>
+            </a:schemeClr>
+          </a:lnRef>
+          <a:fillRef idx="1">
+            <a:schemeClr val="accent1"/>
+          </a:fillRef>
+          <a:effectRef idx="0">
+            <a:schemeClr val="accent1"/>
+          </a:effectRef>
+          <a:fontRef idx="minor">
+            <a:schemeClr val="lt1"/>
+          </a:fontRef>
+        </p:style>
+        <p:txBody>
+          <a:bodyPr rtlCol="0" anchor="ctr"/>
+          <a:lstStyle/>
+          <a:p>
+            <a:pPr lvl="0" algn="ctr"/>
+            <a:r>
+              <a:rPr lang="es-NI" sz="2000" b="1" dirty="0" err="1">
+                <a:solidFill>
+                  <a:prstClr val="black"/>
+                </a:solidFill>
+              </a:rPr>
+              <a:t>Menu</a:t>
+            </a:r>
+            <a:r>
+              <a:rPr lang="es-NI" sz="2000" b="1" dirty="0">
+                <a:solidFill>
+                  <a:prstClr val="black"/>
+                </a:solidFill>
+              </a:rPr>
+              <a:t> de Recursos Bibliográficos</a:t>
+            </a:r>
+          </a:p>
+        </p:txBody>
+      </p:sp>
+      <p:sp>
+        <p:nvSpPr>
+          <p:cNvPr id="6" name="Globo: línea doblada 5">
+            <a:extLst>
+              <a:ext uri="{FF2B5EF4-FFF2-40B4-BE49-F238E27FC236}">
+                <a16:creationId xmlns:a16="http://schemas.microsoft.com/office/drawing/2014/main" id="{73BD692E-038F-46A0-B61D-6D668A93A017}"/>
+              </a:ext>
+            </a:extLst>
+          </p:cNvPr>
+          <p:cNvSpPr/>
+          <p:nvPr/>
+        </p:nvSpPr>
+        <p:spPr>
+          <a:xfrm>
+            <a:off x="6908799" y="9382863"/>
+            <a:ext cx="2180310" cy="1182562"/>
+          </a:xfrm>
+          <a:prstGeom prst="borderCallout2">
+            <a:avLst>
+              <a:gd name="adj1" fmla="val 96619"/>
+              <a:gd name="adj2" fmla="val 99781"/>
+              <a:gd name="adj3" fmla="val 97817"/>
+              <a:gd name="adj4" fmla="val 160336"/>
+              <a:gd name="adj5" fmla="val 52247"/>
+              <a:gd name="adj6" fmla="val 210603"/>
+            </a:avLst>
+          </a:prstGeom>
+          <a:solidFill>
+            <a:schemeClr val="bg1">
+              <a:lumMod val="85000"/>
+            </a:schemeClr>
+          </a:solidFill>
+          <a:ln w="38100">
+            <a:solidFill>
+              <a:srgbClr val="FF0000"/>
+            </a:solidFill>
+          </a:ln>
+        </p:spPr>
+        <p:style>
+          <a:lnRef idx="2">
+            <a:schemeClr val="accent1">
+              <a:shade val="50000"/>
+            </a:schemeClr>
+          </a:lnRef>
+          <a:fillRef idx="1">
+            <a:schemeClr val="accent1"/>
+          </a:fillRef>
+          <a:effectRef idx="0">
+            <a:schemeClr val="accent1"/>
+          </a:effectRef>
+          <a:fontRef idx="minor">
+            <a:schemeClr val="lt1"/>
+          </a:fontRef>
+        </p:style>
+        <p:txBody>
+          <a:bodyPr rtlCol="0" anchor="ctr"/>
+          <a:lstStyle/>
+          <a:p>
+            <a:pPr lvl="0" algn="ctr"/>
+            <a:r>
+              <a:rPr lang="es-NI" sz="2000" b="1" dirty="0">
+                <a:solidFill>
+                  <a:prstClr val="black"/>
+                </a:solidFill>
+              </a:rPr>
+              <a:t>Clasificación de los recursos Bibliográficos</a:t>
+            </a:r>
+          </a:p>
+        </p:txBody>
+      </p:sp>
+      <p:sp>
+        <p:nvSpPr>
+          <p:cNvPr id="8" name="Globo: línea doblada 7">
+            <a:extLst>
+              <a:ext uri="{FF2B5EF4-FFF2-40B4-BE49-F238E27FC236}">
+                <a16:creationId xmlns:a16="http://schemas.microsoft.com/office/drawing/2014/main" id="{A7B3EDC2-0337-4902-AB6A-33BC75CCEEE5}"/>
+              </a:ext>
+            </a:extLst>
+          </p:cNvPr>
+          <p:cNvSpPr/>
+          <p:nvPr/>
+        </p:nvSpPr>
+        <p:spPr>
+          <a:xfrm>
+            <a:off x="22809210" y="6875711"/>
+            <a:ext cx="2122704" cy="766762"/>
+          </a:xfrm>
+          <a:prstGeom prst="borderCallout2">
+            <a:avLst>
+              <a:gd name="adj1" fmla="val 95428"/>
+              <a:gd name="adj2" fmla="val -1581"/>
+              <a:gd name="adj3" fmla="val 94317"/>
+              <a:gd name="adj4" fmla="val -49389"/>
+              <a:gd name="adj5" fmla="val 71190"/>
+              <a:gd name="adj6" fmla="val -66515"/>
+            </a:avLst>
+          </a:prstGeom>
+          <a:solidFill>
+            <a:schemeClr val="bg1">
+              <a:lumMod val="85000"/>
+            </a:schemeClr>
+          </a:solidFill>
+          <a:ln w="38100">
+            <a:solidFill>
+              <a:srgbClr val="FF0000"/>
+            </a:solidFill>
+          </a:ln>
+        </p:spPr>
+        <p:style>
+          <a:lnRef idx="2">
+            <a:schemeClr val="accent1">
+              <a:shade val="50000"/>
+            </a:schemeClr>
+          </a:lnRef>
+          <a:fillRef idx="1">
+            <a:schemeClr val="accent1"/>
+          </a:fillRef>
+          <a:effectRef idx="0">
+            <a:schemeClr val="accent1"/>
+          </a:effectRef>
+          <a:fontRef idx="minor">
+            <a:schemeClr val="lt1"/>
+          </a:fontRef>
+        </p:style>
+        <p:txBody>
+          <a:bodyPr rtlCol="0" anchor="ctr"/>
+          <a:lstStyle/>
+          <a:p>
+            <a:pPr lvl="0" algn="ctr"/>
+            <a:r>
+              <a:rPr lang="es-NI" sz="2000" b="1" dirty="0">
+                <a:solidFill>
+                  <a:prstClr val="black"/>
+                </a:solidFill>
+              </a:rPr>
+              <a:t>Cinta de recursos.</a:t>
+            </a:r>
+          </a:p>
+        </p:txBody>
+      </p:sp>
+      <p:sp>
+        <p:nvSpPr>
+          <p:cNvPr id="9" name="Globo: línea doblada 8">
+            <a:extLst>
+              <a:ext uri="{FF2B5EF4-FFF2-40B4-BE49-F238E27FC236}">
+                <a16:creationId xmlns:a16="http://schemas.microsoft.com/office/drawing/2014/main" id="{92773B74-B562-45DC-A194-720B5B4BEAE2}"/>
+              </a:ext>
+            </a:extLst>
+          </p:cNvPr>
+          <p:cNvSpPr/>
+          <p:nvPr/>
+        </p:nvSpPr>
+        <p:spPr>
+          <a:xfrm>
+            <a:off x="22892667" y="7921024"/>
+            <a:ext cx="2100933" cy="766762"/>
+          </a:xfrm>
+          <a:prstGeom prst="borderCallout2">
+            <a:avLst>
+              <a:gd name="adj1" fmla="val 5181"/>
+              <a:gd name="adj2" fmla="val -1581"/>
+              <a:gd name="adj3" fmla="val 7856"/>
+              <a:gd name="adj4" fmla="val -42435"/>
+              <a:gd name="adj5" fmla="val 32921"/>
+              <a:gd name="adj6" fmla="val -66880"/>
+            </a:avLst>
+          </a:prstGeom>
+          <a:solidFill>
+            <a:schemeClr val="bg1">
+              <a:lumMod val="85000"/>
+            </a:schemeClr>
+          </a:solidFill>
+          <a:ln w="38100">
+            <a:solidFill>
+              <a:srgbClr val="FF0000"/>
+            </a:solidFill>
+          </a:ln>
+        </p:spPr>
+        <p:style>
+          <a:lnRef idx="2">
+            <a:schemeClr val="accent1">
+              <a:shade val="50000"/>
+            </a:schemeClr>
+          </a:lnRef>
+          <a:fillRef idx="1">
+            <a:schemeClr val="accent1"/>
+          </a:fillRef>
+          <a:effectRef idx="0">
+            <a:schemeClr val="accent1"/>
+          </a:effectRef>
+          <a:fontRef idx="minor">
+            <a:schemeClr val="lt1"/>
+          </a:fontRef>
+        </p:style>
+        <p:txBody>
+          <a:bodyPr rtlCol="0" anchor="ctr"/>
+          <a:lstStyle/>
+          <a:p>
+            <a:pPr lvl="0" algn="ctr"/>
+            <a:r>
+              <a:rPr lang="es-NI" sz="2000" b="1" dirty="0">
+                <a:solidFill>
+                  <a:prstClr val="black"/>
+                </a:solidFill>
+              </a:rPr>
+              <a:t>Diferentes libros Clásicos.</a:t>
+            </a:r>
+          </a:p>
+        </p:txBody>
+      </p:sp>
+      <p:sp>
+        <p:nvSpPr>
+          <p:cNvPr id="11" name="Globo: línea doblada 10">
+            <a:extLst>
+              <a:ext uri="{FF2B5EF4-FFF2-40B4-BE49-F238E27FC236}">
+                <a16:creationId xmlns:a16="http://schemas.microsoft.com/office/drawing/2014/main" id="{0361B87E-7AB6-4A81-9465-9AD440C684A9}"/>
+              </a:ext>
+            </a:extLst>
+          </p:cNvPr>
+          <p:cNvSpPr/>
+          <p:nvPr/>
+        </p:nvSpPr>
+        <p:spPr>
+          <a:xfrm>
+            <a:off x="22892667" y="10738143"/>
+            <a:ext cx="1955790" cy="766762"/>
+          </a:xfrm>
+          <a:prstGeom prst="borderCallout2">
+            <a:avLst>
+              <a:gd name="adj1" fmla="val 95428"/>
+              <a:gd name="adj2" fmla="val -1581"/>
+              <a:gd name="adj3" fmla="val 96210"/>
+              <a:gd name="adj4" fmla="val -22281"/>
+              <a:gd name="adj5" fmla="val 37987"/>
+              <a:gd name="adj6" fmla="val -126612"/>
+            </a:avLst>
+          </a:prstGeom>
+          <a:solidFill>
+            <a:schemeClr val="bg1">
+              <a:lumMod val="85000"/>
+            </a:schemeClr>
+          </a:solidFill>
+          <a:ln w="38100">
+            <a:solidFill>
+              <a:srgbClr val="FF0000"/>
+            </a:solidFill>
+          </a:ln>
+        </p:spPr>
+        <p:style>
+          <a:lnRef idx="2">
+            <a:schemeClr val="accent1">
+              <a:shade val="50000"/>
+            </a:schemeClr>
+          </a:lnRef>
+          <a:fillRef idx="1">
+            <a:schemeClr val="accent1"/>
+          </a:fillRef>
+          <a:effectRef idx="0">
+            <a:schemeClr val="accent1"/>
+          </a:effectRef>
+          <a:fontRef idx="minor">
+            <a:schemeClr val="lt1"/>
+          </a:fontRef>
+        </p:style>
+        <p:txBody>
+          <a:bodyPr rtlCol="0" anchor="ctr"/>
+          <a:lstStyle/>
+          <a:p>
+            <a:pPr lvl="0" algn="ctr"/>
+            <a:r>
+              <a:rPr lang="es-NI" sz="2000" b="1" dirty="0">
+                <a:solidFill>
+                  <a:prstClr val="black"/>
+                </a:solidFill>
+              </a:rPr>
+              <a:t>Libro de Robótica</a:t>
+            </a:r>
+          </a:p>
+        </p:txBody>
+      </p:sp>
+    </p:spTree>
+    <p:extLst>
+      <p:ext uri="{BB962C8B-B14F-4D97-AF65-F5344CB8AC3E}">
+        <p14:creationId xmlns:p14="http://schemas.microsoft.com/office/powerpoint/2010/main" val="4132787062"/>
+      </p:ext>
+    </p:extLst>
+  </p:cSld>
+  <p:clrMapOvr>
+    <a:masterClrMapping/>
+  </p:clrMapOvr>
+</p:sld>
+</file>
+
+<file path=ppt/slides/slide2.xml><?xml version="1.0" encoding="utf-8"?>
+<p:sld xmlns:a="http://schemas.openxmlformats.org/drawingml/2006/main" xmlns:r="http://schemas.openxmlformats.org/officeDocument/2006/relationships" xmlns:p="http://schemas.openxmlformats.org/presentationml/2006/main">
+  <p:cSld>
+    <p:spTree>
+      <p:nvGrpSpPr>
+        <p:cNvPr id="1" name=""/>
+        <p:cNvGrpSpPr/>
+        <p:nvPr/>
+      </p:nvGrpSpPr>
+      <p:grpSpPr>
+        <a:xfrm>
+          <a:off x="0" y="0"/>
+          <a:ext cx="0" cy="0"/>
+          <a:chOff x="0" y="0"/>
+          <a:chExt cx="0" cy="0"/>
+        </a:xfrm>
+      </p:grpSpPr>
+      <p:pic>
+        <p:nvPicPr>
+          <p:cNvPr id="4" name="Imagen 3">
+            <a:extLst>
+              <a:ext uri="{FF2B5EF4-FFF2-40B4-BE49-F238E27FC236}">
+                <a16:creationId xmlns:a16="http://schemas.microsoft.com/office/drawing/2014/main" id="{46205E3F-66B3-49B0-A68A-4216BD7E3F13}"/>
+              </a:ext>
+            </a:extLst>
+          </p:cNvPr>
+          <p:cNvPicPr>
+            <a:picLocks noChangeAspect="1"/>
+          </p:cNvPicPr>
+          <p:nvPr/>
+        </p:nvPicPr>
+        <p:blipFill>
+          <a:blip r:embed="rId2"/>
+          <a:stretch>
+            <a:fillRect/>
+          </a:stretch>
+        </p:blipFill>
+        <p:spPr>
+          <a:xfrm>
+            <a:off x="14003274" y="4409699"/>
+            <a:ext cx="4026033" cy="2667087"/>
+          </a:xfrm>
+          <a:prstGeom prst="rect">
+            <a:avLst/>
+          </a:prstGeom>
+        </p:spPr>
+      </p:pic>
+      <p:sp>
+        <p:nvSpPr>
+          <p:cNvPr id="6" name="Globo: línea doblada 5">
+            <a:extLst>
+              <a:ext uri="{FF2B5EF4-FFF2-40B4-BE49-F238E27FC236}">
+                <a16:creationId xmlns:a16="http://schemas.microsoft.com/office/drawing/2014/main" id="{8B7CA878-EAA4-435E-BF13-F50BEBED1DFF}"/>
+              </a:ext>
+            </a:extLst>
+          </p:cNvPr>
+          <p:cNvSpPr/>
+          <p:nvPr/>
+        </p:nvSpPr>
+        <p:spPr>
+          <a:xfrm>
+            <a:off x="18079505" y="4307921"/>
+            <a:ext cx="1018351" cy="203553"/>
+          </a:xfrm>
+          <a:prstGeom prst="borderCallout2">
+            <a:avLst>
+              <a:gd name="adj1" fmla="val 18750"/>
+              <a:gd name="adj2" fmla="val -8333"/>
+              <a:gd name="adj3" fmla="val 22273"/>
+              <a:gd name="adj4" fmla="val -39204"/>
+              <a:gd name="adj5" fmla="val 108976"/>
+              <a:gd name="adj6" fmla="val -43850"/>
+            </a:avLst>
+          </a:prstGeom>
+          <a:solidFill>
+            <a:schemeClr val="bg2"/>
+          </a:solidFill>
+          <a:ln>
+            <a:solidFill>
+              <a:srgbClr val="FF0000"/>
+            </a:solidFill>
+          </a:ln>
+        </p:spPr>
+        <p:style>
+          <a:lnRef idx="2">
+            <a:schemeClr val="accent1">
+              <a:shade val="50000"/>
+            </a:schemeClr>
+          </a:lnRef>
+          <a:fillRef idx="1">
+            <a:schemeClr val="accent1"/>
+          </a:fillRef>
+          <a:effectRef idx="0">
+            <a:schemeClr val="accent1"/>
+          </a:effectRef>
+          <a:fontRef idx="minor">
+            <a:schemeClr val="lt1"/>
+          </a:fontRef>
+        </p:style>
+        <p:txBody>
+          <a:bodyPr rot="0" spcFirstLastPara="0" vertOverflow="overflow" horzOverflow="overflow" vert="horz" wrap="square" lIns="121923" tIns="60961" rIns="121923" bIns="60961" numCol="1" spcCol="0" rtlCol="0" fromWordArt="0" anchor="ctr" anchorCtr="0" forceAA="0" compatLnSpc="1">
+            <a:prstTxWarp prst="textNoShape">
+              <a:avLst/>
+            </a:prstTxWarp>
+            <a:noAutofit/>
+          </a:bodyPr>
+          <a:lstStyle/>
+          <a:p>
+            <a:pPr algn="ctr"/>
+            <a:r>
+              <a:rPr lang="en-US" sz="799" b="1" dirty="0">
+                <a:solidFill>
+                  <a:schemeClr val="tx1"/>
+                </a:solidFill>
+              </a:rPr>
+              <a:t>Version de  Catkin</a:t>
+            </a:r>
+            <a:endParaRPr lang="es-ES" sz="799" b="1" dirty="0">
+              <a:solidFill>
+                <a:schemeClr val="tx1"/>
+              </a:solidFill>
+            </a:endParaRPr>
+          </a:p>
+        </p:txBody>
+      </p:sp>
+      <p:sp>
+        <p:nvSpPr>
+          <p:cNvPr id="7" name="Globo: línea doblada 6">
+            <a:extLst>
+              <a:ext uri="{FF2B5EF4-FFF2-40B4-BE49-F238E27FC236}">
+                <a16:creationId xmlns:a16="http://schemas.microsoft.com/office/drawing/2014/main" id="{65A870BF-F4ED-40FF-9290-99631289DE4E}"/>
+              </a:ext>
+            </a:extLst>
+          </p:cNvPr>
+          <p:cNvSpPr/>
+          <p:nvPr/>
+        </p:nvSpPr>
+        <p:spPr>
+          <a:xfrm>
+            <a:off x="18079505" y="4568506"/>
+            <a:ext cx="1018351" cy="274249"/>
+          </a:xfrm>
+          <a:prstGeom prst="borderCallout2">
+            <a:avLst>
+              <a:gd name="adj1" fmla="val 18750"/>
+              <a:gd name="adj2" fmla="val -8333"/>
+              <a:gd name="adj3" fmla="val 22273"/>
+              <a:gd name="adj4" fmla="val -91320"/>
+              <a:gd name="adj5" fmla="val 49297"/>
+              <a:gd name="adj6" fmla="val -109347"/>
+            </a:avLst>
+          </a:prstGeom>
+          <a:solidFill>
+            <a:schemeClr val="bg2"/>
+          </a:solidFill>
+          <a:ln>
+            <a:solidFill>
+              <a:srgbClr val="FF0000"/>
+            </a:solidFill>
+          </a:ln>
+        </p:spPr>
+        <p:style>
+          <a:lnRef idx="2">
+            <a:schemeClr val="accent1">
+              <a:shade val="50000"/>
+            </a:schemeClr>
+          </a:lnRef>
+          <a:fillRef idx="1">
+            <a:schemeClr val="accent1"/>
+          </a:fillRef>
+          <a:effectRef idx="0">
+            <a:schemeClr val="accent1"/>
+          </a:effectRef>
+          <a:fontRef idx="minor">
+            <a:schemeClr val="lt1"/>
+          </a:fontRef>
+        </p:style>
+        <p:txBody>
+          <a:bodyPr rot="0" spcFirstLastPara="0" vertOverflow="overflow" horzOverflow="overflow" vert="horz" wrap="square" lIns="121923" tIns="60961" rIns="121923" bIns="60961" numCol="1" spcCol="0" rtlCol="0" fromWordArt="0" anchor="ctr" anchorCtr="0" forceAA="0" compatLnSpc="1">
+            <a:prstTxWarp prst="textNoShape">
+              <a:avLst/>
+            </a:prstTxWarp>
+            <a:noAutofit/>
+          </a:bodyPr>
+          <a:lstStyle/>
+          <a:p>
+            <a:pPr algn="ctr"/>
+            <a:r>
+              <a:rPr lang="es-ES" sz="799" b="1" dirty="0">
+                <a:solidFill>
+                  <a:schemeClr val="tx1"/>
+                </a:solidFill>
+              </a:rPr>
+              <a:t>Nombre del paquete</a:t>
+            </a:r>
+          </a:p>
+        </p:txBody>
+      </p:sp>
+      <p:sp>
+        <p:nvSpPr>
+          <p:cNvPr id="8" name="Globo: línea doblada 7">
+            <a:extLst>
+              <a:ext uri="{FF2B5EF4-FFF2-40B4-BE49-F238E27FC236}">
+                <a16:creationId xmlns:a16="http://schemas.microsoft.com/office/drawing/2014/main" id="{9BAF6CC7-1A1E-4C40-AC59-0FDC35E75EFD}"/>
+              </a:ext>
+            </a:extLst>
+          </p:cNvPr>
+          <p:cNvSpPr/>
+          <p:nvPr/>
+        </p:nvSpPr>
+        <p:spPr>
+          <a:xfrm>
+            <a:off x="18079505" y="5108797"/>
+            <a:ext cx="1018351" cy="274249"/>
+          </a:xfrm>
+          <a:prstGeom prst="borderCallout2">
+            <a:avLst>
+              <a:gd name="adj1" fmla="val 18750"/>
+              <a:gd name="adj2" fmla="val -8333"/>
+              <a:gd name="adj3" fmla="val 19658"/>
+              <a:gd name="adj4" fmla="val -261755"/>
+              <a:gd name="adj5" fmla="val 67603"/>
+              <a:gd name="adj6" fmla="val -279078"/>
+            </a:avLst>
+          </a:prstGeom>
+          <a:solidFill>
+            <a:schemeClr val="bg2"/>
+          </a:solidFill>
+          <a:ln>
+            <a:solidFill>
+              <a:srgbClr val="FF0000"/>
+            </a:solidFill>
+          </a:ln>
+        </p:spPr>
+        <p:style>
+          <a:lnRef idx="2">
+            <a:schemeClr val="accent1">
+              <a:shade val="50000"/>
+            </a:schemeClr>
+          </a:lnRef>
+          <a:fillRef idx="1">
+            <a:schemeClr val="accent1"/>
+          </a:fillRef>
+          <a:effectRef idx="0">
+            <a:schemeClr val="accent1"/>
+          </a:effectRef>
+          <a:fontRef idx="minor">
+            <a:schemeClr val="lt1"/>
+          </a:fontRef>
+        </p:style>
+        <p:txBody>
+          <a:bodyPr rot="0" spcFirstLastPara="0" vertOverflow="overflow" horzOverflow="overflow" vert="horz" wrap="square" lIns="121923" tIns="60961" rIns="121923" bIns="60961" numCol="1" spcCol="0" rtlCol="0" fromWordArt="0" anchor="ctr" anchorCtr="0" forceAA="0" compatLnSpc="1">
+            <a:prstTxWarp prst="textNoShape">
+              <a:avLst/>
+            </a:prstTxWarp>
+            <a:noAutofit/>
+          </a:bodyPr>
+          <a:lstStyle/>
+          <a:p>
+            <a:pPr algn="ctr"/>
+            <a:r>
+              <a:rPr lang="es-ES" sz="799" b="1" dirty="0">
+                <a:solidFill>
+                  <a:schemeClr val="tx1"/>
+                </a:solidFill>
+              </a:rPr>
+              <a:t>Dependencia del paquete o </a:t>
+            </a:r>
+            <a:r>
+              <a:rPr lang="es-ES" sz="799" b="1" i="1" dirty="0">
+                <a:solidFill>
+                  <a:schemeClr val="tx1"/>
+                </a:solidFill>
+              </a:rPr>
+              <a:t>project</a:t>
+            </a:r>
+          </a:p>
+        </p:txBody>
+      </p:sp>
+      <p:sp>
+        <p:nvSpPr>
+          <p:cNvPr id="9" name="Rectángulo: esquinas redondeadas 8">
+            <a:extLst>
+              <a:ext uri="{FF2B5EF4-FFF2-40B4-BE49-F238E27FC236}">
+                <a16:creationId xmlns:a16="http://schemas.microsoft.com/office/drawing/2014/main" id="{0409B9D7-7703-4636-AE1F-E1ABF13D6A50}"/>
+              </a:ext>
+            </a:extLst>
+          </p:cNvPr>
+          <p:cNvSpPr/>
+          <p:nvPr/>
+        </p:nvSpPr>
+        <p:spPr>
+          <a:xfrm>
+            <a:off x="19097858" y="4986194"/>
+            <a:ext cx="867812" cy="530727"/>
+          </a:xfrm>
+          <a:prstGeom prst="roundRect">
+            <a:avLst/>
+          </a:prstGeom>
+          <a:solidFill>
+            <a:schemeClr val="bg2"/>
+          </a:solidFill>
+          <a:ln>
+            <a:solidFill>
+              <a:srgbClr val="FF0000"/>
+            </a:solidFill>
+          </a:ln>
+        </p:spPr>
+        <p:style>
+          <a:lnRef idx="2">
+            <a:schemeClr val="accent1">
+              <a:shade val="50000"/>
+            </a:schemeClr>
+          </a:lnRef>
+          <a:fillRef idx="1">
+            <a:schemeClr val="accent1"/>
+          </a:fillRef>
+          <a:effectRef idx="0">
+            <a:schemeClr val="accent1"/>
+          </a:effectRef>
+          <a:fontRef idx="minor">
+            <a:schemeClr val="lt1"/>
+          </a:fontRef>
+        </p:style>
+        <p:txBody>
+          <a:bodyPr rot="0" spcFirstLastPara="0" vertOverflow="overflow" horzOverflow="overflow" vert="horz" wrap="square" lIns="121923" tIns="60961" rIns="121923" bIns="60961" numCol="1" spcCol="0" rtlCol="0" fromWordArt="0" anchor="ctr" anchorCtr="0" forceAA="0" compatLnSpc="1">
+            <a:prstTxWarp prst="textNoShape">
+              <a:avLst/>
+            </a:prstTxWarp>
+            <a:noAutofit/>
+          </a:bodyPr>
+          <a:lstStyle/>
+          <a:p>
+            <a:pPr algn="ctr"/>
+            <a:r>
+              <a:rPr lang="es-ES" sz="799">
+                <a:solidFill>
+                  <a:schemeClr val="tx1"/>
+                </a:solidFill>
+              </a:rPr>
+              <a:t>roscpp dependencia para creacion de nodos </a:t>
+            </a:r>
+          </a:p>
+        </p:txBody>
+      </p:sp>
+      <p:sp>
+        <p:nvSpPr>
+          <p:cNvPr id="10" name="Globo: línea doblada 9">
+            <a:extLst>
+              <a:ext uri="{FF2B5EF4-FFF2-40B4-BE49-F238E27FC236}">
+                <a16:creationId xmlns:a16="http://schemas.microsoft.com/office/drawing/2014/main" id="{342B0205-60BB-46EE-998D-97407EAD0B7B}"/>
+              </a:ext>
+            </a:extLst>
+          </p:cNvPr>
+          <p:cNvSpPr/>
+          <p:nvPr/>
+        </p:nvSpPr>
+        <p:spPr>
+          <a:xfrm>
+            <a:off x="18079505" y="6466695"/>
+            <a:ext cx="1018351" cy="274249"/>
+          </a:xfrm>
+          <a:prstGeom prst="borderCallout2">
+            <a:avLst>
+              <a:gd name="adj1" fmla="val 18750"/>
+              <a:gd name="adj2" fmla="val -8333"/>
+              <a:gd name="adj3" fmla="val 22273"/>
+              <a:gd name="adj4" fmla="val -254008"/>
+              <a:gd name="adj5" fmla="val 62373"/>
+              <a:gd name="adj6" fmla="val -271331"/>
+            </a:avLst>
+          </a:prstGeom>
+          <a:solidFill>
+            <a:schemeClr val="bg2"/>
+          </a:solidFill>
+          <a:ln>
+            <a:solidFill>
+              <a:srgbClr val="FF0000"/>
+            </a:solidFill>
+          </a:ln>
+        </p:spPr>
+        <p:style>
+          <a:lnRef idx="2">
+            <a:schemeClr val="accent1">
+              <a:shade val="50000"/>
+            </a:schemeClr>
+          </a:lnRef>
+          <a:fillRef idx="1">
+            <a:schemeClr val="accent1"/>
+          </a:fillRef>
+          <a:effectRef idx="0">
+            <a:schemeClr val="accent1"/>
+          </a:effectRef>
+          <a:fontRef idx="minor">
+            <a:schemeClr val="lt1"/>
+          </a:fontRef>
+        </p:style>
+        <p:txBody>
+          <a:bodyPr rot="0" spcFirstLastPara="0" vertOverflow="overflow" horzOverflow="overflow" vert="horz" wrap="square" lIns="121923" tIns="60961" rIns="121923" bIns="60961" numCol="1" spcCol="0" rtlCol="0" fromWordArt="0" anchor="ctr" anchorCtr="0" forceAA="0" compatLnSpc="1">
+            <a:prstTxWarp prst="textNoShape">
+              <a:avLst/>
+            </a:prstTxWarp>
+            <a:noAutofit/>
+          </a:bodyPr>
+          <a:lstStyle/>
+          <a:p>
+            <a:pPr algn="ctr"/>
+            <a:r>
+              <a:rPr lang="es-ES" sz="799" b="1" dirty="0">
+                <a:solidFill>
+                  <a:schemeClr val="tx1"/>
+                </a:solidFill>
+              </a:rPr>
+              <a:t>Dependencia del paquete o </a:t>
+            </a:r>
+            <a:r>
+              <a:rPr lang="es-ES" sz="799" b="1" i="1" dirty="0">
+                <a:solidFill>
+                  <a:schemeClr val="tx1"/>
+                </a:solidFill>
+              </a:rPr>
+              <a:t>project</a:t>
+            </a:r>
+          </a:p>
+        </p:txBody>
+      </p:sp>
+    </p:spTree>
+    <p:extLst>
+      <p:ext uri="{BB962C8B-B14F-4D97-AF65-F5344CB8AC3E}">
+        <p14:creationId xmlns:p14="http://schemas.microsoft.com/office/powerpoint/2010/main" val="2518437411"/>
+      </p:ext>
+    </p:extLst>
+  </p:cSld>
+  <p:clrMapOvr>
+    <a:masterClrMapping/>
+  </p:clrMapOvr>
+</p:sld>
+</file>
+
+<file path=ppt/slides/slide3.xml><?xml version="1.0" encoding="utf-8"?>
+<p:sld xmlns:a="http://schemas.openxmlformats.org/drawingml/2006/main" xmlns:r="http://schemas.openxmlformats.org/officeDocument/2006/relationships" xmlns:p="http://schemas.openxmlformats.org/presentationml/2006/main">
+  <p:cSld>
+    <p:spTree>
+      <p:nvGrpSpPr>
+        <p:cNvPr id="1" name=""/>
+        <p:cNvGrpSpPr/>
+        <p:nvPr/>
+      </p:nvGrpSpPr>
+      <p:grpSpPr>
+        <a:xfrm>
+          <a:off x="0" y="0"/>
+          <a:ext cx="0" cy="0"/>
+          <a:chOff x="0" y="0"/>
+          <a:chExt cx="0" cy="0"/>
+        </a:xfrm>
+      </p:grpSpPr>
+      <p:pic>
+        <p:nvPicPr>
+          <p:cNvPr id="2" name="Imagen 1">
+            <a:extLst>
+              <a:ext uri="{FF2B5EF4-FFF2-40B4-BE49-F238E27FC236}">
+                <a16:creationId xmlns:a16="http://schemas.microsoft.com/office/drawing/2014/main" id="{5DF67740-B042-40DD-87CE-2634780E0298}"/>
+              </a:ext>
+            </a:extLst>
+          </p:cNvPr>
+          <p:cNvPicPr>
+            <a:picLocks noChangeAspect="1"/>
+          </p:cNvPicPr>
+          <p:nvPr/>
+        </p:nvPicPr>
+        <p:blipFill>
+          <a:blip r:embed="rId2"/>
+          <a:stretch>
+            <a:fillRect/>
+          </a:stretch>
+        </p:blipFill>
+        <p:spPr>
+          <a:xfrm>
+            <a:off x="12769524" y="4235811"/>
+            <a:ext cx="5105398" cy="2562224"/>
+          </a:xfrm>
+          <a:prstGeom prst="rect">
+            <a:avLst/>
+          </a:prstGeom>
+        </p:spPr>
+      </p:pic>
+      <p:sp>
+        <p:nvSpPr>
+          <p:cNvPr id="6" name="Globo: línea doblada 5">
+            <a:extLst>
+              <a:ext uri="{FF2B5EF4-FFF2-40B4-BE49-F238E27FC236}">
+                <a16:creationId xmlns:a16="http://schemas.microsoft.com/office/drawing/2014/main" id="{8B7CA878-EAA4-435E-BF13-F50BEBED1DFF}"/>
+              </a:ext>
+            </a:extLst>
+          </p:cNvPr>
+          <p:cNvSpPr/>
+          <p:nvPr/>
+        </p:nvSpPr>
+        <p:spPr>
+          <a:xfrm>
+            <a:off x="18079505" y="4098910"/>
+            <a:ext cx="1018351" cy="203553"/>
+          </a:xfrm>
+          <a:prstGeom prst="borderCallout2">
+            <a:avLst>
+              <a:gd name="adj1" fmla="val 18750"/>
+              <a:gd name="adj2" fmla="val -8333"/>
+              <a:gd name="adj3" fmla="val 22273"/>
+              <a:gd name="adj4" fmla="val -319785"/>
+              <a:gd name="adj5" fmla="val 92739"/>
+              <a:gd name="adj6" fmla="val -345682"/>
+            </a:avLst>
+          </a:prstGeom>
+          <a:solidFill>
+            <a:schemeClr val="bg2"/>
+          </a:solidFill>
+          <a:ln w="19050">
+            <a:solidFill>
+              <a:srgbClr val="FF0000"/>
+            </a:solidFill>
+          </a:ln>
+        </p:spPr>
+        <p:style>
+          <a:lnRef idx="2">
+            <a:schemeClr val="accent1">
+              <a:shade val="50000"/>
+            </a:schemeClr>
+          </a:lnRef>
+          <a:fillRef idx="1">
+            <a:schemeClr val="accent1"/>
+          </a:fillRef>
+          <a:effectRef idx="0">
+            <a:schemeClr val="accent1"/>
+          </a:effectRef>
+          <a:fontRef idx="minor">
+            <a:schemeClr val="lt1"/>
+          </a:fontRef>
+        </p:style>
+        <p:txBody>
+          <a:bodyPr rot="0" spcFirstLastPara="0" vertOverflow="overflow" horzOverflow="overflow" vert="horz" wrap="square" lIns="121923" tIns="60961" rIns="121923" bIns="60961" numCol="1" spcCol="0" rtlCol="0" fromWordArt="0" anchor="ctr" anchorCtr="0" forceAA="0" compatLnSpc="1">
+            <a:prstTxWarp prst="textNoShape">
+              <a:avLst/>
+            </a:prstTxWarp>
+            <a:noAutofit/>
+          </a:bodyPr>
+          <a:lstStyle/>
+          <a:p>
+            <a:pPr algn="ctr"/>
+            <a:r>
+              <a:rPr lang="en-US" sz="799" b="1" dirty="0">
+                <a:solidFill>
+                  <a:schemeClr val="tx1"/>
+                </a:solidFill>
+              </a:rPr>
+              <a:t>Version de .XML</a:t>
+            </a:r>
+            <a:endParaRPr lang="es-ES" sz="799" b="1" dirty="0">
+              <a:solidFill>
+                <a:schemeClr val="tx1"/>
+              </a:solidFill>
+            </a:endParaRPr>
+          </a:p>
+        </p:txBody>
+      </p:sp>
+      <p:sp>
+        <p:nvSpPr>
+          <p:cNvPr id="7" name="Globo: línea doblada 6">
+            <a:extLst>
+              <a:ext uri="{FF2B5EF4-FFF2-40B4-BE49-F238E27FC236}">
+                <a16:creationId xmlns:a16="http://schemas.microsoft.com/office/drawing/2014/main" id="{65A870BF-F4ED-40FF-9290-99631289DE4E}"/>
+              </a:ext>
+            </a:extLst>
+          </p:cNvPr>
+          <p:cNvSpPr/>
+          <p:nvPr/>
+        </p:nvSpPr>
+        <p:spPr>
+          <a:xfrm>
+            <a:off x="18079505" y="4374184"/>
+            <a:ext cx="1018351" cy="274249"/>
+          </a:xfrm>
+          <a:prstGeom prst="borderCallout2">
+            <a:avLst>
+              <a:gd name="adj1" fmla="val 18750"/>
+              <a:gd name="adj2" fmla="val -8333"/>
+              <a:gd name="adj3" fmla="val 15670"/>
+              <a:gd name="adj4" fmla="val -244233"/>
+              <a:gd name="adj5" fmla="val 82309"/>
+              <a:gd name="adj6" fmla="val -258704"/>
+            </a:avLst>
+          </a:prstGeom>
+          <a:solidFill>
+            <a:schemeClr val="bg2"/>
+          </a:solidFill>
+          <a:ln w="19050">
+            <a:solidFill>
+              <a:srgbClr val="FF0000"/>
+            </a:solidFill>
+          </a:ln>
+        </p:spPr>
+        <p:style>
+          <a:lnRef idx="2">
+            <a:schemeClr val="accent1">
+              <a:shade val="50000"/>
+            </a:schemeClr>
+          </a:lnRef>
+          <a:fillRef idx="1">
+            <a:schemeClr val="accent1"/>
+          </a:fillRef>
+          <a:effectRef idx="0">
+            <a:schemeClr val="accent1"/>
+          </a:effectRef>
+          <a:fontRef idx="minor">
+            <a:schemeClr val="lt1"/>
+          </a:fontRef>
+        </p:style>
+        <p:txBody>
+          <a:bodyPr rot="0" spcFirstLastPara="0" vertOverflow="overflow" horzOverflow="overflow" vert="horz" wrap="square" lIns="121923" tIns="60961" rIns="121923" bIns="60961" numCol="1" spcCol="0" rtlCol="0" fromWordArt="0" anchor="ctr" anchorCtr="0" forceAA="0" compatLnSpc="1">
+            <a:prstTxWarp prst="textNoShape">
+              <a:avLst/>
+            </a:prstTxWarp>
+            <a:noAutofit/>
+          </a:bodyPr>
+          <a:lstStyle/>
+          <a:p>
+            <a:pPr algn="ctr"/>
+            <a:r>
+              <a:rPr lang="es-ES" sz="799" b="1" dirty="0">
+                <a:solidFill>
+                  <a:schemeClr val="tx1"/>
+                </a:solidFill>
+              </a:rPr>
+              <a:t>Nombre del paquete</a:t>
+            </a:r>
+          </a:p>
+        </p:txBody>
+      </p:sp>
+      <p:sp>
+        <p:nvSpPr>
+          <p:cNvPr id="8" name="Globo: línea doblada 7">
+            <a:extLst>
+              <a:ext uri="{FF2B5EF4-FFF2-40B4-BE49-F238E27FC236}">
+                <a16:creationId xmlns:a16="http://schemas.microsoft.com/office/drawing/2014/main" id="{9BAF6CC7-1A1E-4C40-AC59-0FDC35E75EFD}"/>
+              </a:ext>
+            </a:extLst>
+          </p:cNvPr>
+          <p:cNvSpPr/>
+          <p:nvPr/>
+        </p:nvSpPr>
+        <p:spPr>
+          <a:xfrm>
+            <a:off x="18054262" y="5124974"/>
+            <a:ext cx="1018351" cy="274249"/>
+          </a:xfrm>
+          <a:prstGeom prst="borderCallout2">
+            <a:avLst>
+              <a:gd name="adj1" fmla="val 18750"/>
+              <a:gd name="adj2" fmla="val -8333"/>
+              <a:gd name="adj3" fmla="val 19658"/>
+              <a:gd name="adj4" fmla="val -306207"/>
+              <a:gd name="adj5" fmla="val 110519"/>
+              <a:gd name="adj6" fmla="val -320863"/>
+            </a:avLst>
+          </a:prstGeom>
+          <a:solidFill>
+            <a:schemeClr val="bg2"/>
+          </a:solidFill>
+          <a:ln w="19050">
+            <a:solidFill>
+              <a:srgbClr val="FF0000"/>
+            </a:solidFill>
+          </a:ln>
+        </p:spPr>
+        <p:style>
+          <a:lnRef idx="2">
+            <a:schemeClr val="accent1">
+              <a:shade val="50000"/>
+            </a:schemeClr>
+          </a:lnRef>
+          <a:fillRef idx="1">
+            <a:schemeClr val="accent1"/>
+          </a:fillRef>
+          <a:effectRef idx="0">
+            <a:schemeClr val="accent1"/>
+          </a:effectRef>
+          <a:fontRef idx="minor">
+            <a:schemeClr val="lt1"/>
+          </a:fontRef>
+        </p:style>
+        <p:txBody>
+          <a:bodyPr rot="0" spcFirstLastPara="0" vertOverflow="overflow" horzOverflow="overflow" vert="horz" wrap="square" lIns="121923" tIns="60961" rIns="121923" bIns="60961" numCol="1" spcCol="0" rtlCol="0" fromWordArt="0" anchor="ctr" anchorCtr="0" forceAA="0" compatLnSpc="1">
+            <a:prstTxWarp prst="textNoShape">
+              <a:avLst/>
+            </a:prstTxWarp>
+            <a:noAutofit/>
+          </a:bodyPr>
+          <a:lstStyle/>
+          <a:p>
+            <a:pPr algn="ctr"/>
+            <a:r>
+              <a:rPr lang="es-ES" sz="799" b="1" dirty="0">
+                <a:solidFill>
+                  <a:schemeClr val="tx1"/>
+                </a:solidFill>
+              </a:rPr>
+              <a:t>Compilador del paquete</a:t>
+            </a:r>
+            <a:endParaRPr lang="es-ES" sz="799" b="1" i="1" dirty="0">
+              <a:solidFill>
+                <a:schemeClr val="tx1"/>
+              </a:solidFill>
+            </a:endParaRPr>
+          </a:p>
+        </p:txBody>
+      </p:sp>
+      <p:sp>
+        <p:nvSpPr>
+          <p:cNvPr id="11" name="Globo: línea doblada 10">
+            <a:extLst>
+              <a:ext uri="{FF2B5EF4-FFF2-40B4-BE49-F238E27FC236}">
+                <a16:creationId xmlns:a16="http://schemas.microsoft.com/office/drawing/2014/main" id="{A53DD2AF-D484-40E6-B961-1480B3FD31AE}"/>
+              </a:ext>
+            </a:extLst>
+          </p:cNvPr>
+          <p:cNvSpPr/>
+          <p:nvPr/>
+        </p:nvSpPr>
+        <p:spPr>
+          <a:xfrm>
+            <a:off x="18079505" y="4648433"/>
+            <a:ext cx="1340177" cy="274249"/>
+          </a:xfrm>
+          <a:prstGeom prst="borderCallout2">
+            <a:avLst>
+              <a:gd name="adj1" fmla="val 18750"/>
+              <a:gd name="adj2" fmla="val -8333"/>
+              <a:gd name="adj3" fmla="val 18971"/>
+              <a:gd name="adj4" fmla="val -241566"/>
+              <a:gd name="adj5" fmla="val 82309"/>
+              <a:gd name="adj6" fmla="val -258704"/>
+            </a:avLst>
+          </a:prstGeom>
+          <a:solidFill>
+            <a:schemeClr val="bg2"/>
+          </a:solidFill>
+          <a:ln w="19050">
+            <a:solidFill>
+              <a:srgbClr val="FF0000"/>
+            </a:solidFill>
+          </a:ln>
+        </p:spPr>
+        <p:style>
+          <a:lnRef idx="2">
+            <a:schemeClr val="accent1">
+              <a:shade val="50000"/>
+            </a:schemeClr>
+          </a:lnRef>
+          <a:fillRef idx="1">
+            <a:schemeClr val="accent1"/>
+          </a:fillRef>
+          <a:effectRef idx="0">
+            <a:schemeClr val="accent1"/>
+          </a:effectRef>
+          <a:fontRef idx="minor">
+            <a:schemeClr val="lt1"/>
+          </a:fontRef>
+        </p:style>
+        <p:txBody>
+          <a:bodyPr rot="0" spcFirstLastPara="0" vertOverflow="overflow" horzOverflow="overflow" vert="horz" wrap="square" lIns="121923" tIns="60961" rIns="121923" bIns="60961" numCol="1" spcCol="0" rtlCol="0" fromWordArt="0" anchor="ctr" anchorCtr="0" forceAA="0" compatLnSpc="1">
+            <a:prstTxWarp prst="textNoShape">
+              <a:avLst/>
+            </a:prstTxWarp>
+            <a:noAutofit/>
+          </a:bodyPr>
+          <a:lstStyle/>
+          <a:p>
+            <a:pPr algn="ctr"/>
+            <a:r>
+              <a:rPr lang="es-ES" sz="799" b="1" dirty="0">
+                <a:solidFill>
+                  <a:schemeClr val="tx1"/>
+                </a:solidFill>
+              </a:rPr>
+              <a:t>Información del paquete (Autor) (Licencia)</a:t>
+            </a:r>
+          </a:p>
+        </p:txBody>
+      </p:sp>
+      <p:sp>
+        <p:nvSpPr>
+          <p:cNvPr id="12" name="Globo: línea doblada 11">
+            <a:extLst>
+              <a:ext uri="{FF2B5EF4-FFF2-40B4-BE49-F238E27FC236}">
+                <a16:creationId xmlns:a16="http://schemas.microsoft.com/office/drawing/2014/main" id="{A6ED597B-5D22-45F5-9229-1D3413AA2191}"/>
+              </a:ext>
+            </a:extLst>
+          </p:cNvPr>
+          <p:cNvSpPr/>
+          <p:nvPr/>
+        </p:nvSpPr>
+        <p:spPr>
+          <a:xfrm>
+            <a:off x="18054261" y="5420964"/>
+            <a:ext cx="1120979" cy="274249"/>
+          </a:xfrm>
+          <a:prstGeom prst="borderCallout2">
+            <a:avLst>
+              <a:gd name="adj1" fmla="val 35256"/>
+              <a:gd name="adj2" fmla="val -7444"/>
+              <a:gd name="adj3" fmla="val 26260"/>
+              <a:gd name="adj4" fmla="val -292245"/>
+              <a:gd name="adj5" fmla="val 54399"/>
+              <a:gd name="adj6" fmla="val -307796"/>
+            </a:avLst>
+          </a:prstGeom>
+          <a:solidFill>
+            <a:schemeClr val="bg2"/>
+          </a:solidFill>
+          <a:ln w="19050">
+            <a:solidFill>
+              <a:srgbClr val="FF0000"/>
+            </a:solidFill>
+          </a:ln>
+        </p:spPr>
+        <p:style>
+          <a:lnRef idx="2">
+            <a:schemeClr val="accent1">
+              <a:shade val="50000"/>
+            </a:schemeClr>
+          </a:lnRef>
+          <a:fillRef idx="1">
+            <a:schemeClr val="accent1"/>
+          </a:fillRef>
+          <a:effectRef idx="0">
+            <a:schemeClr val="accent1"/>
+          </a:effectRef>
+          <a:fontRef idx="minor">
+            <a:schemeClr val="lt1"/>
+          </a:fontRef>
+        </p:style>
+        <p:txBody>
+          <a:bodyPr rot="0" spcFirstLastPara="0" vertOverflow="overflow" horzOverflow="overflow" vert="horz" wrap="square" lIns="121923" tIns="60961" rIns="121923" bIns="60961" numCol="1" spcCol="0" rtlCol="0" fromWordArt="0" anchor="ctr" anchorCtr="0" forceAA="0" compatLnSpc="1">
+            <a:prstTxWarp prst="textNoShape">
+              <a:avLst/>
+            </a:prstTxWarp>
+            <a:noAutofit/>
+          </a:bodyPr>
+          <a:lstStyle/>
+          <a:p>
+            <a:pPr algn="ctr"/>
+            <a:r>
+              <a:rPr lang="es-ES" sz="799" b="1" dirty="0">
+                <a:solidFill>
+                  <a:schemeClr val="tx1"/>
+                </a:solidFill>
+              </a:rPr>
+              <a:t>Dependencia del paquete a compilar</a:t>
+            </a:r>
+            <a:endParaRPr lang="es-ES" sz="799" b="1" i="1" dirty="0">
+              <a:solidFill>
+                <a:schemeClr val="tx1"/>
+              </a:solidFill>
+            </a:endParaRPr>
+          </a:p>
+        </p:txBody>
+      </p:sp>
+      <p:sp>
+        <p:nvSpPr>
+          <p:cNvPr id="13" name="Globo: línea doblada 12">
+            <a:extLst>
+              <a:ext uri="{FF2B5EF4-FFF2-40B4-BE49-F238E27FC236}">
+                <a16:creationId xmlns:a16="http://schemas.microsoft.com/office/drawing/2014/main" id="{4BBCCBAD-4548-4575-B19D-EE237F5AC4E2}"/>
+              </a:ext>
+            </a:extLst>
+          </p:cNvPr>
+          <p:cNvSpPr/>
+          <p:nvPr/>
+        </p:nvSpPr>
+        <p:spPr>
+          <a:xfrm>
+            <a:off x="18054261" y="5694162"/>
+            <a:ext cx="1120979" cy="274249"/>
+          </a:xfrm>
+          <a:prstGeom prst="borderCallout2">
+            <a:avLst>
+              <a:gd name="adj1" fmla="val 84774"/>
+              <a:gd name="adj2" fmla="val -7444"/>
+              <a:gd name="adj3" fmla="val 82380"/>
+              <a:gd name="adj4" fmla="val -290630"/>
+              <a:gd name="adj5" fmla="val 34592"/>
+              <a:gd name="adj6" fmla="val -319103"/>
+            </a:avLst>
+          </a:prstGeom>
+          <a:solidFill>
+            <a:schemeClr val="bg2"/>
+          </a:solidFill>
+          <a:ln w="19050">
+            <a:solidFill>
+              <a:srgbClr val="FF0000"/>
+            </a:solidFill>
+          </a:ln>
+        </p:spPr>
+        <p:style>
+          <a:lnRef idx="2">
+            <a:schemeClr val="accent1">
+              <a:shade val="50000"/>
+            </a:schemeClr>
+          </a:lnRef>
+          <a:fillRef idx="1">
+            <a:schemeClr val="accent1"/>
+          </a:fillRef>
+          <a:effectRef idx="0">
+            <a:schemeClr val="accent1"/>
+          </a:effectRef>
+          <a:fontRef idx="minor">
+            <a:schemeClr val="lt1"/>
+          </a:fontRef>
+        </p:style>
+        <p:txBody>
+          <a:bodyPr rot="0" spcFirstLastPara="0" vertOverflow="overflow" horzOverflow="overflow" vert="horz" wrap="square" lIns="121923" tIns="60961" rIns="121923" bIns="60961" numCol="1" spcCol="0" rtlCol="0" fromWordArt="0" anchor="ctr" anchorCtr="0" forceAA="0" compatLnSpc="1">
+            <a:prstTxWarp prst="textNoShape">
+              <a:avLst/>
+            </a:prstTxWarp>
+            <a:noAutofit/>
+          </a:bodyPr>
+          <a:lstStyle/>
+          <a:p>
+            <a:pPr algn="ctr"/>
+            <a:r>
+              <a:rPr lang="es-ES" sz="799" b="1" dirty="0">
+                <a:solidFill>
+                  <a:schemeClr val="tx1"/>
+                </a:solidFill>
+              </a:rPr>
+              <a:t>Dependencia del paquete a Ejecutar</a:t>
+            </a:r>
+            <a:endParaRPr lang="es-ES" sz="799" b="1" i="1" dirty="0">
+              <a:solidFill>
+                <a:schemeClr val="tx1"/>
+              </a:solidFill>
+            </a:endParaRPr>
+          </a:p>
+        </p:txBody>
+      </p:sp>
+    </p:spTree>
+    <p:extLst>
+      <p:ext uri="{BB962C8B-B14F-4D97-AF65-F5344CB8AC3E}">
+        <p14:creationId xmlns:p14="http://schemas.microsoft.com/office/powerpoint/2010/main" val="1055705862"/>
+      </p:ext>
+    </p:extLst>
+  </p:cSld>
+  <p:clrMapOvr>
+    <a:masterClrMapping/>
+  </p:clrMapOvr>
+</p:sld>
+</file>
+
+<file path=ppt/slides/slide4.xml><?xml version="1.0" encoding="utf-8"?>
+<p:sld xmlns:a="http://schemas.openxmlformats.org/drawingml/2006/main" xmlns:r="http://schemas.openxmlformats.org/officeDocument/2006/relationships" xmlns:p="http://schemas.openxmlformats.org/presentationml/2006/main">
+  <p:cSld>
+    <p:spTree>
+      <p:nvGrpSpPr>
+        <p:cNvPr id="1" name=""/>
+        <p:cNvGrpSpPr/>
+        <p:nvPr/>
+      </p:nvGrpSpPr>
+      <p:grpSpPr>
+        <a:xfrm>
+          <a:off x="0" y="0"/>
+          <a:ext cx="0" cy="0"/>
+          <a:chOff x="0" y="0"/>
+          <a:chExt cx="0" cy="0"/>
+        </a:xfrm>
+      </p:grpSpPr>
+      <p:pic>
+        <p:nvPicPr>
+          <p:cNvPr id="9" name="Imagen 8">
+            <a:extLst>
+              <a:ext uri="{FF2B5EF4-FFF2-40B4-BE49-F238E27FC236}">
+                <a16:creationId xmlns:a16="http://schemas.microsoft.com/office/drawing/2014/main" id="{13E5BC9D-E415-414B-B52D-68F73007460B}"/>
+              </a:ext>
+            </a:extLst>
+          </p:cNvPr>
+          <p:cNvPicPr/>
+          <p:nvPr/>
+        </p:nvPicPr>
+        <p:blipFill>
+          <a:blip r:embed="rId2">
+            <a:extLst>
+              <a:ext uri="{28A0092B-C50C-407E-A947-70E740481C1C}">
+                <a14:useLocalDpi xmlns:a14="http://schemas.microsoft.com/office/drawing/2010/main" val="0"/>
+              </a:ext>
+            </a:extLst>
+          </a:blip>
+          <a:srcRect/>
+          <a:stretch>
+            <a:fillRect/>
+          </a:stretch>
+        </p:blipFill>
+        <p:spPr bwMode="auto">
+          <a:xfrm>
+            <a:off x="13736635" y="3886202"/>
+            <a:ext cx="2279652" cy="2270127"/>
+          </a:xfrm>
+          <a:prstGeom prst="rect">
+            <a:avLst/>
+          </a:prstGeom>
+          <a:noFill/>
+          <a:ln>
+            <a:noFill/>
+          </a:ln>
+        </p:spPr>
+      </p:pic>
+      <p:sp>
+        <p:nvSpPr>
+          <p:cNvPr id="3" name="Globo: línea doblada 2">
+            <a:extLst>
+              <a:ext uri="{FF2B5EF4-FFF2-40B4-BE49-F238E27FC236}">
+                <a16:creationId xmlns:a16="http://schemas.microsoft.com/office/drawing/2014/main" id="{60BAB772-071A-4DA3-BC2E-1E55DF35D1E2}"/>
+              </a:ext>
+            </a:extLst>
+          </p:cNvPr>
+          <p:cNvSpPr/>
+          <p:nvPr/>
+        </p:nvSpPr>
+        <p:spPr>
+          <a:xfrm>
+            <a:off x="16400207" y="3982069"/>
+            <a:ext cx="1061885" cy="268336"/>
+          </a:xfrm>
+          <a:prstGeom prst="borderCallout2">
+            <a:avLst>
+              <a:gd name="adj1" fmla="val 18750"/>
+              <a:gd name="adj2" fmla="val -8333"/>
+              <a:gd name="adj3" fmla="val 19229"/>
+              <a:gd name="adj4" fmla="val -114828"/>
+              <a:gd name="adj5" fmla="val 48940"/>
+              <a:gd name="adj6" fmla="val -137126"/>
+            </a:avLst>
+          </a:prstGeom>
+          <a:solidFill>
+            <a:schemeClr val="bg1">
+              <a:lumMod val="85000"/>
+            </a:schemeClr>
+          </a:solidFill>
+          <a:ln w="19050">
+            <a:solidFill>
+              <a:srgbClr val="FF0000"/>
+            </a:solidFill>
+          </a:ln>
+        </p:spPr>
+        <p:style>
+          <a:lnRef idx="2">
+            <a:schemeClr val="accent1">
+              <a:shade val="50000"/>
+            </a:schemeClr>
+          </a:lnRef>
+          <a:fillRef idx="1">
+            <a:schemeClr val="accent1"/>
+          </a:fillRef>
+          <a:effectRef idx="0">
+            <a:schemeClr val="accent1"/>
+          </a:effectRef>
+          <a:fontRef idx="minor">
+            <a:schemeClr val="lt1"/>
+          </a:fontRef>
+        </p:style>
+        <p:txBody>
+          <a:bodyPr rtlCol="0" anchor="ctr"/>
+          <a:lstStyle/>
+          <a:p>
+            <a:pPr lvl="0" algn="ctr"/>
+            <a:r>
+              <a:rPr lang="es-ES" sz="799" b="1" dirty="0">
+                <a:solidFill>
+                  <a:prstClr val="black"/>
+                </a:solidFill>
+              </a:rPr>
+              <a:t>Nombre del paquete ROS Industrial</a:t>
+            </a:r>
+          </a:p>
+        </p:txBody>
+      </p:sp>
+      <p:sp>
+        <p:nvSpPr>
+          <p:cNvPr id="15" name="Globo: línea doblada 14">
+            <a:extLst>
+              <a:ext uri="{FF2B5EF4-FFF2-40B4-BE49-F238E27FC236}">
+                <a16:creationId xmlns:a16="http://schemas.microsoft.com/office/drawing/2014/main" id="{30FC1F11-ED90-4C63-A479-CA2CEC53BDCD}"/>
+              </a:ext>
+            </a:extLst>
+          </p:cNvPr>
+          <p:cNvSpPr/>
+          <p:nvPr/>
+        </p:nvSpPr>
+        <p:spPr>
+          <a:xfrm>
+            <a:off x="16400205" y="4318824"/>
+            <a:ext cx="1526459" cy="268336"/>
+          </a:xfrm>
+          <a:prstGeom prst="borderCallout2">
+            <a:avLst>
+              <a:gd name="adj1" fmla="val 87452"/>
+              <a:gd name="adj2" fmla="val -6884"/>
+              <a:gd name="adj3" fmla="val 93428"/>
+              <a:gd name="adj4" fmla="val -113379"/>
+              <a:gd name="adj5" fmla="val 29703"/>
+              <a:gd name="adj6" fmla="val -127132"/>
+            </a:avLst>
+          </a:prstGeom>
+          <a:solidFill>
+            <a:schemeClr val="bg1">
+              <a:lumMod val="85000"/>
+            </a:schemeClr>
+          </a:solidFill>
+          <a:ln w="19050">
+            <a:solidFill>
+              <a:srgbClr val="FF0000"/>
+            </a:solidFill>
+          </a:ln>
+        </p:spPr>
+        <p:style>
+          <a:lnRef idx="2">
+            <a:schemeClr val="accent1">
+              <a:shade val="50000"/>
+            </a:schemeClr>
+          </a:lnRef>
+          <a:fillRef idx="1">
+            <a:schemeClr val="accent1"/>
+          </a:fillRef>
+          <a:effectRef idx="0">
+            <a:schemeClr val="accent1"/>
+          </a:effectRef>
+          <a:fontRef idx="minor">
+            <a:schemeClr val="lt1"/>
+          </a:fontRef>
+        </p:style>
+        <p:txBody>
+          <a:bodyPr rtlCol="0" anchor="ctr"/>
+          <a:lstStyle/>
+          <a:p>
+            <a:pPr lvl="0" algn="ctr"/>
+            <a:r>
+              <a:rPr lang="es-NI" sz="799" b="1" dirty="0">
+                <a:solidFill>
+                  <a:prstClr val="black"/>
+                </a:solidFill>
+              </a:rPr>
+              <a:t>Archivos .launch para ejecutar la visualización del modelo</a:t>
+            </a:r>
+          </a:p>
+        </p:txBody>
+      </p:sp>
+      <p:sp>
+        <p:nvSpPr>
+          <p:cNvPr id="17" name="Globo: línea doblada 16">
+            <a:extLst>
+              <a:ext uri="{FF2B5EF4-FFF2-40B4-BE49-F238E27FC236}">
+                <a16:creationId xmlns:a16="http://schemas.microsoft.com/office/drawing/2014/main" id="{9974124D-DAD6-422C-8A96-D32FB7FC86CC}"/>
+              </a:ext>
+            </a:extLst>
+          </p:cNvPr>
+          <p:cNvSpPr/>
+          <p:nvPr/>
+        </p:nvSpPr>
+        <p:spPr>
+          <a:xfrm>
+            <a:off x="11981351" y="5889422"/>
+            <a:ext cx="1061885" cy="268336"/>
+          </a:xfrm>
+          <a:prstGeom prst="borderCallout2">
+            <a:avLst>
+              <a:gd name="adj1" fmla="val 30603"/>
+              <a:gd name="adj2" fmla="val 104734"/>
+              <a:gd name="adj3" fmla="val 28119"/>
+              <a:gd name="adj4" fmla="val 178698"/>
+              <a:gd name="adj5" fmla="val 51903"/>
+              <a:gd name="adj6" fmla="val 195338"/>
+            </a:avLst>
+          </a:prstGeom>
+          <a:solidFill>
+            <a:schemeClr val="bg1">
+              <a:lumMod val="85000"/>
+            </a:schemeClr>
+          </a:solidFill>
+          <a:ln w="19050">
+            <a:solidFill>
+              <a:srgbClr val="FF0000"/>
+            </a:solidFill>
+          </a:ln>
+        </p:spPr>
+        <p:style>
+          <a:lnRef idx="2">
+            <a:schemeClr val="accent1">
+              <a:shade val="50000"/>
+            </a:schemeClr>
+          </a:lnRef>
+          <a:fillRef idx="1">
+            <a:schemeClr val="accent1"/>
+          </a:fillRef>
+          <a:effectRef idx="0">
+            <a:schemeClr val="accent1"/>
+          </a:effectRef>
+          <a:fontRef idx="minor">
+            <a:schemeClr val="lt1"/>
+          </a:fontRef>
+        </p:style>
+        <p:txBody>
+          <a:bodyPr rtlCol="0" anchor="ctr"/>
+          <a:lstStyle/>
+          <a:p>
+            <a:pPr lvl="0" algn="ctr"/>
+            <a:r>
+              <a:rPr lang="es-NI" sz="799" b="1" dirty="0">
+                <a:solidFill>
+                  <a:prstClr val="black"/>
+                </a:solidFill>
+              </a:rPr>
+              <a:t>Archivos URDF del Robot</a:t>
+            </a:r>
+          </a:p>
+        </p:txBody>
+      </p:sp>
+      <p:sp>
+        <p:nvSpPr>
+          <p:cNvPr id="7" name="Globo: línea doblada 6">
+            <a:extLst>
+              <a:ext uri="{FF2B5EF4-FFF2-40B4-BE49-F238E27FC236}">
+                <a16:creationId xmlns:a16="http://schemas.microsoft.com/office/drawing/2014/main" id="{C2814A39-8A77-4A8F-90A6-41372DF2BC8E}"/>
+              </a:ext>
+            </a:extLst>
+          </p:cNvPr>
+          <p:cNvSpPr/>
+          <p:nvPr/>
+        </p:nvSpPr>
+        <p:spPr>
+          <a:xfrm>
+            <a:off x="11981351" y="4587160"/>
+            <a:ext cx="1061885" cy="472897"/>
+          </a:xfrm>
+          <a:prstGeom prst="borderCallout2">
+            <a:avLst>
+              <a:gd name="adj1" fmla="val 30603"/>
+              <a:gd name="adj2" fmla="val 104734"/>
+              <a:gd name="adj3" fmla="val 28119"/>
+              <a:gd name="adj4" fmla="val 178698"/>
+              <a:gd name="adj5" fmla="val -293"/>
+              <a:gd name="adj6" fmla="val 194810"/>
+            </a:avLst>
+          </a:prstGeom>
+          <a:solidFill>
+            <a:schemeClr val="bg1">
+              <a:lumMod val="85000"/>
+            </a:schemeClr>
+          </a:solidFill>
+          <a:ln w="19050">
+            <a:solidFill>
+              <a:srgbClr val="FF0000"/>
+            </a:solidFill>
+          </a:ln>
+        </p:spPr>
+        <p:style>
+          <a:lnRef idx="2">
+            <a:schemeClr val="accent1">
+              <a:shade val="50000"/>
+            </a:schemeClr>
+          </a:lnRef>
+          <a:fillRef idx="1">
+            <a:schemeClr val="accent1"/>
+          </a:fillRef>
+          <a:effectRef idx="0">
+            <a:schemeClr val="accent1"/>
+          </a:effectRef>
+          <a:fontRef idx="minor">
+            <a:schemeClr val="lt1"/>
+          </a:fontRef>
+        </p:style>
+        <p:txBody>
+          <a:bodyPr rtlCol="0" anchor="ctr"/>
+          <a:lstStyle/>
+          <a:p>
+            <a:pPr lvl="0" algn="ctr"/>
+            <a:r>
+              <a:rPr lang="es-NI" sz="799" b="1" dirty="0">
+                <a:solidFill>
+                  <a:prstClr val="black"/>
+                </a:solidFill>
+              </a:rPr>
+              <a:t>Archivos CAD de Tres modelos de Robot de la Familia </a:t>
+            </a:r>
+            <a:r>
+              <a:rPr lang="es-NI" sz="799" b="1" dirty="0" err="1">
+                <a:solidFill>
+                  <a:prstClr val="black"/>
+                </a:solidFill>
+              </a:rPr>
+              <a:t>Kuka</a:t>
+            </a:r>
+            <a:r>
+              <a:rPr lang="es-NI" sz="799" b="1" dirty="0">
+                <a:solidFill>
+                  <a:prstClr val="black"/>
+                </a:solidFill>
+              </a:rPr>
+              <a:t> KR6</a:t>
+            </a:r>
+          </a:p>
+        </p:txBody>
+      </p:sp>
+    </p:spTree>
+    <p:extLst>
+      <p:ext uri="{BB962C8B-B14F-4D97-AF65-F5344CB8AC3E}">
+        <p14:creationId xmlns:p14="http://schemas.microsoft.com/office/powerpoint/2010/main" val="3606982395"/>
+      </p:ext>
+    </p:extLst>
+  </p:cSld>
+  <p:clrMapOvr>
+    <a:masterClrMapping/>
+  </p:clrMapOvr>
+</p:sld>
+</file>
+
+<file path=ppt/slides/slide5.xml><?xml version="1.0" encoding="utf-8"?>
 <p:sld xmlns:a="http://schemas.openxmlformats.org/drawingml/2006/main" xmlns:r="http://schemas.openxmlformats.org/officeDocument/2006/relationships" xmlns:p="http://schemas.openxmlformats.org/presentationml/2006/main">
   <p:cSld>
     <p:spTree>
@@ -10411,1329 +12937,7 @@
 </p:sld>
 </file>
 
-<file path=ppt/slides/slide2.xml><?xml version="1.0" encoding="utf-8"?>
-<p:sld xmlns:a="http://schemas.openxmlformats.org/drawingml/2006/main" xmlns:r="http://schemas.openxmlformats.org/officeDocument/2006/relationships" xmlns:p="http://schemas.openxmlformats.org/presentationml/2006/main">
-  <p:cSld>
-    <p:spTree>
-      <p:nvGrpSpPr>
-        <p:cNvPr id="1" name=""/>
-        <p:cNvGrpSpPr/>
-        <p:nvPr/>
-      </p:nvGrpSpPr>
-      <p:grpSpPr>
-        <a:xfrm>
-          <a:off x="0" y="0"/>
-          <a:ext cx="0" cy="0"/>
-          <a:chOff x="0" y="0"/>
-          <a:chExt cx="0" cy="0"/>
-        </a:xfrm>
-      </p:grpSpPr>
-      <p:pic>
-        <p:nvPicPr>
-          <p:cNvPr id="4" name="Imagen 3">
-            <a:extLst>
-              <a:ext uri="{FF2B5EF4-FFF2-40B4-BE49-F238E27FC236}">
-                <a16:creationId xmlns:a16="http://schemas.microsoft.com/office/drawing/2014/main" id="{46205E3F-66B3-49B0-A68A-4216BD7E3F13}"/>
-              </a:ext>
-            </a:extLst>
-          </p:cNvPr>
-          <p:cNvPicPr>
-            <a:picLocks noChangeAspect="1"/>
-          </p:cNvPicPr>
-          <p:nvPr/>
-        </p:nvPicPr>
-        <p:blipFill>
-          <a:blip r:embed="rId2"/>
-          <a:stretch>
-            <a:fillRect/>
-          </a:stretch>
-        </p:blipFill>
-        <p:spPr>
-          <a:xfrm>
-            <a:off x="14003274" y="4409699"/>
-            <a:ext cx="4026033" cy="2667087"/>
-          </a:xfrm>
-          <a:prstGeom prst="rect">
-            <a:avLst/>
-          </a:prstGeom>
-        </p:spPr>
-      </p:pic>
-      <p:sp>
-        <p:nvSpPr>
-          <p:cNvPr id="6" name="Globo: línea doblada 5">
-            <a:extLst>
-              <a:ext uri="{FF2B5EF4-FFF2-40B4-BE49-F238E27FC236}">
-                <a16:creationId xmlns:a16="http://schemas.microsoft.com/office/drawing/2014/main" id="{8B7CA878-EAA4-435E-BF13-F50BEBED1DFF}"/>
-              </a:ext>
-            </a:extLst>
-          </p:cNvPr>
-          <p:cNvSpPr/>
-          <p:nvPr/>
-        </p:nvSpPr>
-        <p:spPr>
-          <a:xfrm>
-            <a:off x="18079505" y="4307921"/>
-            <a:ext cx="1018351" cy="203553"/>
-          </a:xfrm>
-          <a:prstGeom prst="borderCallout2">
-            <a:avLst>
-              <a:gd name="adj1" fmla="val 18750"/>
-              <a:gd name="adj2" fmla="val -8333"/>
-              <a:gd name="adj3" fmla="val 22273"/>
-              <a:gd name="adj4" fmla="val -39204"/>
-              <a:gd name="adj5" fmla="val 108976"/>
-              <a:gd name="adj6" fmla="val -43850"/>
-            </a:avLst>
-          </a:prstGeom>
-          <a:solidFill>
-            <a:schemeClr val="bg2"/>
-          </a:solidFill>
-          <a:ln>
-            <a:solidFill>
-              <a:srgbClr val="FF0000"/>
-            </a:solidFill>
-          </a:ln>
-        </p:spPr>
-        <p:style>
-          <a:lnRef idx="2">
-            <a:schemeClr val="accent1">
-              <a:shade val="50000"/>
-            </a:schemeClr>
-          </a:lnRef>
-          <a:fillRef idx="1">
-            <a:schemeClr val="accent1"/>
-          </a:fillRef>
-          <a:effectRef idx="0">
-            <a:schemeClr val="accent1"/>
-          </a:effectRef>
-          <a:fontRef idx="minor">
-            <a:schemeClr val="lt1"/>
-          </a:fontRef>
-        </p:style>
-        <p:txBody>
-          <a:bodyPr rot="0" spcFirstLastPara="0" vertOverflow="overflow" horzOverflow="overflow" vert="horz" wrap="square" lIns="121923" tIns="60961" rIns="121923" bIns="60961" numCol="1" spcCol="0" rtlCol="0" fromWordArt="0" anchor="ctr" anchorCtr="0" forceAA="0" compatLnSpc="1">
-            <a:prstTxWarp prst="textNoShape">
-              <a:avLst/>
-            </a:prstTxWarp>
-            <a:noAutofit/>
-          </a:bodyPr>
-          <a:lstStyle/>
-          <a:p>
-            <a:pPr algn="ctr"/>
-            <a:r>
-              <a:rPr lang="en-US" sz="799" b="1" dirty="0">
-                <a:solidFill>
-                  <a:schemeClr val="tx1"/>
-                </a:solidFill>
-              </a:rPr>
-              <a:t>Version de  Catkin</a:t>
-            </a:r>
-            <a:endParaRPr lang="es-ES" sz="799" b="1" dirty="0">
-              <a:solidFill>
-                <a:schemeClr val="tx1"/>
-              </a:solidFill>
-            </a:endParaRPr>
-          </a:p>
-        </p:txBody>
-      </p:sp>
-      <p:sp>
-        <p:nvSpPr>
-          <p:cNvPr id="7" name="Globo: línea doblada 6">
-            <a:extLst>
-              <a:ext uri="{FF2B5EF4-FFF2-40B4-BE49-F238E27FC236}">
-                <a16:creationId xmlns:a16="http://schemas.microsoft.com/office/drawing/2014/main" id="{65A870BF-F4ED-40FF-9290-99631289DE4E}"/>
-              </a:ext>
-            </a:extLst>
-          </p:cNvPr>
-          <p:cNvSpPr/>
-          <p:nvPr/>
-        </p:nvSpPr>
-        <p:spPr>
-          <a:xfrm>
-            <a:off x="18079505" y="4568506"/>
-            <a:ext cx="1018351" cy="274249"/>
-          </a:xfrm>
-          <a:prstGeom prst="borderCallout2">
-            <a:avLst>
-              <a:gd name="adj1" fmla="val 18750"/>
-              <a:gd name="adj2" fmla="val -8333"/>
-              <a:gd name="adj3" fmla="val 22273"/>
-              <a:gd name="adj4" fmla="val -91320"/>
-              <a:gd name="adj5" fmla="val 49297"/>
-              <a:gd name="adj6" fmla="val -109347"/>
-            </a:avLst>
-          </a:prstGeom>
-          <a:solidFill>
-            <a:schemeClr val="bg2"/>
-          </a:solidFill>
-          <a:ln>
-            <a:solidFill>
-              <a:srgbClr val="FF0000"/>
-            </a:solidFill>
-          </a:ln>
-        </p:spPr>
-        <p:style>
-          <a:lnRef idx="2">
-            <a:schemeClr val="accent1">
-              <a:shade val="50000"/>
-            </a:schemeClr>
-          </a:lnRef>
-          <a:fillRef idx="1">
-            <a:schemeClr val="accent1"/>
-          </a:fillRef>
-          <a:effectRef idx="0">
-            <a:schemeClr val="accent1"/>
-          </a:effectRef>
-          <a:fontRef idx="minor">
-            <a:schemeClr val="lt1"/>
-          </a:fontRef>
-        </p:style>
-        <p:txBody>
-          <a:bodyPr rot="0" spcFirstLastPara="0" vertOverflow="overflow" horzOverflow="overflow" vert="horz" wrap="square" lIns="121923" tIns="60961" rIns="121923" bIns="60961" numCol="1" spcCol="0" rtlCol="0" fromWordArt="0" anchor="ctr" anchorCtr="0" forceAA="0" compatLnSpc="1">
-            <a:prstTxWarp prst="textNoShape">
-              <a:avLst/>
-            </a:prstTxWarp>
-            <a:noAutofit/>
-          </a:bodyPr>
-          <a:lstStyle/>
-          <a:p>
-            <a:pPr algn="ctr"/>
-            <a:r>
-              <a:rPr lang="es-ES" sz="799" b="1" dirty="0">
-                <a:solidFill>
-                  <a:schemeClr val="tx1"/>
-                </a:solidFill>
-              </a:rPr>
-              <a:t>Nombre del paquete</a:t>
-            </a:r>
-          </a:p>
-        </p:txBody>
-      </p:sp>
-      <p:sp>
-        <p:nvSpPr>
-          <p:cNvPr id="8" name="Globo: línea doblada 7">
-            <a:extLst>
-              <a:ext uri="{FF2B5EF4-FFF2-40B4-BE49-F238E27FC236}">
-                <a16:creationId xmlns:a16="http://schemas.microsoft.com/office/drawing/2014/main" id="{9BAF6CC7-1A1E-4C40-AC59-0FDC35E75EFD}"/>
-              </a:ext>
-            </a:extLst>
-          </p:cNvPr>
-          <p:cNvSpPr/>
-          <p:nvPr/>
-        </p:nvSpPr>
-        <p:spPr>
-          <a:xfrm>
-            <a:off x="18079505" y="5108797"/>
-            <a:ext cx="1018351" cy="274249"/>
-          </a:xfrm>
-          <a:prstGeom prst="borderCallout2">
-            <a:avLst>
-              <a:gd name="adj1" fmla="val 18750"/>
-              <a:gd name="adj2" fmla="val -8333"/>
-              <a:gd name="adj3" fmla="val 19658"/>
-              <a:gd name="adj4" fmla="val -261755"/>
-              <a:gd name="adj5" fmla="val 67603"/>
-              <a:gd name="adj6" fmla="val -279078"/>
-            </a:avLst>
-          </a:prstGeom>
-          <a:solidFill>
-            <a:schemeClr val="bg2"/>
-          </a:solidFill>
-          <a:ln>
-            <a:solidFill>
-              <a:srgbClr val="FF0000"/>
-            </a:solidFill>
-          </a:ln>
-        </p:spPr>
-        <p:style>
-          <a:lnRef idx="2">
-            <a:schemeClr val="accent1">
-              <a:shade val="50000"/>
-            </a:schemeClr>
-          </a:lnRef>
-          <a:fillRef idx="1">
-            <a:schemeClr val="accent1"/>
-          </a:fillRef>
-          <a:effectRef idx="0">
-            <a:schemeClr val="accent1"/>
-          </a:effectRef>
-          <a:fontRef idx="minor">
-            <a:schemeClr val="lt1"/>
-          </a:fontRef>
-        </p:style>
-        <p:txBody>
-          <a:bodyPr rot="0" spcFirstLastPara="0" vertOverflow="overflow" horzOverflow="overflow" vert="horz" wrap="square" lIns="121923" tIns="60961" rIns="121923" bIns="60961" numCol="1" spcCol="0" rtlCol="0" fromWordArt="0" anchor="ctr" anchorCtr="0" forceAA="0" compatLnSpc="1">
-            <a:prstTxWarp prst="textNoShape">
-              <a:avLst/>
-            </a:prstTxWarp>
-            <a:noAutofit/>
-          </a:bodyPr>
-          <a:lstStyle/>
-          <a:p>
-            <a:pPr algn="ctr"/>
-            <a:r>
-              <a:rPr lang="es-ES" sz="799" b="1" dirty="0">
-                <a:solidFill>
-                  <a:schemeClr val="tx1"/>
-                </a:solidFill>
-              </a:rPr>
-              <a:t>Dependencia del paquete o </a:t>
-            </a:r>
-            <a:r>
-              <a:rPr lang="es-ES" sz="799" b="1" i="1" dirty="0">
-                <a:solidFill>
-                  <a:schemeClr val="tx1"/>
-                </a:solidFill>
-              </a:rPr>
-              <a:t>project</a:t>
-            </a:r>
-          </a:p>
-        </p:txBody>
-      </p:sp>
-      <p:sp>
-        <p:nvSpPr>
-          <p:cNvPr id="9" name="Rectángulo: esquinas redondeadas 8">
-            <a:extLst>
-              <a:ext uri="{FF2B5EF4-FFF2-40B4-BE49-F238E27FC236}">
-                <a16:creationId xmlns:a16="http://schemas.microsoft.com/office/drawing/2014/main" id="{0409B9D7-7703-4636-AE1F-E1ABF13D6A50}"/>
-              </a:ext>
-            </a:extLst>
-          </p:cNvPr>
-          <p:cNvSpPr/>
-          <p:nvPr/>
-        </p:nvSpPr>
-        <p:spPr>
-          <a:xfrm>
-            <a:off x="19097858" y="4986194"/>
-            <a:ext cx="867812" cy="530727"/>
-          </a:xfrm>
-          <a:prstGeom prst="roundRect">
-            <a:avLst/>
-          </a:prstGeom>
-          <a:solidFill>
-            <a:schemeClr val="bg2"/>
-          </a:solidFill>
-          <a:ln>
-            <a:solidFill>
-              <a:srgbClr val="FF0000"/>
-            </a:solidFill>
-          </a:ln>
-        </p:spPr>
-        <p:style>
-          <a:lnRef idx="2">
-            <a:schemeClr val="accent1">
-              <a:shade val="50000"/>
-            </a:schemeClr>
-          </a:lnRef>
-          <a:fillRef idx="1">
-            <a:schemeClr val="accent1"/>
-          </a:fillRef>
-          <a:effectRef idx="0">
-            <a:schemeClr val="accent1"/>
-          </a:effectRef>
-          <a:fontRef idx="minor">
-            <a:schemeClr val="lt1"/>
-          </a:fontRef>
-        </p:style>
-        <p:txBody>
-          <a:bodyPr rot="0" spcFirstLastPara="0" vertOverflow="overflow" horzOverflow="overflow" vert="horz" wrap="square" lIns="121923" tIns="60961" rIns="121923" bIns="60961" numCol="1" spcCol="0" rtlCol="0" fromWordArt="0" anchor="ctr" anchorCtr="0" forceAA="0" compatLnSpc="1">
-            <a:prstTxWarp prst="textNoShape">
-              <a:avLst/>
-            </a:prstTxWarp>
-            <a:noAutofit/>
-          </a:bodyPr>
-          <a:lstStyle/>
-          <a:p>
-            <a:pPr algn="ctr"/>
-            <a:r>
-              <a:rPr lang="es-ES" sz="799">
-                <a:solidFill>
-                  <a:schemeClr val="tx1"/>
-                </a:solidFill>
-              </a:rPr>
-              <a:t>roscpp dependencia para creacion de nodos </a:t>
-            </a:r>
-          </a:p>
-        </p:txBody>
-      </p:sp>
-      <p:sp>
-        <p:nvSpPr>
-          <p:cNvPr id="10" name="Globo: línea doblada 9">
-            <a:extLst>
-              <a:ext uri="{FF2B5EF4-FFF2-40B4-BE49-F238E27FC236}">
-                <a16:creationId xmlns:a16="http://schemas.microsoft.com/office/drawing/2014/main" id="{342B0205-60BB-46EE-998D-97407EAD0B7B}"/>
-              </a:ext>
-            </a:extLst>
-          </p:cNvPr>
-          <p:cNvSpPr/>
-          <p:nvPr/>
-        </p:nvSpPr>
-        <p:spPr>
-          <a:xfrm>
-            <a:off x="18079505" y="6466695"/>
-            <a:ext cx="1018351" cy="274249"/>
-          </a:xfrm>
-          <a:prstGeom prst="borderCallout2">
-            <a:avLst>
-              <a:gd name="adj1" fmla="val 18750"/>
-              <a:gd name="adj2" fmla="val -8333"/>
-              <a:gd name="adj3" fmla="val 22273"/>
-              <a:gd name="adj4" fmla="val -254008"/>
-              <a:gd name="adj5" fmla="val 62373"/>
-              <a:gd name="adj6" fmla="val -271331"/>
-            </a:avLst>
-          </a:prstGeom>
-          <a:solidFill>
-            <a:schemeClr val="bg2"/>
-          </a:solidFill>
-          <a:ln>
-            <a:solidFill>
-              <a:srgbClr val="FF0000"/>
-            </a:solidFill>
-          </a:ln>
-        </p:spPr>
-        <p:style>
-          <a:lnRef idx="2">
-            <a:schemeClr val="accent1">
-              <a:shade val="50000"/>
-            </a:schemeClr>
-          </a:lnRef>
-          <a:fillRef idx="1">
-            <a:schemeClr val="accent1"/>
-          </a:fillRef>
-          <a:effectRef idx="0">
-            <a:schemeClr val="accent1"/>
-          </a:effectRef>
-          <a:fontRef idx="minor">
-            <a:schemeClr val="lt1"/>
-          </a:fontRef>
-        </p:style>
-        <p:txBody>
-          <a:bodyPr rot="0" spcFirstLastPara="0" vertOverflow="overflow" horzOverflow="overflow" vert="horz" wrap="square" lIns="121923" tIns="60961" rIns="121923" bIns="60961" numCol="1" spcCol="0" rtlCol="0" fromWordArt="0" anchor="ctr" anchorCtr="0" forceAA="0" compatLnSpc="1">
-            <a:prstTxWarp prst="textNoShape">
-              <a:avLst/>
-            </a:prstTxWarp>
-            <a:noAutofit/>
-          </a:bodyPr>
-          <a:lstStyle/>
-          <a:p>
-            <a:pPr algn="ctr"/>
-            <a:r>
-              <a:rPr lang="es-ES" sz="799" b="1" dirty="0">
-                <a:solidFill>
-                  <a:schemeClr val="tx1"/>
-                </a:solidFill>
-              </a:rPr>
-              <a:t>Dependencia del paquete o </a:t>
-            </a:r>
-            <a:r>
-              <a:rPr lang="es-ES" sz="799" b="1" i="1" dirty="0">
-                <a:solidFill>
-                  <a:schemeClr val="tx1"/>
-                </a:solidFill>
-              </a:rPr>
-              <a:t>project</a:t>
-            </a:r>
-          </a:p>
-        </p:txBody>
-      </p:sp>
-    </p:spTree>
-    <p:extLst>
-      <p:ext uri="{BB962C8B-B14F-4D97-AF65-F5344CB8AC3E}">
-        <p14:creationId xmlns:p14="http://schemas.microsoft.com/office/powerpoint/2010/main" val="2518437411"/>
-      </p:ext>
-    </p:extLst>
-  </p:cSld>
-  <p:clrMapOvr>
-    <a:masterClrMapping/>
-  </p:clrMapOvr>
-</p:sld>
-</file>
-
-<file path=ppt/slides/slide3.xml><?xml version="1.0" encoding="utf-8"?>
-<p:sld xmlns:a="http://schemas.openxmlformats.org/drawingml/2006/main" xmlns:r="http://schemas.openxmlformats.org/officeDocument/2006/relationships" xmlns:p="http://schemas.openxmlformats.org/presentationml/2006/main">
-  <p:cSld>
-    <p:spTree>
-      <p:nvGrpSpPr>
-        <p:cNvPr id="1" name=""/>
-        <p:cNvGrpSpPr/>
-        <p:nvPr/>
-      </p:nvGrpSpPr>
-      <p:grpSpPr>
-        <a:xfrm>
-          <a:off x="0" y="0"/>
-          <a:ext cx="0" cy="0"/>
-          <a:chOff x="0" y="0"/>
-          <a:chExt cx="0" cy="0"/>
-        </a:xfrm>
-      </p:grpSpPr>
-      <p:pic>
-        <p:nvPicPr>
-          <p:cNvPr id="2" name="Imagen 1">
-            <a:extLst>
-              <a:ext uri="{FF2B5EF4-FFF2-40B4-BE49-F238E27FC236}">
-                <a16:creationId xmlns:a16="http://schemas.microsoft.com/office/drawing/2014/main" id="{5DF67740-B042-40DD-87CE-2634780E0298}"/>
-              </a:ext>
-            </a:extLst>
-          </p:cNvPr>
-          <p:cNvPicPr>
-            <a:picLocks noChangeAspect="1"/>
-          </p:cNvPicPr>
-          <p:nvPr/>
-        </p:nvPicPr>
-        <p:blipFill>
-          <a:blip r:embed="rId2"/>
-          <a:stretch>
-            <a:fillRect/>
-          </a:stretch>
-        </p:blipFill>
-        <p:spPr>
-          <a:xfrm>
-            <a:off x="12769524" y="4235811"/>
-            <a:ext cx="5105398" cy="2562224"/>
-          </a:xfrm>
-          <a:prstGeom prst="rect">
-            <a:avLst/>
-          </a:prstGeom>
-        </p:spPr>
-      </p:pic>
-      <p:sp>
-        <p:nvSpPr>
-          <p:cNvPr id="6" name="Globo: línea doblada 5">
-            <a:extLst>
-              <a:ext uri="{FF2B5EF4-FFF2-40B4-BE49-F238E27FC236}">
-                <a16:creationId xmlns:a16="http://schemas.microsoft.com/office/drawing/2014/main" id="{8B7CA878-EAA4-435E-BF13-F50BEBED1DFF}"/>
-              </a:ext>
-            </a:extLst>
-          </p:cNvPr>
-          <p:cNvSpPr/>
-          <p:nvPr/>
-        </p:nvSpPr>
-        <p:spPr>
-          <a:xfrm>
-            <a:off x="18079505" y="4098910"/>
-            <a:ext cx="1018351" cy="203553"/>
-          </a:xfrm>
-          <a:prstGeom prst="borderCallout2">
-            <a:avLst>
-              <a:gd name="adj1" fmla="val 18750"/>
-              <a:gd name="adj2" fmla="val -8333"/>
-              <a:gd name="adj3" fmla="val 22273"/>
-              <a:gd name="adj4" fmla="val -319785"/>
-              <a:gd name="adj5" fmla="val 92739"/>
-              <a:gd name="adj6" fmla="val -345682"/>
-            </a:avLst>
-          </a:prstGeom>
-          <a:solidFill>
-            <a:schemeClr val="bg2"/>
-          </a:solidFill>
-          <a:ln w="19050">
-            <a:solidFill>
-              <a:srgbClr val="FF0000"/>
-            </a:solidFill>
-          </a:ln>
-        </p:spPr>
-        <p:style>
-          <a:lnRef idx="2">
-            <a:schemeClr val="accent1">
-              <a:shade val="50000"/>
-            </a:schemeClr>
-          </a:lnRef>
-          <a:fillRef idx="1">
-            <a:schemeClr val="accent1"/>
-          </a:fillRef>
-          <a:effectRef idx="0">
-            <a:schemeClr val="accent1"/>
-          </a:effectRef>
-          <a:fontRef idx="minor">
-            <a:schemeClr val="lt1"/>
-          </a:fontRef>
-        </p:style>
-        <p:txBody>
-          <a:bodyPr rot="0" spcFirstLastPara="0" vertOverflow="overflow" horzOverflow="overflow" vert="horz" wrap="square" lIns="121923" tIns="60961" rIns="121923" bIns="60961" numCol="1" spcCol="0" rtlCol="0" fromWordArt="0" anchor="ctr" anchorCtr="0" forceAA="0" compatLnSpc="1">
-            <a:prstTxWarp prst="textNoShape">
-              <a:avLst/>
-            </a:prstTxWarp>
-            <a:noAutofit/>
-          </a:bodyPr>
-          <a:lstStyle/>
-          <a:p>
-            <a:pPr algn="ctr"/>
-            <a:r>
-              <a:rPr lang="en-US" sz="799" b="1" dirty="0">
-                <a:solidFill>
-                  <a:schemeClr val="tx1"/>
-                </a:solidFill>
-              </a:rPr>
-              <a:t>Version de .XML</a:t>
-            </a:r>
-            <a:endParaRPr lang="es-ES" sz="799" b="1" dirty="0">
-              <a:solidFill>
-                <a:schemeClr val="tx1"/>
-              </a:solidFill>
-            </a:endParaRPr>
-          </a:p>
-        </p:txBody>
-      </p:sp>
-      <p:sp>
-        <p:nvSpPr>
-          <p:cNvPr id="7" name="Globo: línea doblada 6">
-            <a:extLst>
-              <a:ext uri="{FF2B5EF4-FFF2-40B4-BE49-F238E27FC236}">
-                <a16:creationId xmlns:a16="http://schemas.microsoft.com/office/drawing/2014/main" id="{65A870BF-F4ED-40FF-9290-99631289DE4E}"/>
-              </a:ext>
-            </a:extLst>
-          </p:cNvPr>
-          <p:cNvSpPr/>
-          <p:nvPr/>
-        </p:nvSpPr>
-        <p:spPr>
-          <a:xfrm>
-            <a:off x="18079505" y="4374184"/>
-            <a:ext cx="1018351" cy="274249"/>
-          </a:xfrm>
-          <a:prstGeom prst="borderCallout2">
-            <a:avLst>
-              <a:gd name="adj1" fmla="val 18750"/>
-              <a:gd name="adj2" fmla="val -8333"/>
-              <a:gd name="adj3" fmla="val 15670"/>
-              <a:gd name="adj4" fmla="val -244233"/>
-              <a:gd name="adj5" fmla="val 82309"/>
-              <a:gd name="adj6" fmla="val -258704"/>
-            </a:avLst>
-          </a:prstGeom>
-          <a:solidFill>
-            <a:schemeClr val="bg2"/>
-          </a:solidFill>
-          <a:ln w="19050">
-            <a:solidFill>
-              <a:srgbClr val="FF0000"/>
-            </a:solidFill>
-          </a:ln>
-        </p:spPr>
-        <p:style>
-          <a:lnRef idx="2">
-            <a:schemeClr val="accent1">
-              <a:shade val="50000"/>
-            </a:schemeClr>
-          </a:lnRef>
-          <a:fillRef idx="1">
-            <a:schemeClr val="accent1"/>
-          </a:fillRef>
-          <a:effectRef idx="0">
-            <a:schemeClr val="accent1"/>
-          </a:effectRef>
-          <a:fontRef idx="minor">
-            <a:schemeClr val="lt1"/>
-          </a:fontRef>
-        </p:style>
-        <p:txBody>
-          <a:bodyPr rot="0" spcFirstLastPara="0" vertOverflow="overflow" horzOverflow="overflow" vert="horz" wrap="square" lIns="121923" tIns="60961" rIns="121923" bIns="60961" numCol="1" spcCol="0" rtlCol="0" fromWordArt="0" anchor="ctr" anchorCtr="0" forceAA="0" compatLnSpc="1">
-            <a:prstTxWarp prst="textNoShape">
-              <a:avLst/>
-            </a:prstTxWarp>
-            <a:noAutofit/>
-          </a:bodyPr>
-          <a:lstStyle/>
-          <a:p>
-            <a:pPr algn="ctr"/>
-            <a:r>
-              <a:rPr lang="es-ES" sz="799" b="1" dirty="0">
-                <a:solidFill>
-                  <a:schemeClr val="tx1"/>
-                </a:solidFill>
-              </a:rPr>
-              <a:t>Nombre del paquete</a:t>
-            </a:r>
-          </a:p>
-        </p:txBody>
-      </p:sp>
-      <p:sp>
-        <p:nvSpPr>
-          <p:cNvPr id="8" name="Globo: línea doblada 7">
-            <a:extLst>
-              <a:ext uri="{FF2B5EF4-FFF2-40B4-BE49-F238E27FC236}">
-                <a16:creationId xmlns:a16="http://schemas.microsoft.com/office/drawing/2014/main" id="{9BAF6CC7-1A1E-4C40-AC59-0FDC35E75EFD}"/>
-              </a:ext>
-            </a:extLst>
-          </p:cNvPr>
-          <p:cNvSpPr/>
-          <p:nvPr/>
-        </p:nvSpPr>
-        <p:spPr>
-          <a:xfrm>
-            <a:off x="18054262" y="5124974"/>
-            <a:ext cx="1018351" cy="274249"/>
-          </a:xfrm>
-          <a:prstGeom prst="borderCallout2">
-            <a:avLst>
-              <a:gd name="adj1" fmla="val 18750"/>
-              <a:gd name="adj2" fmla="val -8333"/>
-              <a:gd name="adj3" fmla="val 19658"/>
-              <a:gd name="adj4" fmla="val -306207"/>
-              <a:gd name="adj5" fmla="val 110519"/>
-              <a:gd name="adj6" fmla="val -320863"/>
-            </a:avLst>
-          </a:prstGeom>
-          <a:solidFill>
-            <a:schemeClr val="bg2"/>
-          </a:solidFill>
-          <a:ln w="19050">
-            <a:solidFill>
-              <a:srgbClr val="FF0000"/>
-            </a:solidFill>
-          </a:ln>
-        </p:spPr>
-        <p:style>
-          <a:lnRef idx="2">
-            <a:schemeClr val="accent1">
-              <a:shade val="50000"/>
-            </a:schemeClr>
-          </a:lnRef>
-          <a:fillRef idx="1">
-            <a:schemeClr val="accent1"/>
-          </a:fillRef>
-          <a:effectRef idx="0">
-            <a:schemeClr val="accent1"/>
-          </a:effectRef>
-          <a:fontRef idx="minor">
-            <a:schemeClr val="lt1"/>
-          </a:fontRef>
-        </p:style>
-        <p:txBody>
-          <a:bodyPr rot="0" spcFirstLastPara="0" vertOverflow="overflow" horzOverflow="overflow" vert="horz" wrap="square" lIns="121923" tIns="60961" rIns="121923" bIns="60961" numCol="1" spcCol="0" rtlCol="0" fromWordArt="0" anchor="ctr" anchorCtr="0" forceAA="0" compatLnSpc="1">
-            <a:prstTxWarp prst="textNoShape">
-              <a:avLst/>
-            </a:prstTxWarp>
-            <a:noAutofit/>
-          </a:bodyPr>
-          <a:lstStyle/>
-          <a:p>
-            <a:pPr algn="ctr"/>
-            <a:r>
-              <a:rPr lang="es-ES" sz="799" b="1" dirty="0">
-                <a:solidFill>
-                  <a:schemeClr val="tx1"/>
-                </a:solidFill>
-              </a:rPr>
-              <a:t>Compilador del paquete</a:t>
-            </a:r>
-            <a:endParaRPr lang="es-ES" sz="799" b="1" i="1" dirty="0">
-              <a:solidFill>
-                <a:schemeClr val="tx1"/>
-              </a:solidFill>
-            </a:endParaRPr>
-          </a:p>
-        </p:txBody>
-      </p:sp>
-      <p:sp>
-        <p:nvSpPr>
-          <p:cNvPr id="11" name="Globo: línea doblada 10">
-            <a:extLst>
-              <a:ext uri="{FF2B5EF4-FFF2-40B4-BE49-F238E27FC236}">
-                <a16:creationId xmlns:a16="http://schemas.microsoft.com/office/drawing/2014/main" id="{A53DD2AF-D484-40E6-B961-1480B3FD31AE}"/>
-              </a:ext>
-            </a:extLst>
-          </p:cNvPr>
-          <p:cNvSpPr/>
-          <p:nvPr/>
-        </p:nvSpPr>
-        <p:spPr>
-          <a:xfrm>
-            <a:off x="18079505" y="4648433"/>
-            <a:ext cx="1340177" cy="274249"/>
-          </a:xfrm>
-          <a:prstGeom prst="borderCallout2">
-            <a:avLst>
-              <a:gd name="adj1" fmla="val 18750"/>
-              <a:gd name="adj2" fmla="val -8333"/>
-              <a:gd name="adj3" fmla="val 18971"/>
-              <a:gd name="adj4" fmla="val -241566"/>
-              <a:gd name="adj5" fmla="val 82309"/>
-              <a:gd name="adj6" fmla="val -258704"/>
-            </a:avLst>
-          </a:prstGeom>
-          <a:solidFill>
-            <a:schemeClr val="bg2"/>
-          </a:solidFill>
-          <a:ln w="19050">
-            <a:solidFill>
-              <a:srgbClr val="FF0000"/>
-            </a:solidFill>
-          </a:ln>
-        </p:spPr>
-        <p:style>
-          <a:lnRef idx="2">
-            <a:schemeClr val="accent1">
-              <a:shade val="50000"/>
-            </a:schemeClr>
-          </a:lnRef>
-          <a:fillRef idx="1">
-            <a:schemeClr val="accent1"/>
-          </a:fillRef>
-          <a:effectRef idx="0">
-            <a:schemeClr val="accent1"/>
-          </a:effectRef>
-          <a:fontRef idx="minor">
-            <a:schemeClr val="lt1"/>
-          </a:fontRef>
-        </p:style>
-        <p:txBody>
-          <a:bodyPr rot="0" spcFirstLastPara="0" vertOverflow="overflow" horzOverflow="overflow" vert="horz" wrap="square" lIns="121923" tIns="60961" rIns="121923" bIns="60961" numCol="1" spcCol="0" rtlCol="0" fromWordArt="0" anchor="ctr" anchorCtr="0" forceAA="0" compatLnSpc="1">
-            <a:prstTxWarp prst="textNoShape">
-              <a:avLst/>
-            </a:prstTxWarp>
-            <a:noAutofit/>
-          </a:bodyPr>
-          <a:lstStyle/>
-          <a:p>
-            <a:pPr algn="ctr"/>
-            <a:r>
-              <a:rPr lang="es-ES" sz="799" b="1" dirty="0">
-                <a:solidFill>
-                  <a:schemeClr val="tx1"/>
-                </a:solidFill>
-              </a:rPr>
-              <a:t>Información del paquete (Autor) (Licencia)</a:t>
-            </a:r>
-          </a:p>
-        </p:txBody>
-      </p:sp>
-      <p:sp>
-        <p:nvSpPr>
-          <p:cNvPr id="12" name="Globo: línea doblada 11">
-            <a:extLst>
-              <a:ext uri="{FF2B5EF4-FFF2-40B4-BE49-F238E27FC236}">
-                <a16:creationId xmlns:a16="http://schemas.microsoft.com/office/drawing/2014/main" id="{A6ED597B-5D22-45F5-9229-1D3413AA2191}"/>
-              </a:ext>
-            </a:extLst>
-          </p:cNvPr>
-          <p:cNvSpPr/>
-          <p:nvPr/>
-        </p:nvSpPr>
-        <p:spPr>
-          <a:xfrm>
-            <a:off x="18054261" y="5420964"/>
-            <a:ext cx="1120979" cy="274249"/>
-          </a:xfrm>
-          <a:prstGeom prst="borderCallout2">
-            <a:avLst>
-              <a:gd name="adj1" fmla="val 35256"/>
-              <a:gd name="adj2" fmla="val -7444"/>
-              <a:gd name="adj3" fmla="val 26260"/>
-              <a:gd name="adj4" fmla="val -292245"/>
-              <a:gd name="adj5" fmla="val 54399"/>
-              <a:gd name="adj6" fmla="val -307796"/>
-            </a:avLst>
-          </a:prstGeom>
-          <a:solidFill>
-            <a:schemeClr val="bg2"/>
-          </a:solidFill>
-          <a:ln w="19050">
-            <a:solidFill>
-              <a:srgbClr val="FF0000"/>
-            </a:solidFill>
-          </a:ln>
-        </p:spPr>
-        <p:style>
-          <a:lnRef idx="2">
-            <a:schemeClr val="accent1">
-              <a:shade val="50000"/>
-            </a:schemeClr>
-          </a:lnRef>
-          <a:fillRef idx="1">
-            <a:schemeClr val="accent1"/>
-          </a:fillRef>
-          <a:effectRef idx="0">
-            <a:schemeClr val="accent1"/>
-          </a:effectRef>
-          <a:fontRef idx="minor">
-            <a:schemeClr val="lt1"/>
-          </a:fontRef>
-        </p:style>
-        <p:txBody>
-          <a:bodyPr rot="0" spcFirstLastPara="0" vertOverflow="overflow" horzOverflow="overflow" vert="horz" wrap="square" lIns="121923" tIns="60961" rIns="121923" bIns="60961" numCol="1" spcCol="0" rtlCol="0" fromWordArt="0" anchor="ctr" anchorCtr="0" forceAA="0" compatLnSpc="1">
-            <a:prstTxWarp prst="textNoShape">
-              <a:avLst/>
-            </a:prstTxWarp>
-            <a:noAutofit/>
-          </a:bodyPr>
-          <a:lstStyle/>
-          <a:p>
-            <a:pPr algn="ctr"/>
-            <a:r>
-              <a:rPr lang="es-ES" sz="799" b="1" dirty="0">
-                <a:solidFill>
-                  <a:schemeClr val="tx1"/>
-                </a:solidFill>
-              </a:rPr>
-              <a:t>Dependencia del paquete a compilar</a:t>
-            </a:r>
-            <a:endParaRPr lang="es-ES" sz="799" b="1" i="1" dirty="0">
-              <a:solidFill>
-                <a:schemeClr val="tx1"/>
-              </a:solidFill>
-            </a:endParaRPr>
-          </a:p>
-        </p:txBody>
-      </p:sp>
-      <p:sp>
-        <p:nvSpPr>
-          <p:cNvPr id="13" name="Globo: línea doblada 12">
-            <a:extLst>
-              <a:ext uri="{FF2B5EF4-FFF2-40B4-BE49-F238E27FC236}">
-                <a16:creationId xmlns:a16="http://schemas.microsoft.com/office/drawing/2014/main" id="{4BBCCBAD-4548-4575-B19D-EE237F5AC4E2}"/>
-              </a:ext>
-            </a:extLst>
-          </p:cNvPr>
-          <p:cNvSpPr/>
-          <p:nvPr/>
-        </p:nvSpPr>
-        <p:spPr>
-          <a:xfrm>
-            <a:off x="18054261" y="5694162"/>
-            <a:ext cx="1120979" cy="274249"/>
-          </a:xfrm>
-          <a:prstGeom prst="borderCallout2">
-            <a:avLst>
-              <a:gd name="adj1" fmla="val 84774"/>
-              <a:gd name="adj2" fmla="val -7444"/>
-              <a:gd name="adj3" fmla="val 82380"/>
-              <a:gd name="adj4" fmla="val -290630"/>
-              <a:gd name="adj5" fmla="val 34592"/>
-              <a:gd name="adj6" fmla="val -319103"/>
-            </a:avLst>
-          </a:prstGeom>
-          <a:solidFill>
-            <a:schemeClr val="bg2"/>
-          </a:solidFill>
-          <a:ln w="19050">
-            <a:solidFill>
-              <a:srgbClr val="FF0000"/>
-            </a:solidFill>
-          </a:ln>
-        </p:spPr>
-        <p:style>
-          <a:lnRef idx="2">
-            <a:schemeClr val="accent1">
-              <a:shade val="50000"/>
-            </a:schemeClr>
-          </a:lnRef>
-          <a:fillRef idx="1">
-            <a:schemeClr val="accent1"/>
-          </a:fillRef>
-          <a:effectRef idx="0">
-            <a:schemeClr val="accent1"/>
-          </a:effectRef>
-          <a:fontRef idx="minor">
-            <a:schemeClr val="lt1"/>
-          </a:fontRef>
-        </p:style>
-        <p:txBody>
-          <a:bodyPr rot="0" spcFirstLastPara="0" vertOverflow="overflow" horzOverflow="overflow" vert="horz" wrap="square" lIns="121923" tIns="60961" rIns="121923" bIns="60961" numCol="1" spcCol="0" rtlCol="0" fromWordArt="0" anchor="ctr" anchorCtr="0" forceAA="0" compatLnSpc="1">
-            <a:prstTxWarp prst="textNoShape">
-              <a:avLst/>
-            </a:prstTxWarp>
-            <a:noAutofit/>
-          </a:bodyPr>
-          <a:lstStyle/>
-          <a:p>
-            <a:pPr algn="ctr"/>
-            <a:r>
-              <a:rPr lang="es-ES" sz="799" b="1" dirty="0">
-                <a:solidFill>
-                  <a:schemeClr val="tx1"/>
-                </a:solidFill>
-              </a:rPr>
-              <a:t>Dependencia del paquete a Ejecutar</a:t>
-            </a:r>
-            <a:endParaRPr lang="es-ES" sz="799" b="1" i="1" dirty="0">
-              <a:solidFill>
-                <a:schemeClr val="tx1"/>
-              </a:solidFill>
-            </a:endParaRPr>
-          </a:p>
-        </p:txBody>
-      </p:sp>
-    </p:spTree>
-    <p:extLst>
-      <p:ext uri="{BB962C8B-B14F-4D97-AF65-F5344CB8AC3E}">
-        <p14:creationId xmlns:p14="http://schemas.microsoft.com/office/powerpoint/2010/main" val="1055705862"/>
-      </p:ext>
-    </p:extLst>
-  </p:cSld>
-  <p:clrMapOvr>
-    <a:masterClrMapping/>
-  </p:clrMapOvr>
-</p:sld>
-</file>
-
-<file path=ppt/slides/slide4.xml><?xml version="1.0" encoding="utf-8"?>
-<p:sld xmlns:a="http://schemas.openxmlformats.org/drawingml/2006/main" xmlns:r="http://schemas.openxmlformats.org/officeDocument/2006/relationships" xmlns:p="http://schemas.openxmlformats.org/presentationml/2006/main">
-  <p:cSld>
-    <p:spTree>
-      <p:nvGrpSpPr>
-        <p:cNvPr id="1" name=""/>
-        <p:cNvGrpSpPr/>
-        <p:nvPr/>
-      </p:nvGrpSpPr>
-      <p:grpSpPr>
-        <a:xfrm>
-          <a:off x="0" y="0"/>
-          <a:ext cx="0" cy="0"/>
-          <a:chOff x="0" y="0"/>
-          <a:chExt cx="0" cy="0"/>
-        </a:xfrm>
-      </p:grpSpPr>
-      <p:pic>
-        <p:nvPicPr>
-          <p:cNvPr id="9" name="Imagen 8">
-            <a:extLst>
-              <a:ext uri="{FF2B5EF4-FFF2-40B4-BE49-F238E27FC236}">
-                <a16:creationId xmlns:a16="http://schemas.microsoft.com/office/drawing/2014/main" id="{13E5BC9D-E415-414B-B52D-68F73007460B}"/>
-              </a:ext>
-            </a:extLst>
-          </p:cNvPr>
-          <p:cNvPicPr/>
-          <p:nvPr/>
-        </p:nvPicPr>
-        <p:blipFill>
-          <a:blip r:embed="rId2">
-            <a:extLst>
-              <a:ext uri="{28A0092B-C50C-407E-A947-70E740481C1C}">
-                <a14:useLocalDpi xmlns:a14="http://schemas.microsoft.com/office/drawing/2010/main" val="0"/>
-              </a:ext>
-            </a:extLst>
-          </a:blip>
-          <a:srcRect/>
-          <a:stretch>
-            <a:fillRect/>
-          </a:stretch>
-        </p:blipFill>
-        <p:spPr bwMode="auto">
-          <a:xfrm>
-            <a:off x="13736635" y="3886202"/>
-            <a:ext cx="2279652" cy="2270127"/>
-          </a:xfrm>
-          <a:prstGeom prst="rect">
-            <a:avLst/>
-          </a:prstGeom>
-          <a:noFill/>
-          <a:ln>
-            <a:noFill/>
-          </a:ln>
-        </p:spPr>
-      </p:pic>
-      <p:sp>
-        <p:nvSpPr>
-          <p:cNvPr id="3" name="Globo: línea doblada 2">
-            <a:extLst>
-              <a:ext uri="{FF2B5EF4-FFF2-40B4-BE49-F238E27FC236}">
-                <a16:creationId xmlns:a16="http://schemas.microsoft.com/office/drawing/2014/main" id="{60BAB772-071A-4DA3-BC2E-1E55DF35D1E2}"/>
-              </a:ext>
-            </a:extLst>
-          </p:cNvPr>
-          <p:cNvSpPr/>
-          <p:nvPr/>
-        </p:nvSpPr>
-        <p:spPr>
-          <a:xfrm>
-            <a:off x="16400207" y="3982069"/>
-            <a:ext cx="1061885" cy="268336"/>
-          </a:xfrm>
-          <a:prstGeom prst="borderCallout2">
-            <a:avLst>
-              <a:gd name="adj1" fmla="val 18750"/>
-              <a:gd name="adj2" fmla="val -8333"/>
-              <a:gd name="adj3" fmla="val 19229"/>
-              <a:gd name="adj4" fmla="val -114828"/>
-              <a:gd name="adj5" fmla="val 48940"/>
-              <a:gd name="adj6" fmla="val -137126"/>
-            </a:avLst>
-          </a:prstGeom>
-          <a:solidFill>
-            <a:schemeClr val="bg1">
-              <a:lumMod val="85000"/>
-            </a:schemeClr>
-          </a:solidFill>
-          <a:ln w="19050">
-            <a:solidFill>
-              <a:srgbClr val="FF0000"/>
-            </a:solidFill>
-          </a:ln>
-        </p:spPr>
-        <p:style>
-          <a:lnRef idx="2">
-            <a:schemeClr val="accent1">
-              <a:shade val="50000"/>
-            </a:schemeClr>
-          </a:lnRef>
-          <a:fillRef idx="1">
-            <a:schemeClr val="accent1"/>
-          </a:fillRef>
-          <a:effectRef idx="0">
-            <a:schemeClr val="accent1"/>
-          </a:effectRef>
-          <a:fontRef idx="minor">
-            <a:schemeClr val="lt1"/>
-          </a:fontRef>
-        </p:style>
-        <p:txBody>
-          <a:bodyPr rtlCol="0" anchor="ctr"/>
-          <a:lstStyle/>
-          <a:p>
-            <a:pPr lvl="0" algn="ctr"/>
-            <a:r>
-              <a:rPr lang="es-ES" sz="799" b="1" dirty="0">
-                <a:solidFill>
-                  <a:prstClr val="black"/>
-                </a:solidFill>
-              </a:rPr>
-              <a:t>Nombre del paquete ROS Industrial</a:t>
-            </a:r>
-          </a:p>
-        </p:txBody>
-      </p:sp>
-      <p:sp>
-        <p:nvSpPr>
-          <p:cNvPr id="15" name="Globo: línea doblada 14">
-            <a:extLst>
-              <a:ext uri="{FF2B5EF4-FFF2-40B4-BE49-F238E27FC236}">
-                <a16:creationId xmlns:a16="http://schemas.microsoft.com/office/drawing/2014/main" id="{30FC1F11-ED90-4C63-A479-CA2CEC53BDCD}"/>
-              </a:ext>
-            </a:extLst>
-          </p:cNvPr>
-          <p:cNvSpPr/>
-          <p:nvPr/>
-        </p:nvSpPr>
-        <p:spPr>
-          <a:xfrm>
-            <a:off x="16400205" y="4318824"/>
-            <a:ext cx="1526459" cy="268336"/>
-          </a:xfrm>
-          <a:prstGeom prst="borderCallout2">
-            <a:avLst>
-              <a:gd name="adj1" fmla="val 87452"/>
-              <a:gd name="adj2" fmla="val -6884"/>
-              <a:gd name="adj3" fmla="val 93428"/>
-              <a:gd name="adj4" fmla="val -113379"/>
-              <a:gd name="adj5" fmla="val 29703"/>
-              <a:gd name="adj6" fmla="val -127132"/>
-            </a:avLst>
-          </a:prstGeom>
-          <a:solidFill>
-            <a:schemeClr val="bg1">
-              <a:lumMod val="85000"/>
-            </a:schemeClr>
-          </a:solidFill>
-          <a:ln w="19050">
-            <a:solidFill>
-              <a:srgbClr val="FF0000"/>
-            </a:solidFill>
-          </a:ln>
-        </p:spPr>
-        <p:style>
-          <a:lnRef idx="2">
-            <a:schemeClr val="accent1">
-              <a:shade val="50000"/>
-            </a:schemeClr>
-          </a:lnRef>
-          <a:fillRef idx="1">
-            <a:schemeClr val="accent1"/>
-          </a:fillRef>
-          <a:effectRef idx="0">
-            <a:schemeClr val="accent1"/>
-          </a:effectRef>
-          <a:fontRef idx="minor">
-            <a:schemeClr val="lt1"/>
-          </a:fontRef>
-        </p:style>
-        <p:txBody>
-          <a:bodyPr rtlCol="0" anchor="ctr"/>
-          <a:lstStyle/>
-          <a:p>
-            <a:pPr lvl="0" algn="ctr"/>
-            <a:r>
-              <a:rPr lang="es-NI" sz="799" b="1" dirty="0">
-                <a:solidFill>
-                  <a:prstClr val="black"/>
-                </a:solidFill>
-              </a:rPr>
-              <a:t>Archivos .launch para ejecutar la visualización del modelo</a:t>
-            </a:r>
-          </a:p>
-        </p:txBody>
-      </p:sp>
-      <p:sp>
-        <p:nvSpPr>
-          <p:cNvPr id="17" name="Globo: línea doblada 16">
-            <a:extLst>
-              <a:ext uri="{FF2B5EF4-FFF2-40B4-BE49-F238E27FC236}">
-                <a16:creationId xmlns:a16="http://schemas.microsoft.com/office/drawing/2014/main" id="{9974124D-DAD6-422C-8A96-D32FB7FC86CC}"/>
-              </a:ext>
-            </a:extLst>
-          </p:cNvPr>
-          <p:cNvSpPr/>
-          <p:nvPr/>
-        </p:nvSpPr>
-        <p:spPr>
-          <a:xfrm>
-            <a:off x="11981351" y="5889422"/>
-            <a:ext cx="1061885" cy="268336"/>
-          </a:xfrm>
-          <a:prstGeom prst="borderCallout2">
-            <a:avLst>
-              <a:gd name="adj1" fmla="val 30603"/>
-              <a:gd name="adj2" fmla="val 104734"/>
-              <a:gd name="adj3" fmla="val 28119"/>
-              <a:gd name="adj4" fmla="val 178698"/>
-              <a:gd name="adj5" fmla="val 51903"/>
-              <a:gd name="adj6" fmla="val 195338"/>
-            </a:avLst>
-          </a:prstGeom>
-          <a:solidFill>
-            <a:schemeClr val="bg1">
-              <a:lumMod val="85000"/>
-            </a:schemeClr>
-          </a:solidFill>
-          <a:ln w="19050">
-            <a:solidFill>
-              <a:srgbClr val="FF0000"/>
-            </a:solidFill>
-          </a:ln>
-        </p:spPr>
-        <p:style>
-          <a:lnRef idx="2">
-            <a:schemeClr val="accent1">
-              <a:shade val="50000"/>
-            </a:schemeClr>
-          </a:lnRef>
-          <a:fillRef idx="1">
-            <a:schemeClr val="accent1"/>
-          </a:fillRef>
-          <a:effectRef idx="0">
-            <a:schemeClr val="accent1"/>
-          </a:effectRef>
-          <a:fontRef idx="minor">
-            <a:schemeClr val="lt1"/>
-          </a:fontRef>
-        </p:style>
-        <p:txBody>
-          <a:bodyPr rtlCol="0" anchor="ctr"/>
-          <a:lstStyle/>
-          <a:p>
-            <a:pPr lvl="0" algn="ctr"/>
-            <a:r>
-              <a:rPr lang="es-NI" sz="799" b="1" dirty="0">
-                <a:solidFill>
-                  <a:prstClr val="black"/>
-                </a:solidFill>
-              </a:rPr>
-              <a:t>Archivos URDF del Robot</a:t>
-            </a:r>
-          </a:p>
-        </p:txBody>
-      </p:sp>
-      <p:sp>
-        <p:nvSpPr>
-          <p:cNvPr id="7" name="Globo: línea doblada 6">
-            <a:extLst>
-              <a:ext uri="{FF2B5EF4-FFF2-40B4-BE49-F238E27FC236}">
-                <a16:creationId xmlns:a16="http://schemas.microsoft.com/office/drawing/2014/main" id="{C2814A39-8A77-4A8F-90A6-41372DF2BC8E}"/>
-              </a:ext>
-            </a:extLst>
-          </p:cNvPr>
-          <p:cNvSpPr/>
-          <p:nvPr/>
-        </p:nvSpPr>
-        <p:spPr>
-          <a:xfrm>
-            <a:off x="11981351" y="4587160"/>
-            <a:ext cx="1061885" cy="472897"/>
-          </a:xfrm>
-          <a:prstGeom prst="borderCallout2">
-            <a:avLst>
-              <a:gd name="adj1" fmla="val 30603"/>
-              <a:gd name="adj2" fmla="val 104734"/>
-              <a:gd name="adj3" fmla="val 28119"/>
-              <a:gd name="adj4" fmla="val 178698"/>
-              <a:gd name="adj5" fmla="val -293"/>
-              <a:gd name="adj6" fmla="val 194810"/>
-            </a:avLst>
-          </a:prstGeom>
-          <a:solidFill>
-            <a:schemeClr val="bg1">
-              <a:lumMod val="85000"/>
-            </a:schemeClr>
-          </a:solidFill>
-          <a:ln w="19050">
-            <a:solidFill>
-              <a:srgbClr val="FF0000"/>
-            </a:solidFill>
-          </a:ln>
-        </p:spPr>
-        <p:style>
-          <a:lnRef idx="2">
-            <a:schemeClr val="accent1">
-              <a:shade val="50000"/>
-            </a:schemeClr>
-          </a:lnRef>
-          <a:fillRef idx="1">
-            <a:schemeClr val="accent1"/>
-          </a:fillRef>
-          <a:effectRef idx="0">
-            <a:schemeClr val="accent1"/>
-          </a:effectRef>
-          <a:fontRef idx="minor">
-            <a:schemeClr val="lt1"/>
-          </a:fontRef>
-        </p:style>
-        <p:txBody>
-          <a:bodyPr rtlCol="0" anchor="ctr"/>
-          <a:lstStyle/>
-          <a:p>
-            <a:pPr lvl="0" algn="ctr"/>
-            <a:r>
-              <a:rPr lang="es-NI" sz="799" b="1" dirty="0">
-                <a:solidFill>
-                  <a:prstClr val="black"/>
-                </a:solidFill>
-              </a:rPr>
-              <a:t>Archivos CAD de Tres modelos de Robot de la Familia </a:t>
-            </a:r>
-            <a:r>
-              <a:rPr lang="es-NI" sz="799" b="1" dirty="0" err="1">
-                <a:solidFill>
-                  <a:prstClr val="black"/>
-                </a:solidFill>
-              </a:rPr>
-              <a:t>Kuka</a:t>
-            </a:r>
-            <a:r>
-              <a:rPr lang="es-NI" sz="799" b="1" dirty="0">
-                <a:solidFill>
-                  <a:prstClr val="black"/>
-                </a:solidFill>
-              </a:rPr>
-              <a:t> KR6</a:t>
-            </a:r>
-          </a:p>
-        </p:txBody>
-      </p:sp>
-    </p:spTree>
-    <p:extLst>
-      <p:ext uri="{BB962C8B-B14F-4D97-AF65-F5344CB8AC3E}">
-        <p14:creationId xmlns:p14="http://schemas.microsoft.com/office/powerpoint/2010/main" val="3606982395"/>
-      </p:ext>
-    </p:extLst>
-  </p:cSld>
-  <p:clrMapOvr>
-    <a:masterClrMapping/>
-  </p:clrMapOvr>
-</p:sld>
-</file>
-
-<file path=ppt/slides/slide5.xml><?xml version="1.0" encoding="utf-8"?>
+<file path=ppt/slides/slide6.xml><?xml version="1.0" encoding="utf-8"?>
 <p:sld xmlns:a="http://schemas.openxmlformats.org/drawingml/2006/main" xmlns:r="http://schemas.openxmlformats.org/officeDocument/2006/relationships" xmlns:p="http://schemas.openxmlformats.org/presentationml/2006/main">
   <p:cSld>
     <p:spTree>
@@ -11899,181 +13103,6 @@
     <p:extLst>
       <p:ext uri="{BB962C8B-B14F-4D97-AF65-F5344CB8AC3E}">
         <p14:creationId xmlns:p14="http://schemas.microsoft.com/office/powerpoint/2010/main" val="3090030005"/>
-      </p:ext>
-    </p:extLst>
-  </p:cSld>
-  <p:clrMapOvr>
-    <a:masterClrMapping/>
-  </p:clrMapOvr>
-</p:sld>
-</file>
-
-<file path=ppt/slides/slide6.xml><?xml version="1.0" encoding="utf-8"?>
-<p:sld xmlns:a="http://schemas.openxmlformats.org/drawingml/2006/main" xmlns:r="http://schemas.openxmlformats.org/officeDocument/2006/relationships" xmlns:p="http://schemas.openxmlformats.org/presentationml/2006/main">
-  <p:cSld>
-    <p:spTree>
-      <p:nvGrpSpPr>
-        <p:cNvPr id="1" name=""/>
-        <p:cNvGrpSpPr/>
-        <p:nvPr/>
-      </p:nvGrpSpPr>
-      <p:grpSpPr>
-        <a:xfrm>
-          <a:off x="0" y="0"/>
-          <a:ext cx="0" cy="0"/>
-          <a:chOff x="0" y="0"/>
-          <a:chExt cx="0" cy="0"/>
-        </a:xfrm>
-      </p:grpSpPr>
-      <p:sp>
-        <p:nvSpPr>
-          <p:cNvPr id="12" name="CuadroTexto 11">
-            <a:extLst>
-              <a:ext uri="{FF2B5EF4-FFF2-40B4-BE49-F238E27FC236}">
-                <a16:creationId xmlns:a16="http://schemas.microsoft.com/office/drawing/2014/main" id="{02989EB8-3B75-435F-BC1E-A67CC0E1F4A4}"/>
-              </a:ext>
-            </a:extLst>
-          </p:cNvPr>
-          <p:cNvSpPr txBox="1"/>
-          <p:nvPr/>
-        </p:nvSpPr>
-        <p:spPr>
-          <a:xfrm>
-            <a:off x="7174323" y="12505097"/>
-            <a:ext cx="2305049" cy="523092"/>
-          </a:xfrm>
-          <a:prstGeom prst="rect">
-            <a:avLst/>
-          </a:prstGeom>
-          <a:noFill/>
-        </p:spPr>
-        <p:txBody>
-          <a:bodyPr wrap="square" rtlCol="0">
-            <a:spAutoFit/>
-          </a:bodyPr>
-          <a:lstStyle/>
-          <a:p>
-            <a:pPr algn="ctr"/>
-            <a:r>
-              <a:rPr lang="en-US" sz="2799" dirty="0"/>
-              <a:t>a)</a:t>
-            </a:r>
-            <a:endParaRPr lang="es-ES" sz="2799" dirty="0"/>
-          </a:p>
-        </p:txBody>
-      </p:sp>
-      <p:sp>
-        <p:nvSpPr>
-          <p:cNvPr id="13" name="CuadroTexto 12">
-            <a:extLst>
-              <a:ext uri="{FF2B5EF4-FFF2-40B4-BE49-F238E27FC236}">
-                <a16:creationId xmlns:a16="http://schemas.microsoft.com/office/drawing/2014/main" id="{8E545042-1AF8-4484-8FAB-9D68628FD426}"/>
-              </a:ext>
-            </a:extLst>
-          </p:cNvPr>
-          <p:cNvSpPr txBox="1"/>
-          <p:nvPr/>
-        </p:nvSpPr>
-        <p:spPr>
-          <a:xfrm>
-            <a:off x="14863763" y="12505097"/>
-            <a:ext cx="2305049" cy="523092"/>
-          </a:xfrm>
-          <a:prstGeom prst="rect">
-            <a:avLst/>
-          </a:prstGeom>
-          <a:noFill/>
-        </p:spPr>
-        <p:txBody>
-          <a:bodyPr wrap="square" rtlCol="0">
-            <a:spAutoFit/>
-          </a:bodyPr>
-          <a:lstStyle/>
-          <a:p>
-            <a:pPr algn="ctr"/>
-            <a:r>
-              <a:rPr lang="en-US" sz="2799" dirty="0"/>
-              <a:t>b)</a:t>
-            </a:r>
-            <a:endParaRPr lang="es-ES" sz="2799" dirty="0"/>
-          </a:p>
-        </p:txBody>
-      </p:sp>
-      <p:pic>
-        <p:nvPicPr>
-          <p:cNvPr id="3" name="Imagen 2">
-            <a:extLst>
-              <a:ext uri="{FF2B5EF4-FFF2-40B4-BE49-F238E27FC236}">
-                <a16:creationId xmlns:a16="http://schemas.microsoft.com/office/drawing/2014/main" id="{6BD6CE1F-8149-4800-BBA3-8649B554F7BF}"/>
-              </a:ext>
-            </a:extLst>
-          </p:cNvPr>
-          <p:cNvPicPr>
-            <a:picLocks noChangeAspect="1"/>
-          </p:cNvPicPr>
-          <p:nvPr/>
-        </p:nvPicPr>
-        <p:blipFill>
-          <a:blip r:embed="rId2">
-            <a:extLst>
-              <a:ext uri="{28A0092B-C50C-407E-A947-70E740481C1C}">
-                <a14:useLocalDpi xmlns:a14="http://schemas.microsoft.com/office/drawing/2010/main" val="0"/>
-              </a:ext>
-            </a:extLst>
-          </a:blip>
-          <a:stretch>
-            <a:fillRect/>
-          </a:stretch>
-        </p:blipFill>
-        <p:spPr>
-          <a:xfrm>
-            <a:off x="4587762" y="7566057"/>
-            <a:ext cx="7478170" cy="4715532"/>
-          </a:xfrm>
-          <a:prstGeom prst="rect">
-            <a:avLst/>
-          </a:prstGeom>
-        </p:spPr>
-      </p:pic>
-      <p:pic>
-        <p:nvPicPr>
-          <p:cNvPr id="7" name="Marcador de contenido 6">
-            <a:extLst>
-              <a:ext uri="{FF2B5EF4-FFF2-40B4-BE49-F238E27FC236}">
-                <a16:creationId xmlns:a16="http://schemas.microsoft.com/office/drawing/2014/main" id="{BF569FE4-7E6C-4F40-90AC-4EE565D15923}"/>
-              </a:ext>
-            </a:extLst>
-          </p:cNvPr>
-          <p:cNvPicPr>
-            <a:picLocks noGrp="1" noChangeAspect="1"/>
-          </p:cNvPicPr>
-          <p:nvPr>
-            <p:ph idx="1"/>
-          </p:nvPr>
-        </p:nvPicPr>
-        <p:blipFill>
-          <a:blip r:embed="rId3">
-            <a:extLst>
-              <a:ext uri="{28A0092B-C50C-407E-A947-70E740481C1C}">
-                <a14:useLocalDpi xmlns:a14="http://schemas.microsoft.com/office/drawing/2010/main" val="0"/>
-              </a:ext>
-            </a:extLst>
-          </a:blip>
-          <a:stretch>
-            <a:fillRect/>
-          </a:stretch>
-        </p:blipFill>
-        <p:spPr>
-          <a:xfrm>
-            <a:off x="11327756" y="7566057"/>
-            <a:ext cx="9377070" cy="4715532"/>
-          </a:xfrm>
-        </p:spPr>
-      </p:pic>
-    </p:spTree>
-    <p:extLst>
-      <p:ext uri="{BB962C8B-B14F-4D97-AF65-F5344CB8AC3E}">
-        <p14:creationId xmlns:p14="http://schemas.microsoft.com/office/powerpoint/2010/main" val="215007327"/>
       </p:ext>
     </p:extLst>
   </p:cSld>
@@ -12114,7 +13143,7 @@
         </p:nvSpPr>
         <p:spPr>
           <a:xfrm>
-            <a:off x="7174323" y="11981877"/>
+            <a:off x="7174323" y="12505097"/>
             <a:ext cx="2305049" cy="523092"/>
           </a:xfrm>
           <a:prstGeom prst="rect">
@@ -12151,7 +13180,7 @@
         </p:nvSpPr>
         <p:spPr>
           <a:xfrm>
-            <a:off x="14863763" y="11981877"/>
+            <a:off x="14863763" y="12505097"/>
             <a:ext cx="2305049" cy="523092"/>
           </a:xfrm>
           <a:prstGeom prst="rect">
@@ -12176,10 +13205,10 @@
       </p:sp>
       <p:pic>
         <p:nvPicPr>
-          <p:cNvPr id="5" name="Imagen 4">
+          <p:cNvPr id="3" name="Imagen 2">
             <a:extLst>
               <a:ext uri="{FF2B5EF4-FFF2-40B4-BE49-F238E27FC236}">
-                <a16:creationId xmlns:a16="http://schemas.microsoft.com/office/drawing/2014/main" id="{1C572A3E-AC2C-4B17-AF17-D820E86988EF}"/>
+                <a16:creationId xmlns:a16="http://schemas.microsoft.com/office/drawing/2014/main" id="{6BD6CE1F-8149-4800-BBA3-8649B554F7BF}"/>
               </a:ext>
             </a:extLst>
           </p:cNvPr>
@@ -12202,8 +13231,8 @@
         </p:blipFill>
         <p:spPr>
           <a:xfrm>
-            <a:off x="11441955" y="7661320"/>
-            <a:ext cx="8524876" cy="4314824"/>
+            <a:off x="4587762" y="7566057"/>
+            <a:ext cx="7478170" cy="4715532"/>
           </a:xfrm>
           <a:prstGeom prst="rect">
             <a:avLst/>
@@ -12212,19 +13241,21 @@
       </p:pic>
       <p:pic>
         <p:nvPicPr>
-          <p:cNvPr id="8" name="Imagen 7">
+          <p:cNvPr id="7" name="Marcador de contenido 6">
             <a:extLst>
               <a:ext uri="{FF2B5EF4-FFF2-40B4-BE49-F238E27FC236}">
-                <a16:creationId xmlns:a16="http://schemas.microsoft.com/office/drawing/2014/main" id="{D86E04F9-4781-4CE1-A04C-A9580C808CDF}"/>
+                <a16:creationId xmlns:a16="http://schemas.microsoft.com/office/drawing/2014/main" id="{BF569FE4-7E6C-4F40-90AC-4EE565D15923}"/>
               </a:ext>
             </a:extLst>
           </p:cNvPr>
           <p:cNvPicPr>
-            <a:picLocks noChangeAspect="1"/>
+            <a:picLocks noGrp="1" noChangeAspect="1"/>
           </p:cNvPicPr>
-          <p:nvPr/>
+          <p:nvPr>
+            <p:ph idx="1"/>
+          </p:nvPr>
         </p:nvPicPr>
-        <p:blipFill rotWithShape="1">
+        <p:blipFill>
           <a:blip r:embed="rId3">
             <a:extLst>
               <a:ext uri="{28A0092B-C50C-407E-A947-70E740481C1C}">
@@ -12232,23 +13263,21 @@
               </a:ext>
             </a:extLst>
           </a:blip>
-          <a:srcRect b="4645"/>
-          <a:stretch/>
+          <a:stretch>
+            <a:fillRect/>
+          </a:stretch>
         </p:blipFill>
         <p:spPr>
           <a:xfrm>
-            <a:off x="5211737" y="7661320"/>
-            <a:ext cx="6230220" cy="4314824"/>
+            <a:off x="11327756" y="7566057"/>
+            <a:ext cx="9377070" cy="4715532"/>
           </a:xfrm>
-          <a:prstGeom prst="rect">
-            <a:avLst/>
-          </a:prstGeom>
         </p:spPr>
       </p:pic>
     </p:spTree>
     <p:extLst>
       <p:ext uri="{BB962C8B-B14F-4D97-AF65-F5344CB8AC3E}">
-        <p14:creationId xmlns:p14="http://schemas.microsoft.com/office/powerpoint/2010/main" val="82740932"/>
+        <p14:creationId xmlns:p14="http://schemas.microsoft.com/office/powerpoint/2010/main" val="215007327"/>
       </p:ext>
     </p:extLst>
   </p:cSld>
@@ -12289,7 +13318,7 @@
         </p:nvSpPr>
         <p:spPr>
           <a:xfrm>
-            <a:off x="7816624" y="11993153"/>
+            <a:off x="7174323" y="11981877"/>
             <a:ext cx="2305049" cy="523092"/>
           </a:xfrm>
           <a:prstGeom prst="rect">
@@ -12351,10 +13380,10 @@
       </p:sp>
       <p:pic>
         <p:nvPicPr>
-          <p:cNvPr id="3" name="Imagen 2">
+          <p:cNvPr id="5" name="Imagen 4">
             <a:extLst>
               <a:ext uri="{FF2B5EF4-FFF2-40B4-BE49-F238E27FC236}">
-                <a16:creationId xmlns:a16="http://schemas.microsoft.com/office/drawing/2014/main" id="{E6CCD3C3-A447-4DA8-A3BF-AA3EDE623E7C}"/>
+                <a16:creationId xmlns:a16="http://schemas.microsoft.com/office/drawing/2014/main" id="{1C572A3E-AC2C-4B17-AF17-D820E86988EF}"/>
               </a:ext>
             </a:extLst>
           </p:cNvPr>
@@ -12363,7 +13392,7 @@
           </p:cNvPicPr>
           <p:nvPr/>
         </p:nvPicPr>
-        <p:blipFill rotWithShape="1">
+        <p:blipFill>
           <a:blip r:embed="rId2">
             <a:extLst>
               <a:ext uri="{28A0092B-C50C-407E-A947-70E740481C1C}">
@@ -12371,13 +13400,14 @@
               </a:ext>
             </a:extLst>
           </a:blip>
-          <a:srcRect r="986"/>
-          <a:stretch/>
+          <a:stretch>
+            <a:fillRect/>
+          </a:stretch>
         </p:blipFill>
         <p:spPr>
           <a:xfrm>
-            <a:off x="11470618" y="7834629"/>
-            <a:ext cx="9921530" cy="4076699"/>
+            <a:off x="11441955" y="7661320"/>
+            <a:ext cx="8524876" cy="4314824"/>
           </a:xfrm>
           <a:prstGeom prst="rect">
             <a:avLst/>
@@ -12386,10 +13416,10 @@
       </p:pic>
       <p:pic>
         <p:nvPicPr>
-          <p:cNvPr id="6" name="Imagen 5">
+          <p:cNvPr id="8" name="Imagen 7">
             <a:extLst>
               <a:ext uri="{FF2B5EF4-FFF2-40B4-BE49-F238E27FC236}">
-                <a16:creationId xmlns:a16="http://schemas.microsoft.com/office/drawing/2014/main" id="{4040E1EB-1562-4678-B620-AA67029E1979}"/>
+                <a16:creationId xmlns:a16="http://schemas.microsoft.com/office/drawing/2014/main" id="{D86E04F9-4781-4CE1-A04C-A9580C808CDF}"/>
               </a:ext>
             </a:extLst>
           </p:cNvPr>
@@ -12406,13 +13436,13 @@
               </a:ext>
             </a:extLst>
           </a:blip>
-          <a:srcRect t="8949"/>
+          <a:srcRect b="4645"/>
           <a:stretch/>
         </p:blipFill>
         <p:spPr>
           <a:xfrm>
-            <a:off x="6082674" y="7869902"/>
-            <a:ext cx="5772957" cy="4076699"/>
+            <a:off x="5211737" y="7661320"/>
+            <a:ext cx="6230220" cy="4314824"/>
           </a:xfrm>
           <a:prstGeom prst="rect">
             <a:avLst/>
@@ -12422,7 +13452,7 @@
     </p:spTree>
     <p:extLst>
       <p:ext uri="{BB962C8B-B14F-4D97-AF65-F5344CB8AC3E}">
-        <p14:creationId xmlns:p14="http://schemas.microsoft.com/office/powerpoint/2010/main" val="2725478554"/>
+        <p14:creationId xmlns:p14="http://schemas.microsoft.com/office/powerpoint/2010/main" val="82740932"/>
       </p:ext>
     </p:extLst>
   </p:cSld>
@@ -12525,340 +13555,78 @@
       </p:sp>
       <p:pic>
         <p:nvPicPr>
-          <p:cNvPr id="7" name="Imagen 6">
+          <p:cNvPr id="3" name="Imagen 2">
             <a:extLst>
               <a:ext uri="{FF2B5EF4-FFF2-40B4-BE49-F238E27FC236}">
-                <a16:creationId xmlns:a16="http://schemas.microsoft.com/office/drawing/2014/main" id="{629D62BC-9D47-4E9D-89AE-155D993B4617}"/>
+                <a16:creationId xmlns:a16="http://schemas.microsoft.com/office/drawing/2014/main" id="{E6CCD3C3-A447-4DA8-A3BF-AA3EDE623E7C}"/>
               </a:ext>
             </a:extLst>
           </p:cNvPr>
-          <p:cNvPicPr/>
+          <p:cNvPicPr>
+            <a:picLocks noChangeAspect="1"/>
+          </p:cNvPicPr>
           <p:nvPr/>
         </p:nvPicPr>
-        <p:blipFill>
-          <a:blip r:embed="rId2"/>
-          <a:stretch>
-            <a:fillRect/>
-          </a:stretch>
+        <p:blipFill rotWithShape="1">
+          <a:blip r:embed="rId2">
+            <a:extLst>
+              <a:ext uri="{28A0092B-C50C-407E-A947-70E740481C1C}">
+                <a14:useLocalDpi xmlns:a14="http://schemas.microsoft.com/office/drawing/2010/main" val="0"/>
+              </a:ext>
+            </a:extLst>
+          </a:blip>
+          <a:srcRect r="986"/>
+          <a:stretch/>
         </p:blipFill>
         <p:spPr>
           <a:xfrm>
-            <a:off x="9177064" y="9189902"/>
-            <a:ext cx="4441644" cy="1249498"/>
+            <a:off x="11470618" y="7834629"/>
+            <a:ext cx="9921530" cy="4076699"/>
           </a:xfrm>
           <a:prstGeom prst="rect">
             <a:avLst/>
           </a:prstGeom>
         </p:spPr>
       </p:pic>
-      <p:sp>
-        <p:nvSpPr>
-          <p:cNvPr id="8" name="Globo: línea doblada 7">
+      <p:pic>
+        <p:nvPicPr>
+          <p:cNvPr id="6" name="Imagen 5">
             <a:extLst>
               <a:ext uri="{FF2B5EF4-FFF2-40B4-BE49-F238E27FC236}">
-                <a16:creationId xmlns:a16="http://schemas.microsoft.com/office/drawing/2014/main" id="{F2708F88-85A7-44FA-9612-9974FE174372}"/>
+                <a16:creationId xmlns:a16="http://schemas.microsoft.com/office/drawing/2014/main" id="{4040E1EB-1562-4678-B620-AA67029E1979}"/>
               </a:ext>
             </a:extLst>
           </p:cNvPr>
-          <p:cNvSpPr/>
+          <p:cNvPicPr>
+            <a:picLocks noChangeAspect="1"/>
+          </p:cNvPicPr>
           <p:nvPr/>
-        </p:nvSpPr>
+        </p:nvPicPr>
+        <p:blipFill rotWithShape="1">
+          <a:blip r:embed="rId3">
+            <a:extLst>
+              <a:ext uri="{28A0092B-C50C-407E-A947-70E740481C1C}">
+                <a14:useLocalDpi xmlns:a14="http://schemas.microsoft.com/office/drawing/2010/main" val="0"/>
+              </a:ext>
+            </a:extLst>
+          </a:blip>
+          <a:srcRect t="8949"/>
+          <a:stretch/>
+        </p:blipFill>
         <p:spPr>
           <a:xfrm>
-            <a:off x="13907451" y="8833216"/>
-            <a:ext cx="1119333" cy="351693"/>
+            <a:off x="6082674" y="7869902"/>
+            <a:ext cx="5772957" cy="4076699"/>
           </a:xfrm>
-          <a:prstGeom prst="borderCallout2">
-            <a:avLst>
-              <a:gd name="adj1" fmla="val 84774"/>
-              <a:gd name="adj2" fmla="val -7444"/>
-              <a:gd name="adj3" fmla="val 85713"/>
-              <a:gd name="adj4" fmla="val -31941"/>
-              <a:gd name="adj5" fmla="val 186953"/>
-              <a:gd name="adj6" fmla="val -53214"/>
-            </a:avLst>
+          <a:prstGeom prst="rect">
+            <a:avLst/>
           </a:prstGeom>
-          <a:solidFill>
-            <a:schemeClr val="bg2"/>
-          </a:solidFill>
-          <a:ln w="19050">
-            <a:solidFill>
-              <a:srgbClr val="FF0000"/>
-            </a:solidFill>
-          </a:ln>
         </p:spPr>
-        <p:style>
-          <a:lnRef idx="2">
-            <a:schemeClr val="accent1">
-              <a:shade val="50000"/>
-            </a:schemeClr>
-          </a:lnRef>
-          <a:fillRef idx="1">
-            <a:schemeClr val="accent1"/>
-          </a:fillRef>
-          <a:effectRef idx="0">
-            <a:schemeClr val="accent1"/>
-          </a:effectRef>
-          <a:fontRef idx="minor">
-            <a:schemeClr val="lt1"/>
-          </a:fontRef>
-        </p:style>
-        <p:txBody>
-          <a:bodyPr rot="0" spcFirstLastPara="0" vertOverflow="overflow" horzOverflow="overflow" vert="horz" wrap="square" lIns="121923" tIns="60961" rIns="121923" bIns="60961" numCol="1" spcCol="0" rtlCol="0" fromWordArt="0" anchor="ctr" anchorCtr="0" forceAA="0" compatLnSpc="1">
-            <a:prstTxWarp prst="textNoShape">
-              <a:avLst/>
-            </a:prstTxWarp>
-            <a:noAutofit/>
-          </a:bodyPr>
-          <a:lstStyle/>
-          <a:p>
-            <a:pPr algn="ctr"/>
-            <a:r>
-              <a:rPr lang="es-ES" sz="799" b="1" dirty="0">
-                <a:solidFill>
-                  <a:schemeClr val="tx1"/>
-                </a:solidFill>
-              </a:rPr>
-              <a:t>Rotación sobe el Eje Z</a:t>
-            </a:r>
-            <a:endParaRPr lang="es-ES" sz="799" b="1" i="1" dirty="0">
-              <a:solidFill>
-                <a:schemeClr val="tx1"/>
-              </a:solidFill>
-            </a:endParaRPr>
-          </a:p>
-        </p:txBody>
-      </p:sp>
-      <p:sp>
-        <p:nvSpPr>
-          <p:cNvPr id="9" name="Globo: línea doblada 8">
-            <a:extLst>
-              <a:ext uri="{FF2B5EF4-FFF2-40B4-BE49-F238E27FC236}">
-                <a16:creationId xmlns:a16="http://schemas.microsoft.com/office/drawing/2014/main" id="{DDC23153-A2C4-4F2B-B5B4-0E091DF404F8}"/>
-              </a:ext>
-            </a:extLst>
-          </p:cNvPr>
-          <p:cNvSpPr/>
-          <p:nvPr/>
-        </p:nvSpPr>
-        <p:spPr>
-          <a:xfrm>
-            <a:off x="13907451" y="9920246"/>
-            <a:ext cx="1119333" cy="351693"/>
-          </a:xfrm>
-          <a:prstGeom prst="borderCallout2">
-            <a:avLst>
-              <a:gd name="adj1" fmla="val 81441"/>
-              <a:gd name="adj2" fmla="val -4302"/>
-              <a:gd name="adj3" fmla="val 85713"/>
-              <a:gd name="adj4" fmla="val -158668"/>
-              <a:gd name="adj5" fmla="val 17924"/>
-              <a:gd name="adj6" fmla="val -200755"/>
-            </a:avLst>
-          </a:prstGeom>
-          <a:solidFill>
-            <a:schemeClr val="bg2"/>
-          </a:solidFill>
-          <a:ln w="19050">
-            <a:solidFill>
-              <a:srgbClr val="FF0000"/>
-            </a:solidFill>
-          </a:ln>
-        </p:spPr>
-        <p:style>
-          <a:lnRef idx="2">
-            <a:schemeClr val="accent1">
-              <a:shade val="50000"/>
-            </a:schemeClr>
-          </a:lnRef>
-          <a:fillRef idx="1">
-            <a:schemeClr val="accent1"/>
-          </a:fillRef>
-          <a:effectRef idx="0">
-            <a:schemeClr val="accent1"/>
-          </a:effectRef>
-          <a:fontRef idx="minor">
-            <a:schemeClr val="lt1"/>
-          </a:fontRef>
-        </p:style>
-        <p:txBody>
-          <a:bodyPr rot="0" spcFirstLastPara="0" vertOverflow="overflow" horzOverflow="overflow" vert="horz" wrap="square" lIns="121923" tIns="60961" rIns="121923" bIns="60961" numCol="1" spcCol="0" rtlCol="0" fromWordArt="0" anchor="ctr" anchorCtr="0" forceAA="0" compatLnSpc="1">
-            <a:prstTxWarp prst="textNoShape">
-              <a:avLst/>
-            </a:prstTxWarp>
-            <a:noAutofit/>
-          </a:bodyPr>
-          <a:lstStyle/>
-          <a:p>
-            <a:pPr algn="ctr"/>
-            <a:r>
-              <a:rPr lang="es-ES" sz="799" b="1" dirty="0">
-                <a:solidFill>
-                  <a:schemeClr val="tx1"/>
-                </a:solidFill>
-              </a:rPr>
-              <a:t>Rotación sobe el Eje X</a:t>
-            </a:r>
-            <a:endParaRPr lang="es-ES" sz="799" b="1" i="1" dirty="0">
-              <a:solidFill>
-                <a:schemeClr val="tx1"/>
-              </a:solidFill>
-            </a:endParaRPr>
-          </a:p>
-        </p:txBody>
-      </p:sp>
-      <p:sp>
-        <p:nvSpPr>
-          <p:cNvPr id="10" name="Globo: línea doblada 9">
-            <a:extLst>
-              <a:ext uri="{FF2B5EF4-FFF2-40B4-BE49-F238E27FC236}">
-                <a16:creationId xmlns:a16="http://schemas.microsoft.com/office/drawing/2014/main" id="{E93074BF-F6BF-40EC-8A70-F5C2A40B6AA2}"/>
-              </a:ext>
-            </a:extLst>
-          </p:cNvPr>
-          <p:cNvSpPr/>
-          <p:nvPr/>
-        </p:nvSpPr>
-        <p:spPr>
-          <a:xfrm>
-            <a:off x="13907451" y="9441141"/>
-            <a:ext cx="1119333" cy="351693"/>
-          </a:xfrm>
-          <a:prstGeom prst="borderCallout2">
-            <a:avLst>
-              <a:gd name="adj1" fmla="val 84774"/>
-              <a:gd name="adj2" fmla="val -7444"/>
-              <a:gd name="adj3" fmla="val 145712"/>
-              <a:gd name="adj4" fmla="val -36130"/>
-              <a:gd name="adj5" fmla="val 144592"/>
-              <a:gd name="adj6" fmla="val -140010"/>
-            </a:avLst>
-          </a:prstGeom>
-          <a:solidFill>
-            <a:schemeClr val="bg2"/>
-          </a:solidFill>
-          <a:ln w="19050">
-            <a:solidFill>
-              <a:srgbClr val="FF0000"/>
-            </a:solidFill>
-          </a:ln>
-        </p:spPr>
-        <p:style>
-          <a:lnRef idx="2">
-            <a:schemeClr val="accent1">
-              <a:shade val="50000"/>
-            </a:schemeClr>
-          </a:lnRef>
-          <a:fillRef idx="1">
-            <a:schemeClr val="accent1"/>
-          </a:fillRef>
-          <a:effectRef idx="0">
-            <a:schemeClr val="accent1"/>
-          </a:effectRef>
-          <a:fontRef idx="minor">
-            <a:schemeClr val="lt1"/>
-          </a:fontRef>
-        </p:style>
-        <p:txBody>
-          <a:bodyPr rot="0" spcFirstLastPara="0" vertOverflow="overflow" horzOverflow="overflow" vert="horz" wrap="square" lIns="121923" tIns="60961" rIns="121923" bIns="60961" numCol="1" spcCol="0" rtlCol="0" fromWordArt="0" anchor="ctr" anchorCtr="0" forceAA="0" compatLnSpc="1">
-            <a:prstTxWarp prst="textNoShape">
-              <a:avLst/>
-            </a:prstTxWarp>
-            <a:noAutofit/>
-          </a:bodyPr>
-          <a:lstStyle/>
-          <a:p>
-            <a:pPr algn="ctr"/>
-            <a:r>
-              <a:rPr lang="es-ES" sz="799" b="1" dirty="0">
-                <a:solidFill>
-                  <a:schemeClr val="tx1"/>
-                </a:solidFill>
-              </a:rPr>
-              <a:t>Rotación sobe el Eje Y</a:t>
-            </a:r>
-            <a:endParaRPr lang="es-ES" sz="799" b="1" i="1" dirty="0">
-              <a:solidFill>
-                <a:schemeClr val="tx1"/>
-              </a:solidFill>
-            </a:endParaRPr>
-          </a:p>
-        </p:txBody>
-      </p:sp>
-      <p:sp>
-        <p:nvSpPr>
-          <p:cNvPr id="11" name="Globo: línea doblada 10">
-            <a:extLst>
-              <a:ext uri="{FF2B5EF4-FFF2-40B4-BE49-F238E27FC236}">
-                <a16:creationId xmlns:a16="http://schemas.microsoft.com/office/drawing/2014/main" id="{DD264B6C-B2BC-4878-89EA-E345510A704A}"/>
-              </a:ext>
-            </a:extLst>
-          </p:cNvPr>
-          <p:cNvSpPr/>
-          <p:nvPr/>
-        </p:nvSpPr>
-        <p:spPr>
-          <a:xfrm>
-            <a:off x="8115183" y="9859644"/>
-            <a:ext cx="1061885" cy="472897"/>
-          </a:xfrm>
-          <a:prstGeom prst="borderCallout2">
-            <a:avLst>
-              <a:gd name="adj1" fmla="val 56116"/>
-              <a:gd name="adj2" fmla="val 107126"/>
-              <a:gd name="adj3" fmla="val 53632"/>
-              <a:gd name="adj4" fmla="val 160160"/>
-              <a:gd name="adj5" fmla="val 23877"/>
-              <a:gd name="adj6" fmla="val 170890"/>
-            </a:avLst>
-          </a:prstGeom>
-          <a:solidFill>
-            <a:schemeClr val="bg1">
-              <a:lumMod val="85000"/>
-            </a:schemeClr>
-          </a:solidFill>
-          <a:ln w="19050">
-            <a:solidFill>
-              <a:srgbClr val="FF0000"/>
-            </a:solidFill>
-          </a:ln>
-        </p:spPr>
-        <p:style>
-          <a:lnRef idx="2">
-            <a:schemeClr val="accent1">
-              <a:shade val="50000"/>
-            </a:schemeClr>
-          </a:lnRef>
-          <a:fillRef idx="1">
-            <a:schemeClr val="accent1"/>
-          </a:fillRef>
-          <a:effectRef idx="0">
-            <a:schemeClr val="accent1"/>
-          </a:effectRef>
-          <a:fontRef idx="minor">
-            <a:schemeClr val="lt1"/>
-          </a:fontRef>
-        </p:style>
-        <p:txBody>
-          <a:bodyPr rtlCol="0" anchor="ctr"/>
-          <a:lstStyle/>
-          <a:p>
-            <a:pPr lvl="0" algn="ctr"/>
-            <a:r>
-              <a:rPr lang="es-NI" sz="799" b="1" dirty="0">
-                <a:solidFill>
-                  <a:prstClr val="black"/>
-                </a:solidFill>
-              </a:rPr>
-              <a:t>Rotación de Objeto plano Tridimensional</a:t>
-            </a:r>
-          </a:p>
-        </p:txBody>
-      </p:sp>
+      </p:pic>
     </p:spTree>
     <p:extLst>
       <p:ext uri="{BB962C8B-B14F-4D97-AF65-F5344CB8AC3E}">
-        <p14:creationId xmlns:p14="http://schemas.microsoft.com/office/powerpoint/2010/main" val="3809342644"/>
+        <p14:creationId xmlns:p14="http://schemas.microsoft.com/office/powerpoint/2010/main" val="2725478554"/>
       </p:ext>
     </p:extLst>
   </p:cSld>

--- a/meshes [Autoguardado].pptx
+++ b/meshes [Autoguardado].pptx
@@ -3905,7 +3905,7 @@
           <a:p>
             <a:fld id="{56E17E0E-BED0-40DA-882A-A57045C57D8C}" type="datetimeFigureOut">
               <a:rPr lang="es-ES" smtClean="0"/>
-              <a:t>27/06/2019</a:t>
+              <a:t>01/07/2019</a:t>
             </a:fld>
             <a:endParaRPr lang="es-ES"/>
           </a:p>
@@ -4075,7 +4075,7 @@
           <a:p>
             <a:fld id="{56E17E0E-BED0-40DA-882A-A57045C57D8C}" type="datetimeFigureOut">
               <a:rPr lang="es-ES" smtClean="0"/>
-              <a:t>27/06/2019</a:t>
+              <a:t>01/07/2019</a:t>
             </a:fld>
             <a:endParaRPr lang="es-ES"/>
           </a:p>
@@ -4255,7 +4255,7 @@
           <a:p>
             <a:fld id="{56E17E0E-BED0-40DA-882A-A57045C57D8C}" type="datetimeFigureOut">
               <a:rPr lang="es-ES" smtClean="0"/>
-              <a:t>27/06/2019</a:t>
+              <a:t>01/07/2019</a:t>
             </a:fld>
             <a:endParaRPr lang="es-ES"/>
           </a:p>
@@ -4425,7 +4425,7 @@
           <a:p>
             <a:fld id="{56E17E0E-BED0-40DA-882A-A57045C57D8C}" type="datetimeFigureOut">
               <a:rPr lang="es-ES" smtClean="0"/>
-              <a:t>27/06/2019</a:t>
+              <a:t>01/07/2019</a:t>
             </a:fld>
             <a:endParaRPr lang="es-ES"/>
           </a:p>
@@ -4671,7 +4671,7 @@
           <a:p>
             <a:fld id="{56E17E0E-BED0-40DA-882A-A57045C57D8C}" type="datetimeFigureOut">
               <a:rPr lang="es-ES" smtClean="0"/>
-              <a:t>27/06/2019</a:t>
+              <a:t>01/07/2019</a:t>
             </a:fld>
             <a:endParaRPr lang="es-ES"/>
           </a:p>
@@ -4903,7 +4903,7 @@
           <a:p>
             <a:fld id="{56E17E0E-BED0-40DA-882A-A57045C57D8C}" type="datetimeFigureOut">
               <a:rPr lang="es-ES" smtClean="0"/>
-              <a:t>27/06/2019</a:t>
+              <a:t>01/07/2019</a:t>
             </a:fld>
             <a:endParaRPr lang="es-ES"/>
           </a:p>
@@ -5270,7 +5270,7 @@
           <a:p>
             <a:fld id="{56E17E0E-BED0-40DA-882A-A57045C57D8C}" type="datetimeFigureOut">
               <a:rPr lang="es-ES" smtClean="0"/>
-              <a:t>27/06/2019</a:t>
+              <a:t>01/07/2019</a:t>
             </a:fld>
             <a:endParaRPr lang="es-ES"/>
           </a:p>
@@ -5388,7 +5388,7 @@
           <a:p>
             <a:fld id="{56E17E0E-BED0-40DA-882A-A57045C57D8C}" type="datetimeFigureOut">
               <a:rPr lang="es-ES" smtClean="0"/>
-              <a:t>27/06/2019</a:t>
+              <a:t>01/07/2019</a:t>
             </a:fld>
             <a:endParaRPr lang="es-ES"/>
           </a:p>
@@ -5483,7 +5483,7 @@
           <a:p>
             <a:fld id="{56E17E0E-BED0-40DA-882A-A57045C57D8C}" type="datetimeFigureOut">
               <a:rPr lang="es-ES" smtClean="0"/>
-              <a:t>27/06/2019</a:t>
+              <a:t>01/07/2019</a:t>
             </a:fld>
             <a:endParaRPr lang="es-ES"/>
           </a:p>
@@ -5760,7 +5760,7 @@
           <a:p>
             <a:fld id="{56E17E0E-BED0-40DA-882A-A57045C57D8C}" type="datetimeFigureOut">
               <a:rPr lang="es-ES" smtClean="0"/>
-              <a:t>27/06/2019</a:t>
+              <a:t>01/07/2019</a:t>
             </a:fld>
             <a:endParaRPr lang="es-ES"/>
           </a:p>
@@ -6017,7 +6017,7 @@
           <a:p>
             <a:fld id="{56E17E0E-BED0-40DA-882A-A57045C57D8C}" type="datetimeFigureOut">
               <a:rPr lang="es-ES" smtClean="0"/>
-              <a:t>27/06/2019</a:t>
+              <a:t>01/07/2019</a:t>
             </a:fld>
             <a:endParaRPr lang="es-ES"/>
           </a:p>
@@ -6230,7 +6230,7 @@
           <a:p>
             <a:fld id="{56E17E0E-BED0-40DA-882A-A57045C57D8C}" type="datetimeFigureOut">
               <a:rPr lang="es-ES" smtClean="0"/>
-              <a:t>27/06/2019</a:t>
+              <a:t>01/07/2019</a:t>
             </a:fld>
             <a:endParaRPr lang="es-ES"/>
           </a:p>
@@ -10683,6 +10683,36 @@
           <a:chExt cx="0" cy="0"/>
         </a:xfrm>
       </p:grpSpPr>
+      <p:pic>
+        <p:nvPicPr>
+          <p:cNvPr id="6" name="Imagen 5">
+            <a:extLst>
+              <a:ext uri="{FF2B5EF4-FFF2-40B4-BE49-F238E27FC236}">
+                <a16:creationId xmlns:a16="http://schemas.microsoft.com/office/drawing/2014/main" id="{AE54BAAD-29C4-4FB4-9A04-17107588B37D}"/>
+              </a:ext>
+            </a:extLst>
+          </p:cNvPr>
+          <p:cNvPicPr>
+            <a:picLocks noChangeAspect="1"/>
+          </p:cNvPicPr>
+          <p:nvPr/>
+        </p:nvPicPr>
+        <p:blipFill>
+          <a:blip r:embed="rId2"/>
+          <a:stretch>
+            <a:fillRect/>
+          </a:stretch>
+        </p:blipFill>
+        <p:spPr>
+          <a:xfrm>
+            <a:off x="13887449" y="9196615"/>
+            <a:ext cx="4257675" cy="819150"/>
+          </a:xfrm>
+          <a:prstGeom prst="rect">
+            <a:avLst/>
+          </a:prstGeom>
+        </p:spPr>
+      </p:pic>
       <p:sp>
         <p:nvSpPr>
           <p:cNvPr id="2" name="Título 1">
@@ -10708,66 +10738,6 @@
           </a:p>
         </p:txBody>
       </p:sp>
-      <p:pic>
-        <p:nvPicPr>
-          <p:cNvPr id="14" name="Marcador de contenido 13">
-            <a:extLst>
-              <a:ext uri="{FF2B5EF4-FFF2-40B4-BE49-F238E27FC236}">
-                <a16:creationId xmlns:a16="http://schemas.microsoft.com/office/drawing/2014/main" id="{73DC963B-C78A-486C-9350-FE7A74C834FB}"/>
-              </a:ext>
-            </a:extLst>
-          </p:cNvPr>
-          <p:cNvPicPr>
-            <a:picLocks noGrp="1"/>
-          </p:cNvPicPr>
-          <p:nvPr>
-            <p:ph idx="1"/>
-          </p:nvPr>
-        </p:nvPicPr>
-        <p:blipFill>
-          <a:blip r:embed="rId2"/>
-          <a:stretch>
-            <a:fillRect/>
-          </a:stretch>
-        </p:blipFill>
-        <p:spPr>
-          <a:xfrm>
-            <a:off x="12882563" y="10017125"/>
-            <a:ext cx="6267450" cy="990600"/>
-          </a:xfrm>
-          <a:prstGeom prst="rect">
-            <a:avLst/>
-          </a:prstGeom>
-        </p:spPr>
-      </p:pic>
-      <p:pic>
-        <p:nvPicPr>
-          <p:cNvPr id="15" name="Imagen 14">
-            <a:extLst>
-              <a:ext uri="{FF2B5EF4-FFF2-40B4-BE49-F238E27FC236}">
-                <a16:creationId xmlns:a16="http://schemas.microsoft.com/office/drawing/2014/main" id="{40E4A761-1274-41F8-9626-A7526A9E1F71}"/>
-              </a:ext>
-            </a:extLst>
-          </p:cNvPr>
-          <p:cNvPicPr/>
-          <p:nvPr/>
-        </p:nvPicPr>
-        <p:blipFill>
-          <a:blip r:embed="rId3"/>
-          <a:stretch>
-            <a:fillRect/>
-          </a:stretch>
-        </p:blipFill>
-        <p:spPr>
-          <a:xfrm>
-            <a:off x="14544357" y="9175025"/>
-            <a:ext cx="2943860" cy="862330"/>
-          </a:xfrm>
-          <a:prstGeom prst="rect">
-            <a:avLst/>
-          </a:prstGeom>
-        </p:spPr>
-      </p:pic>
       <p:sp>
         <p:nvSpPr>
           <p:cNvPr id="5" name="Globo: línea doblada 4">
@@ -10782,17 +10752,17 @@
         </p:nvSpPr>
         <p:spPr>
           <a:xfrm>
-            <a:off x="12044854" y="9009062"/>
-            <a:ext cx="1511249" cy="597128"/>
+            <a:off x="12333801" y="8898051"/>
+            <a:ext cx="1377589" cy="597128"/>
           </a:xfrm>
           <a:prstGeom prst="borderCallout2">
             <a:avLst>
               <a:gd name="adj1" fmla="val 96619"/>
               <a:gd name="adj2" fmla="val 99781"/>
-              <a:gd name="adj3" fmla="val 99044"/>
-              <a:gd name="adj4" fmla="val 159670"/>
-              <a:gd name="adj5" fmla="val 89068"/>
-              <a:gd name="adj6" fmla="val 179315"/>
+              <a:gd name="adj3" fmla="val 96946"/>
+              <a:gd name="adj4" fmla="val 122390"/>
+              <a:gd name="adj5" fmla="val 72286"/>
+              <a:gd name="adj6" fmla="val 135670"/>
             </a:avLst>
           </a:prstGeom>
           <a:solidFill>
@@ -10833,7 +10803,7 @@
                   <a:prstClr val="black"/>
                 </a:solidFill>
               </a:rPr>
-              <a:t>Configuración del WebEngine</a:t>
+              <a:t>Configuración de MediaPlayer</a:t>
             </a:r>
           </a:p>
         </p:txBody>
@@ -10852,17 +10822,17 @@
         </p:nvSpPr>
         <p:spPr>
           <a:xfrm>
-            <a:off x="19698773" y="10553387"/>
+            <a:off x="18321183" y="9009062"/>
             <a:ext cx="1710799" cy="454338"/>
           </a:xfrm>
           <a:prstGeom prst="borderCallout2">
             <a:avLst>
               <a:gd name="adj1" fmla="val 95428"/>
               <a:gd name="adj2" fmla="val -1581"/>
-              <a:gd name="adj3" fmla="val 94317"/>
-              <a:gd name="adj4" fmla="val -92466"/>
-              <a:gd name="adj5" fmla="val 55074"/>
-              <a:gd name="adj6" fmla="val -116578"/>
+              <a:gd name="adj3" fmla="val 97074"/>
+              <a:gd name="adj4" fmla="val -68304"/>
+              <a:gd name="adj5" fmla="val 123999"/>
+              <a:gd name="adj6" fmla="val -88023"/>
             </a:avLst>
           </a:prstGeom>
           <a:solidFill>
@@ -10903,7 +10873,7 @@
                   <a:prstClr val="black"/>
                 </a:solidFill>
               </a:rPr>
-              <a:t>Archivo PDF a Mostrar.</a:t>
+              <a:t>Video a Mostrar en la interfaz</a:t>
             </a:r>
           </a:p>
         </p:txBody>
@@ -10922,8 +10892,8 @@
         </p:nvSpPr>
         <p:spPr>
           <a:xfrm>
-            <a:off x="19698772" y="9379021"/>
-            <a:ext cx="1710799" cy="454338"/>
+            <a:off x="18321182" y="9890505"/>
+            <a:ext cx="1808144" cy="454338"/>
           </a:xfrm>
           <a:prstGeom prst="borderCallout2">
             <a:avLst>
@@ -10931,8 +10901,8 @@
               <a:gd name="adj2" fmla="val -1581"/>
               <a:gd name="adj3" fmla="val 94317"/>
               <a:gd name="adj4" fmla="val -92466"/>
-              <a:gd name="adj5" fmla="val 219320"/>
-              <a:gd name="adj6" fmla="val -271395"/>
+              <a:gd name="adj5" fmla="val -50864"/>
+              <a:gd name="adj6" fmla="val -189391"/>
             </a:avLst>
           </a:prstGeom>
           <a:solidFill>
@@ -10973,7 +10943,7 @@
                   <a:prstClr val="black"/>
                 </a:solidFill>
               </a:rPr>
-              <a:t>Estado en Programación QML</a:t>
+              <a:t>Propiedad del modulo MediaPlayer</a:t>
             </a:r>
           </a:p>
         </p:txBody>
